--- a/docs/presentations/Inverse Design Roadmap.pptx
+++ b/docs/presentations/Inverse Design Roadmap.pptx
@@ -5,7 +5,14 @@
     <p:sldMasterId id="2147483648" r:id="rId1"/>
   </p:sldMasterIdLst>
   <p:sldIdLst>
-    <p:sldId id="256" r:id="rId2"/>
+    <p:sldId id="257" r:id="rId2"/>
+    <p:sldId id="258" r:id="rId3"/>
+    <p:sldId id="259" r:id="rId4"/>
+    <p:sldId id="260" r:id="rId5"/>
+    <p:sldId id="261" r:id="rId6"/>
+    <p:sldId id="262" r:id="rId7"/>
+    <p:sldId id="263" r:id="rId8"/>
+    <p:sldId id="264" r:id="rId9"/>
   </p:sldIdLst>
   <p:sldSz cx="12192000" cy="6858000"/>
   <p:notesSz cx="6858000" cy="9144000"/>
@@ -3307,6 +3314,14 @@
 <file path=ppt/slides/slide1.xml><?xml version="1.0" encoding="utf-8"?>
 <p:sld xmlns:a="http://schemas.openxmlformats.org/drawingml/2006/main" xmlns:r="http://schemas.openxmlformats.org/officeDocument/2006/relationships" xmlns:p="http://schemas.openxmlformats.org/presentationml/2006/main">
   <p:cSld>
+    <p:bg>
+      <p:bgPr>
+        <a:solidFill>
+          <a:schemeClr val="bg1"/>
+        </a:solidFill>
+        <a:effectLst/>
+      </p:bgPr>
+    </p:bg>
     <p:spTree>
       <p:nvGrpSpPr>
         <p:cNvPr id="1" name=""/>
@@ -3321,12 +3336,463 @@
           <a:chExt cx="0" cy="0"/>
         </a:xfrm>
       </p:grpSpPr>
+      <p:sp useBgFill="1">
+        <p:nvSpPr>
+          <p:cNvPr id="8" name="Rectangle 7">
+            <a:extLst>
+              <a:ext uri="{FF2B5EF4-FFF2-40B4-BE49-F238E27FC236}">
+                <a16:creationId xmlns:a16="http://schemas.microsoft.com/office/drawing/2014/main" id="{FFD48BC7-DC40-47DE-87EE-9F4B6ECB9ABB}"/>
+              </a:ext>
+              <a:ext uri="{C183D7F6-B498-43B3-948B-1728B52AA6E4}">
+                <adec:decorative xmlns:adec="http://schemas.microsoft.com/office/drawing/2017/decorative" val="1"/>
+              </a:ext>
+            </a:extLst>
+          </p:cNvPr>
+          <p:cNvSpPr>
+            <a:spLocks noGrp="1" noRot="1" noChangeAspect="1" noMove="1" noResize="1" noEditPoints="1" noAdjustHandles="1" noChangeArrowheads="1" noChangeShapeType="1" noTextEdit="1"/>
+          </p:cNvSpPr>
+          <p:nvPr>
+            <p:extLst>
+              <p:ext uri="{386F3935-93C4-4BCD-93E2-E3B085C9AB24}">
+                <p16:designElem xmlns:p16="http://schemas.microsoft.com/office/powerpoint/2015/main" val="1"/>
+              </p:ext>
+            </p:extLst>
+          </p:nvPr>
+        </p:nvSpPr>
+        <p:spPr>
+          <a:xfrm>
+            <a:off x="0" y="0"/>
+            <a:ext cx="12192000" cy="6858000"/>
+          </a:xfrm>
+          <a:prstGeom prst="rect">
+            <a:avLst/>
+          </a:prstGeom>
+          <a:ln>
+            <a:noFill/>
+          </a:ln>
+        </p:spPr>
+        <p:style>
+          <a:lnRef idx="2">
+            <a:schemeClr val="accent1">
+              <a:shade val="50000"/>
+            </a:schemeClr>
+          </a:lnRef>
+          <a:fillRef idx="1">
+            <a:schemeClr val="accent1"/>
+          </a:fillRef>
+          <a:effectRef idx="0">
+            <a:schemeClr val="accent1"/>
+          </a:effectRef>
+          <a:fontRef idx="minor">
+            <a:schemeClr val="lt1"/>
+          </a:fontRef>
+        </p:style>
+        <p:txBody>
+          <a:bodyPr rtlCol="0" anchor="ctr"/>
+          <a:lstStyle/>
+          <a:p>
+            <a:pPr algn="ctr"/>
+            <a:endParaRPr lang="en-US"/>
+          </a:p>
+        </p:txBody>
+      </p:sp>
+      <p:sp useBgFill="1">
+        <p:nvSpPr>
+          <p:cNvPr id="10" name="Freeform: Shape 9">
+            <a:extLst>
+              <a:ext uri="{FF2B5EF4-FFF2-40B4-BE49-F238E27FC236}">
+                <a16:creationId xmlns:a16="http://schemas.microsoft.com/office/drawing/2014/main" id="{E502BBC7-2C76-46F3-BC24-5985BC13DB88}"/>
+              </a:ext>
+              <a:ext uri="{C183D7F6-B498-43B3-948B-1728B52AA6E4}">
+                <adec:decorative xmlns:adec="http://schemas.microsoft.com/office/drawing/2017/decorative" val="1"/>
+              </a:ext>
+            </a:extLst>
+          </p:cNvPr>
+          <p:cNvSpPr>
+            <a:spLocks noGrp="1" noRot="1" noChangeAspect="1" noMove="1" noResize="1" noEditPoints="1" noAdjustHandles="1" noChangeArrowheads="1" noChangeShapeType="1" noTextEdit="1"/>
+          </p:cNvSpPr>
+          <p:nvPr>
+            <p:extLst>
+              <p:ext uri="{386F3935-93C4-4BCD-93E2-E3B085C9AB24}">
+                <p16:designElem xmlns:p16="http://schemas.microsoft.com/office/powerpoint/2015/main" val="1"/>
+              </p:ext>
+            </p:extLst>
+          </p:nvPr>
+        </p:nvSpPr>
+        <p:spPr>
+          <a:xfrm>
+            <a:off x="1114425" y="0"/>
+            <a:ext cx="9963150" cy="6858000"/>
+          </a:xfrm>
+          <a:custGeom>
+            <a:avLst/>
+            <a:gdLst>
+              <a:gd name="connsiteX0" fmla="*/ 1595771 w 9963150"/>
+              <a:gd name="connsiteY0" fmla="*/ 0 h 6858000"/>
+              <a:gd name="connsiteX1" fmla="*/ 8367379 w 9963150"/>
+              <a:gd name="connsiteY1" fmla="*/ 0 h 6858000"/>
+              <a:gd name="connsiteX2" fmla="*/ 8504080 w 9963150"/>
+              <a:gd name="connsiteY2" fmla="*/ 130333 h 6858000"/>
+              <a:gd name="connsiteX3" fmla="*/ 9963150 w 9963150"/>
+              <a:gd name="connsiteY3" fmla="*/ 3652838 h 6858000"/>
+              <a:gd name="connsiteX4" fmla="*/ 8825600 w 9963150"/>
+              <a:gd name="connsiteY4" fmla="*/ 6821583 h 6858000"/>
+              <a:gd name="connsiteX5" fmla="*/ 8794055 w 9963150"/>
+              <a:gd name="connsiteY5" fmla="*/ 6858000 h 6858000"/>
+              <a:gd name="connsiteX6" fmla="*/ 1169096 w 9963150"/>
+              <a:gd name="connsiteY6" fmla="*/ 6858000 h 6858000"/>
+              <a:gd name="connsiteX7" fmla="*/ 1137550 w 9963150"/>
+              <a:gd name="connsiteY7" fmla="*/ 6821583 h 6858000"/>
+              <a:gd name="connsiteX8" fmla="*/ 0 w 9963150"/>
+              <a:gd name="connsiteY8" fmla="*/ 3652838 h 6858000"/>
+              <a:gd name="connsiteX9" fmla="*/ 1459070 w 9963150"/>
+              <a:gd name="connsiteY9" fmla="*/ 130333 h 6858000"/>
+            </a:gdLst>
+            <a:ahLst/>
+            <a:cxnLst>
+              <a:cxn ang="0">
+                <a:pos x="connsiteX0" y="connsiteY0"/>
+              </a:cxn>
+              <a:cxn ang="0">
+                <a:pos x="connsiteX1" y="connsiteY1"/>
+              </a:cxn>
+              <a:cxn ang="0">
+                <a:pos x="connsiteX2" y="connsiteY2"/>
+              </a:cxn>
+              <a:cxn ang="0">
+                <a:pos x="connsiteX3" y="connsiteY3"/>
+              </a:cxn>
+              <a:cxn ang="0">
+                <a:pos x="connsiteX4" y="connsiteY4"/>
+              </a:cxn>
+              <a:cxn ang="0">
+                <a:pos x="connsiteX5" y="connsiteY5"/>
+              </a:cxn>
+              <a:cxn ang="0">
+                <a:pos x="connsiteX6" y="connsiteY6"/>
+              </a:cxn>
+              <a:cxn ang="0">
+                <a:pos x="connsiteX7" y="connsiteY7"/>
+              </a:cxn>
+              <a:cxn ang="0">
+                <a:pos x="connsiteX8" y="connsiteY8"/>
+              </a:cxn>
+              <a:cxn ang="0">
+                <a:pos x="connsiteX9" y="connsiteY9"/>
+              </a:cxn>
+            </a:cxnLst>
+            <a:rect l="l" t="t" r="r" b="b"/>
+            <a:pathLst>
+              <a:path w="9963150" h="6858000">
+                <a:moveTo>
+                  <a:pt x="1595771" y="0"/>
+                </a:moveTo>
+                <a:lnTo>
+                  <a:pt x="8367379" y="0"/>
+                </a:lnTo>
+                <a:lnTo>
+                  <a:pt x="8504080" y="130333"/>
+                </a:lnTo>
+                <a:cubicBezTo>
+                  <a:pt x="9405568" y="1031820"/>
+                  <a:pt x="9963150" y="2277214"/>
+                  <a:pt x="9963150" y="3652838"/>
+                </a:cubicBezTo>
+                <a:cubicBezTo>
+                  <a:pt x="9963150" y="4856509"/>
+                  <a:pt x="9536251" y="5960473"/>
+                  <a:pt x="8825600" y="6821583"/>
+                </a:cubicBezTo>
+                <a:lnTo>
+                  <a:pt x="8794055" y="6858000"/>
+                </a:lnTo>
+                <a:lnTo>
+                  <a:pt x="1169096" y="6858000"/>
+                </a:lnTo>
+                <a:lnTo>
+                  <a:pt x="1137550" y="6821583"/>
+                </a:lnTo>
+                <a:cubicBezTo>
+                  <a:pt x="426899" y="5960473"/>
+                  <a:pt x="0" y="4856509"/>
+                  <a:pt x="0" y="3652838"/>
+                </a:cubicBezTo>
+                <a:cubicBezTo>
+                  <a:pt x="0" y="2277214"/>
+                  <a:pt x="557582" y="1031820"/>
+                  <a:pt x="1459070" y="130333"/>
+                </a:cubicBezTo>
+                <a:close/>
+              </a:path>
+            </a:pathLst>
+          </a:custGeom>
+          <a:ln w="9525">
+            <a:solidFill>
+              <a:srgbClr val="EFEFEF"/>
+            </a:solidFill>
+          </a:ln>
+          <a:effectLst>
+            <a:outerShdw blurRad="139700" sx="102000" sy="102000" algn="ctr" rotWithShape="0">
+              <a:schemeClr val="bg1">
+                <a:lumMod val="85000"/>
+                <a:alpha val="38000"/>
+              </a:schemeClr>
+            </a:outerShdw>
+          </a:effectLst>
+        </p:spPr>
+        <p:style>
+          <a:lnRef idx="2">
+            <a:schemeClr val="accent1">
+              <a:shade val="50000"/>
+            </a:schemeClr>
+          </a:lnRef>
+          <a:fillRef idx="1">
+            <a:schemeClr val="accent1"/>
+          </a:fillRef>
+          <a:effectRef idx="0">
+            <a:schemeClr val="accent1"/>
+          </a:effectRef>
+          <a:fontRef idx="minor">
+            <a:schemeClr val="lt1"/>
+          </a:fontRef>
+        </p:style>
+        <p:txBody>
+          <a:bodyPr wrap="square" rtlCol="0" anchor="ctr">
+            <a:noAutofit/>
+          </a:bodyPr>
+          <a:lstStyle/>
+          <a:p>
+            <a:pPr marL="0" marR="0" lvl="0" indent="0" algn="ctr" defTabSz="914400" rtl="0" eaLnBrk="1" fontAlgn="auto" latinLnBrk="0" hangingPunct="1">
+              <a:lnSpc>
+                <a:spcPct val="100000"/>
+              </a:lnSpc>
+              <a:spcBef>
+                <a:spcPts val="0"/>
+              </a:spcBef>
+              <a:spcAft>
+                <a:spcPts val="0"/>
+              </a:spcAft>
+              <a:buClrTx/>
+              <a:buSzTx/>
+              <a:buFontTx/>
+              <a:buNone/>
+              <a:tabLst/>
+              <a:defRPr/>
+            </a:pPr>
+            <a:endParaRPr kumimoji="0" lang="en-US" sz="1800" b="0" i="0" u="none" strike="noStrike" kern="1200" cap="none" spc="0" normalizeH="0" baseline="0" noProof="0">
+              <a:ln>
+                <a:noFill/>
+              </a:ln>
+              <a:solidFill>
+                <a:prstClr val="white"/>
+              </a:solidFill>
+              <a:effectLst/>
+              <a:uLnTx/>
+              <a:uFillTx/>
+              <a:latin typeface="Calibri" panose="020F0502020204030204"/>
+              <a:ea typeface="+mn-ea"/>
+              <a:cs typeface="+mn-cs"/>
+            </a:endParaRPr>
+          </a:p>
+        </p:txBody>
+      </p:sp>
+      <p:sp useBgFill="1">
+        <p:nvSpPr>
+          <p:cNvPr id="12" name="Freeform: Shape 11">
+            <a:extLst>
+              <a:ext uri="{FF2B5EF4-FFF2-40B4-BE49-F238E27FC236}">
+                <a16:creationId xmlns:a16="http://schemas.microsoft.com/office/drawing/2014/main" id="{C7F28D52-2A5F-4D23-81AE-7CB8B591C7AF}"/>
+              </a:ext>
+              <a:ext uri="{C183D7F6-B498-43B3-948B-1728B52AA6E4}">
+                <adec:decorative xmlns:adec="http://schemas.microsoft.com/office/drawing/2017/decorative" val="1"/>
+              </a:ext>
+            </a:extLst>
+          </p:cNvPr>
+          <p:cNvSpPr>
+            <a:spLocks noGrp="1" noRot="1" noChangeAspect="1" noMove="1" noResize="1" noEditPoints="1" noAdjustHandles="1" noChangeArrowheads="1" noChangeShapeType="1" noTextEdit="1"/>
+          </p:cNvSpPr>
+          <p:nvPr>
+            <p:extLst>
+              <p:ext uri="{386F3935-93C4-4BCD-93E2-E3B085C9AB24}">
+                <p16:designElem xmlns:p16="http://schemas.microsoft.com/office/powerpoint/2015/main" val="1"/>
+              </p:ext>
+            </p:extLst>
+          </p:nvPr>
+        </p:nvSpPr>
+        <p:spPr>
+          <a:xfrm>
+            <a:off x="1121664" y="0"/>
+            <a:ext cx="9948672" cy="6858000"/>
+          </a:xfrm>
+          <a:custGeom>
+            <a:avLst/>
+            <a:gdLst>
+              <a:gd name="connsiteX0" fmla="*/ 1595771 w 9963150"/>
+              <a:gd name="connsiteY0" fmla="*/ 0 h 6858000"/>
+              <a:gd name="connsiteX1" fmla="*/ 8367379 w 9963150"/>
+              <a:gd name="connsiteY1" fmla="*/ 0 h 6858000"/>
+              <a:gd name="connsiteX2" fmla="*/ 8504080 w 9963150"/>
+              <a:gd name="connsiteY2" fmla="*/ 130333 h 6858000"/>
+              <a:gd name="connsiteX3" fmla="*/ 9963150 w 9963150"/>
+              <a:gd name="connsiteY3" fmla="*/ 3652838 h 6858000"/>
+              <a:gd name="connsiteX4" fmla="*/ 8825600 w 9963150"/>
+              <a:gd name="connsiteY4" fmla="*/ 6821583 h 6858000"/>
+              <a:gd name="connsiteX5" fmla="*/ 8794055 w 9963150"/>
+              <a:gd name="connsiteY5" fmla="*/ 6858000 h 6858000"/>
+              <a:gd name="connsiteX6" fmla="*/ 1169096 w 9963150"/>
+              <a:gd name="connsiteY6" fmla="*/ 6858000 h 6858000"/>
+              <a:gd name="connsiteX7" fmla="*/ 1137550 w 9963150"/>
+              <a:gd name="connsiteY7" fmla="*/ 6821583 h 6858000"/>
+              <a:gd name="connsiteX8" fmla="*/ 0 w 9963150"/>
+              <a:gd name="connsiteY8" fmla="*/ 3652838 h 6858000"/>
+              <a:gd name="connsiteX9" fmla="*/ 1459070 w 9963150"/>
+              <a:gd name="connsiteY9" fmla="*/ 130333 h 6858000"/>
+            </a:gdLst>
+            <a:ahLst/>
+            <a:cxnLst>
+              <a:cxn ang="0">
+                <a:pos x="connsiteX0" y="connsiteY0"/>
+              </a:cxn>
+              <a:cxn ang="0">
+                <a:pos x="connsiteX1" y="connsiteY1"/>
+              </a:cxn>
+              <a:cxn ang="0">
+                <a:pos x="connsiteX2" y="connsiteY2"/>
+              </a:cxn>
+              <a:cxn ang="0">
+                <a:pos x="connsiteX3" y="connsiteY3"/>
+              </a:cxn>
+              <a:cxn ang="0">
+                <a:pos x="connsiteX4" y="connsiteY4"/>
+              </a:cxn>
+              <a:cxn ang="0">
+                <a:pos x="connsiteX5" y="connsiteY5"/>
+              </a:cxn>
+              <a:cxn ang="0">
+                <a:pos x="connsiteX6" y="connsiteY6"/>
+              </a:cxn>
+              <a:cxn ang="0">
+                <a:pos x="connsiteX7" y="connsiteY7"/>
+              </a:cxn>
+              <a:cxn ang="0">
+                <a:pos x="connsiteX8" y="connsiteY8"/>
+              </a:cxn>
+              <a:cxn ang="0">
+                <a:pos x="connsiteX9" y="connsiteY9"/>
+              </a:cxn>
+            </a:cxnLst>
+            <a:rect l="l" t="t" r="r" b="b"/>
+            <a:pathLst>
+              <a:path w="9963150" h="6858000">
+                <a:moveTo>
+                  <a:pt x="1595771" y="0"/>
+                </a:moveTo>
+                <a:lnTo>
+                  <a:pt x="8367379" y="0"/>
+                </a:lnTo>
+                <a:lnTo>
+                  <a:pt x="8504080" y="130333"/>
+                </a:lnTo>
+                <a:cubicBezTo>
+                  <a:pt x="9405568" y="1031820"/>
+                  <a:pt x="9963150" y="2277214"/>
+                  <a:pt x="9963150" y="3652838"/>
+                </a:cubicBezTo>
+                <a:cubicBezTo>
+                  <a:pt x="9963150" y="4856509"/>
+                  <a:pt x="9536251" y="5960473"/>
+                  <a:pt x="8825600" y="6821583"/>
+                </a:cubicBezTo>
+                <a:lnTo>
+                  <a:pt x="8794055" y="6858000"/>
+                </a:lnTo>
+                <a:lnTo>
+                  <a:pt x="1169096" y="6858000"/>
+                </a:lnTo>
+                <a:lnTo>
+                  <a:pt x="1137550" y="6821583"/>
+                </a:lnTo>
+                <a:cubicBezTo>
+                  <a:pt x="426899" y="5960473"/>
+                  <a:pt x="0" y="4856509"/>
+                  <a:pt x="0" y="3652838"/>
+                </a:cubicBezTo>
+                <a:cubicBezTo>
+                  <a:pt x="0" y="2277214"/>
+                  <a:pt x="557582" y="1031820"/>
+                  <a:pt x="1459070" y="130333"/>
+                </a:cubicBezTo>
+                <a:close/>
+              </a:path>
+            </a:pathLst>
+          </a:custGeom>
+          <a:ln w="9525">
+            <a:noFill/>
+          </a:ln>
+          <a:effectLst/>
+        </p:spPr>
+        <p:style>
+          <a:lnRef idx="2">
+            <a:schemeClr val="accent1">
+              <a:shade val="50000"/>
+            </a:schemeClr>
+          </a:lnRef>
+          <a:fillRef idx="1">
+            <a:schemeClr val="accent1"/>
+          </a:fillRef>
+          <a:effectRef idx="0">
+            <a:schemeClr val="accent1"/>
+          </a:effectRef>
+          <a:fontRef idx="minor">
+            <a:schemeClr val="lt1"/>
+          </a:fontRef>
+        </p:style>
+        <p:txBody>
+          <a:bodyPr wrap="square" rtlCol="0" anchor="ctr">
+            <a:noAutofit/>
+          </a:bodyPr>
+          <a:lstStyle/>
+          <a:p>
+            <a:pPr marL="0" marR="0" lvl="0" indent="0" algn="ctr" defTabSz="914400" rtl="0" eaLnBrk="1" fontAlgn="auto" latinLnBrk="0" hangingPunct="1">
+              <a:lnSpc>
+                <a:spcPct val="100000"/>
+              </a:lnSpc>
+              <a:spcBef>
+                <a:spcPts val="0"/>
+              </a:spcBef>
+              <a:spcAft>
+                <a:spcPts val="0"/>
+              </a:spcAft>
+              <a:buClrTx/>
+              <a:buSzTx/>
+              <a:buFontTx/>
+              <a:buNone/>
+              <a:tabLst/>
+              <a:defRPr/>
+            </a:pPr>
+            <a:endParaRPr kumimoji="0" lang="en-US" sz="1800" b="0" i="0" u="none" strike="noStrike" kern="1200" cap="none" spc="0" normalizeH="0" baseline="0" noProof="0">
+              <a:ln>
+                <a:noFill/>
+              </a:ln>
+              <a:solidFill>
+                <a:prstClr val="white"/>
+              </a:solidFill>
+              <a:effectLst/>
+              <a:uLnTx/>
+              <a:uFillTx/>
+              <a:latin typeface="Calibri" panose="020F0502020204030204"/>
+              <a:ea typeface="+mn-ea"/>
+              <a:cs typeface="+mn-cs"/>
+            </a:endParaRPr>
+          </a:p>
+        </p:txBody>
+      </p:sp>
       <p:sp>
         <p:nvSpPr>
           <p:cNvPr id="2" name="Title 1">
             <a:extLst>
               <a:ext uri="{FF2B5EF4-FFF2-40B4-BE49-F238E27FC236}">
-                <a16:creationId xmlns:a16="http://schemas.microsoft.com/office/drawing/2014/main" id="{7FB16BC2-27F5-9B43-BAE5-EA48C0B6E300}"/>
+                <a16:creationId xmlns:a16="http://schemas.microsoft.com/office/drawing/2014/main" id="{080A643C-D620-B649-8B48-C0BA21ABCA3F}"/>
               </a:ext>
             </a:extLst>
           </p:cNvPr>
@@ -3337,16 +3803,22 @@
             <p:ph type="ctrTitle"/>
           </p:nvPr>
         </p:nvSpPr>
-        <p:spPr/>
-        <p:txBody>
-          <a:bodyPr/>
-          <a:lstStyle/>
-          <a:p>
-            <a:r>
-              <a:rPr lang="en-US"/>
-              <a:t>Simple</a:t>
-            </a:r>
-            <a:endParaRPr lang="en-US" dirty="0"/>
+        <p:spPr>
+          <a:xfrm>
+            <a:off x="1524000" y="1167997"/>
+            <a:ext cx="9144000" cy="2764028"/>
+          </a:xfrm>
+        </p:spPr>
+        <p:txBody>
+          <a:bodyPr anchor="ctr">
+            <a:normAutofit/>
+          </a:bodyPr>
+          <a:lstStyle/>
+          <a:p>
+            <a:r>
+              <a:rPr lang="en-US" sz="5400" dirty="0"/>
+              <a:t>EMEPy Inverse Design Roadmap</a:t>
+            </a:r>
           </a:p>
         </p:txBody>
       </p:sp>
@@ -3355,7 +3827,7 @@
           <p:cNvPr id="3" name="Subtitle 2">
             <a:extLst>
               <a:ext uri="{FF2B5EF4-FFF2-40B4-BE49-F238E27FC236}">
-                <a16:creationId xmlns:a16="http://schemas.microsoft.com/office/drawing/2014/main" id="{EAD7D3CD-1F60-BC42-BEC8-C382E9E1C65C}"/>
+                <a16:creationId xmlns:a16="http://schemas.microsoft.com/office/drawing/2014/main" id="{DE58F8CB-0FAF-D746-AC2D-6CE7DC3AD4E7}"/>
               </a:ext>
             </a:extLst>
           </p:cNvPr>
@@ -3366,22 +3838,3692 @@
             <p:ph type="subTitle" idx="1"/>
           </p:nvPr>
         </p:nvSpPr>
-        <p:spPr/>
-        <p:txBody>
-          <a:bodyPr/>
-          <a:lstStyle/>
-          <a:p>
-            <a:r>
-              <a:rPr lang="en-US" dirty="0"/>
-              <a:t>By Ian Hammond</a:t>
-            </a:r>
-          </a:p>
-        </p:txBody>
-      </p:sp>
+        <p:spPr>
+          <a:xfrm>
+            <a:off x="1966912" y="5645150"/>
+            <a:ext cx="8258176" cy="631825"/>
+          </a:xfrm>
+        </p:spPr>
+        <p:txBody>
+          <a:bodyPr anchor="ctr">
+            <a:normAutofit/>
+          </a:bodyPr>
+          <a:lstStyle/>
+          <a:p>
+            <a:r>
+              <a:rPr lang="en-US" sz="2800" dirty="0"/>
+              <a:t>Ian Hammond</a:t>
+            </a:r>
+          </a:p>
+        </p:txBody>
+      </p:sp>
+      <p:sp>
+        <p:nvSpPr>
+          <p:cNvPr id="14" name="Rectangle 13">
+            <a:extLst>
+              <a:ext uri="{FF2B5EF4-FFF2-40B4-BE49-F238E27FC236}">
+                <a16:creationId xmlns:a16="http://schemas.microsoft.com/office/drawing/2014/main" id="{3629484E-3792-4B3D-89AD-7C8A1ED0E0D4}"/>
+              </a:ext>
+              <a:ext uri="{C183D7F6-B498-43B3-948B-1728B52AA6E4}">
+                <adec:decorative xmlns:adec="http://schemas.microsoft.com/office/drawing/2017/decorative" val="1"/>
+              </a:ext>
+            </a:extLst>
+          </p:cNvPr>
+          <p:cNvSpPr>
+            <a:spLocks noGrp="1" noRot="1" noChangeAspect="1" noMove="1" noResize="1" noEditPoints="1" noAdjustHandles="1" noChangeArrowheads="1" noChangeShapeType="1" noTextEdit="1"/>
+          </p:cNvSpPr>
+          <p:nvPr>
+            <p:extLst>
+              <p:ext uri="{386F3935-93C4-4BCD-93E2-E3B085C9AB24}">
+                <p16:designElem xmlns:p16="http://schemas.microsoft.com/office/powerpoint/2015/main" val="1"/>
+              </p:ext>
+            </p:extLst>
+          </p:nvPr>
+        </p:nvSpPr>
+        <p:spPr>
+          <a:xfrm>
+            <a:off x="3718560" y="5524786"/>
+            <a:ext cx="4754880" cy="27432"/>
+          </a:xfrm>
+          <a:prstGeom prst="rect">
+            <a:avLst/>
+          </a:prstGeom>
+          <a:solidFill>
+            <a:schemeClr val="accent2"/>
+          </a:solidFill>
+          <a:ln>
+            <a:noFill/>
+          </a:ln>
+        </p:spPr>
+        <p:style>
+          <a:lnRef idx="2">
+            <a:schemeClr val="accent1">
+              <a:shade val="50000"/>
+            </a:schemeClr>
+          </a:lnRef>
+          <a:fillRef idx="1">
+            <a:schemeClr val="accent1"/>
+          </a:fillRef>
+          <a:effectRef idx="0">
+            <a:schemeClr val="accent1"/>
+          </a:effectRef>
+          <a:fontRef idx="minor">
+            <a:schemeClr val="lt1"/>
+          </a:fontRef>
+        </p:style>
+        <p:txBody>
+          <a:bodyPr rtlCol="0" anchor="ctr"/>
+          <a:lstStyle/>
+          <a:p>
+            <a:pPr marL="0" marR="0" lvl="0" indent="0" algn="ctr" defTabSz="914400" rtl="0" eaLnBrk="1" fontAlgn="auto" latinLnBrk="0" hangingPunct="1">
+              <a:lnSpc>
+                <a:spcPct val="100000"/>
+              </a:lnSpc>
+              <a:spcBef>
+                <a:spcPts val="0"/>
+              </a:spcBef>
+              <a:spcAft>
+                <a:spcPts val="0"/>
+              </a:spcAft>
+              <a:buClrTx/>
+              <a:buSzTx/>
+              <a:buFontTx/>
+              <a:buNone/>
+              <a:tabLst/>
+              <a:defRPr/>
+            </a:pPr>
+            <a:endParaRPr kumimoji="0" lang="en-US" sz="1800" b="0" i="0" u="none" strike="noStrike" kern="1200" cap="none" spc="0" normalizeH="0" baseline="0" noProof="0">
+              <a:ln>
+                <a:noFill/>
+              </a:ln>
+              <a:solidFill>
+                <a:prstClr val="white"/>
+              </a:solidFill>
+              <a:effectLst/>
+              <a:uLnTx/>
+              <a:uFillTx/>
+              <a:latin typeface="Calibri" panose="020F0502020204030204"/>
+              <a:ea typeface="+mn-ea"/>
+              <a:cs typeface="+mn-cs"/>
+            </a:endParaRPr>
+          </a:p>
+        </p:txBody>
+      </p:sp>
+      <p:pic>
+        <p:nvPicPr>
+          <p:cNvPr id="5" name="Picture 4" descr="A close up of a person's face&#10;&#10;Description automatically generated with low confidence">
+            <a:extLst>
+              <a:ext uri="{FF2B5EF4-FFF2-40B4-BE49-F238E27FC236}">
+                <a16:creationId xmlns:a16="http://schemas.microsoft.com/office/drawing/2014/main" id="{9B5EFC7C-C01B-DC4E-AA02-4079DE532DC0}"/>
+              </a:ext>
+            </a:extLst>
+          </p:cNvPr>
+          <p:cNvPicPr>
+            <a:picLocks noChangeAspect="1"/>
+          </p:cNvPicPr>
+          <p:nvPr/>
+        </p:nvPicPr>
+        <p:blipFill>
+          <a:blip r:embed="rId2"/>
+          <a:stretch>
+            <a:fillRect/>
+          </a:stretch>
+        </p:blipFill>
+        <p:spPr>
+          <a:xfrm>
+            <a:off x="4353368" y="3362401"/>
+            <a:ext cx="3485264" cy="1581360"/>
+          </a:xfrm>
+          <a:prstGeom prst="rect">
+            <a:avLst/>
+          </a:prstGeom>
+        </p:spPr>
+      </p:pic>
     </p:spTree>
     <p:extLst>
       <p:ext uri="{BB962C8B-B14F-4D97-AF65-F5344CB8AC3E}">
-        <p14:creationId xmlns:p14="http://schemas.microsoft.com/office/powerpoint/2010/main" val="3320968694"/>
+        <p14:creationId xmlns:p14="http://schemas.microsoft.com/office/powerpoint/2010/main" val="4225273068"/>
+      </p:ext>
+    </p:extLst>
+  </p:cSld>
+  <p:clrMapOvr>
+    <a:masterClrMapping/>
+  </p:clrMapOvr>
+</p:sld>
+</file>
+
+<file path=ppt/slides/slide2.xml><?xml version="1.0" encoding="utf-8"?>
+<p:sld xmlns:a="http://schemas.openxmlformats.org/drawingml/2006/main" xmlns:r="http://schemas.openxmlformats.org/officeDocument/2006/relationships" xmlns:p="http://schemas.openxmlformats.org/presentationml/2006/main">
+  <p:cSld>
+    <p:bg>
+      <p:bgPr>
+        <a:solidFill>
+          <a:schemeClr val="bg1"/>
+        </a:solidFill>
+        <a:effectLst/>
+      </p:bgPr>
+    </p:bg>
+    <p:spTree>
+      <p:nvGrpSpPr>
+        <p:cNvPr id="1" name=""/>
+        <p:cNvGrpSpPr/>
+        <p:nvPr/>
+      </p:nvGrpSpPr>
+      <p:grpSpPr>
+        <a:xfrm>
+          <a:off x="0" y="0"/>
+          <a:ext cx="0" cy="0"/>
+          <a:chOff x="0" y="0"/>
+          <a:chExt cx="0" cy="0"/>
+        </a:xfrm>
+      </p:grpSpPr>
+      <p:sp useBgFill="1">
+        <p:nvSpPr>
+          <p:cNvPr id="8" name="Rectangle 7">
+            <a:extLst>
+              <a:ext uri="{FF2B5EF4-FFF2-40B4-BE49-F238E27FC236}">
+                <a16:creationId xmlns:a16="http://schemas.microsoft.com/office/drawing/2014/main" id="{DAF1966E-FD40-4A4A-B61B-C4DF7FA05F06}"/>
+              </a:ext>
+              <a:ext uri="{C183D7F6-B498-43B3-948B-1728B52AA6E4}">
+                <adec:decorative xmlns:adec="http://schemas.microsoft.com/office/drawing/2017/decorative" val="1"/>
+              </a:ext>
+            </a:extLst>
+          </p:cNvPr>
+          <p:cNvSpPr>
+            <a:spLocks noGrp="1" noRot="1" noChangeAspect="1" noMove="1" noResize="1" noEditPoints="1" noAdjustHandles="1" noChangeArrowheads="1" noChangeShapeType="1" noTextEdit="1"/>
+          </p:cNvSpPr>
+          <p:nvPr>
+            <p:extLst>
+              <p:ext uri="{386F3935-93C4-4BCD-93E2-E3B085C9AB24}">
+                <p16:designElem xmlns:p16="http://schemas.microsoft.com/office/powerpoint/2015/main" val="1"/>
+              </p:ext>
+            </p:extLst>
+          </p:nvPr>
+        </p:nvSpPr>
+        <p:spPr>
+          <a:xfrm>
+            <a:off x="0" y="0"/>
+            <a:ext cx="12192000" cy="6858000"/>
+          </a:xfrm>
+          <a:prstGeom prst="rect">
+            <a:avLst/>
+          </a:prstGeom>
+          <a:ln>
+            <a:noFill/>
+          </a:ln>
+        </p:spPr>
+        <p:style>
+          <a:lnRef idx="2">
+            <a:schemeClr val="accent1">
+              <a:shade val="50000"/>
+            </a:schemeClr>
+          </a:lnRef>
+          <a:fillRef idx="1">
+            <a:schemeClr val="accent1"/>
+          </a:fillRef>
+          <a:effectRef idx="0">
+            <a:schemeClr val="accent1"/>
+          </a:effectRef>
+          <a:fontRef idx="minor">
+            <a:schemeClr val="lt1"/>
+          </a:fontRef>
+        </p:style>
+        <p:txBody>
+          <a:bodyPr rtlCol="0" anchor="ctr"/>
+          <a:lstStyle/>
+          <a:p>
+            <a:pPr algn="ctr"/>
+            <a:endParaRPr lang="en-US"/>
+          </a:p>
+        </p:txBody>
+      </p:sp>
+      <p:sp useBgFill="1">
+        <p:nvSpPr>
+          <p:cNvPr id="10" name="Rectangle 9">
+            <a:extLst>
+              <a:ext uri="{FF2B5EF4-FFF2-40B4-BE49-F238E27FC236}">
+                <a16:creationId xmlns:a16="http://schemas.microsoft.com/office/drawing/2014/main" id="{047BFA19-D45E-416B-A404-7AF2F3F27017}"/>
+              </a:ext>
+              <a:ext uri="{C183D7F6-B498-43B3-948B-1728B52AA6E4}">
+                <adec:decorative xmlns:adec="http://schemas.microsoft.com/office/drawing/2017/decorative" val="1"/>
+              </a:ext>
+            </a:extLst>
+          </p:cNvPr>
+          <p:cNvSpPr>
+            <a:spLocks noGrp="1" noRot="1" noChangeAspect="1" noMove="1" noResize="1" noEditPoints="1" noAdjustHandles="1" noChangeArrowheads="1" noChangeShapeType="1" noTextEdit="1"/>
+          </p:cNvSpPr>
+          <p:nvPr>
+            <p:extLst>
+              <p:ext uri="{386F3935-93C4-4BCD-93E2-E3B085C9AB24}">
+                <p16:designElem xmlns:p16="http://schemas.microsoft.com/office/powerpoint/2015/main" val="1"/>
+              </p:ext>
+            </p:extLst>
+          </p:nvPr>
+        </p:nvSpPr>
+        <p:spPr>
+          <a:xfrm>
+            <a:off x="558209" y="0"/>
+            <a:ext cx="11167447" cy="2018806"/>
+          </a:xfrm>
+          <a:prstGeom prst="rect">
+            <a:avLst/>
+          </a:prstGeom>
+          <a:ln w="9525">
+            <a:solidFill>
+              <a:srgbClr val="E1E1E1"/>
+            </a:solidFill>
+          </a:ln>
+          <a:effectLst>
+            <a:outerShdw blurRad="50800" dist="38100" dir="2700000" algn="tl" rotWithShape="0">
+              <a:schemeClr val="bg1">
+                <a:lumMod val="85000"/>
+                <a:alpha val="50000"/>
+              </a:schemeClr>
+            </a:outerShdw>
+          </a:effectLst>
+        </p:spPr>
+        <p:style>
+          <a:lnRef idx="2">
+            <a:schemeClr val="accent1">
+              <a:shade val="50000"/>
+            </a:schemeClr>
+          </a:lnRef>
+          <a:fillRef idx="1">
+            <a:schemeClr val="accent1"/>
+          </a:fillRef>
+          <a:effectRef idx="0">
+            <a:schemeClr val="accent1"/>
+          </a:effectRef>
+          <a:fontRef idx="minor">
+            <a:schemeClr val="lt1"/>
+          </a:fontRef>
+        </p:style>
+        <p:txBody>
+          <a:bodyPr rtlCol="0" anchor="ctr"/>
+          <a:lstStyle/>
+          <a:p>
+            <a:pPr marL="0" marR="0" lvl="0" indent="0" algn="ctr" defTabSz="914400" rtl="0" eaLnBrk="1" fontAlgn="auto" latinLnBrk="0" hangingPunct="1">
+              <a:lnSpc>
+                <a:spcPct val="100000"/>
+              </a:lnSpc>
+              <a:spcBef>
+                <a:spcPts val="0"/>
+              </a:spcBef>
+              <a:spcAft>
+                <a:spcPts val="0"/>
+              </a:spcAft>
+              <a:buClrTx/>
+              <a:buSzTx/>
+              <a:buFontTx/>
+              <a:buNone/>
+              <a:tabLst/>
+              <a:defRPr/>
+            </a:pPr>
+            <a:endParaRPr kumimoji="0" lang="en-US" sz="1800" b="0" i="0" u="none" strike="noStrike" kern="1200" cap="none" spc="0" normalizeH="0" baseline="0" noProof="0">
+              <a:ln>
+                <a:noFill/>
+              </a:ln>
+              <a:solidFill>
+                <a:prstClr val="white"/>
+              </a:solidFill>
+              <a:effectLst/>
+              <a:uLnTx/>
+              <a:uFillTx/>
+              <a:latin typeface="Calibri" panose="020F0502020204030204"/>
+              <a:ea typeface="+mn-ea"/>
+              <a:cs typeface="+mn-cs"/>
+            </a:endParaRPr>
+          </a:p>
+        </p:txBody>
+      </p:sp>
+      <p:sp useBgFill="1">
+        <p:nvSpPr>
+          <p:cNvPr id="12" name="Rectangle 11">
+            <a:extLst>
+              <a:ext uri="{FF2B5EF4-FFF2-40B4-BE49-F238E27FC236}">
+                <a16:creationId xmlns:a16="http://schemas.microsoft.com/office/drawing/2014/main" id="{8E0105E7-23DB-4CF2-8258-FF47C7620F6E}"/>
+              </a:ext>
+              <a:ext uri="{C183D7F6-B498-43B3-948B-1728B52AA6E4}">
+                <adec:decorative xmlns:adec="http://schemas.microsoft.com/office/drawing/2017/decorative" val="1"/>
+              </a:ext>
+            </a:extLst>
+          </p:cNvPr>
+          <p:cNvSpPr>
+            <a:spLocks noGrp="1" noRot="1" noChangeAspect="1" noMove="1" noResize="1" noEditPoints="1" noAdjustHandles="1" noChangeArrowheads="1" noChangeShapeType="1" noTextEdit="1"/>
+          </p:cNvSpPr>
+          <p:nvPr>
+            <p:extLst>
+              <p:ext uri="{386F3935-93C4-4BCD-93E2-E3B085C9AB24}">
+                <p16:designElem xmlns:p16="http://schemas.microsoft.com/office/powerpoint/2015/main" val="1"/>
+              </p:ext>
+            </p:extLst>
+          </p:nvPr>
+        </p:nvSpPr>
+        <p:spPr>
+          <a:xfrm>
+            <a:off x="566928" y="0"/>
+            <a:ext cx="11155680" cy="2011680"/>
+          </a:xfrm>
+          <a:prstGeom prst="rect">
+            <a:avLst/>
+          </a:prstGeom>
+          <a:ln w="9525">
+            <a:noFill/>
+          </a:ln>
+          <a:effectLst/>
+        </p:spPr>
+        <p:style>
+          <a:lnRef idx="2">
+            <a:schemeClr val="accent1">
+              <a:shade val="50000"/>
+            </a:schemeClr>
+          </a:lnRef>
+          <a:fillRef idx="1">
+            <a:schemeClr val="accent1"/>
+          </a:fillRef>
+          <a:effectRef idx="0">
+            <a:schemeClr val="accent1"/>
+          </a:effectRef>
+          <a:fontRef idx="minor">
+            <a:schemeClr val="lt1"/>
+          </a:fontRef>
+        </p:style>
+        <p:txBody>
+          <a:bodyPr rtlCol="0" anchor="ctr"/>
+          <a:lstStyle/>
+          <a:p>
+            <a:pPr marL="0" marR="0" lvl="0" indent="0" algn="ctr" defTabSz="914400" rtl="0" eaLnBrk="1" fontAlgn="auto" latinLnBrk="0" hangingPunct="1">
+              <a:lnSpc>
+                <a:spcPct val="100000"/>
+              </a:lnSpc>
+              <a:spcBef>
+                <a:spcPts val="0"/>
+              </a:spcBef>
+              <a:spcAft>
+                <a:spcPts val="0"/>
+              </a:spcAft>
+              <a:buClrTx/>
+              <a:buSzTx/>
+              <a:buFontTx/>
+              <a:buNone/>
+              <a:tabLst/>
+              <a:defRPr/>
+            </a:pPr>
+            <a:endParaRPr kumimoji="0" lang="en-US" sz="1800" b="0" i="0" u="none" strike="noStrike" kern="1200" cap="none" spc="0" normalizeH="0" baseline="0" noProof="0">
+              <a:ln>
+                <a:noFill/>
+              </a:ln>
+              <a:solidFill>
+                <a:prstClr val="white"/>
+              </a:solidFill>
+              <a:effectLst/>
+              <a:uLnTx/>
+              <a:uFillTx/>
+              <a:latin typeface="Calibri" panose="020F0502020204030204"/>
+              <a:ea typeface="+mn-ea"/>
+              <a:cs typeface="+mn-cs"/>
+            </a:endParaRPr>
+          </a:p>
+        </p:txBody>
+      </p:sp>
+      <p:sp>
+        <p:nvSpPr>
+          <p:cNvPr id="2" name="Title 1">
+            <a:extLst>
+              <a:ext uri="{FF2B5EF4-FFF2-40B4-BE49-F238E27FC236}">
+                <a16:creationId xmlns:a16="http://schemas.microsoft.com/office/drawing/2014/main" id="{1DD5DCF3-C89C-8746-819B-D4371E64D810}"/>
+              </a:ext>
+            </a:extLst>
+          </p:cNvPr>
+          <p:cNvSpPr>
+            <a:spLocks noGrp="1"/>
+          </p:cNvSpPr>
+          <p:nvPr>
+            <p:ph type="title"/>
+          </p:nvPr>
+        </p:nvSpPr>
+        <p:spPr>
+          <a:xfrm>
+            <a:off x="1115568" y="548640"/>
+            <a:ext cx="10168128" cy="1179576"/>
+          </a:xfrm>
+        </p:spPr>
+        <p:txBody>
+          <a:bodyPr>
+            <a:normAutofit/>
+          </a:bodyPr>
+          <a:lstStyle/>
+          <a:p>
+            <a:r>
+              <a:rPr lang="en-US" sz="4000" dirty="0"/>
+              <a:t>EME Overview</a:t>
+            </a:r>
+          </a:p>
+        </p:txBody>
+      </p:sp>
+      <p:sp>
+        <p:nvSpPr>
+          <p:cNvPr id="14" name="Rectangle 13">
+            <a:extLst>
+              <a:ext uri="{FF2B5EF4-FFF2-40B4-BE49-F238E27FC236}">
+                <a16:creationId xmlns:a16="http://schemas.microsoft.com/office/drawing/2014/main" id="{074B4F7D-14B2-478B-8BF5-01E4E0C5D263}"/>
+              </a:ext>
+              <a:ext uri="{C183D7F6-B498-43B3-948B-1728B52AA6E4}">
+                <adec:decorative xmlns:adec="http://schemas.microsoft.com/office/drawing/2017/decorative" val="1"/>
+              </a:ext>
+            </a:extLst>
+          </p:cNvPr>
+          <p:cNvSpPr>
+            <a:spLocks noGrp="1" noRot="1" noChangeAspect="1" noMove="1" noResize="1" noEditPoints="1" noAdjustHandles="1" noChangeArrowheads="1" noChangeShapeType="1" noTextEdit="1"/>
+          </p:cNvSpPr>
+          <p:nvPr>
+            <p:extLst>
+              <p:ext uri="{386F3935-93C4-4BCD-93E2-E3B085C9AB24}">
+                <p16:designElem xmlns:p16="http://schemas.microsoft.com/office/powerpoint/2015/main" val="1"/>
+              </p:ext>
+            </p:extLst>
+          </p:nvPr>
+        </p:nvSpPr>
+        <p:spPr>
+          <a:xfrm>
+            <a:off x="498834" y="758952"/>
+            <a:ext cx="128016" cy="704088"/>
+          </a:xfrm>
+          <a:prstGeom prst="rect">
+            <a:avLst/>
+          </a:prstGeom>
+          <a:solidFill>
+            <a:schemeClr val="accent2"/>
+          </a:solidFill>
+          <a:ln>
+            <a:noFill/>
+          </a:ln>
+        </p:spPr>
+        <p:style>
+          <a:lnRef idx="2">
+            <a:schemeClr val="accent1">
+              <a:shade val="50000"/>
+            </a:schemeClr>
+          </a:lnRef>
+          <a:fillRef idx="1">
+            <a:schemeClr val="accent1"/>
+          </a:fillRef>
+          <a:effectRef idx="0">
+            <a:schemeClr val="accent1"/>
+          </a:effectRef>
+          <a:fontRef idx="minor">
+            <a:schemeClr val="lt1"/>
+          </a:fontRef>
+        </p:style>
+        <p:txBody>
+          <a:bodyPr rtlCol="0" anchor="ctr"/>
+          <a:lstStyle/>
+          <a:p>
+            <a:pPr algn="ctr"/>
+            <a:endParaRPr lang="en-US">
+              <a:solidFill>
+                <a:prstClr val="white"/>
+              </a:solidFill>
+              <a:latin typeface="Calibri" panose="020F0502020204030204"/>
+            </a:endParaRPr>
+          </a:p>
+        </p:txBody>
+      </p:sp>
+      <p:pic>
+        <p:nvPicPr>
+          <p:cNvPr id="5" name="Picture 4" descr="Chart, box and whisker chart&#10;&#10;Description automatically generated">
+            <a:extLst>
+              <a:ext uri="{FF2B5EF4-FFF2-40B4-BE49-F238E27FC236}">
+                <a16:creationId xmlns:a16="http://schemas.microsoft.com/office/drawing/2014/main" id="{F833D498-0388-1A42-8D71-198AAE480408}"/>
+              </a:ext>
+            </a:extLst>
+          </p:cNvPr>
+          <p:cNvPicPr>
+            <a:picLocks noChangeAspect="1"/>
+          </p:cNvPicPr>
+          <p:nvPr/>
+        </p:nvPicPr>
+        <p:blipFill>
+          <a:blip r:embed="rId2"/>
+          <a:stretch>
+            <a:fillRect/>
+          </a:stretch>
+        </p:blipFill>
+        <p:spPr>
+          <a:xfrm>
+            <a:off x="558209" y="2196194"/>
+            <a:ext cx="2778890" cy="2277500"/>
+          </a:xfrm>
+          <a:prstGeom prst="rect">
+            <a:avLst/>
+          </a:prstGeom>
+        </p:spPr>
+      </p:pic>
+      <p:pic>
+        <p:nvPicPr>
+          <p:cNvPr id="7" name="Picture 6" descr="Chart, histogram&#10;&#10;Description automatically generated">
+            <a:extLst>
+              <a:ext uri="{FF2B5EF4-FFF2-40B4-BE49-F238E27FC236}">
+                <a16:creationId xmlns:a16="http://schemas.microsoft.com/office/drawing/2014/main" id="{4E92E12A-914F-8B4C-9461-C9309AC34812}"/>
+              </a:ext>
+            </a:extLst>
+          </p:cNvPr>
+          <p:cNvPicPr>
+            <a:picLocks noChangeAspect="1"/>
+          </p:cNvPicPr>
+          <p:nvPr/>
+        </p:nvPicPr>
+        <p:blipFill>
+          <a:blip r:embed="rId3"/>
+          <a:stretch>
+            <a:fillRect/>
+          </a:stretch>
+        </p:blipFill>
+        <p:spPr>
+          <a:xfrm>
+            <a:off x="498834" y="4527097"/>
+            <a:ext cx="3152129" cy="2277500"/>
+          </a:xfrm>
+          <a:prstGeom prst="rect">
+            <a:avLst/>
+          </a:prstGeom>
+        </p:spPr>
+      </p:pic>
+      <p:pic>
+        <p:nvPicPr>
+          <p:cNvPr id="11" name="Picture 10" descr="Chart&#10;&#10;Description automatically generated">
+            <a:extLst>
+              <a:ext uri="{FF2B5EF4-FFF2-40B4-BE49-F238E27FC236}">
+                <a16:creationId xmlns:a16="http://schemas.microsoft.com/office/drawing/2014/main" id="{85719E63-F7D8-AF4E-87B6-4D84B62B61C0}"/>
+              </a:ext>
+            </a:extLst>
+          </p:cNvPr>
+          <p:cNvPicPr>
+            <a:picLocks noChangeAspect="1"/>
+          </p:cNvPicPr>
+          <p:nvPr/>
+        </p:nvPicPr>
+        <p:blipFill>
+          <a:blip r:embed="rId4"/>
+          <a:stretch>
+            <a:fillRect/>
+          </a:stretch>
+        </p:blipFill>
+        <p:spPr>
+          <a:xfrm>
+            <a:off x="3875193" y="2658335"/>
+            <a:ext cx="3658044" cy="3044652"/>
+          </a:xfrm>
+          <a:prstGeom prst="rect">
+            <a:avLst/>
+          </a:prstGeom>
+        </p:spPr>
+      </p:pic>
+      <p:pic>
+        <p:nvPicPr>
+          <p:cNvPr id="15" name="Picture 14" descr="Chart, histogram&#10;&#10;Description automatically generated">
+            <a:extLst>
+              <a:ext uri="{FF2B5EF4-FFF2-40B4-BE49-F238E27FC236}">
+                <a16:creationId xmlns:a16="http://schemas.microsoft.com/office/drawing/2014/main" id="{9E533C61-A786-CA4F-B002-9C555FDF6687}"/>
+              </a:ext>
+            </a:extLst>
+          </p:cNvPr>
+          <p:cNvPicPr>
+            <a:picLocks noChangeAspect="1"/>
+          </p:cNvPicPr>
+          <p:nvPr/>
+        </p:nvPicPr>
+        <p:blipFill>
+          <a:blip r:embed="rId5"/>
+          <a:stretch>
+            <a:fillRect/>
+          </a:stretch>
+        </p:blipFill>
+        <p:spPr>
+          <a:xfrm>
+            <a:off x="7651160" y="2591724"/>
+            <a:ext cx="4422917" cy="3207829"/>
+          </a:xfrm>
+          <a:prstGeom prst="rect">
+            <a:avLst/>
+          </a:prstGeom>
+        </p:spPr>
+      </p:pic>
+    </p:spTree>
+    <p:extLst>
+      <p:ext uri="{BB962C8B-B14F-4D97-AF65-F5344CB8AC3E}">
+        <p14:creationId xmlns:p14="http://schemas.microsoft.com/office/powerpoint/2010/main" val="2659695294"/>
+      </p:ext>
+    </p:extLst>
+  </p:cSld>
+  <p:clrMapOvr>
+    <a:masterClrMapping/>
+  </p:clrMapOvr>
+</p:sld>
+</file>
+
+<file path=ppt/slides/slide3.xml><?xml version="1.0" encoding="utf-8"?>
+<p:sld xmlns:a="http://schemas.openxmlformats.org/drawingml/2006/main" xmlns:r="http://schemas.openxmlformats.org/officeDocument/2006/relationships" xmlns:p="http://schemas.openxmlformats.org/presentationml/2006/main">
+  <p:cSld>
+    <p:bg>
+      <p:bgPr>
+        <a:solidFill>
+          <a:schemeClr val="bg1"/>
+        </a:solidFill>
+        <a:effectLst/>
+      </p:bgPr>
+    </p:bg>
+    <p:spTree>
+      <p:nvGrpSpPr>
+        <p:cNvPr id="1" name=""/>
+        <p:cNvGrpSpPr/>
+        <p:nvPr/>
+      </p:nvGrpSpPr>
+      <p:grpSpPr>
+        <a:xfrm>
+          <a:off x="0" y="0"/>
+          <a:ext cx="0" cy="0"/>
+          <a:chOff x="0" y="0"/>
+          <a:chExt cx="0" cy="0"/>
+        </a:xfrm>
+      </p:grpSpPr>
+      <p:sp useBgFill="1">
+        <p:nvSpPr>
+          <p:cNvPr id="8" name="Rectangle 7">
+            <a:extLst>
+              <a:ext uri="{FF2B5EF4-FFF2-40B4-BE49-F238E27FC236}">
+                <a16:creationId xmlns:a16="http://schemas.microsoft.com/office/drawing/2014/main" id="{DAF1966E-FD40-4A4A-B61B-C4DF7FA05F06}"/>
+              </a:ext>
+              <a:ext uri="{C183D7F6-B498-43B3-948B-1728B52AA6E4}">
+                <adec:decorative xmlns:adec="http://schemas.microsoft.com/office/drawing/2017/decorative" val="1"/>
+              </a:ext>
+            </a:extLst>
+          </p:cNvPr>
+          <p:cNvSpPr>
+            <a:spLocks noGrp="1" noRot="1" noChangeAspect="1" noMove="1" noResize="1" noEditPoints="1" noAdjustHandles="1" noChangeArrowheads="1" noChangeShapeType="1" noTextEdit="1"/>
+          </p:cNvSpPr>
+          <p:nvPr>
+            <p:extLst>
+              <p:ext uri="{386F3935-93C4-4BCD-93E2-E3B085C9AB24}">
+                <p16:designElem xmlns:p16="http://schemas.microsoft.com/office/powerpoint/2015/main" val="1"/>
+              </p:ext>
+            </p:extLst>
+          </p:nvPr>
+        </p:nvSpPr>
+        <p:spPr>
+          <a:xfrm>
+            <a:off x="0" y="0"/>
+            <a:ext cx="12192000" cy="6858000"/>
+          </a:xfrm>
+          <a:prstGeom prst="rect">
+            <a:avLst/>
+          </a:prstGeom>
+          <a:ln>
+            <a:noFill/>
+          </a:ln>
+        </p:spPr>
+        <p:style>
+          <a:lnRef idx="2">
+            <a:schemeClr val="accent1">
+              <a:shade val="50000"/>
+            </a:schemeClr>
+          </a:lnRef>
+          <a:fillRef idx="1">
+            <a:schemeClr val="accent1"/>
+          </a:fillRef>
+          <a:effectRef idx="0">
+            <a:schemeClr val="accent1"/>
+          </a:effectRef>
+          <a:fontRef idx="minor">
+            <a:schemeClr val="lt1"/>
+          </a:fontRef>
+        </p:style>
+        <p:txBody>
+          <a:bodyPr rtlCol="0" anchor="ctr"/>
+          <a:lstStyle/>
+          <a:p>
+            <a:pPr algn="ctr"/>
+            <a:endParaRPr lang="en-US"/>
+          </a:p>
+        </p:txBody>
+      </p:sp>
+      <p:sp useBgFill="1">
+        <p:nvSpPr>
+          <p:cNvPr id="10" name="Rectangle 9">
+            <a:extLst>
+              <a:ext uri="{FF2B5EF4-FFF2-40B4-BE49-F238E27FC236}">
+                <a16:creationId xmlns:a16="http://schemas.microsoft.com/office/drawing/2014/main" id="{047BFA19-D45E-416B-A404-7AF2F3F27017}"/>
+              </a:ext>
+              <a:ext uri="{C183D7F6-B498-43B3-948B-1728B52AA6E4}">
+                <adec:decorative xmlns:adec="http://schemas.microsoft.com/office/drawing/2017/decorative" val="1"/>
+              </a:ext>
+            </a:extLst>
+          </p:cNvPr>
+          <p:cNvSpPr>
+            <a:spLocks noGrp="1" noRot="1" noChangeAspect="1" noMove="1" noResize="1" noEditPoints="1" noAdjustHandles="1" noChangeArrowheads="1" noChangeShapeType="1" noTextEdit="1"/>
+          </p:cNvSpPr>
+          <p:nvPr>
+            <p:extLst>
+              <p:ext uri="{386F3935-93C4-4BCD-93E2-E3B085C9AB24}">
+                <p16:designElem xmlns:p16="http://schemas.microsoft.com/office/powerpoint/2015/main" val="1"/>
+              </p:ext>
+            </p:extLst>
+          </p:nvPr>
+        </p:nvSpPr>
+        <p:spPr>
+          <a:xfrm>
+            <a:off x="558209" y="0"/>
+            <a:ext cx="11167447" cy="2018806"/>
+          </a:xfrm>
+          <a:prstGeom prst="rect">
+            <a:avLst/>
+          </a:prstGeom>
+          <a:ln w="9525">
+            <a:solidFill>
+              <a:srgbClr val="E1E1E1"/>
+            </a:solidFill>
+          </a:ln>
+          <a:effectLst>
+            <a:outerShdw blurRad="50800" dist="38100" dir="2700000" algn="tl" rotWithShape="0">
+              <a:schemeClr val="bg1">
+                <a:lumMod val="85000"/>
+                <a:alpha val="50000"/>
+              </a:schemeClr>
+            </a:outerShdw>
+          </a:effectLst>
+        </p:spPr>
+        <p:style>
+          <a:lnRef idx="2">
+            <a:schemeClr val="accent1">
+              <a:shade val="50000"/>
+            </a:schemeClr>
+          </a:lnRef>
+          <a:fillRef idx="1">
+            <a:schemeClr val="accent1"/>
+          </a:fillRef>
+          <a:effectRef idx="0">
+            <a:schemeClr val="accent1"/>
+          </a:effectRef>
+          <a:fontRef idx="minor">
+            <a:schemeClr val="lt1"/>
+          </a:fontRef>
+        </p:style>
+        <p:txBody>
+          <a:bodyPr rtlCol="0" anchor="ctr"/>
+          <a:lstStyle/>
+          <a:p>
+            <a:pPr marL="0" marR="0" lvl="0" indent="0" algn="ctr" defTabSz="914400" rtl="0" eaLnBrk="1" fontAlgn="auto" latinLnBrk="0" hangingPunct="1">
+              <a:lnSpc>
+                <a:spcPct val="100000"/>
+              </a:lnSpc>
+              <a:spcBef>
+                <a:spcPts val="0"/>
+              </a:spcBef>
+              <a:spcAft>
+                <a:spcPts val="0"/>
+              </a:spcAft>
+              <a:buClrTx/>
+              <a:buSzTx/>
+              <a:buFontTx/>
+              <a:buNone/>
+              <a:tabLst/>
+              <a:defRPr/>
+            </a:pPr>
+            <a:endParaRPr kumimoji="0" lang="en-US" sz="1800" b="0" i="0" u="none" strike="noStrike" kern="1200" cap="none" spc="0" normalizeH="0" baseline="0" noProof="0">
+              <a:ln>
+                <a:noFill/>
+              </a:ln>
+              <a:solidFill>
+                <a:prstClr val="white"/>
+              </a:solidFill>
+              <a:effectLst/>
+              <a:uLnTx/>
+              <a:uFillTx/>
+              <a:latin typeface="Calibri" panose="020F0502020204030204"/>
+              <a:ea typeface="+mn-ea"/>
+              <a:cs typeface="+mn-cs"/>
+            </a:endParaRPr>
+          </a:p>
+        </p:txBody>
+      </p:sp>
+      <p:sp useBgFill="1">
+        <p:nvSpPr>
+          <p:cNvPr id="12" name="Rectangle 11">
+            <a:extLst>
+              <a:ext uri="{FF2B5EF4-FFF2-40B4-BE49-F238E27FC236}">
+                <a16:creationId xmlns:a16="http://schemas.microsoft.com/office/drawing/2014/main" id="{8E0105E7-23DB-4CF2-8258-FF47C7620F6E}"/>
+              </a:ext>
+              <a:ext uri="{C183D7F6-B498-43B3-948B-1728B52AA6E4}">
+                <adec:decorative xmlns:adec="http://schemas.microsoft.com/office/drawing/2017/decorative" val="1"/>
+              </a:ext>
+            </a:extLst>
+          </p:cNvPr>
+          <p:cNvSpPr>
+            <a:spLocks noGrp="1" noRot="1" noChangeAspect="1" noMove="1" noResize="1" noEditPoints="1" noAdjustHandles="1" noChangeArrowheads="1" noChangeShapeType="1" noTextEdit="1"/>
+          </p:cNvSpPr>
+          <p:nvPr>
+            <p:extLst>
+              <p:ext uri="{386F3935-93C4-4BCD-93E2-E3B085C9AB24}">
+                <p16:designElem xmlns:p16="http://schemas.microsoft.com/office/powerpoint/2015/main" val="1"/>
+              </p:ext>
+            </p:extLst>
+          </p:nvPr>
+        </p:nvSpPr>
+        <p:spPr>
+          <a:xfrm>
+            <a:off x="566928" y="0"/>
+            <a:ext cx="11155680" cy="2011680"/>
+          </a:xfrm>
+          <a:prstGeom prst="rect">
+            <a:avLst/>
+          </a:prstGeom>
+          <a:ln w="9525">
+            <a:noFill/>
+          </a:ln>
+          <a:effectLst/>
+        </p:spPr>
+        <p:style>
+          <a:lnRef idx="2">
+            <a:schemeClr val="accent1">
+              <a:shade val="50000"/>
+            </a:schemeClr>
+          </a:lnRef>
+          <a:fillRef idx="1">
+            <a:schemeClr val="accent1"/>
+          </a:fillRef>
+          <a:effectRef idx="0">
+            <a:schemeClr val="accent1"/>
+          </a:effectRef>
+          <a:fontRef idx="minor">
+            <a:schemeClr val="lt1"/>
+          </a:fontRef>
+        </p:style>
+        <p:txBody>
+          <a:bodyPr rtlCol="0" anchor="ctr"/>
+          <a:lstStyle/>
+          <a:p>
+            <a:pPr marL="0" marR="0" lvl="0" indent="0" algn="ctr" defTabSz="914400" rtl="0" eaLnBrk="1" fontAlgn="auto" latinLnBrk="0" hangingPunct="1">
+              <a:lnSpc>
+                <a:spcPct val="100000"/>
+              </a:lnSpc>
+              <a:spcBef>
+                <a:spcPts val="0"/>
+              </a:spcBef>
+              <a:spcAft>
+                <a:spcPts val="0"/>
+              </a:spcAft>
+              <a:buClrTx/>
+              <a:buSzTx/>
+              <a:buFontTx/>
+              <a:buNone/>
+              <a:tabLst/>
+              <a:defRPr/>
+            </a:pPr>
+            <a:endParaRPr kumimoji="0" lang="en-US" sz="1800" b="0" i="0" u="none" strike="noStrike" kern="1200" cap="none" spc="0" normalizeH="0" baseline="0" noProof="0">
+              <a:ln>
+                <a:noFill/>
+              </a:ln>
+              <a:solidFill>
+                <a:prstClr val="white"/>
+              </a:solidFill>
+              <a:effectLst/>
+              <a:uLnTx/>
+              <a:uFillTx/>
+              <a:latin typeface="Calibri" panose="020F0502020204030204"/>
+              <a:ea typeface="+mn-ea"/>
+              <a:cs typeface="+mn-cs"/>
+            </a:endParaRPr>
+          </a:p>
+        </p:txBody>
+      </p:sp>
+      <p:sp>
+        <p:nvSpPr>
+          <p:cNvPr id="2" name="Title 1">
+            <a:extLst>
+              <a:ext uri="{FF2B5EF4-FFF2-40B4-BE49-F238E27FC236}">
+                <a16:creationId xmlns:a16="http://schemas.microsoft.com/office/drawing/2014/main" id="{D9C38E07-FABB-044A-919D-33E773823B77}"/>
+              </a:ext>
+            </a:extLst>
+          </p:cNvPr>
+          <p:cNvSpPr>
+            <a:spLocks noGrp="1"/>
+          </p:cNvSpPr>
+          <p:nvPr>
+            <p:ph type="title"/>
+          </p:nvPr>
+        </p:nvSpPr>
+        <p:spPr>
+          <a:xfrm>
+            <a:off x="1115568" y="548640"/>
+            <a:ext cx="10168128" cy="1179576"/>
+          </a:xfrm>
+        </p:spPr>
+        <p:txBody>
+          <a:bodyPr>
+            <a:normAutofit/>
+          </a:bodyPr>
+          <a:lstStyle/>
+          <a:p>
+            <a:r>
+              <a:rPr lang="en-US" sz="4000" dirty="0"/>
+              <a:t>EMEPy Overview</a:t>
+            </a:r>
+          </a:p>
+        </p:txBody>
+      </p:sp>
+      <p:sp>
+        <p:nvSpPr>
+          <p:cNvPr id="14" name="Rectangle 13">
+            <a:extLst>
+              <a:ext uri="{FF2B5EF4-FFF2-40B4-BE49-F238E27FC236}">
+                <a16:creationId xmlns:a16="http://schemas.microsoft.com/office/drawing/2014/main" id="{074B4F7D-14B2-478B-8BF5-01E4E0C5D263}"/>
+              </a:ext>
+              <a:ext uri="{C183D7F6-B498-43B3-948B-1728B52AA6E4}">
+                <adec:decorative xmlns:adec="http://schemas.microsoft.com/office/drawing/2017/decorative" val="1"/>
+              </a:ext>
+            </a:extLst>
+          </p:cNvPr>
+          <p:cNvSpPr>
+            <a:spLocks noGrp="1" noRot="1" noChangeAspect="1" noMove="1" noResize="1" noEditPoints="1" noAdjustHandles="1" noChangeArrowheads="1" noChangeShapeType="1" noTextEdit="1"/>
+          </p:cNvSpPr>
+          <p:nvPr>
+            <p:extLst>
+              <p:ext uri="{386F3935-93C4-4BCD-93E2-E3B085C9AB24}">
+                <p16:designElem xmlns:p16="http://schemas.microsoft.com/office/powerpoint/2015/main" val="1"/>
+              </p:ext>
+            </p:extLst>
+          </p:nvPr>
+        </p:nvSpPr>
+        <p:spPr>
+          <a:xfrm>
+            <a:off x="498834" y="758952"/>
+            <a:ext cx="128016" cy="704088"/>
+          </a:xfrm>
+          <a:prstGeom prst="rect">
+            <a:avLst/>
+          </a:prstGeom>
+          <a:solidFill>
+            <a:schemeClr val="accent2"/>
+          </a:solidFill>
+          <a:ln>
+            <a:noFill/>
+          </a:ln>
+        </p:spPr>
+        <p:style>
+          <a:lnRef idx="2">
+            <a:schemeClr val="accent1">
+              <a:shade val="50000"/>
+            </a:schemeClr>
+          </a:lnRef>
+          <a:fillRef idx="1">
+            <a:schemeClr val="accent1"/>
+          </a:fillRef>
+          <a:effectRef idx="0">
+            <a:schemeClr val="accent1"/>
+          </a:effectRef>
+          <a:fontRef idx="minor">
+            <a:schemeClr val="lt1"/>
+          </a:fontRef>
+        </p:style>
+        <p:txBody>
+          <a:bodyPr rtlCol="0" anchor="ctr"/>
+          <a:lstStyle/>
+          <a:p>
+            <a:pPr algn="ctr"/>
+            <a:endParaRPr lang="en-US">
+              <a:solidFill>
+                <a:prstClr val="white"/>
+              </a:solidFill>
+              <a:latin typeface="Calibri" panose="020F0502020204030204"/>
+            </a:endParaRPr>
+          </a:p>
+        </p:txBody>
+      </p:sp>
+      <p:pic>
+        <p:nvPicPr>
+          <p:cNvPr id="9" name="Content Placeholder 4">
+            <a:extLst>
+              <a:ext uri="{FF2B5EF4-FFF2-40B4-BE49-F238E27FC236}">
+                <a16:creationId xmlns:a16="http://schemas.microsoft.com/office/drawing/2014/main" id="{58A89E94-B15C-6640-8B33-B7098F7A04E3}"/>
+              </a:ext>
+            </a:extLst>
+          </p:cNvPr>
+          <p:cNvPicPr>
+            <a:picLocks noGrp="1" noChangeAspect="1"/>
+          </p:cNvPicPr>
+          <p:nvPr>
+            <p:ph idx="1"/>
+          </p:nvPr>
+        </p:nvPicPr>
+        <p:blipFill>
+          <a:blip r:embed="rId2"/>
+          <a:stretch>
+            <a:fillRect/>
+          </a:stretch>
+        </p:blipFill>
+        <p:spPr>
+          <a:xfrm>
+            <a:off x="558209" y="3762491"/>
+            <a:ext cx="6994385" cy="1326409"/>
+          </a:xfrm>
+        </p:spPr>
+      </p:pic>
+      <p:sp>
+        <p:nvSpPr>
+          <p:cNvPr id="4" name="TextBox 3">
+            <a:extLst>
+              <a:ext uri="{FF2B5EF4-FFF2-40B4-BE49-F238E27FC236}">
+                <a16:creationId xmlns:a16="http://schemas.microsoft.com/office/drawing/2014/main" id="{8CF70855-A80C-FE4E-9BC2-4C300903AB08}"/>
+              </a:ext>
+            </a:extLst>
+          </p:cNvPr>
+          <p:cNvSpPr txBox="1"/>
+          <p:nvPr/>
+        </p:nvSpPr>
+        <p:spPr>
+          <a:xfrm>
+            <a:off x="566928" y="2375654"/>
+            <a:ext cx="7350410" cy="369332"/>
+          </a:xfrm>
+          <a:prstGeom prst="rect">
+            <a:avLst/>
+          </a:prstGeom>
+          <a:noFill/>
+        </p:spPr>
+        <p:txBody>
+          <a:bodyPr wrap="none" rtlCol="0">
+            <a:spAutoFit/>
+          </a:bodyPr>
+          <a:lstStyle/>
+          <a:p>
+            <a:r>
+              <a:rPr lang="en-US" dirty="0"/>
+              <a:t>• Convolutional Neural Networks (CNN) replace Finite Difference (FD) solver </a:t>
+            </a:r>
+          </a:p>
+        </p:txBody>
+      </p:sp>
+      <p:pic>
+        <p:nvPicPr>
+          <p:cNvPr id="11" name="Picture 10">
+            <a:extLst>
+              <a:ext uri="{FF2B5EF4-FFF2-40B4-BE49-F238E27FC236}">
+                <a16:creationId xmlns:a16="http://schemas.microsoft.com/office/drawing/2014/main" id="{11FAFFAA-0335-D048-B7DA-D56A78F21603}"/>
+              </a:ext>
+            </a:extLst>
+          </p:cNvPr>
+          <p:cNvPicPr>
+            <a:picLocks noChangeAspect="1"/>
+          </p:cNvPicPr>
+          <p:nvPr/>
+        </p:nvPicPr>
+        <p:blipFill rotWithShape="1">
+          <a:blip r:embed="rId3"/>
+          <a:srcRect l="7284" r="15152"/>
+          <a:stretch/>
+        </p:blipFill>
+        <p:spPr>
+          <a:xfrm>
+            <a:off x="8605610" y="2440179"/>
+            <a:ext cx="1379095" cy="914400"/>
+          </a:xfrm>
+          <a:prstGeom prst="rect">
+            <a:avLst/>
+          </a:prstGeom>
+        </p:spPr>
+      </p:pic>
+      <p:pic>
+        <p:nvPicPr>
+          <p:cNvPr id="13" name="Picture 12">
+            <a:extLst>
+              <a:ext uri="{FF2B5EF4-FFF2-40B4-BE49-F238E27FC236}">
+                <a16:creationId xmlns:a16="http://schemas.microsoft.com/office/drawing/2014/main" id="{757659BA-6D7F-5444-B0E3-191A94769802}"/>
+              </a:ext>
+            </a:extLst>
+          </p:cNvPr>
+          <p:cNvPicPr>
+            <a:picLocks noChangeAspect="1"/>
+          </p:cNvPicPr>
+          <p:nvPr/>
+        </p:nvPicPr>
+        <p:blipFill>
+          <a:blip r:embed="rId4"/>
+          <a:stretch>
+            <a:fillRect/>
+          </a:stretch>
+        </p:blipFill>
+        <p:spPr>
+          <a:xfrm>
+            <a:off x="10219654" y="2567446"/>
+            <a:ext cx="1379095" cy="682289"/>
+          </a:xfrm>
+          <a:prstGeom prst="rect">
+            <a:avLst/>
+          </a:prstGeom>
+        </p:spPr>
+      </p:pic>
+      <p:pic>
+        <p:nvPicPr>
+          <p:cNvPr id="15" name="Picture 14" descr="Chart&#10;&#10;Description automatically generated">
+            <a:extLst>
+              <a:ext uri="{FF2B5EF4-FFF2-40B4-BE49-F238E27FC236}">
+                <a16:creationId xmlns:a16="http://schemas.microsoft.com/office/drawing/2014/main" id="{5C1D3AAF-E13A-F648-8E52-6852D3B03EEA}"/>
+              </a:ext>
+            </a:extLst>
+          </p:cNvPr>
+          <p:cNvPicPr>
+            <a:picLocks noChangeAspect="1"/>
+          </p:cNvPicPr>
+          <p:nvPr/>
+        </p:nvPicPr>
+        <p:blipFill rotWithShape="1">
+          <a:blip r:embed="rId5"/>
+          <a:srcRect l="5433"/>
+          <a:stretch/>
+        </p:blipFill>
+        <p:spPr>
+          <a:xfrm>
+            <a:off x="7980136" y="3303129"/>
+            <a:ext cx="3784322" cy="3072131"/>
+          </a:xfrm>
+          <a:prstGeom prst="rect">
+            <a:avLst/>
+          </a:prstGeom>
+        </p:spPr>
+      </p:pic>
+      <p:sp>
+        <p:nvSpPr>
+          <p:cNvPr id="5" name="TextBox 4">
+            <a:extLst>
+              <a:ext uri="{FF2B5EF4-FFF2-40B4-BE49-F238E27FC236}">
+                <a16:creationId xmlns:a16="http://schemas.microsoft.com/office/drawing/2014/main" id="{0B4FDA4A-43AC-E840-8887-803C6543647F}"/>
+              </a:ext>
+            </a:extLst>
+          </p:cNvPr>
+          <p:cNvSpPr txBox="1"/>
+          <p:nvPr/>
+        </p:nvSpPr>
+        <p:spPr>
+          <a:xfrm>
+            <a:off x="1115568" y="6235700"/>
+            <a:ext cx="4361963" cy="369332"/>
+          </a:xfrm>
+          <a:prstGeom prst="rect">
+            <a:avLst/>
+          </a:prstGeom>
+          <a:noFill/>
+        </p:spPr>
+        <p:txBody>
+          <a:bodyPr wrap="none" rtlCol="0">
+            <a:spAutoFit/>
+          </a:bodyPr>
+          <a:lstStyle/>
+          <a:p>
+            <a:r>
+              <a:rPr lang="en-US" dirty="0"/>
+              <a:t>https://</a:t>
+            </a:r>
+            <a:r>
+              <a:rPr lang="en-US" dirty="0" err="1"/>
+              <a:t>github.com</a:t>
+            </a:r>
+            <a:r>
+              <a:rPr lang="en-US" dirty="0"/>
+              <a:t>/</a:t>
+            </a:r>
+            <a:r>
+              <a:rPr lang="en-US" dirty="0" err="1"/>
+              <a:t>BYUCamachoLab</a:t>
+            </a:r>
+            <a:r>
+              <a:rPr lang="en-US" dirty="0"/>
+              <a:t>/</a:t>
+            </a:r>
+            <a:r>
+              <a:rPr lang="en-US" dirty="0" err="1"/>
+              <a:t>emepy</a:t>
+            </a:r>
+            <a:endParaRPr lang="en-US" dirty="0"/>
+          </a:p>
+        </p:txBody>
+      </p:sp>
+    </p:spTree>
+    <p:extLst>
+      <p:ext uri="{BB962C8B-B14F-4D97-AF65-F5344CB8AC3E}">
+        <p14:creationId xmlns:p14="http://schemas.microsoft.com/office/powerpoint/2010/main" val="1038235075"/>
+      </p:ext>
+    </p:extLst>
+  </p:cSld>
+  <p:clrMapOvr>
+    <a:masterClrMapping/>
+  </p:clrMapOvr>
+</p:sld>
+</file>
+
+<file path=ppt/slides/slide4.xml><?xml version="1.0" encoding="utf-8"?>
+<p:sld xmlns:a="http://schemas.openxmlformats.org/drawingml/2006/main" xmlns:r="http://schemas.openxmlformats.org/officeDocument/2006/relationships" xmlns:p="http://schemas.openxmlformats.org/presentationml/2006/main">
+  <p:cSld>
+    <p:bg>
+      <p:bgPr>
+        <a:solidFill>
+          <a:schemeClr val="bg1"/>
+        </a:solidFill>
+        <a:effectLst/>
+      </p:bgPr>
+    </p:bg>
+    <p:spTree>
+      <p:nvGrpSpPr>
+        <p:cNvPr id="1" name=""/>
+        <p:cNvGrpSpPr/>
+        <p:nvPr/>
+      </p:nvGrpSpPr>
+      <p:grpSpPr>
+        <a:xfrm>
+          <a:off x="0" y="0"/>
+          <a:ext cx="0" cy="0"/>
+          <a:chOff x="0" y="0"/>
+          <a:chExt cx="0" cy="0"/>
+        </a:xfrm>
+      </p:grpSpPr>
+      <p:sp useBgFill="1">
+        <p:nvSpPr>
+          <p:cNvPr id="8" name="Rectangle 7">
+            <a:extLst>
+              <a:ext uri="{FF2B5EF4-FFF2-40B4-BE49-F238E27FC236}">
+                <a16:creationId xmlns:a16="http://schemas.microsoft.com/office/drawing/2014/main" id="{DAF1966E-FD40-4A4A-B61B-C4DF7FA05F06}"/>
+              </a:ext>
+              <a:ext uri="{C183D7F6-B498-43B3-948B-1728B52AA6E4}">
+                <adec:decorative xmlns:adec="http://schemas.microsoft.com/office/drawing/2017/decorative" val="1"/>
+              </a:ext>
+            </a:extLst>
+          </p:cNvPr>
+          <p:cNvSpPr>
+            <a:spLocks noGrp="1" noRot="1" noChangeAspect="1" noMove="1" noResize="1" noEditPoints="1" noAdjustHandles="1" noChangeArrowheads="1" noChangeShapeType="1" noTextEdit="1"/>
+          </p:cNvSpPr>
+          <p:nvPr>
+            <p:extLst>
+              <p:ext uri="{386F3935-93C4-4BCD-93E2-E3B085C9AB24}">
+                <p16:designElem xmlns:p16="http://schemas.microsoft.com/office/powerpoint/2015/main" val="1"/>
+              </p:ext>
+            </p:extLst>
+          </p:nvPr>
+        </p:nvSpPr>
+        <p:spPr>
+          <a:xfrm>
+            <a:off x="0" y="0"/>
+            <a:ext cx="12192000" cy="6858000"/>
+          </a:xfrm>
+          <a:prstGeom prst="rect">
+            <a:avLst/>
+          </a:prstGeom>
+          <a:ln>
+            <a:noFill/>
+          </a:ln>
+        </p:spPr>
+        <p:style>
+          <a:lnRef idx="2">
+            <a:schemeClr val="accent1">
+              <a:shade val="50000"/>
+            </a:schemeClr>
+          </a:lnRef>
+          <a:fillRef idx="1">
+            <a:schemeClr val="accent1"/>
+          </a:fillRef>
+          <a:effectRef idx="0">
+            <a:schemeClr val="accent1"/>
+          </a:effectRef>
+          <a:fontRef idx="minor">
+            <a:schemeClr val="lt1"/>
+          </a:fontRef>
+        </p:style>
+        <p:txBody>
+          <a:bodyPr rtlCol="0" anchor="ctr"/>
+          <a:lstStyle/>
+          <a:p>
+            <a:pPr algn="ctr"/>
+            <a:endParaRPr lang="en-US"/>
+          </a:p>
+        </p:txBody>
+      </p:sp>
+      <p:sp useBgFill="1">
+        <p:nvSpPr>
+          <p:cNvPr id="10" name="Rectangle 9">
+            <a:extLst>
+              <a:ext uri="{FF2B5EF4-FFF2-40B4-BE49-F238E27FC236}">
+                <a16:creationId xmlns:a16="http://schemas.microsoft.com/office/drawing/2014/main" id="{047BFA19-D45E-416B-A404-7AF2F3F27017}"/>
+              </a:ext>
+              <a:ext uri="{C183D7F6-B498-43B3-948B-1728B52AA6E4}">
+                <adec:decorative xmlns:adec="http://schemas.microsoft.com/office/drawing/2017/decorative" val="1"/>
+              </a:ext>
+            </a:extLst>
+          </p:cNvPr>
+          <p:cNvSpPr>
+            <a:spLocks noGrp="1" noRot="1" noChangeAspect="1" noMove="1" noResize="1" noEditPoints="1" noAdjustHandles="1" noChangeArrowheads="1" noChangeShapeType="1" noTextEdit="1"/>
+          </p:cNvSpPr>
+          <p:nvPr>
+            <p:extLst>
+              <p:ext uri="{386F3935-93C4-4BCD-93E2-E3B085C9AB24}">
+                <p16:designElem xmlns:p16="http://schemas.microsoft.com/office/powerpoint/2015/main" val="1"/>
+              </p:ext>
+            </p:extLst>
+          </p:nvPr>
+        </p:nvSpPr>
+        <p:spPr>
+          <a:xfrm>
+            <a:off x="558209" y="0"/>
+            <a:ext cx="11167447" cy="2018806"/>
+          </a:xfrm>
+          <a:prstGeom prst="rect">
+            <a:avLst/>
+          </a:prstGeom>
+          <a:ln w="9525">
+            <a:solidFill>
+              <a:srgbClr val="E1E1E1"/>
+            </a:solidFill>
+          </a:ln>
+          <a:effectLst>
+            <a:outerShdw blurRad="50800" dist="38100" dir="2700000" algn="tl" rotWithShape="0">
+              <a:schemeClr val="bg1">
+                <a:lumMod val="85000"/>
+                <a:alpha val="50000"/>
+              </a:schemeClr>
+            </a:outerShdw>
+          </a:effectLst>
+        </p:spPr>
+        <p:style>
+          <a:lnRef idx="2">
+            <a:schemeClr val="accent1">
+              <a:shade val="50000"/>
+            </a:schemeClr>
+          </a:lnRef>
+          <a:fillRef idx="1">
+            <a:schemeClr val="accent1"/>
+          </a:fillRef>
+          <a:effectRef idx="0">
+            <a:schemeClr val="accent1"/>
+          </a:effectRef>
+          <a:fontRef idx="minor">
+            <a:schemeClr val="lt1"/>
+          </a:fontRef>
+        </p:style>
+        <p:txBody>
+          <a:bodyPr rtlCol="0" anchor="ctr"/>
+          <a:lstStyle/>
+          <a:p>
+            <a:pPr marL="0" marR="0" lvl="0" indent="0" algn="ctr" defTabSz="914400" rtl="0" eaLnBrk="1" fontAlgn="auto" latinLnBrk="0" hangingPunct="1">
+              <a:lnSpc>
+                <a:spcPct val="100000"/>
+              </a:lnSpc>
+              <a:spcBef>
+                <a:spcPts val="0"/>
+              </a:spcBef>
+              <a:spcAft>
+                <a:spcPts val="0"/>
+              </a:spcAft>
+              <a:buClrTx/>
+              <a:buSzTx/>
+              <a:buFontTx/>
+              <a:buNone/>
+              <a:tabLst/>
+              <a:defRPr/>
+            </a:pPr>
+            <a:endParaRPr kumimoji="0" lang="en-US" sz="1800" b="0" i="0" u="none" strike="noStrike" kern="1200" cap="none" spc="0" normalizeH="0" baseline="0" noProof="0">
+              <a:ln>
+                <a:noFill/>
+              </a:ln>
+              <a:solidFill>
+                <a:prstClr val="white"/>
+              </a:solidFill>
+              <a:effectLst/>
+              <a:uLnTx/>
+              <a:uFillTx/>
+              <a:latin typeface="Calibri" panose="020F0502020204030204"/>
+              <a:ea typeface="+mn-ea"/>
+              <a:cs typeface="+mn-cs"/>
+            </a:endParaRPr>
+          </a:p>
+        </p:txBody>
+      </p:sp>
+      <p:sp useBgFill="1">
+        <p:nvSpPr>
+          <p:cNvPr id="12" name="Rectangle 11">
+            <a:extLst>
+              <a:ext uri="{FF2B5EF4-FFF2-40B4-BE49-F238E27FC236}">
+                <a16:creationId xmlns:a16="http://schemas.microsoft.com/office/drawing/2014/main" id="{8E0105E7-23DB-4CF2-8258-FF47C7620F6E}"/>
+              </a:ext>
+              <a:ext uri="{C183D7F6-B498-43B3-948B-1728B52AA6E4}">
+                <adec:decorative xmlns:adec="http://schemas.microsoft.com/office/drawing/2017/decorative" val="1"/>
+              </a:ext>
+            </a:extLst>
+          </p:cNvPr>
+          <p:cNvSpPr>
+            <a:spLocks noGrp="1" noRot="1" noChangeAspect="1" noMove="1" noResize="1" noEditPoints="1" noAdjustHandles="1" noChangeArrowheads="1" noChangeShapeType="1" noTextEdit="1"/>
+          </p:cNvSpPr>
+          <p:nvPr>
+            <p:extLst>
+              <p:ext uri="{386F3935-93C4-4BCD-93E2-E3B085C9AB24}">
+                <p16:designElem xmlns:p16="http://schemas.microsoft.com/office/powerpoint/2015/main" val="1"/>
+              </p:ext>
+            </p:extLst>
+          </p:nvPr>
+        </p:nvSpPr>
+        <p:spPr>
+          <a:xfrm>
+            <a:off x="566928" y="0"/>
+            <a:ext cx="11155680" cy="2011680"/>
+          </a:xfrm>
+          <a:prstGeom prst="rect">
+            <a:avLst/>
+          </a:prstGeom>
+          <a:ln w="9525">
+            <a:noFill/>
+          </a:ln>
+          <a:effectLst/>
+        </p:spPr>
+        <p:style>
+          <a:lnRef idx="2">
+            <a:schemeClr val="accent1">
+              <a:shade val="50000"/>
+            </a:schemeClr>
+          </a:lnRef>
+          <a:fillRef idx="1">
+            <a:schemeClr val="accent1"/>
+          </a:fillRef>
+          <a:effectRef idx="0">
+            <a:schemeClr val="accent1"/>
+          </a:effectRef>
+          <a:fontRef idx="minor">
+            <a:schemeClr val="lt1"/>
+          </a:fontRef>
+        </p:style>
+        <p:txBody>
+          <a:bodyPr rtlCol="0" anchor="ctr"/>
+          <a:lstStyle/>
+          <a:p>
+            <a:pPr marL="0" marR="0" lvl="0" indent="0" algn="ctr" defTabSz="914400" rtl="0" eaLnBrk="1" fontAlgn="auto" latinLnBrk="0" hangingPunct="1">
+              <a:lnSpc>
+                <a:spcPct val="100000"/>
+              </a:lnSpc>
+              <a:spcBef>
+                <a:spcPts val="0"/>
+              </a:spcBef>
+              <a:spcAft>
+                <a:spcPts val="0"/>
+              </a:spcAft>
+              <a:buClrTx/>
+              <a:buSzTx/>
+              <a:buFontTx/>
+              <a:buNone/>
+              <a:tabLst/>
+              <a:defRPr/>
+            </a:pPr>
+            <a:endParaRPr kumimoji="0" lang="en-US" sz="1800" b="0" i="0" u="none" strike="noStrike" kern="1200" cap="none" spc="0" normalizeH="0" baseline="0" noProof="0">
+              <a:ln>
+                <a:noFill/>
+              </a:ln>
+              <a:solidFill>
+                <a:prstClr val="white"/>
+              </a:solidFill>
+              <a:effectLst/>
+              <a:uLnTx/>
+              <a:uFillTx/>
+              <a:latin typeface="Calibri" panose="020F0502020204030204"/>
+              <a:ea typeface="+mn-ea"/>
+              <a:cs typeface="+mn-cs"/>
+            </a:endParaRPr>
+          </a:p>
+        </p:txBody>
+      </p:sp>
+      <p:sp>
+        <p:nvSpPr>
+          <p:cNvPr id="2" name="Title 1">
+            <a:extLst>
+              <a:ext uri="{FF2B5EF4-FFF2-40B4-BE49-F238E27FC236}">
+                <a16:creationId xmlns:a16="http://schemas.microsoft.com/office/drawing/2014/main" id="{D9C38E07-FABB-044A-919D-33E773823B77}"/>
+              </a:ext>
+            </a:extLst>
+          </p:cNvPr>
+          <p:cNvSpPr>
+            <a:spLocks noGrp="1"/>
+          </p:cNvSpPr>
+          <p:nvPr>
+            <p:ph type="title"/>
+          </p:nvPr>
+        </p:nvSpPr>
+        <p:spPr>
+          <a:xfrm>
+            <a:off x="1115568" y="548640"/>
+            <a:ext cx="10168128" cy="1179576"/>
+          </a:xfrm>
+        </p:spPr>
+        <p:txBody>
+          <a:bodyPr>
+            <a:normAutofit/>
+          </a:bodyPr>
+          <a:lstStyle/>
+          <a:p>
+            <a:r>
+              <a:rPr lang="en-US" sz="4000" dirty="0"/>
+              <a:t>EMEPy Recent Updates</a:t>
+            </a:r>
+          </a:p>
+        </p:txBody>
+      </p:sp>
+      <p:sp>
+        <p:nvSpPr>
+          <p:cNvPr id="14" name="Rectangle 13">
+            <a:extLst>
+              <a:ext uri="{FF2B5EF4-FFF2-40B4-BE49-F238E27FC236}">
+                <a16:creationId xmlns:a16="http://schemas.microsoft.com/office/drawing/2014/main" id="{074B4F7D-14B2-478B-8BF5-01E4E0C5D263}"/>
+              </a:ext>
+              <a:ext uri="{C183D7F6-B498-43B3-948B-1728B52AA6E4}">
+                <adec:decorative xmlns:adec="http://schemas.microsoft.com/office/drawing/2017/decorative" val="1"/>
+              </a:ext>
+            </a:extLst>
+          </p:cNvPr>
+          <p:cNvSpPr>
+            <a:spLocks noGrp="1" noRot="1" noChangeAspect="1" noMove="1" noResize="1" noEditPoints="1" noAdjustHandles="1" noChangeArrowheads="1" noChangeShapeType="1" noTextEdit="1"/>
+          </p:cNvSpPr>
+          <p:nvPr>
+            <p:extLst>
+              <p:ext uri="{386F3935-93C4-4BCD-93E2-E3B085C9AB24}">
+                <p16:designElem xmlns:p16="http://schemas.microsoft.com/office/powerpoint/2015/main" val="1"/>
+              </p:ext>
+            </p:extLst>
+          </p:nvPr>
+        </p:nvSpPr>
+        <p:spPr>
+          <a:xfrm>
+            <a:off x="498834" y="758952"/>
+            <a:ext cx="128016" cy="704088"/>
+          </a:xfrm>
+          <a:prstGeom prst="rect">
+            <a:avLst/>
+          </a:prstGeom>
+          <a:solidFill>
+            <a:schemeClr val="accent2"/>
+          </a:solidFill>
+          <a:ln>
+            <a:noFill/>
+          </a:ln>
+        </p:spPr>
+        <p:style>
+          <a:lnRef idx="2">
+            <a:schemeClr val="accent1">
+              <a:shade val="50000"/>
+            </a:schemeClr>
+          </a:lnRef>
+          <a:fillRef idx="1">
+            <a:schemeClr val="accent1"/>
+          </a:fillRef>
+          <a:effectRef idx="0">
+            <a:schemeClr val="accent1"/>
+          </a:effectRef>
+          <a:fontRef idx="minor">
+            <a:schemeClr val="lt1"/>
+          </a:fontRef>
+        </p:style>
+        <p:txBody>
+          <a:bodyPr rtlCol="0" anchor="ctr"/>
+          <a:lstStyle/>
+          <a:p>
+            <a:pPr algn="ctr"/>
+            <a:endParaRPr lang="en-US">
+              <a:solidFill>
+                <a:prstClr val="white"/>
+              </a:solidFill>
+              <a:latin typeface="Calibri" panose="020F0502020204030204"/>
+            </a:endParaRPr>
+          </a:p>
+        </p:txBody>
+      </p:sp>
+      <p:sp>
+        <p:nvSpPr>
+          <p:cNvPr id="4" name="TextBox 3">
+            <a:extLst>
+              <a:ext uri="{FF2B5EF4-FFF2-40B4-BE49-F238E27FC236}">
+                <a16:creationId xmlns:a16="http://schemas.microsoft.com/office/drawing/2014/main" id="{8CF70855-A80C-FE4E-9BC2-4C300903AB08}"/>
+              </a:ext>
+            </a:extLst>
+          </p:cNvPr>
+          <p:cNvSpPr txBox="1"/>
+          <p:nvPr/>
+        </p:nvSpPr>
+        <p:spPr>
+          <a:xfrm>
+            <a:off x="558209" y="2198114"/>
+            <a:ext cx="3101618" cy="369332"/>
+          </a:xfrm>
+          <a:prstGeom prst="rect">
+            <a:avLst/>
+          </a:prstGeom>
+          <a:noFill/>
+        </p:spPr>
+        <p:txBody>
+          <a:bodyPr wrap="none" rtlCol="0">
+            <a:spAutoFit/>
+          </a:bodyPr>
+          <a:lstStyle/>
+          <a:p>
+            <a:r>
+              <a:rPr lang="en-US" dirty="0"/>
+              <a:t>• </a:t>
+            </a:r>
+            <a:r>
+              <a:rPr lang="en-US" dirty="0" err="1"/>
+              <a:t>MultiMode</a:t>
+            </a:r>
+            <a:r>
+              <a:rPr lang="en-US" dirty="0"/>
+              <a:t> Field Propagation</a:t>
+            </a:r>
+          </a:p>
+        </p:txBody>
+      </p:sp>
+      <p:pic>
+        <p:nvPicPr>
+          <p:cNvPr id="16" name="Picture 15">
+            <a:extLst>
+              <a:ext uri="{FF2B5EF4-FFF2-40B4-BE49-F238E27FC236}">
+                <a16:creationId xmlns:a16="http://schemas.microsoft.com/office/drawing/2014/main" id="{C63D2EF1-EE44-BE48-B6C6-2A12D14EAFC2}"/>
+              </a:ext>
+            </a:extLst>
+          </p:cNvPr>
+          <p:cNvPicPr>
+            <a:picLocks noChangeAspect="1"/>
+          </p:cNvPicPr>
+          <p:nvPr/>
+        </p:nvPicPr>
+        <p:blipFill>
+          <a:blip r:embed="rId2"/>
+          <a:stretch>
+            <a:fillRect/>
+          </a:stretch>
+        </p:blipFill>
+        <p:spPr>
+          <a:xfrm>
+            <a:off x="191155" y="4714154"/>
+            <a:ext cx="5966189" cy="1760211"/>
+          </a:xfrm>
+          <a:prstGeom prst="rect">
+            <a:avLst/>
+          </a:prstGeom>
+        </p:spPr>
+      </p:pic>
+      <p:pic>
+        <p:nvPicPr>
+          <p:cNvPr id="17" name="Picture 16" descr="A screenshot of a computer&#10;&#10;Description automatically generated with low confidence">
+            <a:extLst>
+              <a:ext uri="{FF2B5EF4-FFF2-40B4-BE49-F238E27FC236}">
+                <a16:creationId xmlns:a16="http://schemas.microsoft.com/office/drawing/2014/main" id="{8967C241-874C-9B4A-BE67-37EF600776B5}"/>
+              </a:ext>
+            </a:extLst>
+          </p:cNvPr>
+          <p:cNvPicPr>
+            <a:picLocks noChangeAspect="1"/>
+          </p:cNvPicPr>
+          <p:nvPr/>
+        </p:nvPicPr>
+        <p:blipFill>
+          <a:blip r:embed="rId3"/>
+          <a:stretch>
+            <a:fillRect/>
+          </a:stretch>
+        </p:blipFill>
+        <p:spPr>
+          <a:xfrm>
+            <a:off x="191154" y="2855466"/>
+            <a:ext cx="5798340" cy="1781308"/>
+          </a:xfrm>
+          <a:prstGeom prst="rect">
+            <a:avLst/>
+          </a:prstGeom>
+        </p:spPr>
+      </p:pic>
+      <p:pic>
+        <p:nvPicPr>
+          <p:cNvPr id="1026" name="Picture 2" descr="image">
+            <a:extLst>
+              <a:ext uri="{FF2B5EF4-FFF2-40B4-BE49-F238E27FC236}">
+                <a16:creationId xmlns:a16="http://schemas.microsoft.com/office/drawing/2014/main" id="{4AA22A98-7771-4540-8906-B9AB737AE849}"/>
+              </a:ext>
+            </a:extLst>
+          </p:cNvPr>
+          <p:cNvPicPr>
+            <a:picLocks noChangeAspect="1" noChangeArrowheads="1"/>
+          </p:cNvPicPr>
+          <p:nvPr/>
+        </p:nvPicPr>
+        <p:blipFill rotWithShape="1">
+          <a:blip r:embed="rId4">
+            <a:extLst>
+              <a:ext uri="{28A0092B-C50C-407E-A947-70E740481C1C}">
+                <a14:useLocalDpi xmlns:a14="http://schemas.microsoft.com/office/drawing/2010/main" val="0"/>
+              </a:ext>
+            </a:extLst>
+          </a:blip>
+          <a:srcRect l="35405" r="27230"/>
+          <a:stretch/>
+        </p:blipFill>
+        <p:spPr bwMode="auto">
+          <a:xfrm rot="5400000">
+            <a:off x="8404777" y="732296"/>
+            <a:ext cx="2227092" cy="4965046"/>
+          </a:xfrm>
+          <a:prstGeom prst="rect">
+            <a:avLst/>
+          </a:prstGeom>
+          <a:noFill/>
+          <a:extLst>
+            <a:ext uri="{909E8E84-426E-40DD-AFC4-6F175D3DCCD1}">
+              <a14:hiddenFill xmlns:a14="http://schemas.microsoft.com/office/drawing/2010/main">
+                <a:solidFill>
+                  <a:srgbClr val="FFFFFF"/>
+                </a:solidFill>
+              </a14:hiddenFill>
+            </a:ext>
+          </a:extLst>
+        </p:spPr>
+      </p:pic>
+      <p:pic>
+        <p:nvPicPr>
+          <p:cNvPr id="7" name="Picture 6" descr="A screenshot of a computer&#10;&#10;Description automatically generated with medium confidence">
+            <a:extLst>
+              <a:ext uri="{FF2B5EF4-FFF2-40B4-BE49-F238E27FC236}">
+                <a16:creationId xmlns:a16="http://schemas.microsoft.com/office/drawing/2014/main" id="{D7CF39C3-02CE-2543-8BB0-60D87BF2344B}"/>
+              </a:ext>
+            </a:extLst>
+          </p:cNvPr>
+          <p:cNvPicPr>
+            <a:picLocks noChangeAspect="1"/>
+          </p:cNvPicPr>
+          <p:nvPr/>
+        </p:nvPicPr>
+        <p:blipFill>
+          <a:blip r:embed="rId5"/>
+          <a:stretch>
+            <a:fillRect/>
+          </a:stretch>
+        </p:blipFill>
+        <p:spPr>
+          <a:xfrm>
+            <a:off x="7251700" y="4459396"/>
+            <a:ext cx="4381317" cy="2163878"/>
+          </a:xfrm>
+          <a:prstGeom prst="rect">
+            <a:avLst/>
+          </a:prstGeom>
+        </p:spPr>
+      </p:pic>
+    </p:spTree>
+    <p:extLst>
+      <p:ext uri="{BB962C8B-B14F-4D97-AF65-F5344CB8AC3E}">
+        <p14:creationId xmlns:p14="http://schemas.microsoft.com/office/powerpoint/2010/main" val="4011504753"/>
+      </p:ext>
+    </p:extLst>
+  </p:cSld>
+  <p:clrMapOvr>
+    <a:masterClrMapping/>
+  </p:clrMapOvr>
+</p:sld>
+</file>
+
+<file path=ppt/slides/slide5.xml><?xml version="1.0" encoding="utf-8"?>
+<p:sld xmlns:a="http://schemas.openxmlformats.org/drawingml/2006/main" xmlns:r="http://schemas.openxmlformats.org/officeDocument/2006/relationships" xmlns:p="http://schemas.openxmlformats.org/presentationml/2006/main">
+  <p:cSld>
+    <p:bg>
+      <p:bgPr>
+        <a:solidFill>
+          <a:schemeClr val="bg1"/>
+        </a:solidFill>
+        <a:effectLst/>
+      </p:bgPr>
+    </p:bg>
+    <p:spTree>
+      <p:nvGrpSpPr>
+        <p:cNvPr id="1" name=""/>
+        <p:cNvGrpSpPr/>
+        <p:nvPr/>
+      </p:nvGrpSpPr>
+      <p:grpSpPr>
+        <a:xfrm>
+          <a:off x="0" y="0"/>
+          <a:ext cx="0" cy="0"/>
+          <a:chOff x="0" y="0"/>
+          <a:chExt cx="0" cy="0"/>
+        </a:xfrm>
+      </p:grpSpPr>
+      <p:sp useBgFill="1">
+        <p:nvSpPr>
+          <p:cNvPr id="8" name="Rectangle 7">
+            <a:extLst>
+              <a:ext uri="{FF2B5EF4-FFF2-40B4-BE49-F238E27FC236}">
+                <a16:creationId xmlns:a16="http://schemas.microsoft.com/office/drawing/2014/main" id="{DAF1966E-FD40-4A4A-B61B-C4DF7FA05F06}"/>
+              </a:ext>
+              <a:ext uri="{C183D7F6-B498-43B3-948B-1728B52AA6E4}">
+                <adec:decorative xmlns:adec="http://schemas.microsoft.com/office/drawing/2017/decorative" val="1"/>
+              </a:ext>
+            </a:extLst>
+          </p:cNvPr>
+          <p:cNvSpPr>
+            <a:spLocks noGrp="1" noRot="1" noChangeAspect="1" noMove="1" noResize="1" noEditPoints="1" noAdjustHandles="1" noChangeArrowheads="1" noChangeShapeType="1" noTextEdit="1"/>
+          </p:cNvSpPr>
+          <p:nvPr>
+            <p:extLst>
+              <p:ext uri="{386F3935-93C4-4BCD-93E2-E3B085C9AB24}">
+                <p16:designElem xmlns:p16="http://schemas.microsoft.com/office/powerpoint/2015/main" val="1"/>
+              </p:ext>
+            </p:extLst>
+          </p:nvPr>
+        </p:nvSpPr>
+        <p:spPr>
+          <a:xfrm>
+            <a:off x="0" y="0"/>
+            <a:ext cx="12192000" cy="6858000"/>
+          </a:xfrm>
+          <a:prstGeom prst="rect">
+            <a:avLst/>
+          </a:prstGeom>
+          <a:ln>
+            <a:noFill/>
+          </a:ln>
+        </p:spPr>
+        <p:style>
+          <a:lnRef idx="2">
+            <a:schemeClr val="accent1">
+              <a:shade val="50000"/>
+            </a:schemeClr>
+          </a:lnRef>
+          <a:fillRef idx="1">
+            <a:schemeClr val="accent1"/>
+          </a:fillRef>
+          <a:effectRef idx="0">
+            <a:schemeClr val="accent1"/>
+          </a:effectRef>
+          <a:fontRef idx="minor">
+            <a:schemeClr val="lt1"/>
+          </a:fontRef>
+        </p:style>
+        <p:txBody>
+          <a:bodyPr rtlCol="0" anchor="ctr"/>
+          <a:lstStyle/>
+          <a:p>
+            <a:pPr algn="ctr"/>
+            <a:endParaRPr lang="en-US"/>
+          </a:p>
+        </p:txBody>
+      </p:sp>
+      <p:sp useBgFill="1">
+        <p:nvSpPr>
+          <p:cNvPr id="10" name="Rectangle 9">
+            <a:extLst>
+              <a:ext uri="{FF2B5EF4-FFF2-40B4-BE49-F238E27FC236}">
+                <a16:creationId xmlns:a16="http://schemas.microsoft.com/office/drawing/2014/main" id="{047BFA19-D45E-416B-A404-7AF2F3F27017}"/>
+              </a:ext>
+              <a:ext uri="{C183D7F6-B498-43B3-948B-1728B52AA6E4}">
+                <adec:decorative xmlns:adec="http://schemas.microsoft.com/office/drawing/2017/decorative" val="1"/>
+              </a:ext>
+            </a:extLst>
+          </p:cNvPr>
+          <p:cNvSpPr>
+            <a:spLocks noGrp="1" noRot="1" noChangeAspect="1" noMove="1" noResize="1" noEditPoints="1" noAdjustHandles="1" noChangeArrowheads="1" noChangeShapeType="1" noTextEdit="1"/>
+          </p:cNvSpPr>
+          <p:nvPr>
+            <p:extLst>
+              <p:ext uri="{386F3935-93C4-4BCD-93E2-E3B085C9AB24}">
+                <p16:designElem xmlns:p16="http://schemas.microsoft.com/office/powerpoint/2015/main" val="1"/>
+              </p:ext>
+            </p:extLst>
+          </p:nvPr>
+        </p:nvSpPr>
+        <p:spPr>
+          <a:xfrm>
+            <a:off x="558209" y="0"/>
+            <a:ext cx="11167447" cy="2018806"/>
+          </a:xfrm>
+          <a:prstGeom prst="rect">
+            <a:avLst/>
+          </a:prstGeom>
+          <a:ln w="9525">
+            <a:solidFill>
+              <a:srgbClr val="E1E1E1"/>
+            </a:solidFill>
+          </a:ln>
+          <a:effectLst>
+            <a:outerShdw blurRad="50800" dist="38100" dir="2700000" algn="tl" rotWithShape="0">
+              <a:schemeClr val="bg1">
+                <a:lumMod val="85000"/>
+                <a:alpha val="50000"/>
+              </a:schemeClr>
+            </a:outerShdw>
+          </a:effectLst>
+        </p:spPr>
+        <p:style>
+          <a:lnRef idx="2">
+            <a:schemeClr val="accent1">
+              <a:shade val="50000"/>
+            </a:schemeClr>
+          </a:lnRef>
+          <a:fillRef idx="1">
+            <a:schemeClr val="accent1"/>
+          </a:fillRef>
+          <a:effectRef idx="0">
+            <a:schemeClr val="accent1"/>
+          </a:effectRef>
+          <a:fontRef idx="minor">
+            <a:schemeClr val="lt1"/>
+          </a:fontRef>
+        </p:style>
+        <p:txBody>
+          <a:bodyPr rtlCol="0" anchor="ctr"/>
+          <a:lstStyle/>
+          <a:p>
+            <a:pPr marL="0" marR="0" lvl="0" indent="0" algn="ctr" defTabSz="914400" rtl="0" eaLnBrk="1" fontAlgn="auto" latinLnBrk="0" hangingPunct="1">
+              <a:lnSpc>
+                <a:spcPct val="100000"/>
+              </a:lnSpc>
+              <a:spcBef>
+                <a:spcPts val="0"/>
+              </a:spcBef>
+              <a:spcAft>
+                <a:spcPts val="0"/>
+              </a:spcAft>
+              <a:buClrTx/>
+              <a:buSzTx/>
+              <a:buFontTx/>
+              <a:buNone/>
+              <a:tabLst/>
+              <a:defRPr/>
+            </a:pPr>
+            <a:endParaRPr kumimoji="0" lang="en-US" sz="1800" b="0" i="0" u="none" strike="noStrike" kern="1200" cap="none" spc="0" normalizeH="0" baseline="0" noProof="0">
+              <a:ln>
+                <a:noFill/>
+              </a:ln>
+              <a:solidFill>
+                <a:prstClr val="white"/>
+              </a:solidFill>
+              <a:effectLst/>
+              <a:uLnTx/>
+              <a:uFillTx/>
+              <a:latin typeface="Calibri" panose="020F0502020204030204"/>
+              <a:ea typeface="+mn-ea"/>
+              <a:cs typeface="+mn-cs"/>
+            </a:endParaRPr>
+          </a:p>
+        </p:txBody>
+      </p:sp>
+      <p:sp useBgFill="1">
+        <p:nvSpPr>
+          <p:cNvPr id="12" name="Rectangle 11">
+            <a:extLst>
+              <a:ext uri="{FF2B5EF4-FFF2-40B4-BE49-F238E27FC236}">
+                <a16:creationId xmlns:a16="http://schemas.microsoft.com/office/drawing/2014/main" id="{8E0105E7-23DB-4CF2-8258-FF47C7620F6E}"/>
+              </a:ext>
+              <a:ext uri="{C183D7F6-B498-43B3-948B-1728B52AA6E4}">
+                <adec:decorative xmlns:adec="http://schemas.microsoft.com/office/drawing/2017/decorative" val="1"/>
+              </a:ext>
+            </a:extLst>
+          </p:cNvPr>
+          <p:cNvSpPr>
+            <a:spLocks noGrp="1" noRot="1" noChangeAspect="1" noMove="1" noResize="1" noEditPoints="1" noAdjustHandles="1" noChangeArrowheads="1" noChangeShapeType="1" noTextEdit="1"/>
+          </p:cNvSpPr>
+          <p:nvPr>
+            <p:extLst>
+              <p:ext uri="{386F3935-93C4-4BCD-93E2-E3B085C9AB24}">
+                <p16:designElem xmlns:p16="http://schemas.microsoft.com/office/powerpoint/2015/main" val="1"/>
+              </p:ext>
+            </p:extLst>
+          </p:nvPr>
+        </p:nvSpPr>
+        <p:spPr>
+          <a:xfrm>
+            <a:off x="566928" y="0"/>
+            <a:ext cx="11155680" cy="2011680"/>
+          </a:xfrm>
+          <a:prstGeom prst="rect">
+            <a:avLst/>
+          </a:prstGeom>
+          <a:ln w="9525">
+            <a:noFill/>
+          </a:ln>
+          <a:effectLst/>
+        </p:spPr>
+        <p:style>
+          <a:lnRef idx="2">
+            <a:schemeClr val="accent1">
+              <a:shade val="50000"/>
+            </a:schemeClr>
+          </a:lnRef>
+          <a:fillRef idx="1">
+            <a:schemeClr val="accent1"/>
+          </a:fillRef>
+          <a:effectRef idx="0">
+            <a:schemeClr val="accent1"/>
+          </a:effectRef>
+          <a:fontRef idx="minor">
+            <a:schemeClr val="lt1"/>
+          </a:fontRef>
+        </p:style>
+        <p:txBody>
+          <a:bodyPr rtlCol="0" anchor="ctr"/>
+          <a:lstStyle/>
+          <a:p>
+            <a:pPr marL="0" marR="0" lvl="0" indent="0" algn="ctr" defTabSz="914400" rtl="0" eaLnBrk="1" fontAlgn="auto" latinLnBrk="0" hangingPunct="1">
+              <a:lnSpc>
+                <a:spcPct val="100000"/>
+              </a:lnSpc>
+              <a:spcBef>
+                <a:spcPts val="0"/>
+              </a:spcBef>
+              <a:spcAft>
+                <a:spcPts val="0"/>
+              </a:spcAft>
+              <a:buClrTx/>
+              <a:buSzTx/>
+              <a:buFontTx/>
+              <a:buNone/>
+              <a:tabLst/>
+              <a:defRPr/>
+            </a:pPr>
+            <a:endParaRPr kumimoji="0" lang="en-US" sz="1800" b="0" i="0" u="none" strike="noStrike" kern="1200" cap="none" spc="0" normalizeH="0" baseline="0" noProof="0">
+              <a:ln>
+                <a:noFill/>
+              </a:ln>
+              <a:solidFill>
+                <a:prstClr val="white"/>
+              </a:solidFill>
+              <a:effectLst/>
+              <a:uLnTx/>
+              <a:uFillTx/>
+              <a:latin typeface="Calibri" panose="020F0502020204030204"/>
+              <a:ea typeface="+mn-ea"/>
+              <a:cs typeface="+mn-cs"/>
+            </a:endParaRPr>
+          </a:p>
+        </p:txBody>
+      </p:sp>
+      <p:sp>
+        <p:nvSpPr>
+          <p:cNvPr id="2" name="Title 1">
+            <a:extLst>
+              <a:ext uri="{FF2B5EF4-FFF2-40B4-BE49-F238E27FC236}">
+                <a16:creationId xmlns:a16="http://schemas.microsoft.com/office/drawing/2014/main" id="{D9C38E07-FABB-044A-919D-33E773823B77}"/>
+              </a:ext>
+            </a:extLst>
+          </p:cNvPr>
+          <p:cNvSpPr>
+            <a:spLocks noGrp="1"/>
+          </p:cNvSpPr>
+          <p:nvPr>
+            <p:ph type="title"/>
+          </p:nvPr>
+        </p:nvSpPr>
+        <p:spPr>
+          <a:xfrm>
+            <a:off x="1115568" y="548640"/>
+            <a:ext cx="10168128" cy="1179576"/>
+          </a:xfrm>
+        </p:spPr>
+        <p:txBody>
+          <a:bodyPr>
+            <a:normAutofit/>
+          </a:bodyPr>
+          <a:lstStyle/>
+          <a:p>
+            <a:r>
+              <a:rPr lang="en-US" sz="4000" dirty="0"/>
+              <a:t>EMEPy Inverse Design</a:t>
+            </a:r>
+          </a:p>
+        </p:txBody>
+      </p:sp>
+      <p:sp>
+        <p:nvSpPr>
+          <p:cNvPr id="14" name="Rectangle 13">
+            <a:extLst>
+              <a:ext uri="{FF2B5EF4-FFF2-40B4-BE49-F238E27FC236}">
+                <a16:creationId xmlns:a16="http://schemas.microsoft.com/office/drawing/2014/main" id="{074B4F7D-14B2-478B-8BF5-01E4E0C5D263}"/>
+              </a:ext>
+              <a:ext uri="{C183D7F6-B498-43B3-948B-1728B52AA6E4}">
+                <adec:decorative xmlns:adec="http://schemas.microsoft.com/office/drawing/2017/decorative" val="1"/>
+              </a:ext>
+            </a:extLst>
+          </p:cNvPr>
+          <p:cNvSpPr>
+            <a:spLocks noGrp="1" noRot="1" noChangeAspect="1" noMove="1" noResize="1" noEditPoints="1" noAdjustHandles="1" noChangeArrowheads="1" noChangeShapeType="1" noTextEdit="1"/>
+          </p:cNvSpPr>
+          <p:nvPr>
+            <p:extLst>
+              <p:ext uri="{386F3935-93C4-4BCD-93E2-E3B085C9AB24}">
+                <p16:designElem xmlns:p16="http://schemas.microsoft.com/office/powerpoint/2015/main" val="1"/>
+              </p:ext>
+            </p:extLst>
+          </p:nvPr>
+        </p:nvSpPr>
+        <p:spPr>
+          <a:xfrm>
+            <a:off x="498834" y="758952"/>
+            <a:ext cx="128016" cy="704088"/>
+          </a:xfrm>
+          <a:prstGeom prst="rect">
+            <a:avLst/>
+          </a:prstGeom>
+          <a:solidFill>
+            <a:schemeClr val="accent2"/>
+          </a:solidFill>
+          <a:ln>
+            <a:noFill/>
+          </a:ln>
+        </p:spPr>
+        <p:style>
+          <a:lnRef idx="2">
+            <a:schemeClr val="accent1">
+              <a:shade val="50000"/>
+            </a:schemeClr>
+          </a:lnRef>
+          <a:fillRef idx="1">
+            <a:schemeClr val="accent1"/>
+          </a:fillRef>
+          <a:effectRef idx="0">
+            <a:schemeClr val="accent1"/>
+          </a:effectRef>
+          <a:fontRef idx="minor">
+            <a:schemeClr val="lt1"/>
+          </a:fontRef>
+        </p:style>
+        <p:txBody>
+          <a:bodyPr rtlCol="0" anchor="ctr"/>
+          <a:lstStyle/>
+          <a:p>
+            <a:pPr algn="ctr"/>
+            <a:endParaRPr lang="en-US">
+              <a:solidFill>
+                <a:prstClr val="white"/>
+              </a:solidFill>
+              <a:latin typeface="Calibri" panose="020F0502020204030204"/>
+            </a:endParaRPr>
+          </a:p>
+        </p:txBody>
+      </p:sp>
+      <p:sp>
+        <p:nvSpPr>
+          <p:cNvPr id="4" name="TextBox 3">
+            <a:extLst>
+              <a:ext uri="{FF2B5EF4-FFF2-40B4-BE49-F238E27FC236}">
+                <a16:creationId xmlns:a16="http://schemas.microsoft.com/office/drawing/2014/main" id="{8CF70855-A80C-FE4E-9BC2-4C300903AB08}"/>
+              </a:ext>
+            </a:extLst>
+          </p:cNvPr>
+          <p:cNvSpPr txBox="1"/>
+          <p:nvPr/>
+        </p:nvSpPr>
+        <p:spPr>
+          <a:xfrm>
+            <a:off x="2157919" y="4654529"/>
+            <a:ext cx="2018117" cy="369332"/>
+          </a:xfrm>
+          <a:prstGeom prst="rect">
+            <a:avLst/>
+          </a:prstGeom>
+          <a:noFill/>
+        </p:spPr>
+        <p:txBody>
+          <a:bodyPr wrap="none" rtlCol="0">
+            <a:spAutoFit/>
+          </a:bodyPr>
+          <a:lstStyle/>
+          <a:p>
+            <a:r>
+              <a:rPr lang="en-US" dirty="0"/>
+              <a:t>1) Overlap Integrals</a:t>
+            </a:r>
+          </a:p>
+        </p:txBody>
+      </p:sp>
+      <p:pic>
+        <p:nvPicPr>
+          <p:cNvPr id="5" name="Picture 4">
+            <a:extLst>
+              <a:ext uri="{FF2B5EF4-FFF2-40B4-BE49-F238E27FC236}">
+                <a16:creationId xmlns:a16="http://schemas.microsoft.com/office/drawing/2014/main" id="{2DD17BE4-C3B5-F641-88EF-8FF0E65027F4}"/>
+              </a:ext>
+            </a:extLst>
+          </p:cNvPr>
+          <p:cNvPicPr>
+            <a:picLocks noChangeAspect="1"/>
+          </p:cNvPicPr>
+          <p:nvPr/>
+        </p:nvPicPr>
+        <p:blipFill rotWithShape="1">
+          <a:blip r:embed="rId2"/>
+          <a:srcRect t="18675" b="18675"/>
+          <a:stretch/>
+        </p:blipFill>
+        <p:spPr>
+          <a:xfrm>
+            <a:off x="2422431" y="2382715"/>
+            <a:ext cx="1612900" cy="2092571"/>
+          </a:xfrm>
+          <a:prstGeom prst="rect">
+            <a:avLst/>
+          </a:prstGeom>
+        </p:spPr>
+      </p:pic>
+      <p:pic>
+        <p:nvPicPr>
+          <p:cNvPr id="9" name="Picture 8">
+            <a:extLst>
+              <a:ext uri="{FF2B5EF4-FFF2-40B4-BE49-F238E27FC236}">
+                <a16:creationId xmlns:a16="http://schemas.microsoft.com/office/drawing/2014/main" id="{7000F23A-3643-1C41-B3E6-BBE44263C576}"/>
+              </a:ext>
+            </a:extLst>
+          </p:cNvPr>
+          <p:cNvPicPr>
+            <a:picLocks noChangeAspect="1"/>
+          </p:cNvPicPr>
+          <p:nvPr/>
+        </p:nvPicPr>
+        <p:blipFill>
+          <a:blip r:embed="rId3"/>
+          <a:stretch>
+            <a:fillRect/>
+          </a:stretch>
+        </p:blipFill>
+        <p:spPr>
+          <a:xfrm>
+            <a:off x="5372699" y="2806700"/>
+            <a:ext cx="5283200" cy="1244600"/>
+          </a:xfrm>
+          <a:prstGeom prst="rect">
+            <a:avLst/>
+          </a:prstGeom>
+        </p:spPr>
+      </p:pic>
+      <p:sp>
+        <p:nvSpPr>
+          <p:cNvPr id="18" name="TextBox 17">
+            <a:extLst>
+              <a:ext uri="{FF2B5EF4-FFF2-40B4-BE49-F238E27FC236}">
+                <a16:creationId xmlns:a16="http://schemas.microsoft.com/office/drawing/2014/main" id="{628B37C0-4217-D341-B27F-C9CE534AD97B}"/>
+              </a:ext>
+            </a:extLst>
+          </p:cNvPr>
+          <p:cNvSpPr txBox="1"/>
+          <p:nvPr/>
+        </p:nvSpPr>
+        <p:spPr>
+          <a:xfrm>
+            <a:off x="7071458" y="4290620"/>
+            <a:ext cx="2170274" cy="369332"/>
+          </a:xfrm>
+          <a:prstGeom prst="rect">
+            <a:avLst/>
+          </a:prstGeom>
+          <a:noFill/>
+        </p:spPr>
+        <p:txBody>
+          <a:bodyPr wrap="none" rtlCol="0">
+            <a:spAutoFit/>
+          </a:bodyPr>
+          <a:lstStyle/>
+          <a:p>
+            <a:r>
+              <a:rPr lang="en-US" dirty="0"/>
+              <a:t>2) Phase Propagation</a:t>
+            </a:r>
+          </a:p>
+        </p:txBody>
+      </p:sp>
+    </p:spTree>
+    <p:extLst>
+      <p:ext uri="{BB962C8B-B14F-4D97-AF65-F5344CB8AC3E}">
+        <p14:creationId xmlns:p14="http://schemas.microsoft.com/office/powerpoint/2010/main" val="3741293034"/>
+      </p:ext>
+    </p:extLst>
+  </p:cSld>
+  <p:clrMapOvr>
+    <a:masterClrMapping/>
+  </p:clrMapOvr>
+</p:sld>
+</file>
+
+<file path=ppt/slides/slide6.xml><?xml version="1.0" encoding="utf-8"?>
+<p:sld xmlns:a="http://schemas.openxmlformats.org/drawingml/2006/main" xmlns:r="http://schemas.openxmlformats.org/officeDocument/2006/relationships" xmlns:p="http://schemas.openxmlformats.org/presentationml/2006/main">
+  <p:cSld>
+    <p:bg>
+      <p:bgPr>
+        <a:solidFill>
+          <a:schemeClr val="bg1"/>
+        </a:solidFill>
+        <a:effectLst/>
+      </p:bgPr>
+    </p:bg>
+    <p:spTree>
+      <p:nvGrpSpPr>
+        <p:cNvPr id="1" name=""/>
+        <p:cNvGrpSpPr/>
+        <p:nvPr/>
+      </p:nvGrpSpPr>
+      <p:grpSpPr>
+        <a:xfrm>
+          <a:off x="0" y="0"/>
+          <a:ext cx="0" cy="0"/>
+          <a:chOff x="0" y="0"/>
+          <a:chExt cx="0" cy="0"/>
+        </a:xfrm>
+      </p:grpSpPr>
+      <p:sp useBgFill="1">
+        <p:nvSpPr>
+          <p:cNvPr id="8" name="Rectangle 7">
+            <a:extLst>
+              <a:ext uri="{FF2B5EF4-FFF2-40B4-BE49-F238E27FC236}">
+                <a16:creationId xmlns:a16="http://schemas.microsoft.com/office/drawing/2014/main" id="{DAF1966E-FD40-4A4A-B61B-C4DF7FA05F06}"/>
+              </a:ext>
+              <a:ext uri="{C183D7F6-B498-43B3-948B-1728B52AA6E4}">
+                <adec:decorative xmlns:adec="http://schemas.microsoft.com/office/drawing/2017/decorative" val="1"/>
+              </a:ext>
+            </a:extLst>
+          </p:cNvPr>
+          <p:cNvSpPr>
+            <a:spLocks noGrp="1" noRot="1" noChangeAspect="1" noMove="1" noResize="1" noEditPoints="1" noAdjustHandles="1" noChangeArrowheads="1" noChangeShapeType="1" noTextEdit="1"/>
+          </p:cNvSpPr>
+          <p:nvPr>
+            <p:extLst>
+              <p:ext uri="{386F3935-93C4-4BCD-93E2-E3B085C9AB24}">
+                <p16:designElem xmlns:p16="http://schemas.microsoft.com/office/powerpoint/2015/main" val="1"/>
+              </p:ext>
+            </p:extLst>
+          </p:nvPr>
+        </p:nvSpPr>
+        <p:spPr>
+          <a:xfrm>
+            <a:off x="0" y="0"/>
+            <a:ext cx="12192000" cy="6858000"/>
+          </a:xfrm>
+          <a:prstGeom prst="rect">
+            <a:avLst/>
+          </a:prstGeom>
+          <a:ln>
+            <a:noFill/>
+          </a:ln>
+        </p:spPr>
+        <p:style>
+          <a:lnRef idx="2">
+            <a:schemeClr val="accent1">
+              <a:shade val="50000"/>
+            </a:schemeClr>
+          </a:lnRef>
+          <a:fillRef idx="1">
+            <a:schemeClr val="accent1"/>
+          </a:fillRef>
+          <a:effectRef idx="0">
+            <a:schemeClr val="accent1"/>
+          </a:effectRef>
+          <a:fontRef idx="minor">
+            <a:schemeClr val="lt1"/>
+          </a:fontRef>
+        </p:style>
+        <p:txBody>
+          <a:bodyPr rtlCol="0" anchor="ctr"/>
+          <a:lstStyle/>
+          <a:p>
+            <a:pPr algn="ctr"/>
+            <a:endParaRPr lang="en-US"/>
+          </a:p>
+        </p:txBody>
+      </p:sp>
+      <p:sp useBgFill="1">
+        <p:nvSpPr>
+          <p:cNvPr id="10" name="Rectangle 9">
+            <a:extLst>
+              <a:ext uri="{FF2B5EF4-FFF2-40B4-BE49-F238E27FC236}">
+                <a16:creationId xmlns:a16="http://schemas.microsoft.com/office/drawing/2014/main" id="{047BFA19-D45E-416B-A404-7AF2F3F27017}"/>
+              </a:ext>
+              <a:ext uri="{C183D7F6-B498-43B3-948B-1728B52AA6E4}">
+                <adec:decorative xmlns:adec="http://schemas.microsoft.com/office/drawing/2017/decorative" val="1"/>
+              </a:ext>
+            </a:extLst>
+          </p:cNvPr>
+          <p:cNvSpPr>
+            <a:spLocks noGrp="1" noRot="1" noChangeAspect="1" noMove="1" noResize="1" noEditPoints="1" noAdjustHandles="1" noChangeArrowheads="1" noChangeShapeType="1" noTextEdit="1"/>
+          </p:cNvSpPr>
+          <p:nvPr>
+            <p:extLst>
+              <p:ext uri="{386F3935-93C4-4BCD-93E2-E3B085C9AB24}">
+                <p16:designElem xmlns:p16="http://schemas.microsoft.com/office/powerpoint/2015/main" val="1"/>
+              </p:ext>
+            </p:extLst>
+          </p:nvPr>
+        </p:nvSpPr>
+        <p:spPr>
+          <a:xfrm>
+            <a:off x="558209" y="0"/>
+            <a:ext cx="11167447" cy="2018806"/>
+          </a:xfrm>
+          <a:prstGeom prst="rect">
+            <a:avLst/>
+          </a:prstGeom>
+          <a:ln w="9525">
+            <a:solidFill>
+              <a:srgbClr val="E1E1E1"/>
+            </a:solidFill>
+          </a:ln>
+          <a:effectLst>
+            <a:outerShdw blurRad="50800" dist="38100" dir="2700000" algn="tl" rotWithShape="0">
+              <a:schemeClr val="bg1">
+                <a:lumMod val="85000"/>
+                <a:alpha val="50000"/>
+              </a:schemeClr>
+            </a:outerShdw>
+          </a:effectLst>
+        </p:spPr>
+        <p:style>
+          <a:lnRef idx="2">
+            <a:schemeClr val="accent1">
+              <a:shade val="50000"/>
+            </a:schemeClr>
+          </a:lnRef>
+          <a:fillRef idx="1">
+            <a:schemeClr val="accent1"/>
+          </a:fillRef>
+          <a:effectRef idx="0">
+            <a:schemeClr val="accent1"/>
+          </a:effectRef>
+          <a:fontRef idx="minor">
+            <a:schemeClr val="lt1"/>
+          </a:fontRef>
+        </p:style>
+        <p:txBody>
+          <a:bodyPr rtlCol="0" anchor="ctr"/>
+          <a:lstStyle/>
+          <a:p>
+            <a:pPr marL="0" marR="0" lvl="0" indent="0" algn="ctr" defTabSz="914400" rtl="0" eaLnBrk="1" fontAlgn="auto" latinLnBrk="0" hangingPunct="1">
+              <a:lnSpc>
+                <a:spcPct val="100000"/>
+              </a:lnSpc>
+              <a:spcBef>
+                <a:spcPts val="0"/>
+              </a:spcBef>
+              <a:spcAft>
+                <a:spcPts val="0"/>
+              </a:spcAft>
+              <a:buClrTx/>
+              <a:buSzTx/>
+              <a:buFontTx/>
+              <a:buNone/>
+              <a:tabLst/>
+              <a:defRPr/>
+            </a:pPr>
+            <a:endParaRPr kumimoji="0" lang="en-US" sz="1800" b="0" i="0" u="none" strike="noStrike" kern="1200" cap="none" spc="0" normalizeH="0" baseline="0" noProof="0">
+              <a:ln>
+                <a:noFill/>
+              </a:ln>
+              <a:solidFill>
+                <a:prstClr val="white"/>
+              </a:solidFill>
+              <a:effectLst/>
+              <a:uLnTx/>
+              <a:uFillTx/>
+              <a:latin typeface="Calibri" panose="020F0502020204030204"/>
+              <a:ea typeface="+mn-ea"/>
+              <a:cs typeface="+mn-cs"/>
+            </a:endParaRPr>
+          </a:p>
+        </p:txBody>
+      </p:sp>
+      <p:sp useBgFill="1">
+        <p:nvSpPr>
+          <p:cNvPr id="12" name="Rectangle 11">
+            <a:extLst>
+              <a:ext uri="{FF2B5EF4-FFF2-40B4-BE49-F238E27FC236}">
+                <a16:creationId xmlns:a16="http://schemas.microsoft.com/office/drawing/2014/main" id="{8E0105E7-23DB-4CF2-8258-FF47C7620F6E}"/>
+              </a:ext>
+              <a:ext uri="{C183D7F6-B498-43B3-948B-1728B52AA6E4}">
+                <adec:decorative xmlns:adec="http://schemas.microsoft.com/office/drawing/2017/decorative" val="1"/>
+              </a:ext>
+            </a:extLst>
+          </p:cNvPr>
+          <p:cNvSpPr>
+            <a:spLocks noGrp="1" noRot="1" noChangeAspect="1" noMove="1" noResize="1" noEditPoints="1" noAdjustHandles="1" noChangeArrowheads="1" noChangeShapeType="1" noTextEdit="1"/>
+          </p:cNvSpPr>
+          <p:nvPr>
+            <p:extLst>
+              <p:ext uri="{386F3935-93C4-4BCD-93E2-E3B085C9AB24}">
+                <p16:designElem xmlns:p16="http://schemas.microsoft.com/office/powerpoint/2015/main" val="1"/>
+              </p:ext>
+            </p:extLst>
+          </p:nvPr>
+        </p:nvSpPr>
+        <p:spPr>
+          <a:xfrm>
+            <a:off x="566928" y="0"/>
+            <a:ext cx="11155680" cy="2011680"/>
+          </a:xfrm>
+          <a:prstGeom prst="rect">
+            <a:avLst/>
+          </a:prstGeom>
+          <a:ln w="9525">
+            <a:noFill/>
+          </a:ln>
+          <a:effectLst/>
+        </p:spPr>
+        <p:style>
+          <a:lnRef idx="2">
+            <a:schemeClr val="accent1">
+              <a:shade val="50000"/>
+            </a:schemeClr>
+          </a:lnRef>
+          <a:fillRef idx="1">
+            <a:schemeClr val="accent1"/>
+          </a:fillRef>
+          <a:effectRef idx="0">
+            <a:schemeClr val="accent1"/>
+          </a:effectRef>
+          <a:fontRef idx="minor">
+            <a:schemeClr val="lt1"/>
+          </a:fontRef>
+        </p:style>
+        <p:txBody>
+          <a:bodyPr rtlCol="0" anchor="ctr"/>
+          <a:lstStyle/>
+          <a:p>
+            <a:pPr marL="0" marR="0" lvl="0" indent="0" algn="ctr" defTabSz="914400" rtl="0" eaLnBrk="1" fontAlgn="auto" latinLnBrk="0" hangingPunct="1">
+              <a:lnSpc>
+                <a:spcPct val="100000"/>
+              </a:lnSpc>
+              <a:spcBef>
+                <a:spcPts val="0"/>
+              </a:spcBef>
+              <a:spcAft>
+                <a:spcPts val="0"/>
+              </a:spcAft>
+              <a:buClrTx/>
+              <a:buSzTx/>
+              <a:buFontTx/>
+              <a:buNone/>
+              <a:tabLst/>
+              <a:defRPr/>
+            </a:pPr>
+            <a:endParaRPr kumimoji="0" lang="en-US" sz="1800" b="0" i="0" u="none" strike="noStrike" kern="1200" cap="none" spc="0" normalizeH="0" baseline="0" noProof="0">
+              <a:ln>
+                <a:noFill/>
+              </a:ln>
+              <a:solidFill>
+                <a:prstClr val="white"/>
+              </a:solidFill>
+              <a:effectLst/>
+              <a:uLnTx/>
+              <a:uFillTx/>
+              <a:latin typeface="Calibri" panose="020F0502020204030204"/>
+              <a:ea typeface="+mn-ea"/>
+              <a:cs typeface="+mn-cs"/>
+            </a:endParaRPr>
+          </a:p>
+        </p:txBody>
+      </p:sp>
+      <p:sp>
+        <p:nvSpPr>
+          <p:cNvPr id="2" name="Title 1">
+            <a:extLst>
+              <a:ext uri="{FF2B5EF4-FFF2-40B4-BE49-F238E27FC236}">
+                <a16:creationId xmlns:a16="http://schemas.microsoft.com/office/drawing/2014/main" id="{D9C38E07-FABB-044A-919D-33E773823B77}"/>
+              </a:ext>
+            </a:extLst>
+          </p:cNvPr>
+          <p:cNvSpPr>
+            <a:spLocks noGrp="1"/>
+          </p:cNvSpPr>
+          <p:nvPr>
+            <p:ph type="title"/>
+          </p:nvPr>
+        </p:nvSpPr>
+        <p:spPr>
+          <a:xfrm>
+            <a:off x="1115568" y="548640"/>
+            <a:ext cx="10168128" cy="1179576"/>
+          </a:xfrm>
+        </p:spPr>
+        <p:txBody>
+          <a:bodyPr>
+            <a:normAutofit/>
+          </a:bodyPr>
+          <a:lstStyle/>
+          <a:p>
+            <a:r>
+              <a:rPr lang="en-US" sz="4000" dirty="0"/>
+              <a:t>Density Based Inverse Design</a:t>
+            </a:r>
+          </a:p>
+        </p:txBody>
+      </p:sp>
+      <p:sp>
+        <p:nvSpPr>
+          <p:cNvPr id="14" name="Rectangle 13">
+            <a:extLst>
+              <a:ext uri="{FF2B5EF4-FFF2-40B4-BE49-F238E27FC236}">
+                <a16:creationId xmlns:a16="http://schemas.microsoft.com/office/drawing/2014/main" id="{074B4F7D-14B2-478B-8BF5-01E4E0C5D263}"/>
+              </a:ext>
+              <a:ext uri="{C183D7F6-B498-43B3-948B-1728B52AA6E4}">
+                <adec:decorative xmlns:adec="http://schemas.microsoft.com/office/drawing/2017/decorative" val="1"/>
+              </a:ext>
+            </a:extLst>
+          </p:cNvPr>
+          <p:cNvSpPr>
+            <a:spLocks noGrp="1" noRot="1" noChangeAspect="1" noMove="1" noResize="1" noEditPoints="1" noAdjustHandles="1" noChangeArrowheads="1" noChangeShapeType="1" noTextEdit="1"/>
+          </p:cNvSpPr>
+          <p:nvPr>
+            <p:extLst>
+              <p:ext uri="{386F3935-93C4-4BCD-93E2-E3B085C9AB24}">
+                <p16:designElem xmlns:p16="http://schemas.microsoft.com/office/powerpoint/2015/main" val="1"/>
+              </p:ext>
+            </p:extLst>
+          </p:nvPr>
+        </p:nvSpPr>
+        <p:spPr>
+          <a:xfrm>
+            <a:off x="498834" y="758952"/>
+            <a:ext cx="128016" cy="704088"/>
+          </a:xfrm>
+          <a:prstGeom prst="rect">
+            <a:avLst/>
+          </a:prstGeom>
+          <a:solidFill>
+            <a:schemeClr val="accent2"/>
+          </a:solidFill>
+          <a:ln>
+            <a:noFill/>
+          </a:ln>
+        </p:spPr>
+        <p:style>
+          <a:lnRef idx="2">
+            <a:schemeClr val="accent1">
+              <a:shade val="50000"/>
+            </a:schemeClr>
+          </a:lnRef>
+          <a:fillRef idx="1">
+            <a:schemeClr val="accent1"/>
+          </a:fillRef>
+          <a:effectRef idx="0">
+            <a:schemeClr val="accent1"/>
+          </a:effectRef>
+          <a:fontRef idx="minor">
+            <a:schemeClr val="lt1"/>
+          </a:fontRef>
+        </p:style>
+        <p:txBody>
+          <a:bodyPr rtlCol="0" anchor="ctr"/>
+          <a:lstStyle/>
+          <a:p>
+            <a:pPr algn="ctr"/>
+            <a:endParaRPr lang="en-US">
+              <a:solidFill>
+                <a:prstClr val="white"/>
+              </a:solidFill>
+              <a:latin typeface="Calibri" panose="020F0502020204030204"/>
+            </a:endParaRPr>
+          </a:p>
+        </p:txBody>
+      </p:sp>
+      <p:pic>
+        <p:nvPicPr>
+          <p:cNvPr id="11" name="Picture 10" descr="Diagram&#10;&#10;Description automatically generated">
+            <a:extLst>
+              <a:ext uri="{FF2B5EF4-FFF2-40B4-BE49-F238E27FC236}">
+                <a16:creationId xmlns:a16="http://schemas.microsoft.com/office/drawing/2014/main" id="{E36ABB4B-5E77-4242-B35E-FFC4BF942036}"/>
+              </a:ext>
+            </a:extLst>
+          </p:cNvPr>
+          <p:cNvPicPr>
+            <a:picLocks noChangeAspect="1"/>
+          </p:cNvPicPr>
+          <p:nvPr/>
+        </p:nvPicPr>
+        <p:blipFill rotWithShape="1">
+          <a:blip r:embed="rId2"/>
+          <a:srcRect l="17198" t="65766" r="18560"/>
+          <a:stretch/>
+        </p:blipFill>
+        <p:spPr>
+          <a:xfrm>
+            <a:off x="855859" y="3906273"/>
+            <a:ext cx="5899783" cy="1865843"/>
+          </a:xfrm>
+          <a:prstGeom prst="rect">
+            <a:avLst/>
+          </a:prstGeom>
+        </p:spPr>
+      </p:pic>
+      <p:sp>
+        <p:nvSpPr>
+          <p:cNvPr id="3" name="TextBox 2">
+            <a:extLst>
+              <a:ext uri="{FF2B5EF4-FFF2-40B4-BE49-F238E27FC236}">
+                <a16:creationId xmlns:a16="http://schemas.microsoft.com/office/drawing/2014/main" id="{344323E8-1D70-7D4F-A093-17C038035198}"/>
+              </a:ext>
+            </a:extLst>
+          </p:cNvPr>
+          <p:cNvSpPr txBox="1"/>
+          <p:nvPr/>
+        </p:nvSpPr>
+        <p:spPr>
+          <a:xfrm>
+            <a:off x="1009934" y="2567446"/>
+            <a:ext cx="3007105" cy="646331"/>
+          </a:xfrm>
+          <a:prstGeom prst="rect">
+            <a:avLst/>
+          </a:prstGeom>
+          <a:noFill/>
+        </p:spPr>
+        <p:txBody>
+          <a:bodyPr wrap="none" rtlCol="0">
+            <a:spAutoFit/>
+          </a:bodyPr>
+          <a:lstStyle/>
+          <a:p>
+            <a:r>
+              <a:rPr lang="en-US" dirty="0"/>
+              <a:t>• Pixel Based</a:t>
+            </a:r>
+          </a:p>
+          <a:p>
+            <a:r>
+              <a:rPr lang="en-US" dirty="0"/>
+              <a:t>• Binary material at each pixel</a:t>
+            </a:r>
+          </a:p>
+        </p:txBody>
+      </p:sp>
+      <p:pic>
+        <p:nvPicPr>
+          <p:cNvPr id="13" name="Picture 12" descr="A picture containing text&#10;&#10;Description automatically generated">
+            <a:extLst>
+              <a:ext uri="{FF2B5EF4-FFF2-40B4-BE49-F238E27FC236}">
+                <a16:creationId xmlns:a16="http://schemas.microsoft.com/office/drawing/2014/main" id="{D261156F-CBE4-7740-9CFB-C7188F102850}"/>
+              </a:ext>
+            </a:extLst>
+          </p:cNvPr>
+          <p:cNvPicPr>
+            <a:picLocks noChangeAspect="1"/>
+          </p:cNvPicPr>
+          <p:nvPr/>
+        </p:nvPicPr>
+        <p:blipFill>
+          <a:blip r:embed="rId3"/>
+          <a:stretch>
+            <a:fillRect/>
+          </a:stretch>
+        </p:blipFill>
+        <p:spPr>
+          <a:xfrm>
+            <a:off x="7142109" y="2276856"/>
+            <a:ext cx="4580499" cy="4195351"/>
+          </a:xfrm>
+          <a:prstGeom prst="rect">
+            <a:avLst/>
+          </a:prstGeom>
+        </p:spPr>
+      </p:pic>
+    </p:spTree>
+    <p:extLst>
+      <p:ext uri="{BB962C8B-B14F-4D97-AF65-F5344CB8AC3E}">
+        <p14:creationId xmlns:p14="http://schemas.microsoft.com/office/powerpoint/2010/main" val="4189665955"/>
+      </p:ext>
+    </p:extLst>
+  </p:cSld>
+  <p:clrMapOvr>
+    <a:masterClrMapping/>
+  </p:clrMapOvr>
+</p:sld>
+</file>
+
+<file path=ppt/slides/slide7.xml><?xml version="1.0" encoding="utf-8"?>
+<p:sld xmlns:a="http://schemas.openxmlformats.org/drawingml/2006/main" xmlns:r="http://schemas.openxmlformats.org/officeDocument/2006/relationships" xmlns:p="http://schemas.openxmlformats.org/presentationml/2006/main">
+  <p:cSld>
+    <p:bg>
+      <p:bgPr>
+        <a:solidFill>
+          <a:schemeClr val="bg1"/>
+        </a:solidFill>
+        <a:effectLst/>
+      </p:bgPr>
+    </p:bg>
+    <p:spTree>
+      <p:nvGrpSpPr>
+        <p:cNvPr id="1" name=""/>
+        <p:cNvGrpSpPr/>
+        <p:nvPr/>
+      </p:nvGrpSpPr>
+      <p:grpSpPr>
+        <a:xfrm>
+          <a:off x="0" y="0"/>
+          <a:ext cx="0" cy="0"/>
+          <a:chOff x="0" y="0"/>
+          <a:chExt cx="0" cy="0"/>
+        </a:xfrm>
+      </p:grpSpPr>
+      <p:sp useBgFill="1">
+        <p:nvSpPr>
+          <p:cNvPr id="8" name="Rectangle 7">
+            <a:extLst>
+              <a:ext uri="{FF2B5EF4-FFF2-40B4-BE49-F238E27FC236}">
+                <a16:creationId xmlns:a16="http://schemas.microsoft.com/office/drawing/2014/main" id="{DAF1966E-FD40-4A4A-B61B-C4DF7FA05F06}"/>
+              </a:ext>
+              <a:ext uri="{C183D7F6-B498-43B3-948B-1728B52AA6E4}">
+                <adec:decorative xmlns:adec="http://schemas.microsoft.com/office/drawing/2017/decorative" val="1"/>
+              </a:ext>
+            </a:extLst>
+          </p:cNvPr>
+          <p:cNvSpPr>
+            <a:spLocks noGrp="1" noRot="1" noChangeAspect="1" noMove="1" noResize="1" noEditPoints="1" noAdjustHandles="1" noChangeArrowheads="1" noChangeShapeType="1" noTextEdit="1"/>
+          </p:cNvSpPr>
+          <p:nvPr>
+            <p:extLst>
+              <p:ext uri="{386F3935-93C4-4BCD-93E2-E3B085C9AB24}">
+                <p16:designElem xmlns:p16="http://schemas.microsoft.com/office/powerpoint/2015/main" val="1"/>
+              </p:ext>
+            </p:extLst>
+          </p:nvPr>
+        </p:nvSpPr>
+        <p:spPr>
+          <a:xfrm>
+            <a:off x="0" y="0"/>
+            <a:ext cx="12192000" cy="6858000"/>
+          </a:xfrm>
+          <a:prstGeom prst="rect">
+            <a:avLst/>
+          </a:prstGeom>
+          <a:ln>
+            <a:noFill/>
+          </a:ln>
+        </p:spPr>
+        <p:style>
+          <a:lnRef idx="2">
+            <a:schemeClr val="accent1">
+              <a:shade val="50000"/>
+            </a:schemeClr>
+          </a:lnRef>
+          <a:fillRef idx="1">
+            <a:schemeClr val="accent1"/>
+          </a:fillRef>
+          <a:effectRef idx="0">
+            <a:schemeClr val="accent1"/>
+          </a:effectRef>
+          <a:fontRef idx="minor">
+            <a:schemeClr val="lt1"/>
+          </a:fontRef>
+        </p:style>
+        <p:txBody>
+          <a:bodyPr rtlCol="0" anchor="ctr"/>
+          <a:lstStyle/>
+          <a:p>
+            <a:pPr algn="ctr"/>
+            <a:endParaRPr lang="en-US"/>
+          </a:p>
+        </p:txBody>
+      </p:sp>
+      <p:sp useBgFill="1">
+        <p:nvSpPr>
+          <p:cNvPr id="10" name="Rectangle 9">
+            <a:extLst>
+              <a:ext uri="{FF2B5EF4-FFF2-40B4-BE49-F238E27FC236}">
+                <a16:creationId xmlns:a16="http://schemas.microsoft.com/office/drawing/2014/main" id="{047BFA19-D45E-416B-A404-7AF2F3F27017}"/>
+              </a:ext>
+              <a:ext uri="{C183D7F6-B498-43B3-948B-1728B52AA6E4}">
+                <adec:decorative xmlns:adec="http://schemas.microsoft.com/office/drawing/2017/decorative" val="1"/>
+              </a:ext>
+            </a:extLst>
+          </p:cNvPr>
+          <p:cNvSpPr>
+            <a:spLocks noGrp="1" noRot="1" noChangeAspect="1" noMove="1" noResize="1" noEditPoints="1" noAdjustHandles="1" noChangeArrowheads="1" noChangeShapeType="1" noTextEdit="1"/>
+          </p:cNvSpPr>
+          <p:nvPr>
+            <p:extLst>
+              <p:ext uri="{386F3935-93C4-4BCD-93E2-E3B085C9AB24}">
+                <p16:designElem xmlns:p16="http://schemas.microsoft.com/office/powerpoint/2015/main" val="1"/>
+              </p:ext>
+            </p:extLst>
+          </p:nvPr>
+        </p:nvSpPr>
+        <p:spPr>
+          <a:xfrm>
+            <a:off x="558209" y="0"/>
+            <a:ext cx="11167447" cy="2018806"/>
+          </a:xfrm>
+          <a:prstGeom prst="rect">
+            <a:avLst/>
+          </a:prstGeom>
+          <a:ln w="9525">
+            <a:solidFill>
+              <a:srgbClr val="E1E1E1"/>
+            </a:solidFill>
+          </a:ln>
+          <a:effectLst>
+            <a:outerShdw blurRad="50800" dist="38100" dir="2700000" algn="tl" rotWithShape="0">
+              <a:schemeClr val="bg1">
+                <a:lumMod val="85000"/>
+                <a:alpha val="50000"/>
+              </a:schemeClr>
+            </a:outerShdw>
+          </a:effectLst>
+        </p:spPr>
+        <p:style>
+          <a:lnRef idx="2">
+            <a:schemeClr val="accent1">
+              <a:shade val="50000"/>
+            </a:schemeClr>
+          </a:lnRef>
+          <a:fillRef idx="1">
+            <a:schemeClr val="accent1"/>
+          </a:fillRef>
+          <a:effectRef idx="0">
+            <a:schemeClr val="accent1"/>
+          </a:effectRef>
+          <a:fontRef idx="minor">
+            <a:schemeClr val="lt1"/>
+          </a:fontRef>
+        </p:style>
+        <p:txBody>
+          <a:bodyPr rtlCol="0" anchor="ctr"/>
+          <a:lstStyle/>
+          <a:p>
+            <a:pPr marL="0" marR="0" lvl="0" indent="0" algn="ctr" defTabSz="914400" rtl="0" eaLnBrk="1" fontAlgn="auto" latinLnBrk="0" hangingPunct="1">
+              <a:lnSpc>
+                <a:spcPct val="100000"/>
+              </a:lnSpc>
+              <a:spcBef>
+                <a:spcPts val="0"/>
+              </a:spcBef>
+              <a:spcAft>
+                <a:spcPts val="0"/>
+              </a:spcAft>
+              <a:buClrTx/>
+              <a:buSzTx/>
+              <a:buFontTx/>
+              <a:buNone/>
+              <a:tabLst/>
+              <a:defRPr/>
+            </a:pPr>
+            <a:endParaRPr kumimoji="0" lang="en-US" sz="1800" b="0" i="0" u="none" strike="noStrike" kern="1200" cap="none" spc="0" normalizeH="0" baseline="0" noProof="0">
+              <a:ln>
+                <a:noFill/>
+              </a:ln>
+              <a:solidFill>
+                <a:prstClr val="white"/>
+              </a:solidFill>
+              <a:effectLst/>
+              <a:uLnTx/>
+              <a:uFillTx/>
+              <a:latin typeface="Calibri" panose="020F0502020204030204"/>
+              <a:ea typeface="+mn-ea"/>
+              <a:cs typeface="+mn-cs"/>
+            </a:endParaRPr>
+          </a:p>
+        </p:txBody>
+      </p:sp>
+      <p:sp useBgFill="1">
+        <p:nvSpPr>
+          <p:cNvPr id="12" name="Rectangle 11">
+            <a:extLst>
+              <a:ext uri="{FF2B5EF4-FFF2-40B4-BE49-F238E27FC236}">
+                <a16:creationId xmlns:a16="http://schemas.microsoft.com/office/drawing/2014/main" id="{8E0105E7-23DB-4CF2-8258-FF47C7620F6E}"/>
+              </a:ext>
+              <a:ext uri="{C183D7F6-B498-43B3-948B-1728B52AA6E4}">
+                <adec:decorative xmlns:adec="http://schemas.microsoft.com/office/drawing/2017/decorative" val="1"/>
+              </a:ext>
+            </a:extLst>
+          </p:cNvPr>
+          <p:cNvSpPr>
+            <a:spLocks noGrp="1" noRot="1" noChangeAspect="1" noMove="1" noResize="1" noEditPoints="1" noAdjustHandles="1" noChangeArrowheads="1" noChangeShapeType="1" noTextEdit="1"/>
+          </p:cNvSpPr>
+          <p:nvPr>
+            <p:extLst>
+              <p:ext uri="{386F3935-93C4-4BCD-93E2-E3B085C9AB24}">
+                <p16:designElem xmlns:p16="http://schemas.microsoft.com/office/powerpoint/2015/main" val="1"/>
+              </p:ext>
+            </p:extLst>
+          </p:nvPr>
+        </p:nvSpPr>
+        <p:spPr>
+          <a:xfrm>
+            <a:off x="566928" y="0"/>
+            <a:ext cx="11155680" cy="2011680"/>
+          </a:xfrm>
+          <a:prstGeom prst="rect">
+            <a:avLst/>
+          </a:prstGeom>
+          <a:ln w="9525">
+            <a:noFill/>
+          </a:ln>
+          <a:effectLst/>
+        </p:spPr>
+        <p:style>
+          <a:lnRef idx="2">
+            <a:schemeClr val="accent1">
+              <a:shade val="50000"/>
+            </a:schemeClr>
+          </a:lnRef>
+          <a:fillRef idx="1">
+            <a:schemeClr val="accent1"/>
+          </a:fillRef>
+          <a:effectRef idx="0">
+            <a:schemeClr val="accent1"/>
+          </a:effectRef>
+          <a:fontRef idx="minor">
+            <a:schemeClr val="lt1"/>
+          </a:fontRef>
+        </p:style>
+        <p:txBody>
+          <a:bodyPr rtlCol="0" anchor="ctr"/>
+          <a:lstStyle/>
+          <a:p>
+            <a:pPr marL="0" marR="0" lvl="0" indent="0" algn="ctr" defTabSz="914400" rtl="0" eaLnBrk="1" fontAlgn="auto" latinLnBrk="0" hangingPunct="1">
+              <a:lnSpc>
+                <a:spcPct val="100000"/>
+              </a:lnSpc>
+              <a:spcBef>
+                <a:spcPts val="0"/>
+              </a:spcBef>
+              <a:spcAft>
+                <a:spcPts val="0"/>
+              </a:spcAft>
+              <a:buClrTx/>
+              <a:buSzTx/>
+              <a:buFontTx/>
+              <a:buNone/>
+              <a:tabLst/>
+              <a:defRPr/>
+            </a:pPr>
+            <a:endParaRPr kumimoji="0" lang="en-US" sz="1800" b="0" i="0" u="none" strike="noStrike" kern="1200" cap="none" spc="0" normalizeH="0" baseline="0" noProof="0">
+              <a:ln>
+                <a:noFill/>
+              </a:ln>
+              <a:solidFill>
+                <a:prstClr val="white"/>
+              </a:solidFill>
+              <a:effectLst/>
+              <a:uLnTx/>
+              <a:uFillTx/>
+              <a:latin typeface="Calibri" panose="020F0502020204030204"/>
+              <a:ea typeface="+mn-ea"/>
+              <a:cs typeface="+mn-cs"/>
+            </a:endParaRPr>
+          </a:p>
+        </p:txBody>
+      </p:sp>
+      <p:sp>
+        <p:nvSpPr>
+          <p:cNvPr id="2" name="Title 1">
+            <a:extLst>
+              <a:ext uri="{FF2B5EF4-FFF2-40B4-BE49-F238E27FC236}">
+                <a16:creationId xmlns:a16="http://schemas.microsoft.com/office/drawing/2014/main" id="{D9C38E07-FABB-044A-919D-33E773823B77}"/>
+              </a:ext>
+            </a:extLst>
+          </p:cNvPr>
+          <p:cNvSpPr>
+            <a:spLocks noGrp="1"/>
+          </p:cNvSpPr>
+          <p:nvPr>
+            <p:ph type="title"/>
+          </p:nvPr>
+        </p:nvSpPr>
+        <p:spPr>
+          <a:xfrm>
+            <a:off x="1115568" y="548640"/>
+            <a:ext cx="10168128" cy="1179576"/>
+          </a:xfrm>
+        </p:spPr>
+        <p:txBody>
+          <a:bodyPr>
+            <a:normAutofit/>
+          </a:bodyPr>
+          <a:lstStyle/>
+          <a:p>
+            <a:r>
+              <a:rPr lang="en-US" sz="4000" dirty="0"/>
+              <a:t>Density Based Inverse Design Limitations</a:t>
+            </a:r>
+          </a:p>
+        </p:txBody>
+      </p:sp>
+      <p:sp>
+        <p:nvSpPr>
+          <p:cNvPr id="14" name="Rectangle 13">
+            <a:extLst>
+              <a:ext uri="{FF2B5EF4-FFF2-40B4-BE49-F238E27FC236}">
+                <a16:creationId xmlns:a16="http://schemas.microsoft.com/office/drawing/2014/main" id="{074B4F7D-14B2-478B-8BF5-01E4E0C5D263}"/>
+              </a:ext>
+              <a:ext uri="{C183D7F6-B498-43B3-948B-1728B52AA6E4}">
+                <adec:decorative xmlns:adec="http://schemas.microsoft.com/office/drawing/2017/decorative" val="1"/>
+              </a:ext>
+            </a:extLst>
+          </p:cNvPr>
+          <p:cNvSpPr>
+            <a:spLocks noGrp="1" noRot="1" noChangeAspect="1" noMove="1" noResize="1" noEditPoints="1" noAdjustHandles="1" noChangeArrowheads="1" noChangeShapeType="1" noTextEdit="1"/>
+          </p:cNvSpPr>
+          <p:nvPr>
+            <p:extLst>
+              <p:ext uri="{386F3935-93C4-4BCD-93E2-E3B085C9AB24}">
+                <p16:designElem xmlns:p16="http://schemas.microsoft.com/office/powerpoint/2015/main" val="1"/>
+              </p:ext>
+            </p:extLst>
+          </p:nvPr>
+        </p:nvSpPr>
+        <p:spPr>
+          <a:xfrm>
+            <a:off x="498834" y="758952"/>
+            <a:ext cx="128016" cy="704088"/>
+          </a:xfrm>
+          <a:prstGeom prst="rect">
+            <a:avLst/>
+          </a:prstGeom>
+          <a:solidFill>
+            <a:schemeClr val="accent2"/>
+          </a:solidFill>
+          <a:ln>
+            <a:noFill/>
+          </a:ln>
+        </p:spPr>
+        <p:style>
+          <a:lnRef idx="2">
+            <a:schemeClr val="accent1">
+              <a:shade val="50000"/>
+            </a:schemeClr>
+          </a:lnRef>
+          <a:fillRef idx="1">
+            <a:schemeClr val="accent1"/>
+          </a:fillRef>
+          <a:effectRef idx="0">
+            <a:schemeClr val="accent1"/>
+          </a:effectRef>
+          <a:fontRef idx="minor">
+            <a:schemeClr val="lt1"/>
+          </a:fontRef>
+        </p:style>
+        <p:txBody>
+          <a:bodyPr rtlCol="0" anchor="ctr"/>
+          <a:lstStyle/>
+          <a:p>
+            <a:pPr algn="ctr"/>
+            <a:endParaRPr lang="en-US">
+              <a:solidFill>
+                <a:prstClr val="white"/>
+              </a:solidFill>
+              <a:latin typeface="Calibri" panose="020F0502020204030204"/>
+            </a:endParaRPr>
+          </a:p>
+        </p:txBody>
+      </p:sp>
+      <p:pic>
+        <p:nvPicPr>
+          <p:cNvPr id="11" name="Picture 10" descr="Diagram&#10;&#10;Description automatically generated">
+            <a:extLst>
+              <a:ext uri="{FF2B5EF4-FFF2-40B4-BE49-F238E27FC236}">
+                <a16:creationId xmlns:a16="http://schemas.microsoft.com/office/drawing/2014/main" id="{E36ABB4B-5E77-4242-B35E-FFC4BF942036}"/>
+              </a:ext>
+            </a:extLst>
+          </p:cNvPr>
+          <p:cNvPicPr>
+            <a:picLocks noChangeAspect="1"/>
+          </p:cNvPicPr>
+          <p:nvPr/>
+        </p:nvPicPr>
+        <p:blipFill rotWithShape="1">
+          <a:blip r:embed="rId2"/>
+          <a:srcRect l="17198" t="65766" r="18560" b="9499"/>
+          <a:stretch/>
+        </p:blipFill>
+        <p:spPr>
+          <a:xfrm>
+            <a:off x="1678531" y="3885792"/>
+            <a:ext cx="8834937" cy="2018805"/>
+          </a:xfrm>
+          <a:prstGeom prst="rect">
+            <a:avLst/>
+          </a:prstGeom>
+        </p:spPr>
+      </p:pic>
+      <p:sp>
+        <p:nvSpPr>
+          <p:cNvPr id="3" name="TextBox 2">
+            <a:extLst>
+              <a:ext uri="{FF2B5EF4-FFF2-40B4-BE49-F238E27FC236}">
+                <a16:creationId xmlns:a16="http://schemas.microsoft.com/office/drawing/2014/main" id="{344323E8-1D70-7D4F-A093-17C038035198}"/>
+              </a:ext>
+            </a:extLst>
+          </p:cNvPr>
+          <p:cNvSpPr txBox="1"/>
+          <p:nvPr/>
+        </p:nvSpPr>
+        <p:spPr>
+          <a:xfrm>
+            <a:off x="1009934" y="2567446"/>
+            <a:ext cx="5266057" cy="923330"/>
+          </a:xfrm>
+          <a:prstGeom prst="rect">
+            <a:avLst/>
+          </a:prstGeom>
+          <a:noFill/>
+        </p:spPr>
+        <p:txBody>
+          <a:bodyPr wrap="none" rtlCol="0">
+            <a:spAutoFit/>
+          </a:bodyPr>
+          <a:lstStyle/>
+          <a:p>
+            <a:r>
+              <a:rPr lang="en-US" dirty="0"/>
+              <a:t>• EME Breaks Down!</a:t>
+            </a:r>
+          </a:p>
+          <a:p>
+            <a:r>
+              <a:rPr lang="en-US" dirty="0"/>
+              <a:t>• EME implies adiabatic structures</a:t>
+            </a:r>
+          </a:p>
+          <a:p>
+            <a:r>
+              <a:rPr lang="en-US" dirty="0"/>
+              <a:t>• Density based needs to be localized to form features</a:t>
+            </a:r>
+          </a:p>
+        </p:txBody>
+      </p:sp>
+    </p:spTree>
+    <p:extLst>
+      <p:ext uri="{BB962C8B-B14F-4D97-AF65-F5344CB8AC3E}">
+        <p14:creationId xmlns:p14="http://schemas.microsoft.com/office/powerpoint/2010/main" val="348007349"/>
+      </p:ext>
+    </p:extLst>
+  </p:cSld>
+  <p:clrMapOvr>
+    <a:masterClrMapping/>
+  </p:clrMapOvr>
+</p:sld>
+</file>
+
+<file path=ppt/slides/slide8.xml><?xml version="1.0" encoding="utf-8"?>
+<p:sld xmlns:a="http://schemas.openxmlformats.org/drawingml/2006/main" xmlns:r="http://schemas.openxmlformats.org/officeDocument/2006/relationships" xmlns:p="http://schemas.openxmlformats.org/presentationml/2006/main">
+  <p:cSld>
+    <p:bg>
+      <p:bgPr>
+        <a:solidFill>
+          <a:schemeClr val="bg1"/>
+        </a:solidFill>
+        <a:effectLst/>
+      </p:bgPr>
+    </p:bg>
+    <p:spTree>
+      <p:nvGrpSpPr>
+        <p:cNvPr id="1" name=""/>
+        <p:cNvGrpSpPr/>
+        <p:nvPr/>
+      </p:nvGrpSpPr>
+      <p:grpSpPr>
+        <a:xfrm>
+          <a:off x="0" y="0"/>
+          <a:ext cx="0" cy="0"/>
+          <a:chOff x="0" y="0"/>
+          <a:chExt cx="0" cy="0"/>
+        </a:xfrm>
+      </p:grpSpPr>
+      <p:sp useBgFill="1">
+        <p:nvSpPr>
+          <p:cNvPr id="8" name="Rectangle 7">
+            <a:extLst>
+              <a:ext uri="{FF2B5EF4-FFF2-40B4-BE49-F238E27FC236}">
+                <a16:creationId xmlns:a16="http://schemas.microsoft.com/office/drawing/2014/main" id="{DAF1966E-FD40-4A4A-B61B-C4DF7FA05F06}"/>
+              </a:ext>
+              <a:ext uri="{C183D7F6-B498-43B3-948B-1728B52AA6E4}">
+                <adec:decorative xmlns:adec="http://schemas.microsoft.com/office/drawing/2017/decorative" val="1"/>
+              </a:ext>
+            </a:extLst>
+          </p:cNvPr>
+          <p:cNvSpPr>
+            <a:spLocks noGrp="1" noRot="1" noChangeAspect="1" noMove="1" noResize="1" noEditPoints="1" noAdjustHandles="1" noChangeArrowheads="1" noChangeShapeType="1" noTextEdit="1"/>
+          </p:cNvSpPr>
+          <p:nvPr>
+            <p:extLst>
+              <p:ext uri="{386F3935-93C4-4BCD-93E2-E3B085C9AB24}">
+                <p16:designElem xmlns:p16="http://schemas.microsoft.com/office/powerpoint/2015/main" val="1"/>
+              </p:ext>
+            </p:extLst>
+          </p:nvPr>
+        </p:nvSpPr>
+        <p:spPr>
+          <a:xfrm>
+            <a:off x="0" y="0"/>
+            <a:ext cx="12192000" cy="6858000"/>
+          </a:xfrm>
+          <a:prstGeom prst="rect">
+            <a:avLst/>
+          </a:prstGeom>
+          <a:ln>
+            <a:noFill/>
+          </a:ln>
+        </p:spPr>
+        <p:style>
+          <a:lnRef idx="2">
+            <a:schemeClr val="accent1">
+              <a:shade val="50000"/>
+            </a:schemeClr>
+          </a:lnRef>
+          <a:fillRef idx="1">
+            <a:schemeClr val="accent1"/>
+          </a:fillRef>
+          <a:effectRef idx="0">
+            <a:schemeClr val="accent1"/>
+          </a:effectRef>
+          <a:fontRef idx="minor">
+            <a:schemeClr val="lt1"/>
+          </a:fontRef>
+        </p:style>
+        <p:txBody>
+          <a:bodyPr rtlCol="0" anchor="ctr"/>
+          <a:lstStyle/>
+          <a:p>
+            <a:pPr algn="ctr"/>
+            <a:endParaRPr lang="en-US"/>
+          </a:p>
+        </p:txBody>
+      </p:sp>
+      <p:sp useBgFill="1">
+        <p:nvSpPr>
+          <p:cNvPr id="10" name="Rectangle 9">
+            <a:extLst>
+              <a:ext uri="{FF2B5EF4-FFF2-40B4-BE49-F238E27FC236}">
+                <a16:creationId xmlns:a16="http://schemas.microsoft.com/office/drawing/2014/main" id="{047BFA19-D45E-416B-A404-7AF2F3F27017}"/>
+              </a:ext>
+              <a:ext uri="{C183D7F6-B498-43B3-948B-1728B52AA6E4}">
+                <adec:decorative xmlns:adec="http://schemas.microsoft.com/office/drawing/2017/decorative" val="1"/>
+              </a:ext>
+            </a:extLst>
+          </p:cNvPr>
+          <p:cNvSpPr>
+            <a:spLocks noGrp="1" noRot="1" noChangeAspect="1" noMove="1" noResize="1" noEditPoints="1" noAdjustHandles="1" noChangeArrowheads="1" noChangeShapeType="1" noTextEdit="1"/>
+          </p:cNvSpPr>
+          <p:nvPr>
+            <p:extLst>
+              <p:ext uri="{386F3935-93C4-4BCD-93E2-E3B085C9AB24}">
+                <p16:designElem xmlns:p16="http://schemas.microsoft.com/office/powerpoint/2015/main" val="1"/>
+              </p:ext>
+            </p:extLst>
+          </p:nvPr>
+        </p:nvSpPr>
+        <p:spPr>
+          <a:xfrm>
+            <a:off x="558209" y="0"/>
+            <a:ext cx="11167447" cy="2018806"/>
+          </a:xfrm>
+          <a:prstGeom prst="rect">
+            <a:avLst/>
+          </a:prstGeom>
+          <a:ln w="9525">
+            <a:solidFill>
+              <a:srgbClr val="E1E1E1"/>
+            </a:solidFill>
+          </a:ln>
+          <a:effectLst>
+            <a:outerShdw blurRad="50800" dist="38100" dir="2700000" algn="tl" rotWithShape="0">
+              <a:schemeClr val="bg1">
+                <a:lumMod val="85000"/>
+                <a:alpha val="50000"/>
+              </a:schemeClr>
+            </a:outerShdw>
+          </a:effectLst>
+        </p:spPr>
+        <p:style>
+          <a:lnRef idx="2">
+            <a:schemeClr val="accent1">
+              <a:shade val="50000"/>
+            </a:schemeClr>
+          </a:lnRef>
+          <a:fillRef idx="1">
+            <a:schemeClr val="accent1"/>
+          </a:fillRef>
+          <a:effectRef idx="0">
+            <a:schemeClr val="accent1"/>
+          </a:effectRef>
+          <a:fontRef idx="minor">
+            <a:schemeClr val="lt1"/>
+          </a:fontRef>
+        </p:style>
+        <p:txBody>
+          <a:bodyPr rtlCol="0" anchor="ctr"/>
+          <a:lstStyle/>
+          <a:p>
+            <a:pPr marL="0" marR="0" lvl="0" indent="0" algn="ctr" defTabSz="914400" rtl="0" eaLnBrk="1" fontAlgn="auto" latinLnBrk="0" hangingPunct="1">
+              <a:lnSpc>
+                <a:spcPct val="100000"/>
+              </a:lnSpc>
+              <a:spcBef>
+                <a:spcPts val="0"/>
+              </a:spcBef>
+              <a:spcAft>
+                <a:spcPts val="0"/>
+              </a:spcAft>
+              <a:buClrTx/>
+              <a:buSzTx/>
+              <a:buFontTx/>
+              <a:buNone/>
+              <a:tabLst/>
+              <a:defRPr/>
+            </a:pPr>
+            <a:endParaRPr kumimoji="0" lang="en-US" sz="1800" b="0" i="0" u="none" strike="noStrike" kern="1200" cap="none" spc="0" normalizeH="0" baseline="0" noProof="0">
+              <a:ln>
+                <a:noFill/>
+              </a:ln>
+              <a:solidFill>
+                <a:prstClr val="white"/>
+              </a:solidFill>
+              <a:effectLst/>
+              <a:uLnTx/>
+              <a:uFillTx/>
+              <a:latin typeface="Calibri" panose="020F0502020204030204"/>
+              <a:ea typeface="+mn-ea"/>
+              <a:cs typeface="+mn-cs"/>
+            </a:endParaRPr>
+          </a:p>
+        </p:txBody>
+      </p:sp>
+      <p:sp useBgFill="1">
+        <p:nvSpPr>
+          <p:cNvPr id="12" name="Rectangle 11">
+            <a:extLst>
+              <a:ext uri="{FF2B5EF4-FFF2-40B4-BE49-F238E27FC236}">
+                <a16:creationId xmlns:a16="http://schemas.microsoft.com/office/drawing/2014/main" id="{8E0105E7-23DB-4CF2-8258-FF47C7620F6E}"/>
+              </a:ext>
+              <a:ext uri="{C183D7F6-B498-43B3-948B-1728B52AA6E4}">
+                <adec:decorative xmlns:adec="http://schemas.microsoft.com/office/drawing/2017/decorative" val="1"/>
+              </a:ext>
+            </a:extLst>
+          </p:cNvPr>
+          <p:cNvSpPr>
+            <a:spLocks noGrp="1" noRot="1" noChangeAspect="1" noMove="1" noResize="1" noEditPoints="1" noAdjustHandles="1" noChangeArrowheads="1" noChangeShapeType="1" noTextEdit="1"/>
+          </p:cNvSpPr>
+          <p:nvPr>
+            <p:extLst>
+              <p:ext uri="{386F3935-93C4-4BCD-93E2-E3B085C9AB24}">
+                <p16:designElem xmlns:p16="http://schemas.microsoft.com/office/powerpoint/2015/main" val="1"/>
+              </p:ext>
+            </p:extLst>
+          </p:nvPr>
+        </p:nvSpPr>
+        <p:spPr>
+          <a:xfrm>
+            <a:off x="566928" y="0"/>
+            <a:ext cx="11155680" cy="2011680"/>
+          </a:xfrm>
+          <a:prstGeom prst="rect">
+            <a:avLst/>
+          </a:prstGeom>
+          <a:ln w="9525">
+            <a:noFill/>
+          </a:ln>
+          <a:effectLst/>
+        </p:spPr>
+        <p:style>
+          <a:lnRef idx="2">
+            <a:schemeClr val="accent1">
+              <a:shade val="50000"/>
+            </a:schemeClr>
+          </a:lnRef>
+          <a:fillRef idx="1">
+            <a:schemeClr val="accent1"/>
+          </a:fillRef>
+          <a:effectRef idx="0">
+            <a:schemeClr val="accent1"/>
+          </a:effectRef>
+          <a:fontRef idx="minor">
+            <a:schemeClr val="lt1"/>
+          </a:fontRef>
+        </p:style>
+        <p:txBody>
+          <a:bodyPr rtlCol="0" anchor="ctr"/>
+          <a:lstStyle/>
+          <a:p>
+            <a:pPr marL="0" marR="0" lvl="0" indent="0" algn="ctr" defTabSz="914400" rtl="0" eaLnBrk="1" fontAlgn="auto" latinLnBrk="0" hangingPunct="1">
+              <a:lnSpc>
+                <a:spcPct val="100000"/>
+              </a:lnSpc>
+              <a:spcBef>
+                <a:spcPts val="0"/>
+              </a:spcBef>
+              <a:spcAft>
+                <a:spcPts val="0"/>
+              </a:spcAft>
+              <a:buClrTx/>
+              <a:buSzTx/>
+              <a:buFontTx/>
+              <a:buNone/>
+              <a:tabLst/>
+              <a:defRPr/>
+            </a:pPr>
+            <a:endParaRPr kumimoji="0" lang="en-US" sz="1800" b="0" i="0" u="none" strike="noStrike" kern="1200" cap="none" spc="0" normalizeH="0" baseline="0" noProof="0">
+              <a:ln>
+                <a:noFill/>
+              </a:ln>
+              <a:solidFill>
+                <a:prstClr val="white"/>
+              </a:solidFill>
+              <a:effectLst/>
+              <a:uLnTx/>
+              <a:uFillTx/>
+              <a:latin typeface="Calibri" panose="020F0502020204030204"/>
+              <a:ea typeface="+mn-ea"/>
+              <a:cs typeface="+mn-cs"/>
+            </a:endParaRPr>
+          </a:p>
+        </p:txBody>
+      </p:sp>
+      <p:sp>
+        <p:nvSpPr>
+          <p:cNvPr id="2" name="Title 1">
+            <a:extLst>
+              <a:ext uri="{FF2B5EF4-FFF2-40B4-BE49-F238E27FC236}">
+                <a16:creationId xmlns:a16="http://schemas.microsoft.com/office/drawing/2014/main" id="{D9C38E07-FABB-044A-919D-33E773823B77}"/>
+              </a:ext>
+            </a:extLst>
+          </p:cNvPr>
+          <p:cNvSpPr>
+            <a:spLocks noGrp="1"/>
+          </p:cNvSpPr>
+          <p:nvPr>
+            <p:ph type="title"/>
+          </p:nvPr>
+        </p:nvSpPr>
+        <p:spPr>
+          <a:xfrm>
+            <a:off x="1115568" y="548640"/>
+            <a:ext cx="10168128" cy="1179576"/>
+          </a:xfrm>
+        </p:spPr>
+        <p:txBody>
+          <a:bodyPr>
+            <a:normAutofit/>
+          </a:bodyPr>
+          <a:lstStyle/>
+          <a:p>
+            <a:r>
+              <a:rPr lang="en-US" sz="4000" dirty="0"/>
+              <a:t>Level Set Based Inverse Design</a:t>
+            </a:r>
+          </a:p>
+        </p:txBody>
+      </p:sp>
+      <p:sp>
+        <p:nvSpPr>
+          <p:cNvPr id="14" name="Rectangle 13">
+            <a:extLst>
+              <a:ext uri="{FF2B5EF4-FFF2-40B4-BE49-F238E27FC236}">
+                <a16:creationId xmlns:a16="http://schemas.microsoft.com/office/drawing/2014/main" id="{074B4F7D-14B2-478B-8BF5-01E4E0C5D263}"/>
+              </a:ext>
+              <a:ext uri="{C183D7F6-B498-43B3-948B-1728B52AA6E4}">
+                <adec:decorative xmlns:adec="http://schemas.microsoft.com/office/drawing/2017/decorative" val="1"/>
+              </a:ext>
+            </a:extLst>
+          </p:cNvPr>
+          <p:cNvSpPr>
+            <a:spLocks noGrp="1" noRot="1" noChangeAspect="1" noMove="1" noResize="1" noEditPoints="1" noAdjustHandles="1" noChangeArrowheads="1" noChangeShapeType="1" noTextEdit="1"/>
+          </p:cNvSpPr>
+          <p:nvPr>
+            <p:extLst>
+              <p:ext uri="{386F3935-93C4-4BCD-93E2-E3B085C9AB24}">
+                <p16:designElem xmlns:p16="http://schemas.microsoft.com/office/powerpoint/2015/main" val="1"/>
+              </p:ext>
+            </p:extLst>
+          </p:nvPr>
+        </p:nvSpPr>
+        <p:spPr>
+          <a:xfrm>
+            <a:off x="498834" y="758952"/>
+            <a:ext cx="128016" cy="704088"/>
+          </a:xfrm>
+          <a:prstGeom prst="rect">
+            <a:avLst/>
+          </a:prstGeom>
+          <a:solidFill>
+            <a:schemeClr val="accent2"/>
+          </a:solidFill>
+          <a:ln>
+            <a:noFill/>
+          </a:ln>
+        </p:spPr>
+        <p:style>
+          <a:lnRef idx="2">
+            <a:schemeClr val="accent1">
+              <a:shade val="50000"/>
+            </a:schemeClr>
+          </a:lnRef>
+          <a:fillRef idx="1">
+            <a:schemeClr val="accent1"/>
+          </a:fillRef>
+          <a:effectRef idx="0">
+            <a:schemeClr val="accent1"/>
+          </a:effectRef>
+          <a:fontRef idx="minor">
+            <a:schemeClr val="lt1"/>
+          </a:fontRef>
+        </p:style>
+        <p:txBody>
+          <a:bodyPr rtlCol="0" anchor="ctr"/>
+          <a:lstStyle/>
+          <a:p>
+            <a:pPr algn="ctr"/>
+            <a:endParaRPr lang="en-US">
+              <a:solidFill>
+                <a:prstClr val="white"/>
+              </a:solidFill>
+              <a:latin typeface="Calibri" panose="020F0502020204030204"/>
+            </a:endParaRPr>
+          </a:p>
+        </p:txBody>
+      </p:sp>
+    </p:spTree>
+    <p:extLst>
+      <p:ext uri="{BB962C8B-B14F-4D97-AF65-F5344CB8AC3E}">
+        <p14:creationId xmlns:p14="http://schemas.microsoft.com/office/powerpoint/2010/main" val="1737778893"/>
       </p:ext>
     </p:extLst>
   </p:cSld>

--- a/docs/presentations/Inverse Design Roadmap.pptx
+++ b/docs/presentations/Inverse Design Roadmap.pptx
@@ -4,15 +4,23 @@
   <p:sldMasterIdLst>
     <p:sldMasterId id="2147483648" r:id="rId1"/>
   </p:sldMasterIdLst>
+  <p:notesMasterIdLst>
+    <p:notesMasterId r:id="rId15"/>
+  </p:notesMasterIdLst>
   <p:sldIdLst>
     <p:sldId id="257" r:id="rId2"/>
     <p:sldId id="258" r:id="rId3"/>
-    <p:sldId id="259" r:id="rId4"/>
-    <p:sldId id="260" r:id="rId5"/>
-    <p:sldId id="261" r:id="rId6"/>
-    <p:sldId id="262" r:id="rId7"/>
-    <p:sldId id="263" r:id="rId8"/>
-    <p:sldId id="264" r:id="rId9"/>
+    <p:sldId id="265" r:id="rId4"/>
+    <p:sldId id="266" r:id="rId5"/>
+    <p:sldId id="259" r:id="rId6"/>
+    <p:sldId id="260" r:id="rId7"/>
+    <p:sldId id="261" r:id="rId8"/>
+    <p:sldId id="262" r:id="rId9"/>
+    <p:sldId id="269" r:id="rId10"/>
+    <p:sldId id="270" r:id="rId11"/>
+    <p:sldId id="264" r:id="rId12"/>
+    <p:sldId id="267" r:id="rId13"/>
+    <p:sldId id="268" r:id="rId14"/>
   </p:sldIdLst>
   <p:sldSz cx="12192000" cy="6858000"/>
   <p:notesSz cx="6858000" cy="9144000"/>
@@ -111,7 +119,445 @@
       </a:defRPr>
     </a:lvl9pPr>
   </p:defaultTextStyle>
+  <p:extLst>
+    <p:ext uri="{EFAFB233-063F-42B5-8137-9DF3F51BA10A}">
+      <p15:sldGuideLst xmlns:p15="http://schemas.microsoft.com/office/powerpoint/2012/main"/>
+    </p:ext>
+  </p:extLst>
 </p:presentation>
+</file>
+
+<file path=ppt/notesMasters/notesMaster1.xml><?xml version="1.0" encoding="utf-8"?>
+<p:notesMaster xmlns:a="http://schemas.openxmlformats.org/drawingml/2006/main" xmlns:r="http://schemas.openxmlformats.org/officeDocument/2006/relationships" xmlns:p="http://schemas.openxmlformats.org/presentationml/2006/main">
+  <p:cSld>
+    <p:bg>
+      <p:bgRef idx="1001">
+        <a:schemeClr val="bg1"/>
+      </p:bgRef>
+    </p:bg>
+    <p:spTree>
+      <p:nvGrpSpPr>
+        <p:cNvPr id="1" name=""/>
+        <p:cNvGrpSpPr/>
+        <p:nvPr/>
+      </p:nvGrpSpPr>
+      <p:grpSpPr>
+        <a:xfrm>
+          <a:off x="0" y="0"/>
+          <a:ext cx="0" cy="0"/>
+          <a:chOff x="0" y="0"/>
+          <a:chExt cx="0" cy="0"/>
+        </a:xfrm>
+      </p:grpSpPr>
+      <p:sp>
+        <p:nvSpPr>
+          <p:cNvPr id="2" name="Header Placeholder 1"/>
+          <p:cNvSpPr>
+            <a:spLocks noGrp="1"/>
+          </p:cNvSpPr>
+          <p:nvPr>
+            <p:ph type="hdr" sz="quarter"/>
+          </p:nvPr>
+        </p:nvSpPr>
+        <p:spPr>
+          <a:xfrm>
+            <a:off x="0" y="0"/>
+            <a:ext cx="2971800" cy="458788"/>
+          </a:xfrm>
+          <a:prstGeom prst="rect">
+            <a:avLst/>
+          </a:prstGeom>
+        </p:spPr>
+        <p:txBody>
+          <a:bodyPr vert="horz" lIns="91440" tIns="45720" rIns="91440" bIns="45720" rtlCol="0"/>
+          <a:lstStyle>
+            <a:lvl1pPr algn="l">
+              <a:defRPr sz="1200"/>
+            </a:lvl1pPr>
+          </a:lstStyle>
+          <a:p>
+            <a:endParaRPr lang="en-US"/>
+          </a:p>
+        </p:txBody>
+      </p:sp>
+      <p:sp>
+        <p:nvSpPr>
+          <p:cNvPr id="3" name="Date Placeholder 2"/>
+          <p:cNvSpPr>
+            <a:spLocks noGrp="1"/>
+          </p:cNvSpPr>
+          <p:nvPr>
+            <p:ph type="dt" idx="1"/>
+          </p:nvPr>
+        </p:nvSpPr>
+        <p:spPr>
+          <a:xfrm>
+            <a:off x="3884613" y="0"/>
+            <a:ext cx="2971800" cy="458788"/>
+          </a:xfrm>
+          <a:prstGeom prst="rect">
+            <a:avLst/>
+          </a:prstGeom>
+        </p:spPr>
+        <p:txBody>
+          <a:bodyPr vert="horz" lIns="91440" tIns="45720" rIns="91440" bIns="45720" rtlCol="0"/>
+          <a:lstStyle>
+            <a:lvl1pPr algn="r">
+              <a:defRPr sz="1200"/>
+            </a:lvl1pPr>
+          </a:lstStyle>
+          <a:p>
+            <a:fld id="{0A115EC2-72E7-D84C-94FA-CB322A15ABE6}" type="datetimeFigureOut">
+              <a:rPr lang="en-US" smtClean="0"/>
+              <a:t>1/31/22</a:t>
+            </a:fld>
+            <a:endParaRPr lang="en-US"/>
+          </a:p>
+        </p:txBody>
+      </p:sp>
+      <p:sp>
+        <p:nvSpPr>
+          <p:cNvPr id="4" name="Slide Image Placeholder 3"/>
+          <p:cNvSpPr>
+            <a:spLocks noGrp="1" noRot="1" noChangeAspect="1"/>
+          </p:cNvSpPr>
+          <p:nvPr>
+            <p:ph type="sldImg" idx="2"/>
+          </p:nvPr>
+        </p:nvSpPr>
+        <p:spPr>
+          <a:xfrm>
+            <a:off x="685800" y="1143000"/>
+            <a:ext cx="5486400" cy="3086100"/>
+          </a:xfrm>
+          <a:prstGeom prst="rect">
+            <a:avLst/>
+          </a:prstGeom>
+          <a:noFill/>
+          <a:ln w="12700">
+            <a:solidFill>
+              <a:prstClr val="black"/>
+            </a:solidFill>
+          </a:ln>
+        </p:spPr>
+        <p:txBody>
+          <a:bodyPr vert="horz" lIns="91440" tIns="45720" rIns="91440" bIns="45720" rtlCol="0" anchor="ctr"/>
+          <a:lstStyle/>
+          <a:p>
+            <a:endParaRPr lang="en-US"/>
+          </a:p>
+        </p:txBody>
+      </p:sp>
+      <p:sp>
+        <p:nvSpPr>
+          <p:cNvPr id="5" name="Notes Placeholder 4"/>
+          <p:cNvSpPr>
+            <a:spLocks noGrp="1"/>
+          </p:cNvSpPr>
+          <p:nvPr>
+            <p:ph type="body" sz="quarter" idx="3"/>
+          </p:nvPr>
+        </p:nvSpPr>
+        <p:spPr>
+          <a:xfrm>
+            <a:off x="685800" y="4400550"/>
+            <a:ext cx="5486400" cy="3600450"/>
+          </a:xfrm>
+          <a:prstGeom prst="rect">
+            <a:avLst/>
+          </a:prstGeom>
+        </p:spPr>
+        <p:txBody>
+          <a:bodyPr vert="horz" lIns="91440" tIns="45720" rIns="91440" bIns="45720" rtlCol="0"/>
+          <a:lstStyle/>
+          <a:p>
+            <a:pPr lvl="0"/>
+            <a:r>
+              <a:rPr lang="en-US"/>
+              <a:t>Click to edit Master text styles</a:t>
+            </a:r>
+          </a:p>
+          <a:p>
+            <a:pPr lvl="1"/>
+            <a:r>
+              <a:rPr lang="en-US"/>
+              <a:t>Second level</a:t>
+            </a:r>
+          </a:p>
+          <a:p>
+            <a:pPr lvl="2"/>
+            <a:r>
+              <a:rPr lang="en-US"/>
+              <a:t>Third level</a:t>
+            </a:r>
+          </a:p>
+          <a:p>
+            <a:pPr lvl="3"/>
+            <a:r>
+              <a:rPr lang="en-US"/>
+              <a:t>Fourth level</a:t>
+            </a:r>
+          </a:p>
+          <a:p>
+            <a:pPr lvl="4"/>
+            <a:r>
+              <a:rPr lang="en-US"/>
+              <a:t>Fifth level</a:t>
+            </a:r>
+          </a:p>
+        </p:txBody>
+      </p:sp>
+      <p:sp>
+        <p:nvSpPr>
+          <p:cNvPr id="6" name="Footer Placeholder 5"/>
+          <p:cNvSpPr>
+            <a:spLocks noGrp="1"/>
+          </p:cNvSpPr>
+          <p:nvPr>
+            <p:ph type="ftr" sz="quarter" idx="4"/>
+          </p:nvPr>
+        </p:nvSpPr>
+        <p:spPr>
+          <a:xfrm>
+            <a:off x="0" y="8685213"/>
+            <a:ext cx="2971800" cy="458787"/>
+          </a:xfrm>
+          <a:prstGeom prst="rect">
+            <a:avLst/>
+          </a:prstGeom>
+        </p:spPr>
+        <p:txBody>
+          <a:bodyPr vert="horz" lIns="91440" tIns="45720" rIns="91440" bIns="45720" rtlCol="0" anchor="b"/>
+          <a:lstStyle>
+            <a:lvl1pPr algn="l">
+              <a:defRPr sz="1200"/>
+            </a:lvl1pPr>
+          </a:lstStyle>
+          <a:p>
+            <a:endParaRPr lang="en-US"/>
+          </a:p>
+        </p:txBody>
+      </p:sp>
+      <p:sp>
+        <p:nvSpPr>
+          <p:cNvPr id="7" name="Slide Number Placeholder 6"/>
+          <p:cNvSpPr>
+            <a:spLocks noGrp="1"/>
+          </p:cNvSpPr>
+          <p:nvPr>
+            <p:ph type="sldNum" sz="quarter" idx="5"/>
+          </p:nvPr>
+        </p:nvSpPr>
+        <p:spPr>
+          <a:xfrm>
+            <a:off x="3884613" y="8685213"/>
+            <a:ext cx="2971800" cy="458787"/>
+          </a:xfrm>
+          <a:prstGeom prst="rect">
+            <a:avLst/>
+          </a:prstGeom>
+        </p:spPr>
+        <p:txBody>
+          <a:bodyPr vert="horz" lIns="91440" tIns="45720" rIns="91440" bIns="45720" rtlCol="0" anchor="b"/>
+          <a:lstStyle>
+            <a:lvl1pPr algn="r">
+              <a:defRPr sz="1200"/>
+            </a:lvl1pPr>
+          </a:lstStyle>
+          <a:p>
+            <a:fld id="{3D969CF9-EF09-F846-B6C4-3EC295105B2C}" type="slidenum">
+              <a:rPr lang="en-US" smtClean="0"/>
+              <a:t>‹#›</a:t>
+            </a:fld>
+            <a:endParaRPr lang="en-US"/>
+          </a:p>
+        </p:txBody>
+      </p:sp>
+    </p:spTree>
+    <p:extLst>
+      <p:ext uri="{BB962C8B-B14F-4D97-AF65-F5344CB8AC3E}">
+        <p14:creationId xmlns:p14="http://schemas.microsoft.com/office/powerpoint/2010/main" val="4287100637"/>
+      </p:ext>
+    </p:extLst>
+  </p:cSld>
+  <p:clrMap bg1="lt1" tx1="dk1" bg2="lt2" tx2="dk2" accent1="accent1" accent2="accent2" accent3="accent3" accent4="accent4" accent5="accent5" accent6="accent6" hlink="hlink" folHlink="folHlink"/>
+  <p:notesStyle>
+    <a:lvl1pPr marL="0" algn="l" defTabSz="914400" rtl="0" eaLnBrk="1" latinLnBrk="0" hangingPunct="1">
+      <a:defRPr sz="1200" kern="1200">
+        <a:solidFill>
+          <a:schemeClr val="tx1"/>
+        </a:solidFill>
+        <a:latin typeface="+mn-lt"/>
+        <a:ea typeface="+mn-ea"/>
+        <a:cs typeface="+mn-cs"/>
+      </a:defRPr>
+    </a:lvl1pPr>
+    <a:lvl2pPr marL="457200" algn="l" defTabSz="914400" rtl="0" eaLnBrk="1" latinLnBrk="0" hangingPunct="1">
+      <a:defRPr sz="1200" kern="1200">
+        <a:solidFill>
+          <a:schemeClr val="tx1"/>
+        </a:solidFill>
+        <a:latin typeface="+mn-lt"/>
+        <a:ea typeface="+mn-ea"/>
+        <a:cs typeface="+mn-cs"/>
+      </a:defRPr>
+    </a:lvl2pPr>
+    <a:lvl3pPr marL="914400" algn="l" defTabSz="914400" rtl="0" eaLnBrk="1" latinLnBrk="0" hangingPunct="1">
+      <a:defRPr sz="1200" kern="1200">
+        <a:solidFill>
+          <a:schemeClr val="tx1"/>
+        </a:solidFill>
+        <a:latin typeface="+mn-lt"/>
+        <a:ea typeface="+mn-ea"/>
+        <a:cs typeface="+mn-cs"/>
+      </a:defRPr>
+    </a:lvl3pPr>
+    <a:lvl4pPr marL="1371600" algn="l" defTabSz="914400" rtl="0" eaLnBrk="1" latinLnBrk="0" hangingPunct="1">
+      <a:defRPr sz="1200" kern="1200">
+        <a:solidFill>
+          <a:schemeClr val="tx1"/>
+        </a:solidFill>
+        <a:latin typeface="+mn-lt"/>
+        <a:ea typeface="+mn-ea"/>
+        <a:cs typeface="+mn-cs"/>
+      </a:defRPr>
+    </a:lvl4pPr>
+    <a:lvl5pPr marL="1828800" algn="l" defTabSz="914400" rtl="0" eaLnBrk="1" latinLnBrk="0" hangingPunct="1">
+      <a:defRPr sz="1200" kern="1200">
+        <a:solidFill>
+          <a:schemeClr val="tx1"/>
+        </a:solidFill>
+        <a:latin typeface="+mn-lt"/>
+        <a:ea typeface="+mn-ea"/>
+        <a:cs typeface="+mn-cs"/>
+      </a:defRPr>
+    </a:lvl5pPr>
+    <a:lvl6pPr marL="2286000" algn="l" defTabSz="914400" rtl="0" eaLnBrk="1" latinLnBrk="0" hangingPunct="1">
+      <a:defRPr sz="1200" kern="1200">
+        <a:solidFill>
+          <a:schemeClr val="tx1"/>
+        </a:solidFill>
+        <a:latin typeface="+mn-lt"/>
+        <a:ea typeface="+mn-ea"/>
+        <a:cs typeface="+mn-cs"/>
+      </a:defRPr>
+    </a:lvl6pPr>
+    <a:lvl7pPr marL="2743200" algn="l" defTabSz="914400" rtl="0" eaLnBrk="1" latinLnBrk="0" hangingPunct="1">
+      <a:defRPr sz="1200" kern="1200">
+        <a:solidFill>
+          <a:schemeClr val="tx1"/>
+        </a:solidFill>
+        <a:latin typeface="+mn-lt"/>
+        <a:ea typeface="+mn-ea"/>
+        <a:cs typeface="+mn-cs"/>
+      </a:defRPr>
+    </a:lvl7pPr>
+    <a:lvl8pPr marL="3200400" algn="l" defTabSz="914400" rtl="0" eaLnBrk="1" latinLnBrk="0" hangingPunct="1">
+      <a:defRPr sz="1200" kern="1200">
+        <a:solidFill>
+          <a:schemeClr val="tx1"/>
+        </a:solidFill>
+        <a:latin typeface="+mn-lt"/>
+        <a:ea typeface="+mn-ea"/>
+        <a:cs typeface="+mn-cs"/>
+      </a:defRPr>
+    </a:lvl8pPr>
+    <a:lvl9pPr marL="3657600" algn="l" defTabSz="914400" rtl="0" eaLnBrk="1" latinLnBrk="0" hangingPunct="1">
+      <a:defRPr sz="1200" kern="1200">
+        <a:solidFill>
+          <a:schemeClr val="tx1"/>
+        </a:solidFill>
+        <a:latin typeface="+mn-lt"/>
+        <a:ea typeface="+mn-ea"/>
+        <a:cs typeface="+mn-cs"/>
+      </a:defRPr>
+    </a:lvl9pPr>
+  </p:notesStyle>
+</p:notesMaster>
+</file>
+
+<file path=ppt/notesSlides/notesSlide1.xml><?xml version="1.0" encoding="utf-8"?>
+<p:notes xmlns:a="http://schemas.openxmlformats.org/drawingml/2006/main" xmlns:r="http://schemas.openxmlformats.org/officeDocument/2006/relationships" xmlns:p="http://schemas.openxmlformats.org/presentationml/2006/main">
+  <p:cSld>
+    <p:spTree>
+      <p:nvGrpSpPr>
+        <p:cNvPr id="1" name=""/>
+        <p:cNvGrpSpPr/>
+        <p:nvPr/>
+      </p:nvGrpSpPr>
+      <p:grpSpPr>
+        <a:xfrm>
+          <a:off x="0" y="0"/>
+          <a:ext cx="0" cy="0"/>
+          <a:chOff x="0" y="0"/>
+          <a:chExt cx="0" cy="0"/>
+        </a:xfrm>
+      </p:grpSpPr>
+      <p:sp>
+        <p:nvSpPr>
+          <p:cNvPr id="2" name="Slide Image Placeholder 1"/>
+          <p:cNvSpPr>
+            <a:spLocks noGrp="1" noRot="1" noChangeAspect="1"/>
+          </p:cNvSpPr>
+          <p:nvPr>
+            <p:ph type="sldImg"/>
+          </p:nvPr>
+        </p:nvSpPr>
+        <p:spPr/>
+      </p:sp>
+      <p:sp>
+        <p:nvSpPr>
+          <p:cNvPr id="3" name="Notes Placeholder 2"/>
+          <p:cNvSpPr>
+            <a:spLocks noGrp="1"/>
+          </p:cNvSpPr>
+          <p:nvPr>
+            <p:ph type="body" idx="1"/>
+          </p:nvPr>
+        </p:nvSpPr>
+        <p:spPr/>
+        <p:txBody>
+          <a:bodyPr/>
+          <a:lstStyle/>
+          <a:p>
+            <a:endParaRPr lang="en-US" dirty="0"/>
+          </a:p>
+        </p:txBody>
+      </p:sp>
+      <p:sp>
+        <p:nvSpPr>
+          <p:cNvPr id="4" name="Slide Number Placeholder 3"/>
+          <p:cNvSpPr>
+            <a:spLocks noGrp="1"/>
+          </p:cNvSpPr>
+          <p:nvPr>
+            <p:ph type="sldNum" sz="quarter" idx="5"/>
+          </p:nvPr>
+        </p:nvSpPr>
+        <p:spPr/>
+        <p:txBody>
+          <a:bodyPr/>
+          <a:lstStyle/>
+          <a:p>
+            <a:fld id="{3D969CF9-EF09-F846-B6C4-3EC295105B2C}" type="slidenum">
+              <a:rPr lang="en-US" smtClean="0"/>
+              <a:t>13</a:t>
+            </a:fld>
+            <a:endParaRPr lang="en-US"/>
+          </a:p>
+        </p:txBody>
+      </p:sp>
+    </p:spTree>
+    <p:extLst>
+      <p:ext uri="{BB962C8B-B14F-4D97-AF65-F5344CB8AC3E}">
+        <p14:creationId xmlns:p14="http://schemas.microsoft.com/office/powerpoint/2010/main" val="1513152267"/>
+      </p:ext>
+    </p:extLst>
+  </p:cSld>
+  <p:clrMapOvr>
+    <a:masterClrMapping/>
+  </p:clrMapOvr>
+</p:notes>
 </file>
 
 <file path=ppt/slideLayouts/slideLayout1.xml><?xml version="1.0" encoding="utf-8"?>
@@ -261,7 +707,7 @@
           <a:p>
             <a:fld id="{9C2CFB90-F3E6-EA4D-A8B6-E9E69E8A39BA}" type="datetimeFigureOut">
               <a:rPr lang="en-US" smtClean="0"/>
-              <a:t>1/27/22</a:t>
+              <a:t>1/31/22</a:t>
             </a:fld>
             <a:endParaRPr lang="en-US"/>
           </a:p>
@@ -459,7 +905,7 @@
           <a:p>
             <a:fld id="{9C2CFB90-F3E6-EA4D-A8B6-E9E69E8A39BA}" type="datetimeFigureOut">
               <a:rPr lang="en-US" smtClean="0"/>
-              <a:t>1/27/22</a:t>
+              <a:t>1/31/22</a:t>
             </a:fld>
             <a:endParaRPr lang="en-US"/>
           </a:p>
@@ -667,7 +1113,7 @@
           <a:p>
             <a:fld id="{9C2CFB90-F3E6-EA4D-A8B6-E9E69E8A39BA}" type="datetimeFigureOut">
               <a:rPr lang="en-US" smtClean="0"/>
-              <a:t>1/27/22</a:t>
+              <a:t>1/31/22</a:t>
             </a:fld>
             <a:endParaRPr lang="en-US"/>
           </a:p>
@@ -865,7 +1311,7 @@
           <a:p>
             <a:fld id="{9C2CFB90-F3E6-EA4D-A8B6-E9E69E8A39BA}" type="datetimeFigureOut">
               <a:rPr lang="en-US" smtClean="0"/>
-              <a:t>1/27/22</a:t>
+              <a:t>1/31/22</a:t>
             </a:fld>
             <a:endParaRPr lang="en-US"/>
           </a:p>
@@ -1140,7 +1586,7 @@
           <a:p>
             <a:fld id="{9C2CFB90-F3E6-EA4D-A8B6-E9E69E8A39BA}" type="datetimeFigureOut">
               <a:rPr lang="en-US" smtClean="0"/>
-              <a:t>1/27/22</a:t>
+              <a:t>1/31/22</a:t>
             </a:fld>
             <a:endParaRPr lang="en-US"/>
           </a:p>
@@ -1405,7 +1851,7 @@
           <a:p>
             <a:fld id="{9C2CFB90-F3E6-EA4D-A8B6-E9E69E8A39BA}" type="datetimeFigureOut">
               <a:rPr lang="en-US" smtClean="0"/>
-              <a:t>1/27/22</a:t>
+              <a:t>1/31/22</a:t>
             </a:fld>
             <a:endParaRPr lang="en-US"/>
           </a:p>
@@ -1817,7 +2263,7 @@
           <a:p>
             <a:fld id="{9C2CFB90-F3E6-EA4D-A8B6-E9E69E8A39BA}" type="datetimeFigureOut">
               <a:rPr lang="en-US" smtClean="0"/>
-              <a:t>1/27/22</a:t>
+              <a:t>1/31/22</a:t>
             </a:fld>
             <a:endParaRPr lang="en-US"/>
           </a:p>
@@ -1958,7 +2404,7 @@
           <a:p>
             <a:fld id="{9C2CFB90-F3E6-EA4D-A8B6-E9E69E8A39BA}" type="datetimeFigureOut">
               <a:rPr lang="en-US" smtClean="0"/>
-              <a:t>1/27/22</a:t>
+              <a:t>1/31/22</a:t>
             </a:fld>
             <a:endParaRPr lang="en-US"/>
           </a:p>
@@ -2071,7 +2517,7 @@
           <a:p>
             <a:fld id="{9C2CFB90-F3E6-EA4D-A8B6-E9E69E8A39BA}" type="datetimeFigureOut">
               <a:rPr lang="en-US" smtClean="0"/>
-              <a:t>1/27/22</a:t>
+              <a:t>1/31/22</a:t>
             </a:fld>
             <a:endParaRPr lang="en-US"/>
           </a:p>
@@ -2382,7 +2828,7 @@
           <a:p>
             <a:fld id="{9C2CFB90-F3E6-EA4D-A8B6-E9E69E8A39BA}" type="datetimeFigureOut">
               <a:rPr lang="en-US" smtClean="0"/>
-              <a:t>1/27/22</a:t>
+              <a:t>1/31/22</a:t>
             </a:fld>
             <a:endParaRPr lang="en-US"/>
           </a:p>
@@ -2670,7 +3116,7 @@
           <a:p>
             <a:fld id="{9C2CFB90-F3E6-EA4D-A8B6-E9E69E8A39BA}" type="datetimeFigureOut">
               <a:rPr lang="en-US" smtClean="0"/>
-              <a:t>1/27/22</a:t>
+              <a:t>1/31/22</a:t>
             </a:fld>
             <a:endParaRPr lang="en-US"/>
           </a:p>
@@ -2911,7 +3357,7 @@
           <a:p>
             <a:fld id="{9C2CFB90-F3E6-EA4D-A8B6-E9E69E8A39BA}" type="datetimeFigureOut">
               <a:rPr lang="en-US" smtClean="0"/>
-              <a:t>1/27/22</a:t>
+              <a:t>1/31/22</a:t>
             </a:fld>
             <a:endParaRPr lang="en-US"/>
           </a:p>
@@ -3805,7 +4251,7 @@
         </p:nvSpPr>
         <p:spPr>
           <a:xfrm>
-            <a:off x="1524000" y="1167997"/>
+            <a:off x="1524000" y="982940"/>
             <a:ext cx="9144000" cy="2764028"/>
           </a:xfrm>
         </p:spPr>
@@ -3817,7 +4263,7 @@
           <a:p>
             <a:r>
               <a:rPr lang="en-US" sz="5400" dirty="0"/>
-              <a:t>EMEPy Inverse Design Roadmap</a:t>
+              <a:t>Machine Learning in Photonics:</a:t>
             </a:r>
           </a:p>
         </p:txBody>
@@ -3852,7 +4298,7 @@
           <a:p>
             <a:r>
               <a:rPr lang="en-US" sz="2800" dirty="0"/>
-              <a:t>Ian Hammond</a:t>
+              <a:t>Ian Hammond, Alec Hammond</a:t>
             </a:r>
           </a:p>
         </p:txBody>
@@ -3979,10 +4425,2586 @@
           </a:prstGeom>
         </p:spPr>
       </p:pic>
+      <p:sp>
+        <p:nvSpPr>
+          <p:cNvPr id="4" name="TextBox 3">
+            <a:extLst>
+              <a:ext uri="{FF2B5EF4-FFF2-40B4-BE49-F238E27FC236}">
+                <a16:creationId xmlns:a16="http://schemas.microsoft.com/office/drawing/2014/main" id="{C2621366-0AC6-FB4B-95CC-F589AEE30313}"/>
+              </a:ext>
+            </a:extLst>
+          </p:cNvPr>
+          <p:cNvSpPr txBox="1"/>
+          <p:nvPr/>
+        </p:nvSpPr>
+        <p:spPr>
+          <a:xfrm>
+            <a:off x="7947030" y="3529579"/>
+            <a:ext cx="2013399" cy="1569660"/>
+          </a:xfrm>
+          <a:prstGeom prst="rect">
+            <a:avLst/>
+          </a:prstGeom>
+          <a:noFill/>
+        </p:spPr>
+        <p:txBody>
+          <a:bodyPr wrap="square" rtlCol="0">
+            <a:spAutoFit/>
+          </a:bodyPr>
+          <a:lstStyle/>
+          <a:p>
+            <a:r>
+              <a:rPr lang="en-US" sz="9600" dirty="0" err="1"/>
+              <a:t>Py</a:t>
+            </a:r>
+            <a:endParaRPr lang="en-US" sz="9600" dirty="0"/>
+          </a:p>
+        </p:txBody>
+      </p:sp>
     </p:spTree>
     <p:extLst>
       <p:ext uri="{BB962C8B-B14F-4D97-AF65-F5344CB8AC3E}">
         <p14:creationId xmlns:p14="http://schemas.microsoft.com/office/powerpoint/2010/main" val="4225273068"/>
+      </p:ext>
+    </p:extLst>
+  </p:cSld>
+  <p:clrMapOvr>
+    <a:masterClrMapping/>
+  </p:clrMapOvr>
+</p:sld>
+</file>
+
+<file path=ppt/slides/slide10.xml><?xml version="1.0" encoding="utf-8"?>
+<p:sld xmlns:a="http://schemas.openxmlformats.org/drawingml/2006/main" xmlns:r="http://schemas.openxmlformats.org/officeDocument/2006/relationships" xmlns:p="http://schemas.openxmlformats.org/presentationml/2006/main">
+  <p:cSld>
+    <p:bg>
+      <p:bgPr>
+        <a:solidFill>
+          <a:schemeClr val="bg1"/>
+        </a:solidFill>
+        <a:effectLst/>
+      </p:bgPr>
+    </p:bg>
+    <p:spTree>
+      <p:nvGrpSpPr>
+        <p:cNvPr id="1" name=""/>
+        <p:cNvGrpSpPr/>
+        <p:nvPr/>
+      </p:nvGrpSpPr>
+      <p:grpSpPr>
+        <a:xfrm>
+          <a:off x="0" y="0"/>
+          <a:ext cx="0" cy="0"/>
+          <a:chOff x="0" y="0"/>
+          <a:chExt cx="0" cy="0"/>
+        </a:xfrm>
+      </p:grpSpPr>
+      <p:sp useBgFill="1">
+        <p:nvSpPr>
+          <p:cNvPr id="26" name="Rectangle 25">
+            <a:extLst>
+              <a:ext uri="{FF2B5EF4-FFF2-40B4-BE49-F238E27FC236}">
+                <a16:creationId xmlns:a16="http://schemas.microsoft.com/office/drawing/2014/main" id="{F13C74B1-5B17-4795-BED0-7140497B445A}"/>
+              </a:ext>
+              <a:ext uri="{C183D7F6-B498-43B3-948B-1728B52AA6E4}">
+                <adec:decorative xmlns:adec="http://schemas.microsoft.com/office/drawing/2017/decorative" val="1"/>
+              </a:ext>
+            </a:extLst>
+          </p:cNvPr>
+          <p:cNvSpPr>
+            <a:spLocks noGrp="1" noRot="1" noChangeAspect="1" noMove="1" noResize="1" noEditPoints="1" noAdjustHandles="1" noChangeArrowheads="1" noChangeShapeType="1" noTextEdit="1"/>
+          </p:cNvSpPr>
+          <p:nvPr>
+            <p:extLst>
+              <p:ext uri="{386F3935-93C4-4BCD-93E2-E3B085C9AB24}">
+                <p16:designElem xmlns:p16="http://schemas.microsoft.com/office/powerpoint/2015/main" val="1"/>
+              </p:ext>
+            </p:extLst>
+          </p:nvPr>
+        </p:nvSpPr>
+        <p:spPr>
+          <a:xfrm>
+            <a:off x="0" y="0"/>
+            <a:ext cx="12188952" cy="6858000"/>
+          </a:xfrm>
+          <a:prstGeom prst="rect">
+            <a:avLst/>
+          </a:prstGeom>
+          <a:ln>
+            <a:noFill/>
+          </a:ln>
+        </p:spPr>
+        <p:style>
+          <a:lnRef idx="2">
+            <a:schemeClr val="accent1">
+              <a:shade val="50000"/>
+            </a:schemeClr>
+          </a:lnRef>
+          <a:fillRef idx="1">
+            <a:schemeClr val="accent1"/>
+          </a:fillRef>
+          <a:effectRef idx="0">
+            <a:schemeClr val="accent1"/>
+          </a:effectRef>
+          <a:fontRef idx="minor">
+            <a:schemeClr val="lt1"/>
+          </a:fontRef>
+        </p:style>
+        <p:txBody>
+          <a:bodyPr rtlCol="0" anchor="ctr"/>
+          <a:lstStyle/>
+          <a:p>
+            <a:pPr algn="ctr"/>
+            <a:endParaRPr lang="en-US"/>
+          </a:p>
+        </p:txBody>
+      </p:sp>
+      <p:sp>
+        <p:nvSpPr>
+          <p:cNvPr id="2" name="Title 1">
+            <a:extLst>
+              <a:ext uri="{FF2B5EF4-FFF2-40B4-BE49-F238E27FC236}">
+                <a16:creationId xmlns:a16="http://schemas.microsoft.com/office/drawing/2014/main" id="{D9C38E07-FABB-044A-919D-33E773823B77}"/>
+              </a:ext>
+            </a:extLst>
+          </p:cNvPr>
+          <p:cNvSpPr>
+            <a:spLocks noGrp="1"/>
+          </p:cNvSpPr>
+          <p:nvPr>
+            <p:ph type="title"/>
+          </p:nvPr>
+        </p:nvSpPr>
+        <p:spPr>
+          <a:xfrm>
+            <a:off x="640080" y="325369"/>
+            <a:ext cx="4368602" cy="1956841"/>
+          </a:xfrm>
+        </p:spPr>
+        <p:txBody>
+          <a:bodyPr vert="horz" lIns="91440" tIns="45720" rIns="91440" bIns="45720" rtlCol="0" anchor="b">
+            <a:normAutofit/>
+          </a:bodyPr>
+          <a:lstStyle/>
+          <a:p>
+            <a:r>
+              <a:rPr lang="en-US" sz="4200"/>
+              <a:t>Density Based Inverse Design Foundry Robust</a:t>
+            </a:r>
+          </a:p>
+        </p:txBody>
+      </p:sp>
+      <p:sp>
+        <p:nvSpPr>
+          <p:cNvPr id="28" name="sketchy line">
+            <a:extLst>
+              <a:ext uri="{FF2B5EF4-FFF2-40B4-BE49-F238E27FC236}">
+                <a16:creationId xmlns:a16="http://schemas.microsoft.com/office/drawing/2014/main" id="{D4974D33-8DC5-464E-8C6D-BE58F0669C17}"/>
+              </a:ext>
+              <a:ext uri="{C183D7F6-B498-43B3-948B-1728B52AA6E4}">
+                <adec:decorative xmlns:adec="http://schemas.microsoft.com/office/drawing/2017/decorative" val="1"/>
+              </a:ext>
+            </a:extLst>
+          </p:cNvPr>
+          <p:cNvSpPr>
+            <a:spLocks noGrp="1" noRot="1" noChangeAspect="1" noMove="1" noResize="1" noEditPoints="1" noAdjustHandles="1" noChangeArrowheads="1" noChangeShapeType="1" noTextEdit="1"/>
+          </p:cNvSpPr>
+          <p:nvPr>
+            <p:extLst>
+              <p:ext uri="{386F3935-93C4-4BCD-93E2-E3B085C9AB24}">
+                <p16:designElem xmlns:p16="http://schemas.microsoft.com/office/powerpoint/2015/main" val="1"/>
+              </p:ext>
+            </p:extLst>
+          </p:nvPr>
+        </p:nvSpPr>
+        <p:spPr>
+          <a:xfrm>
+            <a:off x="640080" y="2586994"/>
+            <a:ext cx="3474720" cy="18288"/>
+          </a:xfrm>
+          <a:custGeom>
+            <a:avLst/>
+            <a:gdLst>
+              <a:gd name="connsiteX0" fmla="*/ 0 w 3474720"/>
+              <a:gd name="connsiteY0" fmla="*/ 0 h 18288"/>
+              <a:gd name="connsiteX1" fmla="*/ 694944 w 3474720"/>
+              <a:gd name="connsiteY1" fmla="*/ 0 h 18288"/>
+              <a:gd name="connsiteX2" fmla="*/ 1355141 w 3474720"/>
+              <a:gd name="connsiteY2" fmla="*/ 0 h 18288"/>
+              <a:gd name="connsiteX3" fmla="*/ 2015338 w 3474720"/>
+              <a:gd name="connsiteY3" fmla="*/ 0 h 18288"/>
+              <a:gd name="connsiteX4" fmla="*/ 2779776 w 3474720"/>
+              <a:gd name="connsiteY4" fmla="*/ 0 h 18288"/>
+              <a:gd name="connsiteX5" fmla="*/ 3474720 w 3474720"/>
+              <a:gd name="connsiteY5" fmla="*/ 0 h 18288"/>
+              <a:gd name="connsiteX6" fmla="*/ 3474720 w 3474720"/>
+              <a:gd name="connsiteY6" fmla="*/ 18288 h 18288"/>
+              <a:gd name="connsiteX7" fmla="*/ 2779776 w 3474720"/>
+              <a:gd name="connsiteY7" fmla="*/ 18288 h 18288"/>
+              <a:gd name="connsiteX8" fmla="*/ 2189074 w 3474720"/>
+              <a:gd name="connsiteY8" fmla="*/ 18288 h 18288"/>
+              <a:gd name="connsiteX9" fmla="*/ 1528877 w 3474720"/>
+              <a:gd name="connsiteY9" fmla="*/ 18288 h 18288"/>
+              <a:gd name="connsiteX10" fmla="*/ 868680 w 3474720"/>
+              <a:gd name="connsiteY10" fmla="*/ 18288 h 18288"/>
+              <a:gd name="connsiteX11" fmla="*/ 0 w 3474720"/>
+              <a:gd name="connsiteY11" fmla="*/ 18288 h 18288"/>
+              <a:gd name="connsiteX12" fmla="*/ 0 w 3474720"/>
+              <a:gd name="connsiteY12" fmla="*/ 0 h 18288"/>
+            </a:gdLst>
+            <a:ahLst/>
+            <a:cxnLst>
+              <a:cxn ang="0">
+                <a:pos x="connsiteX0" y="connsiteY0"/>
+              </a:cxn>
+              <a:cxn ang="0">
+                <a:pos x="connsiteX1" y="connsiteY1"/>
+              </a:cxn>
+              <a:cxn ang="0">
+                <a:pos x="connsiteX2" y="connsiteY2"/>
+              </a:cxn>
+              <a:cxn ang="0">
+                <a:pos x="connsiteX3" y="connsiteY3"/>
+              </a:cxn>
+              <a:cxn ang="0">
+                <a:pos x="connsiteX4" y="connsiteY4"/>
+              </a:cxn>
+              <a:cxn ang="0">
+                <a:pos x="connsiteX5" y="connsiteY5"/>
+              </a:cxn>
+              <a:cxn ang="0">
+                <a:pos x="connsiteX6" y="connsiteY6"/>
+              </a:cxn>
+              <a:cxn ang="0">
+                <a:pos x="connsiteX7" y="connsiteY7"/>
+              </a:cxn>
+              <a:cxn ang="0">
+                <a:pos x="connsiteX8" y="connsiteY8"/>
+              </a:cxn>
+              <a:cxn ang="0">
+                <a:pos x="connsiteX9" y="connsiteY9"/>
+              </a:cxn>
+              <a:cxn ang="0">
+                <a:pos x="connsiteX10" y="connsiteY10"/>
+              </a:cxn>
+              <a:cxn ang="0">
+                <a:pos x="connsiteX11" y="connsiteY11"/>
+              </a:cxn>
+              <a:cxn ang="0">
+                <a:pos x="connsiteX12" y="connsiteY12"/>
+              </a:cxn>
+            </a:cxnLst>
+            <a:rect l="l" t="t" r="r" b="b"/>
+            <a:pathLst>
+              <a:path w="3474720" h="18288" fill="none" extrusionOk="0">
+                <a:moveTo>
+                  <a:pt x="0" y="0"/>
+                </a:moveTo>
+                <a:cubicBezTo>
+                  <a:pt x="224454" y="-14544"/>
+                  <a:pt x="495407" y="26540"/>
+                  <a:pt x="694944" y="0"/>
+                </a:cubicBezTo>
+                <a:cubicBezTo>
+                  <a:pt x="894481" y="-26540"/>
+                  <a:pt x="1130063" y="24713"/>
+                  <a:pt x="1355141" y="0"/>
+                </a:cubicBezTo>
+                <a:cubicBezTo>
+                  <a:pt x="1580219" y="-24713"/>
+                  <a:pt x="1820099" y="26695"/>
+                  <a:pt x="2015338" y="0"/>
+                </a:cubicBezTo>
+                <a:cubicBezTo>
+                  <a:pt x="2210577" y="-26695"/>
+                  <a:pt x="2402045" y="165"/>
+                  <a:pt x="2779776" y="0"/>
+                </a:cubicBezTo>
+                <a:cubicBezTo>
+                  <a:pt x="3157507" y="-165"/>
+                  <a:pt x="3286859" y="-15571"/>
+                  <a:pt x="3474720" y="0"/>
+                </a:cubicBezTo>
+                <a:cubicBezTo>
+                  <a:pt x="3474286" y="7551"/>
+                  <a:pt x="3474253" y="9822"/>
+                  <a:pt x="3474720" y="18288"/>
+                </a:cubicBezTo>
+                <a:cubicBezTo>
+                  <a:pt x="3233904" y="29845"/>
+                  <a:pt x="2945134" y="-5256"/>
+                  <a:pt x="2779776" y="18288"/>
+                </a:cubicBezTo>
+                <a:cubicBezTo>
+                  <a:pt x="2614418" y="41832"/>
+                  <a:pt x="2339768" y="22709"/>
+                  <a:pt x="2189074" y="18288"/>
+                </a:cubicBezTo>
+                <a:cubicBezTo>
+                  <a:pt x="2038380" y="13867"/>
+                  <a:pt x="1817434" y="-4947"/>
+                  <a:pt x="1528877" y="18288"/>
+                </a:cubicBezTo>
+                <a:cubicBezTo>
+                  <a:pt x="1240320" y="41523"/>
+                  <a:pt x="1042447" y="37198"/>
+                  <a:pt x="868680" y="18288"/>
+                </a:cubicBezTo>
+                <a:cubicBezTo>
+                  <a:pt x="694913" y="-622"/>
+                  <a:pt x="233232" y="44909"/>
+                  <a:pt x="0" y="18288"/>
+                </a:cubicBezTo>
+                <a:cubicBezTo>
+                  <a:pt x="60" y="11696"/>
+                  <a:pt x="66" y="3758"/>
+                  <a:pt x="0" y="0"/>
+                </a:cubicBezTo>
+                <a:close/>
+              </a:path>
+              <a:path w="3474720" h="18288" stroke="0" extrusionOk="0">
+                <a:moveTo>
+                  <a:pt x="0" y="0"/>
+                </a:moveTo>
+                <a:cubicBezTo>
+                  <a:pt x="202328" y="-14716"/>
+                  <a:pt x="332722" y="-11499"/>
+                  <a:pt x="625450" y="0"/>
+                </a:cubicBezTo>
+                <a:cubicBezTo>
+                  <a:pt x="918178" y="11499"/>
+                  <a:pt x="1096688" y="5123"/>
+                  <a:pt x="1389888" y="0"/>
+                </a:cubicBezTo>
+                <a:cubicBezTo>
+                  <a:pt x="1683088" y="-5123"/>
+                  <a:pt x="1835981" y="-14038"/>
+                  <a:pt x="1980590" y="0"/>
+                </a:cubicBezTo>
+                <a:cubicBezTo>
+                  <a:pt x="2125199" y="14038"/>
+                  <a:pt x="2396099" y="-7203"/>
+                  <a:pt x="2571293" y="0"/>
+                </a:cubicBezTo>
+                <a:cubicBezTo>
+                  <a:pt x="2746487" y="7203"/>
+                  <a:pt x="3041609" y="-12036"/>
+                  <a:pt x="3474720" y="0"/>
+                </a:cubicBezTo>
+                <a:cubicBezTo>
+                  <a:pt x="3474638" y="4406"/>
+                  <a:pt x="3474631" y="9982"/>
+                  <a:pt x="3474720" y="18288"/>
+                </a:cubicBezTo>
+                <a:cubicBezTo>
+                  <a:pt x="3324873" y="21876"/>
+                  <a:pt x="3136771" y="12587"/>
+                  <a:pt x="2814523" y="18288"/>
+                </a:cubicBezTo>
+                <a:cubicBezTo>
+                  <a:pt x="2492275" y="23989"/>
+                  <a:pt x="2294402" y="47111"/>
+                  <a:pt x="2154326" y="18288"/>
+                </a:cubicBezTo>
+                <a:cubicBezTo>
+                  <a:pt x="2014250" y="-10535"/>
+                  <a:pt x="1820317" y="33903"/>
+                  <a:pt x="1494130" y="18288"/>
+                </a:cubicBezTo>
+                <a:cubicBezTo>
+                  <a:pt x="1167943" y="2673"/>
+                  <a:pt x="948432" y="14868"/>
+                  <a:pt x="729691" y="18288"/>
+                </a:cubicBezTo>
+                <a:cubicBezTo>
+                  <a:pt x="510950" y="21708"/>
+                  <a:pt x="264032" y="24354"/>
+                  <a:pt x="0" y="18288"/>
+                </a:cubicBezTo>
+                <a:cubicBezTo>
+                  <a:pt x="189" y="14288"/>
+                  <a:pt x="-703" y="3747"/>
+                  <a:pt x="0" y="0"/>
+                </a:cubicBezTo>
+                <a:close/>
+              </a:path>
+            </a:pathLst>
+          </a:custGeom>
+          <a:solidFill>
+            <a:schemeClr val="accent2"/>
+          </a:solidFill>
+          <a:ln w="44450" cap="rnd">
+            <a:solidFill>
+              <a:schemeClr val="accent2"/>
+            </a:solidFill>
+            <a:round/>
+            <a:extLst>
+              <a:ext uri="{C807C97D-BFC1-408E-A445-0C87EB9F89A2}">
+                <ask:lineSketchStyleProps xmlns:ask="http://schemas.microsoft.com/office/drawing/2018/sketchyshapes" sd="2863741219">
+                  <a:prstGeom prst="rect">
+                    <a:avLst/>
+                  </a:prstGeom>
+                  <ask:type>
+                    <ask:lineSketchFreehand/>
+                  </ask:type>
+                </ask:lineSketchStyleProps>
+              </a:ext>
+            </a:extLst>
+          </a:ln>
+        </p:spPr>
+        <p:style>
+          <a:lnRef idx="2">
+            <a:schemeClr val="accent1">
+              <a:shade val="50000"/>
+            </a:schemeClr>
+          </a:lnRef>
+          <a:fillRef idx="1">
+            <a:schemeClr val="accent1"/>
+          </a:fillRef>
+          <a:effectRef idx="0">
+            <a:schemeClr val="accent1"/>
+          </a:effectRef>
+          <a:fontRef idx="minor">
+            <a:schemeClr val="lt1"/>
+          </a:fontRef>
+        </p:style>
+        <p:txBody>
+          <a:bodyPr rtlCol="0" anchor="ctr"/>
+          <a:lstStyle/>
+          <a:p>
+            <a:pPr algn="ctr"/>
+            <a:endParaRPr lang="en-US"/>
+          </a:p>
+        </p:txBody>
+      </p:sp>
+      <p:sp>
+        <p:nvSpPr>
+          <p:cNvPr id="4" name="TextBox 3">
+            <a:extLst>
+              <a:ext uri="{FF2B5EF4-FFF2-40B4-BE49-F238E27FC236}">
+                <a16:creationId xmlns:a16="http://schemas.microsoft.com/office/drawing/2014/main" id="{4DEC65A0-BB71-F348-AAFD-9DF3CCC5311B}"/>
+              </a:ext>
+            </a:extLst>
+          </p:cNvPr>
+          <p:cNvSpPr txBox="1"/>
+          <p:nvPr/>
+        </p:nvSpPr>
+        <p:spPr>
+          <a:xfrm>
+            <a:off x="640080" y="2872899"/>
+            <a:ext cx="4243589" cy="3320668"/>
+          </a:xfrm>
+          <a:prstGeom prst="rect">
+            <a:avLst/>
+          </a:prstGeom>
+        </p:spPr>
+        <p:txBody>
+          <a:bodyPr vert="horz" lIns="91440" tIns="45720" rIns="91440" bIns="45720" rtlCol="0">
+            <a:normAutofit/>
+          </a:bodyPr>
+          <a:lstStyle/>
+          <a:p>
+            <a:pPr indent="-228600">
+              <a:lnSpc>
+                <a:spcPct val="90000"/>
+              </a:lnSpc>
+              <a:spcAft>
+                <a:spcPts val="600"/>
+              </a:spcAft>
+              <a:buFont typeface="Arial" panose="020B0604020202020204" pitchFamily="34" charset="0"/>
+              <a:buChar char="•"/>
+            </a:pPr>
+            <a:r>
+              <a:rPr lang="en-US" sz="2200">
+                <a:hlinkClick r:id="rId2"/>
+              </a:rPr>
+              <a:t>Quantum Emitter Topology Optimization (FiO)</a:t>
+            </a:r>
+            <a:endParaRPr lang="en-US" sz="2200"/>
+          </a:p>
+          <a:p>
+            <a:pPr indent="-228600">
+              <a:lnSpc>
+                <a:spcPct val="90000"/>
+              </a:lnSpc>
+              <a:spcAft>
+                <a:spcPts val="600"/>
+              </a:spcAft>
+              <a:buFont typeface="Arial" panose="020B0604020202020204" pitchFamily="34" charset="0"/>
+              <a:buChar char="•"/>
+            </a:pPr>
+            <a:r>
+              <a:rPr lang="en-US" sz="2200">
+                <a:hlinkClick r:id="rId3"/>
+              </a:rPr>
+              <a:t>Photonic TopOpt for Foundry Design</a:t>
+            </a:r>
+            <a:endParaRPr lang="en-US" sz="2200"/>
+          </a:p>
+          <a:p>
+            <a:pPr indent="-228600">
+              <a:lnSpc>
+                <a:spcPct val="90000"/>
+              </a:lnSpc>
+              <a:spcAft>
+                <a:spcPts val="600"/>
+              </a:spcAft>
+              <a:buFont typeface="Arial" panose="020B0604020202020204" pitchFamily="34" charset="0"/>
+              <a:buChar char="•"/>
+            </a:pPr>
+            <a:r>
+              <a:rPr lang="en-US" sz="2200">
+                <a:hlinkClick r:id="rId4"/>
+              </a:rPr>
+              <a:t>Hybrid Time/Frequency-Domain TopOpt</a:t>
+            </a:r>
+            <a:endParaRPr lang="en-US" sz="2200"/>
+          </a:p>
+        </p:txBody>
+      </p:sp>
+      <p:pic>
+        <p:nvPicPr>
+          <p:cNvPr id="5" name="Picture 4" descr="Diagram&#10;&#10;Description automatically generated">
+            <a:extLst>
+              <a:ext uri="{FF2B5EF4-FFF2-40B4-BE49-F238E27FC236}">
+                <a16:creationId xmlns:a16="http://schemas.microsoft.com/office/drawing/2014/main" id="{1AFF16FF-8E49-D04C-B1BB-91BD969E0B8A}"/>
+              </a:ext>
+            </a:extLst>
+          </p:cNvPr>
+          <p:cNvPicPr>
+            <a:picLocks noChangeAspect="1"/>
+          </p:cNvPicPr>
+          <p:nvPr/>
+        </p:nvPicPr>
+        <p:blipFill rotWithShape="1">
+          <a:blip r:embed="rId5"/>
+          <a:srcRect l="2359" r="4109"/>
+          <a:stretch/>
+        </p:blipFill>
+        <p:spPr>
+          <a:xfrm>
+            <a:off x="5311702" y="10"/>
+            <a:ext cx="6878775" cy="6857990"/>
+          </a:xfrm>
+          <a:custGeom>
+            <a:avLst/>
+            <a:gdLst/>
+            <a:ahLst/>
+            <a:cxnLst/>
+            <a:rect l="l" t="t" r="r" b="b"/>
+            <a:pathLst>
+              <a:path w="6878775" h="6858000">
+                <a:moveTo>
+                  <a:pt x="1102973" y="0"/>
+                </a:moveTo>
+                <a:lnTo>
+                  <a:pt x="1160688" y="0"/>
+                </a:lnTo>
+                <a:lnTo>
+                  <a:pt x="983189" y="331786"/>
+                </a:lnTo>
+                <a:cubicBezTo>
+                  <a:pt x="914866" y="469145"/>
+                  <a:pt x="850355" y="608712"/>
+                  <a:pt x="789261" y="750263"/>
+                </a:cubicBezTo>
+                <a:cubicBezTo>
+                  <a:pt x="774307" y="784928"/>
+                  <a:pt x="759992" y="819849"/>
+                  <a:pt x="745295" y="854514"/>
+                </a:cubicBezTo>
+                <a:cubicBezTo>
+                  <a:pt x="756682" y="845393"/>
+                  <a:pt x="765489" y="833492"/>
+                  <a:pt x="770857" y="819975"/>
+                </a:cubicBezTo>
+                <a:cubicBezTo>
+                  <a:pt x="879943" y="589569"/>
+                  <a:pt x="999605" y="365513"/>
+                  <a:pt x="1131329" y="148742"/>
+                </a:cubicBezTo>
+                <a:lnTo>
+                  <a:pt x="1227589" y="0"/>
+                </a:lnTo>
+                <a:lnTo>
+                  <a:pt x="6878775" y="0"/>
+                </a:lnTo>
+                <a:lnTo>
+                  <a:pt x="6878775" y="6858000"/>
+                </a:lnTo>
+                <a:lnTo>
+                  <a:pt x="713521" y="6858000"/>
+                </a:lnTo>
+                <a:lnTo>
+                  <a:pt x="625642" y="6670527"/>
+                </a:lnTo>
+                <a:cubicBezTo>
+                  <a:pt x="507232" y="6398531"/>
+                  <a:pt x="403083" y="6118381"/>
+                  <a:pt x="312785" y="5830359"/>
+                </a:cubicBezTo>
+                <a:cubicBezTo>
+                  <a:pt x="278149" y="5719759"/>
+                  <a:pt x="248879" y="5607635"/>
+                  <a:pt x="212198" y="5480401"/>
+                </a:cubicBezTo>
+                <a:cubicBezTo>
+                  <a:pt x="212208" y="5491601"/>
+                  <a:pt x="212803" y="5502788"/>
+                  <a:pt x="213988" y="5513923"/>
+                </a:cubicBezTo>
+                <a:cubicBezTo>
+                  <a:pt x="264089" y="5723695"/>
+                  <a:pt x="307290" y="5935370"/>
+                  <a:pt x="365826" y="6142729"/>
+                </a:cubicBezTo>
+                <a:cubicBezTo>
+                  <a:pt x="433152" y="6380817"/>
+                  <a:pt x="510068" y="6614016"/>
+                  <a:pt x="597975" y="6841549"/>
+                </a:cubicBezTo>
+                <a:lnTo>
+                  <a:pt x="604824" y="6858000"/>
+                </a:lnTo>
+                <a:lnTo>
+                  <a:pt x="552056" y="6858000"/>
+                </a:lnTo>
+                <a:lnTo>
+                  <a:pt x="539576" y="6828295"/>
+                </a:lnTo>
+                <a:cubicBezTo>
+                  <a:pt x="380597" y="6414594"/>
+                  <a:pt x="260223" y="5988893"/>
+                  <a:pt x="171555" y="5552906"/>
+                </a:cubicBezTo>
+                <a:cubicBezTo>
+                  <a:pt x="91163" y="5157998"/>
+                  <a:pt x="43746" y="4758899"/>
+                  <a:pt x="12305" y="4357388"/>
+                </a:cubicBezTo>
+                <a:cubicBezTo>
+                  <a:pt x="-14281" y="4013908"/>
+                  <a:pt x="4507" y="3672965"/>
+                  <a:pt x="46684" y="3331516"/>
+                </a:cubicBezTo>
+                <a:cubicBezTo>
+                  <a:pt x="127203" y="2664286"/>
+                  <a:pt x="277819" y="2007265"/>
+                  <a:pt x="496065" y="1371196"/>
+                </a:cubicBezTo>
+                <a:cubicBezTo>
+                  <a:pt x="636273" y="966066"/>
+                  <a:pt x="800445" y="573253"/>
+                  <a:pt x="995723" y="196614"/>
+                </a:cubicBezTo>
+                <a:close/>
+              </a:path>
+            </a:pathLst>
+          </a:custGeom>
+        </p:spPr>
+      </p:pic>
+    </p:spTree>
+    <p:extLst>
+      <p:ext uri="{BB962C8B-B14F-4D97-AF65-F5344CB8AC3E}">
+        <p14:creationId xmlns:p14="http://schemas.microsoft.com/office/powerpoint/2010/main" val="2832723727"/>
+      </p:ext>
+    </p:extLst>
+  </p:cSld>
+  <p:clrMapOvr>
+    <a:masterClrMapping/>
+  </p:clrMapOvr>
+</p:sld>
+</file>
+
+<file path=ppt/slides/slide11.xml><?xml version="1.0" encoding="utf-8"?>
+<p:sld xmlns:a="http://schemas.openxmlformats.org/drawingml/2006/main" xmlns:r="http://schemas.openxmlformats.org/officeDocument/2006/relationships" xmlns:p="http://schemas.openxmlformats.org/presentationml/2006/main">
+  <p:cSld>
+    <p:bg>
+      <p:bgPr>
+        <a:solidFill>
+          <a:schemeClr val="bg1"/>
+        </a:solidFill>
+        <a:effectLst/>
+      </p:bgPr>
+    </p:bg>
+    <p:spTree>
+      <p:nvGrpSpPr>
+        <p:cNvPr id="1" name=""/>
+        <p:cNvGrpSpPr/>
+        <p:nvPr/>
+      </p:nvGrpSpPr>
+      <p:grpSpPr>
+        <a:xfrm>
+          <a:off x="0" y="0"/>
+          <a:ext cx="0" cy="0"/>
+          <a:chOff x="0" y="0"/>
+          <a:chExt cx="0" cy="0"/>
+        </a:xfrm>
+      </p:grpSpPr>
+      <p:sp useBgFill="1">
+        <p:nvSpPr>
+          <p:cNvPr id="8" name="Rectangle 7">
+            <a:extLst>
+              <a:ext uri="{FF2B5EF4-FFF2-40B4-BE49-F238E27FC236}">
+                <a16:creationId xmlns:a16="http://schemas.microsoft.com/office/drawing/2014/main" id="{DAF1966E-FD40-4A4A-B61B-C4DF7FA05F06}"/>
+              </a:ext>
+              <a:ext uri="{C183D7F6-B498-43B3-948B-1728B52AA6E4}">
+                <adec:decorative xmlns:adec="http://schemas.microsoft.com/office/drawing/2017/decorative" val="1"/>
+              </a:ext>
+            </a:extLst>
+          </p:cNvPr>
+          <p:cNvSpPr>
+            <a:spLocks noGrp="1" noRot="1" noChangeAspect="1" noMove="1" noResize="1" noEditPoints="1" noAdjustHandles="1" noChangeArrowheads="1" noChangeShapeType="1" noTextEdit="1"/>
+          </p:cNvSpPr>
+          <p:nvPr>
+            <p:extLst>
+              <p:ext uri="{386F3935-93C4-4BCD-93E2-E3B085C9AB24}">
+                <p16:designElem xmlns:p16="http://schemas.microsoft.com/office/powerpoint/2015/main" val="1"/>
+              </p:ext>
+            </p:extLst>
+          </p:nvPr>
+        </p:nvSpPr>
+        <p:spPr>
+          <a:xfrm>
+            <a:off x="0" y="0"/>
+            <a:ext cx="12192000" cy="6858000"/>
+          </a:xfrm>
+          <a:prstGeom prst="rect">
+            <a:avLst/>
+          </a:prstGeom>
+          <a:ln>
+            <a:noFill/>
+          </a:ln>
+        </p:spPr>
+        <p:style>
+          <a:lnRef idx="2">
+            <a:schemeClr val="accent1">
+              <a:shade val="50000"/>
+            </a:schemeClr>
+          </a:lnRef>
+          <a:fillRef idx="1">
+            <a:schemeClr val="accent1"/>
+          </a:fillRef>
+          <a:effectRef idx="0">
+            <a:schemeClr val="accent1"/>
+          </a:effectRef>
+          <a:fontRef idx="minor">
+            <a:schemeClr val="lt1"/>
+          </a:fontRef>
+        </p:style>
+        <p:txBody>
+          <a:bodyPr rtlCol="0" anchor="ctr"/>
+          <a:lstStyle/>
+          <a:p>
+            <a:pPr algn="ctr"/>
+            <a:endParaRPr lang="en-US"/>
+          </a:p>
+        </p:txBody>
+      </p:sp>
+      <p:sp useBgFill="1">
+        <p:nvSpPr>
+          <p:cNvPr id="10" name="Rectangle 9">
+            <a:extLst>
+              <a:ext uri="{FF2B5EF4-FFF2-40B4-BE49-F238E27FC236}">
+                <a16:creationId xmlns:a16="http://schemas.microsoft.com/office/drawing/2014/main" id="{047BFA19-D45E-416B-A404-7AF2F3F27017}"/>
+              </a:ext>
+              <a:ext uri="{C183D7F6-B498-43B3-948B-1728B52AA6E4}">
+                <adec:decorative xmlns:adec="http://schemas.microsoft.com/office/drawing/2017/decorative" val="1"/>
+              </a:ext>
+            </a:extLst>
+          </p:cNvPr>
+          <p:cNvSpPr>
+            <a:spLocks noGrp="1" noRot="1" noChangeAspect="1" noMove="1" noResize="1" noEditPoints="1" noAdjustHandles="1" noChangeArrowheads="1" noChangeShapeType="1" noTextEdit="1"/>
+          </p:cNvSpPr>
+          <p:nvPr>
+            <p:extLst>
+              <p:ext uri="{386F3935-93C4-4BCD-93E2-E3B085C9AB24}">
+                <p16:designElem xmlns:p16="http://schemas.microsoft.com/office/powerpoint/2015/main" val="1"/>
+              </p:ext>
+            </p:extLst>
+          </p:nvPr>
+        </p:nvSpPr>
+        <p:spPr>
+          <a:xfrm>
+            <a:off x="558209" y="0"/>
+            <a:ext cx="11167447" cy="2018806"/>
+          </a:xfrm>
+          <a:prstGeom prst="rect">
+            <a:avLst/>
+          </a:prstGeom>
+          <a:ln w="9525">
+            <a:solidFill>
+              <a:srgbClr val="E1E1E1"/>
+            </a:solidFill>
+          </a:ln>
+          <a:effectLst>
+            <a:outerShdw blurRad="50800" dist="38100" dir="2700000" algn="tl" rotWithShape="0">
+              <a:schemeClr val="bg1">
+                <a:lumMod val="85000"/>
+                <a:alpha val="50000"/>
+              </a:schemeClr>
+            </a:outerShdw>
+          </a:effectLst>
+        </p:spPr>
+        <p:style>
+          <a:lnRef idx="2">
+            <a:schemeClr val="accent1">
+              <a:shade val="50000"/>
+            </a:schemeClr>
+          </a:lnRef>
+          <a:fillRef idx="1">
+            <a:schemeClr val="accent1"/>
+          </a:fillRef>
+          <a:effectRef idx="0">
+            <a:schemeClr val="accent1"/>
+          </a:effectRef>
+          <a:fontRef idx="minor">
+            <a:schemeClr val="lt1"/>
+          </a:fontRef>
+        </p:style>
+        <p:txBody>
+          <a:bodyPr rtlCol="0" anchor="ctr"/>
+          <a:lstStyle/>
+          <a:p>
+            <a:pPr marL="0" marR="0" lvl="0" indent="0" algn="ctr" defTabSz="914400" rtl="0" eaLnBrk="1" fontAlgn="auto" latinLnBrk="0" hangingPunct="1">
+              <a:lnSpc>
+                <a:spcPct val="100000"/>
+              </a:lnSpc>
+              <a:spcBef>
+                <a:spcPts val="0"/>
+              </a:spcBef>
+              <a:spcAft>
+                <a:spcPts val="0"/>
+              </a:spcAft>
+              <a:buClrTx/>
+              <a:buSzTx/>
+              <a:buFontTx/>
+              <a:buNone/>
+              <a:tabLst/>
+              <a:defRPr/>
+            </a:pPr>
+            <a:endParaRPr kumimoji="0" lang="en-US" sz="1800" b="0" i="0" u="none" strike="noStrike" kern="1200" cap="none" spc="0" normalizeH="0" baseline="0" noProof="0">
+              <a:ln>
+                <a:noFill/>
+              </a:ln>
+              <a:solidFill>
+                <a:prstClr val="white"/>
+              </a:solidFill>
+              <a:effectLst/>
+              <a:uLnTx/>
+              <a:uFillTx/>
+              <a:latin typeface="Calibri" panose="020F0502020204030204"/>
+              <a:ea typeface="+mn-ea"/>
+              <a:cs typeface="+mn-cs"/>
+            </a:endParaRPr>
+          </a:p>
+        </p:txBody>
+      </p:sp>
+      <p:sp useBgFill="1">
+        <p:nvSpPr>
+          <p:cNvPr id="12" name="Rectangle 11">
+            <a:extLst>
+              <a:ext uri="{FF2B5EF4-FFF2-40B4-BE49-F238E27FC236}">
+                <a16:creationId xmlns:a16="http://schemas.microsoft.com/office/drawing/2014/main" id="{8E0105E7-23DB-4CF2-8258-FF47C7620F6E}"/>
+              </a:ext>
+              <a:ext uri="{C183D7F6-B498-43B3-948B-1728B52AA6E4}">
+                <adec:decorative xmlns:adec="http://schemas.microsoft.com/office/drawing/2017/decorative" val="1"/>
+              </a:ext>
+            </a:extLst>
+          </p:cNvPr>
+          <p:cNvSpPr>
+            <a:spLocks noGrp="1" noRot="1" noChangeAspect="1" noMove="1" noResize="1" noEditPoints="1" noAdjustHandles="1" noChangeArrowheads="1" noChangeShapeType="1" noTextEdit="1"/>
+          </p:cNvSpPr>
+          <p:nvPr>
+            <p:extLst>
+              <p:ext uri="{386F3935-93C4-4BCD-93E2-E3B085C9AB24}">
+                <p16:designElem xmlns:p16="http://schemas.microsoft.com/office/powerpoint/2015/main" val="1"/>
+              </p:ext>
+            </p:extLst>
+          </p:nvPr>
+        </p:nvSpPr>
+        <p:spPr>
+          <a:xfrm>
+            <a:off x="566928" y="0"/>
+            <a:ext cx="11155680" cy="2011680"/>
+          </a:xfrm>
+          <a:prstGeom prst="rect">
+            <a:avLst/>
+          </a:prstGeom>
+          <a:ln w="9525">
+            <a:noFill/>
+          </a:ln>
+          <a:effectLst/>
+        </p:spPr>
+        <p:style>
+          <a:lnRef idx="2">
+            <a:schemeClr val="accent1">
+              <a:shade val="50000"/>
+            </a:schemeClr>
+          </a:lnRef>
+          <a:fillRef idx="1">
+            <a:schemeClr val="accent1"/>
+          </a:fillRef>
+          <a:effectRef idx="0">
+            <a:schemeClr val="accent1"/>
+          </a:effectRef>
+          <a:fontRef idx="minor">
+            <a:schemeClr val="lt1"/>
+          </a:fontRef>
+        </p:style>
+        <p:txBody>
+          <a:bodyPr rtlCol="0" anchor="ctr"/>
+          <a:lstStyle/>
+          <a:p>
+            <a:pPr marL="0" marR="0" lvl="0" indent="0" algn="ctr" defTabSz="914400" rtl="0" eaLnBrk="1" fontAlgn="auto" latinLnBrk="0" hangingPunct="1">
+              <a:lnSpc>
+                <a:spcPct val="100000"/>
+              </a:lnSpc>
+              <a:spcBef>
+                <a:spcPts val="0"/>
+              </a:spcBef>
+              <a:spcAft>
+                <a:spcPts val="0"/>
+              </a:spcAft>
+              <a:buClrTx/>
+              <a:buSzTx/>
+              <a:buFontTx/>
+              <a:buNone/>
+              <a:tabLst/>
+              <a:defRPr/>
+            </a:pPr>
+            <a:endParaRPr kumimoji="0" lang="en-US" sz="1800" b="0" i="0" u="none" strike="noStrike" kern="1200" cap="none" spc="0" normalizeH="0" baseline="0" noProof="0">
+              <a:ln>
+                <a:noFill/>
+              </a:ln>
+              <a:solidFill>
+                <a:prstClr val="white"/>
+              </a:solidFill>
+              <a:effectLst/>
+              <a:uLnTx/>
+              <a:uFillTx/>
+              <a:latin typeface="Calibri" panose="020F0502020204030204"/>
+              <a:ea typeface="+mn-ea"/>
+              <a:cs typeface="+mn-cs"/>
+            </a:endParaRPr>
+          </a:p>
+        </p:txBody>
+      </p:sp>
+      <p:sp>
+        <p:nvSpPr>
+          <p:cNvPr id="2" name="Title 1">
+            <a:extLst>
+              <a:ext uri="{FF2B5EF4-FFF2-40B4-BE49-F238E27FC236}">
+                <a16:creationId xmlns:a16="http://schemas.microsoft.com/office/drawing/2014/main" id="{D9C38E07-FABB-044A-919D-33E773823B77}"/>
+              </a:ext>
+            </a:extLst>
+          </p:cNvPr>
+          <p:cNvSpPr>
+            <a:spLocks noGrp="1"/>
+          </p:cNvSpPr>
+          <p:nvPr>
+            <p:ph type="title"/>
+          </p:nvPr>
+        </p:nvSpPr>
+        <p:spPr>
+          <a:xfrm>
+            <a:off x="1115568" y="548640"/>
+            <a:ext cx="10168128" cy="1179576"/>
+          </a:xfrm>
+        </p:spPr>
+        <p:txBody>
+          <a:bodyPr>
+            <a:normAutofit/>
+          </a:bodyPr>
+          <a:lstStyle/>
+          <a:p>
+            <a:r>
+              <a:rPr lang="en-US" sz="4000" dirty="0"/>
+              <a:t>Level Set Based Inverse Design</a:t>
+            </a:r>
+          </a:p>
+        </p:txBody>
+      </p:sp>
+      <p:sp>
+        <p:nvSpPr>
+          <p:cNvPr id="14" name="Rectangle 13">
+            <a:extLst>
+              <a:ext uri="{FF2B5EF4-FFF2-40B4-BE49-F238E27FC236}">
+                <a16:creationId xmlns:a16="http://schemas.microsoft.com/office/drawing/2014/main" id="{074B4F7D-14B2-478B-8BF5-01E4E0C5D263}"/>
+              </a:ext>
+              <a:ext uri="{C183D7F6-B498-43B3-948B-1728B52AA6E4}">
+                <adec:decorative xmlns:adec="http://schemas.microsoft.com/office/drawing/2017/decorative" val="1"/>
+              </a:ext>
+            </a:extLst>
+          </p:cNvPr>
+          <p:cNvSpPr>
+            <a:spLocks noGrp="1" noRot="1" noChangeAspect="1" noMove="1" noResize="1" noEditPoints="1" noAdjustHandles="1" noChangeArrowheads="1" noChangeShapeType="1" noTextEdit="1"/>
+          </p:cNvSpPr>
+          <p:nvPr>
+            <p:extLst>
+              <p:ext uri="{386F3935-93C4-4BCD-93E2-E3B085C9AB24}">
+                <p16:designElem xmlns:p16="http://schemas.microsoft.com/office/powerpoint/2015/main" val="1"/>
+              </p:ext>
+            </p:extLst>
+          </p:nvPr>
+        </p:nvSpPr>
+        <p:spPr>
+          <a:xfrm>
+            <a:off x="498834" y="758952"/>
+            <a:ext cx="128016" cy="704088"/>
+          </a:xfrm>
+          <a:prstGeom prst="rect">
+            <a:avLst/>
+          </a:prstGeom>
+          <a:solidFill>
+            <a:schemeClr val="accent2"/>
+          </a:solidFill>
+          <a:ln>
+            <a:noFill/>
+          </a:ln>
+        </p:spPr>
+        <p:style>
+          <a:lnRef idx="2">
+            <a:schemeClr val="accent1">
+              <a:shade val="50000"/>
+            </a:schemeClr>
+          </a:lnRef>
+          <a:fillRef idx="1">
+            <a:schemeClr val="accent1"/>
+          </a:fillRef>
+          <a:effectRef idx="0">
+            <a:schemeClr val="accent1"/>
+          </a:effectRef>
+          <a:fontRef idx="minor">
+            <a:schemeClr val="lt1"/>
+          </a:fontRef>
+        </p:style>
+        <p:txBody>
+          <a:bodyPr rtlCol="0" anchor="ctr"/>
+          <a:lstStyle/>
+          <a:p>
+            <a:pPr algn="ctr"/>
+            <a:endParaRPr lang="en-US">
+              <a:solidFill>
+                <a:prstClr val="white"/>
+              </a:solidFill>
+              <a:latin typeface="Calibri" panose="020F0502020204030204"/>
+            </a:endParaRPr>
+          </a:p>
+        </p:txBody>
+      </p:sp>
+      <p:sp>
+        <p:nvSpPr>
+          <p:cNvPr id="3" name="TextBox 2">
+            <a:extLst>
+              <a:ext uri="{FF2B5EF4-FFF2-40B4-BE49-F238E27FC236}">
+                <a16:creationId xmlns:a16="http://schemas.microsoft.com/office/drawing/2014/main" id="{D9F6EA60-238F-AC42-9369-C493CFDA73CD}"/>
+              </a:ext>
+            </a:extLst>
+          </p:cNvPr>
+          <p:cNvSpPr txBox="1"/>
+          <p:nvPr/>
+        </p:nvSpPr>
+        <p:spPr>
+          <a:xfrm>
+            <a:off x="4078039" y="6307565"/>
+            <a:ext cx="2732608" cy="369332"/>
+          </a:xfrm>
+          <a:prstGeom prst="rect">
+            <a:avLst/>
+          </a:prstGeom>
+          <a:noFill/>
+        </p:spPr>
+        <p:txBody>
+          <a:bodyPr wrap="none" rtlCol="0">
+            <a:spAutoFit/>
+          </a:bodyPr>
+          <a:lstStyle/>
+          <a:p>
+            <a:r>
+              <a:rPr lang="en-US" dirty="0">
+                <a:hlinkClick r:id="rId2"/>
+              </a:rPr>
+              <a:t>Implicit vs Explicit Level Set</a:t>
+            </a:r>
+            <a:endParaRPr lang="en-US" dirty="0"/>
+          </a:p>
+        </p:txBody>
+      </p:sp>
+      <p:pic>
+        <p:nvPicPr>
+          <p:cNvPr id="5" name="Picture 4" descr="Diagram&#10;&#10;Description automatically generated">
+            <a:extLst>
+              <a:ext uri="{FF2B5EF4-FFF2-40B4-BE49-F238E27FC236}">
+                <a16:creationId xmlns:a16="http://schemas.microsoft.com/office/drawing/2014/main" id="{53E408BC-6B77-0944-A6EA-78D5DE186234}"/>
+              </a:ext>
+            </a:extLst>
+          </p:cNvPr>
+          <p:cNvPicPr>
+            <a:picLocks noChangeAspect="1"/>
+          </p:cNvPicPr>
+          <p:nvPr/>
+        </p:nvPicPr>
+        <p:blipFill>
+          <a:blip r:embed="rId3"/>
+          <a:stretch>
+            <a:fillRect/>
+          </a:stretch>
+        </p:blipFill>
+        <p:spPr>
+          <a:xfrm>
+            <a:off x="1619326" y="2213601"/>
+            <a:ext cx="7650034" cy="4093964"/>
+          </a:xfrm>
+          <a:prstGeom prst="rect">
+            <a:avLst/>
+          </a:prstGeom>
+        </p:spPr>
+      </p:pic>
+    </p:spTree>
+    <p:extLst>
+      <p:ext uri="{BB962C8B-B14F-4D97-AF65-F5344CB8AC3E}">
+        <p14:creationId xmlns:p14="http://schemas.microsoft.com/office/powerpoint/2010/main" val="1737778893"/>
+      </p:ext>
+    </p:extLst>
+  </p:cSld>
+  <p:clrMapOvr>
+    <a:masterClrMapping/>
+  </p:clrMapOvr>
+</p:sld>
+</file>
+
+<file path=ppt/slides/slide12.xml><?xml version="1.0" encoding="utf-8"?>
+<p:sld xmlns:a="http://schemas.openxmlformats.org/drawingml/2006/main" xmlns:r="http://schemas.openxmlformats.org/officeDocument/2006/relationships" xmlns:p="http://schemas.openxmlformats.org/presentationml/2006/main">
+  <p:cSld>
+    <p:bg>
+      <p:bgPr>
+        <a:solidFill>
+          <a:schemeClr val="bg1"/>
+        </a:solidFill>
+        <a:effectLst/>
+      </p:bgPr>
+    </p:bg>
+    <p:spTree>
+      <p:nvGrpSpPr>
+        <p:cNvPr id="1" name=""/>
+        <p:cNvGrpSpPr/>
+        <p:nvPr/>
+      </p:nvGrpSpPr>
+      <p:grpSpPr>
+        <a:xfrm>
+          <a:off x="0" y="0"/>
+          <a:ext cx="0" cy="0"/>
+          <a:chOff x="0" y="0"/>
+          <a:chExt cx="0" cy="0"/>
+        </a:xfrm>
+      </p:grpSpPr>
+      <p:sp useBgFill="1">
+        <p:nvSpPr>
+          <p:cNvPr id="8" name="Rectangle 7">
+            <a:extLst>
+              <a:ext uri="{FF2B5EF4-FFF2-40B4-BE49-F238E27FC236}">
+                <a16:creationId xmlns:a16="http://schemas.microsoft.com/office/drawing/2014/main" id="{DAF1966E-FD40-4A4A-B61B-C4DF7FA05F06}"/>
+              </a:ext>
+              <a:ext uri="{C183D7F6-B498-43B3-948B-1728B52AA6E4}">
+                <adec:decorative xmlns:adec="http://schemas.microsoft.com/office/drawing/2017/decorative" val="1"/>
+              </a:ext>
+            </a:extLst>
+          </p:cNvPr>
+          <p:cNvSpPr>
+            <a:spLocks noGrp="1" noRot="1" noChangeAspect="1" noMove="1" noResize="1" noEditPoints="1" noAdjustHandles="1" noChangeArrowheads="1" noChangeShapeType="1" noTextEdit="1"/>
+          </p:cNvSpPr>
+          <p:nvPr>
+            <p:extLst>
+              <p:ext uri="{386F3935-93C4-4BCD-93E2-E3B085C9AB24}">
+                <p16:designElem xmlns:p16="http://schemas.microsoft.com/office/powerpoint/2015/main" val="1"/>
+              </p:ext>
+            </p:extLst>
+          </p:nvPr>
+        </p:nvSpPr>
+        <p:spPr>
+          <a:xfrm>
+            <a:off x="0" y="0"/>
+            <a:ext cx="12192000" cy="6858000"/>
+          </a:xfrm>
+          <a:prstGeom prst="rect">
+            <a:avLst/>
+          </a:prstGeom>
+          <a:ln>
+            <a:noFill/>
+          </a:ln>
+        </p:spPr>
+        <p:style>
+          <a:lnRef idx="2">
+            <a:schemeClr val="accent1">
+              <a:shade val="50000"/>
+            </a:schemeClr>
+          </a:lnRef>
+          <a:fillRef idx="1">
+            <a:schemeClr val="accent1"/>
+          </a:fillRef>
+          <a:effectRef idx="0">
+            <a:schemeClr val="accent1"/>
+          </a:effectRef>
+          <a:fontRef idx="minor">
+            <a:schemeClr val="lt1"/>
+          </a:fontRef>
+        </p:style>
+        <p:txBody>
+          <a:bodyPr rtlCol="0" anchor="ctr"/>
+          <a:lstStyle/>
+          <a:p>
+            <a:pPr algn="ctr"/>
+            <a:endParaRPr lang="en-US"/>
+          </a:p>
+        </p:txBody>
+      </p:sp>
+      <p:sp useBgFill="1">
+        <p:nvSpPr>
+          <p:cNvPr id="10" name="Rectangle 9">
+            <a:extLst>
+              <a:ext uri="{FF2B5EF4-FFF2-40B4-BE49-F238E27FC236}">
+                <a16:creationId xmlns:a16="http://schemas.microsoft.com/office/drawing/2014/main" id="{047BFA19-D45E-416B-A404-7AF2F3F27017}"/>
+              </a:ext>
+              <a:ext uri="{C183D7F6-B498-43B3-948B-1728B52AA6E4}">
+                <adec:decorative xmlns:adec="http://schemas.microsoft.com/office/drawing/2017/decorative" val="1"/>
+              </a:ext>
+            </a:extLst>
+          </p:cNvPr>
+          <p:cNvSpPr>
+            <a:spLocks noGrp="1" noRot="1" noChangeAspect="1" noMove="1" noResize="1" noEditPoints="1" noAdjustHandles="1" noChangeArrowheads="1" noChangeShapeType="1" noTextEdit="1"/>
+          </p:cNvSpPr>
+          <p:nvPr>
+            <p:extLst>
+              <p:ext uri="{386F3935-93C4-4BCD-93E2-E3B085C9AB24}">
+                <p16:designElem xmlns:p16="http://schemas.microsoft.com/office/powerpoint/2015/main" val="1"/>
+              </p:ext>
+            </p:extLst>
+          </p:nvPr>
+        </p:nvSpPr>
+        <p:spPr>
+          <a:xfrm>
+            <a:off x="558209" y="0"/>
+            <a:ext cx="11167447" cy="2018806"/>
+          </a:xfrm>
+          <a:prstGeom prst="rect">
+            <a:avLst/>
+          </a:prstGeom>
+          <a:ln w="9525">
+            <a:solidFill>
+              <a:srgbClr val="E1E1E1"/>
+            </a:solidFill>
+          </a:ln>
+          <a:effectLst>
+            <a:outerShdw blurRad="50800" dist="38100" dir="2700000" algn="tl" rotWithShape="0">
+              <a:schemeClr val="bg1">
+                <a:lumMod val="85000"/>
+                <a:alpha val="50000"/>
+              </a:schemeClr>
+            </a:outerShdw>
+          </a:effectLst>
+        </p:spPr>
+        <p:style>
+          <a:lnRef idx="2">
+            <a:schemeClr val="accent1">
+              <a:shade val="50000"/>
+            </a:schemeClr>
+          </a:lnRef>
+          <a:fillRef idx="1">
+            <a:schemeClr val="accent1"/>
+          </a:fillRef>
+          <a:effectRef idx="0">
+            <a:schemeClr val="accent1"/>
+          </a:effectRef>
+          <a:fontRef idx="minor">
+            <a:schemeClr val="lt1"/>
+          </a:fontRef>
+        </p:style>
+        <p:txBody>
+          <a:bodyPr rtlCol="0" anchor="ctr"/>
+          <a:lstStyle/>
+          <a:p>
+            <a:pPr marL="0" marR="0" lvl="0" indent="0" algn="ctr" defTabSz="914400" rtl="0" eaLnBrk="1" fontAlgn="auto" latinLnBrk="0" hangingPunct="1">
+              <a:lnSpc>
+                <a:spcPct val="100000"/>
+              </a:lnSpc>
+              <a:spcBef>
+                <a:spcPts val="0"/>
+              </a:spcBef>
+              <a:spcAft>
+                <a:spcPts val="0"/>
+              </a:spcAft>
+              <a:buClrTx/>
+              <a:buSzTx/>
+              <a:buFontTx/>
+              <a:buNone/>
+              <a:tabLst/>
+              <a:defRPr/>
+            </a:pPr>
+            <a:endParaRPr kumimoji="0" lang="en-US" sz="1800" b="0" i="0" u="none" strike="noStrike" kern="1200" cap="none" spc="0" normalizeH="0" baseline="0" noProof="0">
+              <a:ln>
+                <a:noFill/>
+              </a:ln>
+              <a:solidFill>
+                <a:prstClr val="white"/>
+              </a:solidFill>
+              <a:effectLst/>
+              <a:uLnTx/>
+              <a:uFillTx/>
+              <a:latin typeface="Calibri" panose="020F0502020204030204"/>
+              <a:ea typeface="+mn-ea"/>
+              <a:cs typeface="+mn-cs"/>
+            </a:endParaRPr>
+          </a:p>
+        </p:txBody>
+      </p:sp>
+      <p:sp useBgFill="1">
+        <p:nvSpPr>
+          <p:cNvPr id="12" name="Rectangle 11">
+            <a:extLst>
+              <a:ext uri="{FF2B5EF4-FFF2-40B4-BE49-F238E27FC236}">
+                <a16:creationId xmlns:a16="http://schemas.microsoft.com/office/drawing/2014/main" id="{8E0105E7-23DB-4CF2-8258-FF47C7620F6E}"/>
+              </a:ext>
+              <a:ext uri="{C183D7F6-B498-43B3-948B-1728B52AA6E4}">
+                <adec:decorative xmlns:adec="http://schemas.microsoft.com/office/drawing/2017/decorative" val="1"/>
+              </a:ext>
+            </a:extLst>
+          </p:cNvPr>
+          <p:cNvSpPr>
+            <a:spLocks noGrp="1" noRot="1" noChangeAspect="1" noMove="1" noResize="1" noEditPoints="1" noAdjustHandles="1" noChangeArrowheads="1" noChangeShapeType="1" noTextEdit="1"/>
+          </p:cNvSpPr>
+          <p:nvPr>
+            <p:extLst>
+              <p:ext uri="{386F3935-93C4-4BCD-93E2-E3B085C9AB24}">
+                <p16:designElem xmlns:p16="http://schemas.microsoft.com/office/powerpoint/2015/main" val="1"/>
+              </p:ext>
+            </p:extLst>
+          </p:nvPr>
+        </p:nvSpPr>
+        <p:spPr>
+          <a:xfrm>
+            <a:off x="566928" y="0"/>
+            <a:ext cx="11155680" cy="2011680"/>
+          </a:xfrm>
+          <a:prstGeom prst="rect">
+            <a:avLst/>
+          </a:prstGeom>
+          <a:ln w="9525">
+            <a:noFill/>
+          </a:ln>
+          <a:effectLst/>
+        </p:spPr>
+        <p:style>
+          <a:lnRef idx="2">
+            <a:schemeClr val="accent1">
+              <a:shade val="50000"/>
+            </a:schemeClr>
+          </a:lnRef>
+          <a:fillRef idx="1">
+            <a:schemeClr val="accent1"/>
+          </a:fillRef>
+          <a:effectRef idx="0">
+            <a:schemeClr val="accent1"/>
+          </a:effectRef>
+          <a:fontRef idx="minor">
+            <a:schemeClr val="lt1"/>
+          </a:fontRef>
+        </p:style>
+        <p:txBody>
+          <a:bodyPr rtlCol="0" anchor="ctr"/>
+          <a:lstStyle/>
+          <a:p>
+            <a:pPr marL="0" marR="0" lvl="0" indent="0" algn="ctr" defTabSz="914400" rtl="0" eaLnBrk="1" fontAlgn="auto" latinLnBrk="0" hangingPunct="1">
+              <a:lnSpc>
+                <a:spcPct val="100000"/>
+              </a:lnSpc>
+              <a:spcBef>
+                <a:spcPts val="0"/>
+              </a:spcBef>
+              <a:spcAft>
+                <a:spcPts val="0"/>
+              </a:spcAft>
+              <a:buClrTx/>
+              <a:buSzTx/>
+              <a:buFontTx/>
+              <a:buNone/>
+              <a:tabLst/>
+              <a:defRPr/>
+            </a:pPr>
+            <a:endParaRPr kumimoji="0" lang="en-US" sz="1800" b="0" i="0" u="none" strike="noStrike" kern="1200" cap="none" spc="0" normalizeH="0" baseline="0" noProof="0">
+              <a:ln>
+                <a:noFill/>
+              </a:ln>
+              <a:solidFill>
+                <a:prstClr val="white"/>
+              </a:solidFill>
+              <a:effectLst/>
+              <a:uLnTx/>
+              <a:uFillTx/>
+              <a:latin typeface="Calibri" panose="020F0502020204030204"/>
+              <a:ea typeface="+mn-ea"/>
+              <a:cs typeface="+mn-cs"/>
+            </a:endParaRPr>
+          </a:p>
+        </p:txBody>
+      </p:sp>
+      <p:sp>
+        <p:nvSpPr>
+          <p:cNvPr id="2" name="Title 1">
+            <a:extLst>
+              <a:ext uri="{FF2B5EF4-FFF2-40B4-BE49-F238E27FC236}">
+                <a16:creationId xmlns:a16="http://schemas.microsoft.com/office/drawing/2014/main" id="{D9C38E07-FABB-044A-919D-33E773823B77}"/>
+              </a:ext>
+            </a:extLst>
+          </p:cNvPr>
+          <p:cNvSpPr>
+            <a:spLocks noGrp="1"/>
+          </p:cNvSpPr>
+          <p:nvPr>
+            <p:ph type="title"/>
+          </p:nvPr>
+        </p:nvSpPr>
+        <p:spPr>
+          <a:xfrm>
+            <a:off x="1115568" y="548640"/>
+            <a:ext cx="10168128" cy="1179576"/>
+          </a:xfrm>
+        </p:spPr>
+        <p:txBody>
+          <a:bodyPr>
+            <a:normAutofit/>
+          </a:bodyPr>
+          <a:lstStyle/>
+          <a:p>
+            <a:r>
+              <a:rPr lang="en-US" sz="4000" dirty="0"/>
+              <a:t>Adjoint Formulation</a:t>
+            </a:r>
+          </a:p>
+        </p:txBody>
+      </p:sp>
+      <p:sp>
+        <p:nvSpPr>
+          <p:cNvPr id="14" name="Rectangle 13">
+            <a:extLst>
+              <a:ext uri="{FF2B5EF4-FFF2-40B4-BE49-F238E27FC236}">
+                <a16:creationId xmlns:a16="http://schemas.microsoft.com/office/drawing/2014/main" id="{074B4F7D-14B2-478B-8BF5-01E4E0C5D263}"/>
+              </a:ext>
+              <a:ext uri="{C183D7F6-B498-43B3-948B-1728B52AA6E4}">
+                <adec:decorative xmlns:adec="http://schemas.microsoft.com/office/drawing/2017/decorative" val="1"/>
+              </a:ext>
+            </a:extLst>
+          </p:cNvPr>
+          <p:cNvSpPr>
+            <a:spLocks noGrp="1" noRot="1" noChangeAspect="1" noMove="1" noResize="1" noEditPoints="1" noAdjustHandles="1" noChangeArrowheads="1" noChangeShapeType="1" noTextEdit="1"/>
+          </p:cNvSpPr>
+          <p:nvPr>
+            <p:extLst>
+              <p:ext uri="{386F3935-93C4-4BCD-93E2-E3B085C9AB24}">
+                <p16:designElem xmlns:p16="http://schemas.microsoft.com/office/powerpoint/2015/main" val="1"/>
+              </p:ext>
+            </p:extLst>
+          </p:nvPr>
+        </p:nvSpPr>
+        <p:spPr>
+          <a:xfrm>
+            <a:off x="498834" y="758952"/>
+            <a:ext cx="128016" cy="704088"/>
+          </a:xfrm>
+          <a:prstGeom prst="rect">
+            <a:avLst/>
+          </a:prstGeom>
+          <a:solidFill>
+            <a:schemeClr val="accent2"/>
+          </a:solidFill>
+          <a:ln>
+            <a:noFill/>
+          </a:ln>
+        </p:spPr>
+        <p:style>
+          <a:lnRef idx="2">
+            <a:schemeClr val="accent1">
+              <a:shade val="50000"/>
+            </a:schemeClr>
+          </a:lnRef>
+          <a:fillRef idx="1">
+            <a:schemeClr val="accent1"/>
+          </a:fillRef>
+          <a:effectRef idx="0">
+            <a:schemeClr val="accent1"/>
+          </a:effectRef>
+          <a:fontRef idx="minor">
+            <a:schemeClr val="lt1"/>
+          </a:fontRef>
+        </p:style>
+        <p:txBody>
+          <a:bodyPr rtlCol="0" anchor="ctr"/>
+          <a:lstStyle/>
+          <a:p>
+            <a:pPr algn="ctr"/>
+            <a:endParaRPr lang="en-US">
+              <a:solidFill>
+                <a:prstClr val="white"/>
+              </a:solidFill>
+              <a:latin typeface="Calibri" panose="020F0502020204030204"/>
+            </a:endParaRPr>
+          </a:p>
+        </p:txBody>
+      </p:sp>
+      <p:pic>
+        <p:nvPicPr>
+          <p:cNvPr id="4" name="Picture 3" descr="Icon&#10;&#10;Description automatically generated with medium confidence">
+            <a:extLst>
+              <a:ext uri="{FF2B5EF4-FFF2-40B4-BE49-F238E27FC236}">
+                <a16:creationId xmlns:a16="http://schemas.microsoft.com/office/drawing/2014/main" id="{BC93F2EB-013B-AD44-8354-42DD0DB7A373}"/>
+              </a:ext>
+            </a:extLst>
+          </p:cNvPr>
+          <p:cNvPicPr>
+            <a:picLocks noChangeAspect="1"/>
+          </p:cNvPicPr>
+          <p:nvPr/>
+        </p:nvPicPr>
+        <p:blipFill>
+          <a:blip r:embed="rId2"/>
+          <a:stretch>
+            <a:fillRect/>
+          </a:stretch>
+        </p:blipFill>
+        <p:spPr>
+          <a:xfrm>
+            <a:off x="1115568" y="2604753"/>
+            <a:ext cx="7023100" cy="889000"/>
+          </a:xfrm>
+          <a:prstGeom prst="rect">
+            <a:avLst/>
+          </a:prstGeom>
+        </p:spPr>
+      </p:pic>
+      <p:pic>
+        <p:nvPicPr>
+          <p:cNvPr id="6" name="Picture 5" descr="Text&#10;&#10;Description automatically generated">
+            <a:extLst>
+              <a:ext uri="{FF2B5EF4-FFF2-40B4-BE49-F238E27FC236}">
+                <a16:creationId xmlns:a16="http://schemas.microsoft.com/office/drawing/2014/main" id="{303C2101-9235-BC40-9756-27E366289A86}"/>
+              </a:ext>
+            </a:extLst>
+          </p:cNvPr>
+          <p:cNvPicPr>
+            <a:picLocks noChangeAspect="1"/>
+          </p:cNvPicPr>
+          <p:nvPr/>
+        </p:nvPicPr>
+        <p:blipFill>
+          <a:blip r:embed="rId3"/>
+          <a:stretch>
+            <a:fillRect/>
+          </a:stretch>
+        </p:blipFill>
+        <p:spPr>
+          <a:xfrm>
+            <a:off x="1115568" y="3954246"/>
+            <a:ext cx="6828258" cy="1246157"/>
+          </a:xfrm>
+          <a:prstGeom prst="rect">
+            <a:avLst/>
+          </a:prstGeom>
+        </p:spPr>
+      </p:pic>
+      <p:sp>
+        <p:nvSpPr>
+          <p:cNvPr id="7" name="TextBox 6">
+            <a:extLst>
+              <a:ext uri="{FF2B5EF4-FFF2-40B4-BE49-F238E27FC236}">
+                <a16:creationId xmlns:a16="http://schemas.microsoft.com/office/drawing/2014/main" id="{F5BBF0A5-568A-E74F-9F0D-ABEFE240D4A9}"/>
+              </a:ext>
+            </a:extLst>
+          </p:cNvPr>
+          <p:cNvSpPr txBox="1"/>
+          <p:nvPr/>
+        </p:nvSpPr>
+        <p:spPr>
+          <a:xfrm>
+            <a:off x="3692702" y="5557561"/>
+            <a:ext cx="3543855" cy="646331"/>
+          </a:xfrm>
+          <a:prstGeom prst="rect">
+            <a:avLst/>
+          </a:prstGeom>
+          <a:noFill/>
+        </p:spPr>
+        <p:txBody>
+          <a:bodyPr wrap="none" rtlCol="0">
+            <a:spAutoFit/>
+          </a:bodyPr>
+          <a:lstStyle/>
+          <a:p>
+            <a:pPr algn="ctr"/>
+            <a:r>
+              <a:rPr lang="en-US" dirty="0">
+                <a:hlinkClick r:id="rId4"/>
+              </a:rPr>
+              <a:t>Adjoint Defined for MEEP</a:t>
+            </a:r>
+            <a:endParaRPr lang="en-US" dirty="0"/>
+          </a:p>
+          <a:p>
+            <a:pPr algn="ctr"/>
+            <a:r>
+              <a:rPr lang="en-US" dirty="0">
+                <a:hlinkClick r:id="rId5"/>
+              </a:rPr>
+              <a:t>Stephen Johnson MIT Adjoint Notes</a:t>
+            </a:r>
+            <a:endParaRPr lang="en-US" dirty="0"/>
+          </a:p>
+        </p:txBody>
+      </p:sp>
+      <p:sp>
+        <p:nvSpPr>
+          <p:cNvPr id="9" name="TextBox 8">
+            <a:extLst>
+              <a:ext uri="{FF2B5EF4-FFF2-40B4-BE49-F238E27FC236}">
+                <a16:creationId xmlns:a16="http://schemas.microsoft.com/office/drawing/2014/main" id="{0DCD610B-EFD8-9548-8AF0-36FEBCE1FE41}"/>
+              </a:ext>
+            </a:extLst>
+          </p:cNvPr>
+          <p:cNvSpPr txBox="1"/>
+          <p:nvPr/>
+        </p:nvSpPr>
+        <p:spPr>
+          <a:xfrm>
+            <a:off x="8382000" y="2787643"/>
+            <a:ext cx="3014864" cy="523220"/>
+          </a:xfrm>
+          <a:prstGeom prst="rect">
+            <a:avLst/>
+          </a:prstGeom>
+          <a:noFill/>
+        </p:spPr>
+        <p:txBody>
+          <a:bodyPr wrap="none" rtlCol="0">
+            <a:spAutoFit/>
+          </a:bodyPr>
+          <a:lstStyle/>
+          <a:p>
+            <a:r>
+              <a:rPr lang="en-US" sz="2800" dirty="0"/>
+              <a:t>Lagrange Multiplier</a:t>
+            </a:r>
+          </a:p>
+        </p:txBody>
+      </p:sp>
+      <p:sp>
+        <p:nvSpPr>
+          <p:cNvPr id="11" name="TextBox 10">
+            <a:extLst>
+              <a:ext uri="{FF2B5EF4-FFF2-40B4-BE49-F238E27FC236}">
+                <a16:creationId xmlns:a16="http://schemas.microsoft.com/office/drawing/2014/main" id="{69C007BF-E473-E240-90A4-288990F68BF7}"/>
+              </a:ext>
+            </a:extLst>
+          </p:cNvPr>
+          <p:cNvSpPr txBox="1"/>
+          <p:nvPr/>
+        </p:nvSpPr>
+        <p:spPr>
+          <a:xfrm>
+            <a:off x="8265882" y="4299601"/>
+            <a:ext cx="3017814" cy="523220"/>
+          </a:xfrm>
+          <a:prstGeom prst="rect">
+            <a:avLst/>
+          </a:prstGeom>
+          <a:noFill/>
+        </p:spPr>
+        <p:txBody>
+          <a:bodyPr wrap="none" rtlCol="0">
+            <a:spAutoFit/>
+          </a:bodyPr>
+          <a:lstStyle/>
+          <a:p>
+            <a:r>
+              <a:rPr lang="en-US" sz="2800" dirty="0"/>
+              <a:t>FDTD/FDFD Adjoint</a:t>
+            </a:r>
+          </a:p>
+        </p:txBody>
+      </p:sp>
+    </p:spTree>
+    <p:extLst>
+      <p:ext uri="{BB962C8B-B14F-4D97-AF65-F5344CB8AC3E}">
+        <p14:creationId xmlns:p14="http://schemas.microsoft.com/office/powerpoint/2010/main" val="3532013221"/>
+      </p:ext>
+    </p:extLst>
+  </p:cSld>
+  <p:clrMapOvr>
+    <a:masterClrMapping/>
+  </p:clrMapOvr>
+</p:sld>
+</file>
+
+<file path=ppt/slides/slide13.xml><?xml version="1.0" encoding="utf-8"?>
+<p:sld xmlns:a="http://schemas.openxmlformats.org/drawingml/2006/main" xmlns:r="http://schemas.openxmlformats.org/officeDocument/2006/relationships" xmlns:p="http://schemas.openxmlformats.org/presentationml/2006/main">
+  <p:cSld>
+    <p:bg>
+      <p:bgPr>
+        <a:solidFill>
+          <a:schemeClr val="bg1"/>
+        </a:solidFill>
+        <a:effectLst/>
+      </p:bgPr>
+    </p:bg>
+    <p:spTree>
+      <p:nvGrpSpPr>
+        <p:cNvPr id="1" name=""/>
+        <p:cNvGrpSpPr/>
+        <p:nvPr/>
+      </p:nvGrpSpPr>
+      <p:grpSpPr>
+        <a:xfrm>
+          <a:off x="0" y="0"/>
+          <a:ext cx="0" cy="0"/>
+          <a:chOff x="0" y="0"/>
+          <a:chExt cx="0" cy="0"/>
+        </a:xfrm>
+      </p:grpSpPr>
+      <p:sp useBgFill="1">
+        <p:nvSpPr>
+          <p:cNvPr id="8" name="Rectangle 7">
+            <a:extLst>
+              <a:ext uri="{FF2B5EF4-FFF2-40B4-BE49-F238E27FC236}">
+                <a16:creationId xmlns:a16="http://schemas.microsoft.com/office/drawing/2014/main" id="{DAF1966E-FD40-4A4A-B61B-C4DF7FA05F06}"/>
+              </a:ext>
+              <a:ext uri="{C183D7F6-B498-43B3-948B-1728B52AA6E4}">
+                <adec:decorative xmlns:adec="http://schemas.microsoft.com/office/drawing/2017/decorative" val="1"/>
+              </a:ext>
+            </a:extLst>
+          </p:cNvPr>
+          <p:cNvSpPr>
+            <a:spLocks noGrp="1" noRot="1" noChangeAspect="1" noMove="1" noResize="1" noEditPoints="1" noAdjustHandles="1" noChangeArrowheads="1" noChangeShapeType="1" noTextEdit="1"/>
+          </p:cNvSpPr>
+          <p:nvPr>
+            <p:extLst>
+              <p:ext uri="{386F3935-93C4-4BCD-93E2-E3B085C9AB24}">
+                <p16:designElem xmlns:p16="http://schemas.microsoft.com/office/powerpoint/2015/main" val="1"/>
+              </p:ext>
+            </p:extLst>
+          </p:nvPr>
+        </p:nvSpPr>
+        <p:spPr>
+          <a:xfrm>
+            <a:off x="0" y="0"/>
+            <a:ext cx="12192000" cy="6858000"/>
+          </a:xfrm>
+          <a:prstGeom prst="rect">
+            <a:avLst/>
+          </a:prstGeom>
+          <a:ln>
+            <a:noFill/>
+          </a:ln>
+        </p:spPr>
+        <p:style>
+          <a:lnRef idx="2">
+            <a:schemeClr val="accent1">
+              <a:shade val="50000"/>
+            </a:schemeClr>
+          </a:lnRef>
+          <a:fillRef idx="1">
+            <a:schemeClr val="accent1"/>
+          </a:fillRef>
+          <a:effectRef idx="0">
+            <a:schemeClr val="accent1"/>
+          </a:effectRef>
+          <a:fontRef idx="minor">
+            <a:schemeClr val="lt1"/>
+          </a:fontRef>
+        </p:style>
+        <p:txBody>
+          <a:bodyPr rtlCol="0" anchor="ctr"/>
+          <a:lstStyle/>
+          <a:p>
+            <a:pPr algn="ctr"/>
+            <a:endParaRPr lang="en-US"/>
+          </a:p>
+        </p:txBody>
+      </p:sp>
+      <p:sp useBgFill="1">
+        <p:nvSpPr>
+          <p:cNvPr id="10" name="Rectangle 9">
+            <a:extLst>
+              <a:ext uri="{FF2B5EF4-FFF2-40B4-BE49-F238E27FC236}">
+                <a16:creationId xmlns:a16="http://schemas.microsoft.com/office/drawing/2014/main" id="{047BFA19-D45E-416B-A404-7AF2F3F27017}"/>
+              </a:ext>
+              <a:ext uri="{C183D7F6-B498-43B3-948B-1728B52AA6E4}">
+                <adec:decorative xmlns:adec="http://schemas.microsoft.com/office/drawing/2017/decorative" val="1"/>
+              </a:ext>
+            </a:extLst>
+          </p:cNvPr>
+          <p:cNvSpPr>
+            <a:spLocks noGrp="1" noRot="1" noChangeAspect="1" noMove="1" noResize="1" noEditPoints="1" noAdjustHandles="1" noChangeArrowheads="1" noChangeShapeType="1" noTextEdit="1"/>
+          </p:cNvSpPr>
+          <p:nvPr>
+            <p:extLst>
+              <p:ext uri="{386F3935-93C4-4BCD-93E2-E3B085C9AB24}">
+                <p16:designElem xmlns:p16="http://schemas.microsoft.com/office/powerpoint/2015/main" val="1"/>
+              </p:ext>
+            </p:extLst>
+          </p:nvPr>
+        </p:nvSpPr>
+        <p:spPr>
+          <a:xfrm>
+            <a:off x="558209" y="0"/>
+            <a:ext cx="11167447" cy="2018806"/>
+          </a:xfrm>
+          <a:prstGeom prst="rect">
+            <a:avLst/>
+          </a:prstGeom>
+          <a:ln w="9525">
+            <a:solidFill>
+              <a:srgbClr val="E1E1E1"/>
+            </a:solidFill>
+          </a:ln>
+          <a:effectLst>
+            <a:outerShdw blurRad="50800" dist="38100" dir="2700000" algn="tl" rotWithShape="0">
+              <a:schemeClr val="bg1">
+                <a:lumMod val="85000"/>
+                <a:alpha val="50000"/>
+              </a:schemeClr>
+            </a:outerShdw>
+          </a:effectLst>
+        </p:spPr>
+        <p:style>
+          <a:lnRef idx="2">
+            <a:schemeClr val="accent1">
+              <a:shade val="50000"/>
+            </a:schemeClr>
+          </a:lnRef>
+          <a:fillRef idx="1">
+            <a:schemeClr val="accent1"/>
+          </a:fillRef>
+          <a:effectRef idx="0">
+            <a:schemeClr val="accent1"/>
+          </a:effectRef>
+          <a:fontRef idx="minor">
+            <a:schemeClr val="lt1"/>
+          </a:fontRef>
+        </p:style>
+        <p:txBody>
+          <a:bodyPr rtlCol="0" anchor="ctr"/>
+          <a:lstStyle/>
+          <a:p>
+            <a:pPr marL="0" marR="0" lvl="0" indent="0" algn="ctr" defTabSz="914400" rtl="0" eaLnBrk="1" fontAlgn="auto" latinLnBrk="0" hangingPunct="1">
+              <a:lnSpc>
+                <a:spcPct val="100000"/>
+              </a:lnSpc>
+              <a:spcBef>
+                <a:spcPts val="0"/>
+              </a:spcBef>
+              <a:spcAft>
+                <a:spcPts val="0"/>
+              </a:spcAft>
+              <a:buClrTx/>
+              <a:buSzTx/>
+              <a:buFontTx/>
+              <a:buNone/>
+              <a:tabLst/>
+              <a:defRPr/>
+            </a:pPr>
+            <a:endParaRPr kumimoji="0" lang="en-US" sz="1800" b="0" i="0" u="none" strike="noStrike" kern="1200" cap="none" spc="0" normalizeH="0" baseline="0" noProof="0">
+              <a:ln>
+                <a:noFill/>
+              </a:ln>
+              <a:solidFill>
+                <a:prstClr val="white"/>
+              </a:solidFill>
+              <a:effectLst/>
+              <a:uLnTx/>
+              <a:uFillTx/>
+              <a:latin typeface="Calibri" panose="020F0502020204030204"/>
+              <a:ea typeface="+mn-ea"/>
+              <a:cs typeface="+mn-cs"/>
+            </a:endParaRPr>
+          </a:p>
+        </p:txBody>
+      </p:sp>
+      <p:sp useBgFill="1">
+        <p:nvSpPr>
+          <p:cNvPr id="12" name="Rectangle 11">
+            <a:extLst>
+              <a:ext uri="{FF2B5EF4-FFF2-40B4-BE49-F238E27FC236}">
+                <a16:creationId xmlns:a16="http://schemas.microsoft.com/office/drawing/2014/main" id="{8E0105E7-23DB-4CF2-8258-FF47C7620F6E}"/>
+              </a:ext>
+              <a:ext uri="{C183D7F6-B498-43B3-948B-1728B52AA6E4}">
+                <adec:decorative xmlns:adec="http://schemas.microsoft.com/office/drawing/2017/decorative" val="1"/>
+              </a:ext>
+            </a:extLst>
+          </p:cNvPr>
+          <p:cNvSpPr>
+            <a:spLocks noGrp="1" noRot="1" noChangeAspect="1" noMove="1" noResize="1" noEditPoints="1" noAdjustHandles="1" noChangeArrowheads="1" noChangeShapeType="1" noTextEdit="1"/>
+          </p:cNvSpPr>
+          <p:nvPr>
+            <p:extLst>
+              <p:ext uri="{386F3935-93C4-4BCD-93E2-E3B085C9AB24}">
+                <p16:designElem xmlns:p16="http://schemas.microsoft.com/office/powerpoint/2015/main" val="1"/>
+              </p:ext>
+            </p:extLst>
+          </p:nvPr>
+        </p:nvSpPr>
+        <p:spPr>
+          <a:xfrm>
+            <a:off x="566928" y="0"/>
+            <a:ext cx="11155680" cy="2011680"/>
+          </a:xfrm>
+          <a:prstGeom prst="rect">
+            <a:avLst/>
+          </a:prstGeom>
+          <a:ln w="9525">
+            <a:noFill/>
+          </a:ln>
+          <a:effectLst/>
+        </p:spPr>
+        <p:style>
+          <a:lnRef idx="2">
+            <a:schemeClr val="accent1">
+              <a:shade val="50000"/>
+            </a:schemeClr>
+          </a:lnRef>
+          <a:fillRef idx="1">
+            <a:schemeClr val="accent1"/>
+          </a:fillRef>
+          <a:effectRef idx="0">
+            <a:schemeClr val="accent1"/>
+          </a:effectRef>
+          <a:fontRef idx="minor">
+            <a:schemeClr val="lt1"/>
+          </a:fontRef>
+        </p:style>
+        <p:txBody>
+          <a:bodyPr rtlCol="0" anchor="ctr"/>
+          <a:lstStyle/>
+          <a:p>
+            <a:pPr marL="0" marR="0" lvl="0" indent="0" algn="ctr" defTabSz="914400" rtl="0" eaLnBrk="1" fontAlgn="auto" latinLnBrk="0" hangingPunct="1">
+              <a:lnSpc>
+                <a:spcPct val="100000"/>
+              </a:lnSpc>
+              <a:spcBef>
+                <a:spcPts val="0"/>
+              </a:spcBef>
+              <a:spcAft>
+                <a:spcPts val="0"/>
+              </a:spcAft>
+              <a:buClrTx/>
+              <a:buSzTx/>
+              <a:buFontTx/>
+              <a:buNone/>
+              <a:tabLst/>
+              <a:defRPr/>
+            </a:pPr>
+            <a:endParaRPr kumimoji="0" lang="en-US" sz="1800" b="0" i="0" u="none" strike="noStrike" kern="1200" cap="none" spc="0" normalizeH="0" baseline="0" noProof="0">
+              <a:ln>
+                <a:noFill/>
+              </a:ln>
+              <a:solidFill>
+                <a:prstClr val="white"/>
+              </a:solidFill>
+              <a:effectLst/>
+              <a:uLnTx/>
+              <a:uFillTx/>
+              <a:latin typeface="Calibri" panose="020F0502020204030204"/>
+              <a:ea typeface="+mn-ea"/>
+              <a:cs typeface="+mn-cs"/>
+            </a:endParaRPr>
+          </a:p>
+        </p:txBody>
+      </p:sp>
+      <p:sp>
+        <p:nvSpPr>
+          <p:cNvPr id="2" name="Title 1">
+            <a:extLst>
+              <a:ext uri="{FF2B5EF4-FFF2-40B4-BE49-F238E27FC236}">
+                <a16:creationId xmlns:a16="http://schemas.microsoft.com/office/drawing/2014/main" id="{D9C38E07-FABB-044A-919D-33E773823B77}"/>
+              </a:ext>
+            </a:extLst>
+          </p:cNvPr>
+          <p:cNvSpPr>
+            <a:spLocks noGrp="1"/>
+          </p:cNvSpPr>
+          <p:nvPr>
+            <p:ph type="title"/>
+          </p:nvPr>
+        </p:nvSpPr>
+        <p:spPr>
+          <a:xfrm>
+            <a:off x="1115568" y="548640"/>
+            <a:ext cx="10168128" cy="1179576"/>
+          </a:xfrm>
+        </p:spPr>
+        <p:txBody>
+          <a:bodyPr>
+            <a:normAutofit/>
+          </a:bodyPr>
+          <a:lstStyle/>
+          <a:p>
+            <a:r>
+              <a:rPr lang="en-US" sz="4000" dirty="0"/>
+              <a:t>Proposed Algorithm</a:t>
+            </a:r>
+          </a:p>
+        </p:txBody>
+      </p:sp>
+      <p:sp>
+        <p:nvSpPr>
+          <p:cNvPr id="14" name="Rectangle 13">
+            <a:extLst>
+              <a:ext uri="{FF2B5EF4-FFF2-40B4-BE49-F238E27FC236}">
+                <a16:creationId xmlns:a16="http://schemas.microsoft.com/office/drawing/2014/main" id="{074B4F7D-14B2-478B-8BF5-01E4E0C5D263}"/>
+              </a:ext>
+              <a:ext uri="{C183D7F6-B498-43B3-948B-1728B52AA6E4}">
+                <adec:decorative xmlns:adec="http://schemas.microsoft.com/office/drawing/2017/decorative" val="1"/>
+              </a:ext>
+            </a:extLst>
+          </p:cNvPr>
+          <p:cNvSpPr>
+            <a:spLocks noGrp="1" noRot="1" noChangeAspect="1" noMove="1" noResize="1" noEditPoints="1" noAdjustHandles="1" noChangeArrowheads="1" noChangeShapeType="1" noTextEdit="1"/>
+          </p:cNvSpPr>
+          <p:nvPr>
+            <p:extLst>
+              <p:ext uri="{386F3935-93C4-4BCD-93E2-E3B085C9AB24}">
+                <p16:designElem xmlns:p16="http://schemas.microsoft.com/office/powerpoint/2015/main" val="1"/>
+              </p:ext>
+            </p:extLst>
+          </p:nvPr>
+        </p:nvSpPr>
+        <p:spPr>
+          <a:xfrm>
+            <a:off x="498834" y="758952"/>
+            <a:ext cx="128016" cy="704088"/>
+          </a:xfrm>
+          <a:prstGeom prst="rect">
+            <a:avLst/>
+          </a:prstGeom>
+          <a:solidFill>
+            <a:schemeClr val="accent2"/>
+          </a:solidFill>
+          <a:ln>
+            <a:noFill/>
+          </a:ln>
+        </p:spPr>
+        <p:style>
+          <a:lnRef idx="2">
+            <a:schemeClr val="accent1">
+              <a:shade val="50000"/>
+            </a:schemeClr>
+          </a:lnRef>
+          <a:fillRef idx="1">
+            <a:schemeClr val="accent1"/>
+          </a:fillRef>
+          <a:effectRef idx="0">
+            <a:schemeClr val="accent1"/>
+          </a:effectRef>
+          <a:fontRef idx="minor">
+            <a:schemeClr val="lt1"/>
+          </a:fontRef>
+        </p:style>
+        <p:txBody>
+          <a:bodyPr rtlCol="0" anchor="ctr"/>
+          <a:lstStyle/>
+          <a:p>
+            <a:pPr algn="ctr"/>
+            <a:endParaRPr lang="en-US">
+              <a:solidFill>
+                <a:prstClr val="white"/>
+              </a:solidFill>
+              <a:latin typeface="Calibri" panose="020F0502020204030204"/>
+            </a:endParaRPr>
+          </a:p>
+        </p:txBody>
+      </p:sp>
+      <mc:AlternateContent xmlns:mc="http://schemas.openxmlformats.org/markup-compatibility/2006">
+        <mc:Choice xmlns:a14="http://schemas.microsoft.com/office/drawing/2010/main" Requires="a14">
+          <p:sp>
+            <p:nvSpPr>
+              <p:cNvPr id="3" name="TextBox 2">
+                <a:extLst>
+                  <a:ext uri="{FF2B5EF4-FFF2-40B4-BE49-F238E27FC236}">
+                    <a16:creationId xmlns:a16="http://schemas.microsoft.com/office/drawing/2014/main" id="{3081A5D0-E896-0445-87E6-4001B61D068C}"/>
+                  </a:ext>
+                </a:extLst>
+              </p:cNvPr>
+              <p:cNvSpPr txBox="1"/>
+              <p:nvPr/>
+            </p:nvSpPr>
+            <p:spPr>
+              <a:xfrm>
+                <a:off x="713014" y="2276856"/>
+                <a:ext cx="5774872" cy="1502078"/>
+              </a:xfrm>
+              <a:prstGeom prst="rect">
+                <a:avLst/>
+              </a:prstGeom>
+              <a:noFill/>
+            </p:spPr>
+            <p:txBody>
+              <a:bodyPr wrap="square" rtlCol="0">
+                <a:spAutoFit/>
+              </a:bodyPr>
+              <a:lstStyle/>
+              <a:p>
+                <a:pPr marL="342900" indent="-342900">
+                  <a:buFont typeface="+mj-lt"/>
+                  <a:buAutoNum type="arabicPeriod"/>
+                </a:pPr>
+                <a:r>
+                  <a:rPr lang="en-US" dirty="0"/>
+                  <a:t>Use </a:t>
+                </a:r>
+                <a:r>
+                  <a:rPr lang="en-US" b="1" dirty="0"/>
+                  <a:t>explicit </a:t>
+                </a:r>
+                <a:r>
+                  <a:rPr lang="en-US" dirty="0"/>
+                  <a:t>level set (discretization then differentiation)</a:t>
+                </a:r>
+              </a:p>
+              <a:p>
+                <a:pPr marL="342900" indent="-342900">
+                  <a:buFont typeface="+mj-lt"/>
+                  <a:buAutoNum type="arabicPeriod"/>
+                </a:pPr>
+                <a:r>
+                  <a:rPr lang="en-US" dirty="0"/>
+                  <a:t>Utilize </a:t>
+                </a:r>
+                <a:r>
+                  <a:rPr lang="en-US" b="1" dirty="0"/>
+                  <a:t>implicit</a:t>
+                </a:r>
+                <a:r>
+                  <a:rPr lang="en-US" dirty="0"/>
+                  <a:t> level set method of sub pixel smoothing</a:t>
+                </a:r>
+              </a:p>
+              <a:p>
+                <a:pPr marL="342900" indent="-342900">
+                  <a:buFont typeface="+mj-lt"/>
+                  <a:buAutoNum type="arabicPeriod"/>
+                </a:pPr>
+                <a:r>
+                  <a:rPr lang="en-US" dirty="0"/>
+                  <a:t>Forward simulation -&gt; Store steady state fields (E)</a:t>
+                </a:r>
+              </a:p>
+              <a:p>
+                <a:pPr marL="342900" indent="-342900">
+                  <a:buFont typeface="+mj-lt"/>
+                  <a:buAutoNum type="arabicPeriod"/>
+                </a:pPr>
+                <a:r>
+                  <a:rPr lang="en-US" dirty="0"/>
+                  <a:t>Adjoint simulation -&gt; Store steady state fields (</a:t>
+                </a:r>
+                <a:r>
+                  <a:rPr lang="el-GR" dirty="0"/>
+                  <a:t>λ</a:t>
+                </a:r>
+                <a:r>
+                  <a:rPr lang="en-US" dirty="0"/>
+                  <a:t>)</a:t>
+                </a:r>
+              </a:p>
+              <a:p>
+                <a:pPr marL="342900" indent="-342900">
+                  <a:buFont typeface="+mj-lt"/>
+                  <a:buAutoNum type="arabicPeriod"/>
+                </a:pPr>
+                <a14:m>
+                  <m:oMath xmlns:m="http://schemas.openxmlformats.org/officeDocument/2006/math">
+                    <m:sSub>
+                      <m:sSubPr>
+                        <m:ctrlPr>
+                          <a:rPr lang="en-US" b="0" i="1" smtClean="0">
+                            <a:latin typeface="Cambria Math" panose="02040503050406030204" pitchFamily="18" charset="0"/>
+                          </a:rPr>
+                        </m:ctrlPr>
+                      </m:sSubPr>
+                      <m:e>
+                        <m:r>
+                          <m:rPr>
+                            <m:sty m:val="p"/>
+                          </m:rPr>
+                          <a:rPr lang="en-US" b="0" i="0" smtClean="0">
+                            <a:latin typeface="Cambria Math" panose="02040503050406030204" pitchFamily="18" charset="0"/>
+                          </a:rPr>
+                          <m:t>∇</m:t>
+                        </m:r>
+                      </m:e>
+                      <m:sub>
+                        <m:r>
+                          <a:rPr lang="en-US" b="0" i="1" smtClean="0">
+                            <a:latin typeface="Cambria Math" panose="02040503050406030204" pitchFamily="18" charset="0"/>
+                          </a:rPr>
+                          <m:t>𝜙</m:t>
+                        </m:r>
+                      </m:sub>
+                    </m:sSub>
+                    <m:r>
+                      <a:rPr lang="en-US" b="0" i="1" smtClean="0">
+                        <a:latin typeface="Cambria Math" panose="02040503050406030204" pitchFamily="18" charset="0"/>
+                      </a:rPr>
+                      <m:t>𝑓</m:t>
+                    </m:r>
+                    <m:r>
+                      <a:rPr lang="en-US" b="0" i="1" smtClean="0">
+                        <a:latin typeface="Cambria Math" panose="02040503050406030204" pitchFamily="18" charset="0"/>
+                      </a:rPr>
+                      <m:t>=−</m:t>
+                    </m:r>
+                    <m:r>
+                      <a:rPr lang="en-US" b="0" i="1" smtClean="0">
+                        <a:latin typeface="Cambria Math" panose="02040503050406030204" pitchFamily="18" charset="0"/>
+                      </a:rPr>
+                      <m:t>𝜆</m:t>
+                    </m:r>
+                    <m:sSub>
+                      <m:sSubPr>
+                        <m:ctrlPr>
+                          <a:rPr lang="en-US" b="0" i="1" smtClean="0">
+                            <a:latin typeface="Cambria Math" panose="02040503050406030204" pitchFamily="18" charset="0"/>
+                          </a:rPr>
+                        </m:ctrlPr>
+                      </m:sSubPr>
+                      <m:e>
+                        <m:r>
+                          <a:rPr lang="en-US" b="0" i="1" smtClean="0">
+                            <a:latin typeface="Cambria Math" panose="02040503050406030204" pitchFamily="18" charset="0"/>
+                          </a:rPr>
+                          <m:t>𝐴</m:t>
+                        </m:r>
+                      </m:e>
+                      <m:sub>
+                        <m:r>
+                          <a:rPr lang="en-US" b="0" i="1" smtClean="0">
+                            <a:latin typeface="Cambria Math" panose="02040503050406030204" pitchFamily="18" charset="0"/>
+                          </a:rPr>
+                          <m:t>𝜙</m:t>
+                        </m:r>
+                      </m:sub>
+                    </m:sSub>
+                    <m:r>
+                      <a:rPr lang="en-US" b="0" i="1" smtClean="0">
+                        <a:latin typeface="Cambria Math" panose="02040503050406030204" pitchFamily="18" charset="0"/>
+                      </a:rPr>
+                      <m:t>𝐸</m:t>
+                    </m:r>
+                  </m:oMath>
+                </a14:m>
+                <a:r>
+                  <a:rPr lang="en-US" dirty="0"/>
+                  <a:t>		A = Maxwell Operator</a:t>
+                </a:r>
+              </a:p>
+            </p:txBody>
+          </p:sp>
+        </mc:Choice>
+        <mc:Fallback>
+          <p:sp>
+            <p:nvSpPr>
+              <p:cNvPr id="3" name="TextBox 2">
+                <a:extLst>
+                  <a:ext uri="{FF2B5EF4-FFF2-40B4-BE49-F238E27FC236}">
+                    <a16:creationId xmlns:a16="http://schemas.microsoft.com/office/drawing/2014/main" id="{3081A5D0-E896-0445-87E6-4001B61D068C}"/>
+                  </a:ext>
+                </a:extLst>
+              </p:cNvPr>
+              <p:cNvSpPr txBox="1">
+                <a:spLocks noRot="1" noChangeAspect="1" noMove="1" noResize="1" noEditPoints="1" noAdjustHandles="1" noChangeArrowheads="1" noChangeShapeType="1" noTextEdit="1"/>
+              </p:cNvSpPr>
+              <p:nvPr/>
+            </p:nvSpPr>
+            <p:spPr>
+              <a:xfrm>
+                <a:off x="713014" y="2276856"/>
+                <a:ext cx="5774872" cy="1502078"/>
+              </a:xfrm>
+              <a:prstGeom prst="rect">
+                <a:avLst/>
+              </a:prstGeom>
+              <a:blipFill>
+                <a:blip r:embed="rId3"/>
+                <a:stretch>
+                  <a:fillRect l="-879" t="-1681" r="-220" b="-4202"/>
+                </a:stretch>
+              </a:blipFill>
+            </p:spPr>
+            <p:txBody>
+              <a:bodyPr/>
+              <a:lstStyle/>
+              <a:p>
+                <a:r>
+                  <a:rPr lang="en-US">
+                    <a:noFill/>
+                  </a:rPr>
+                  <a:t> </a:t>
+                </a:r>
+              </a:p>
+            </p:txBody>
+          </p:sp>
+        </mc:Fallback>
+      </mc:AlternateContent>
+      <p:pic>
+        <p:nvPicPr>
+          <p:cNvPr id="5" name="Picture 4" descr="Chart&#10;&#10;Description automatically generated">
+            <a:extLst>
+              <a:ext uri="{FF2B5EF4-FFF2-40B4-BE49-F238E27FC236}">
+                <a16:creationId xmlns:a16="http://schemas.microsoft.com/office/drawing/2014/main" id="{76277EB2-8FE4-2645-88B0-876FDECDC424}"/>
+              </a:ext>
+            </a:extLst>
+          </p:cNvPr>
+          <p:cNvPicPr>
+            <a:picLocks noChangeAspect="1"/>
+          </p:cNvPicPr>
+          <p:nvPr/>
+        </p:nvPicPr>
+        <p:blipFill>
+          <a:blip r:embed="rId4"/>
+          <a:stretch>
+            <a:fillRect/>
+          </a:stretch>
+        </p:blipFill>
+        <p:spPr>
+          <a:xfrm>
+            <a:off x="1431352" y="4036984"/>
+            <a:ext cx="2234680" cy="2243177"/>
+          </a:xfrm>
+          <a:prstGeom prst="rect">
+            <a:avLst/>
+          </a:prstGeom>
+        </p:spPr>
+      </p:pic>
+      <p:sp>
+        <p:nvSpPr>
+          <p:cNvPr id="6" name="TextBox 5">
+            <a:extLst>
+              <a:ext uri="{FF2B5EF4-FFF2-40B4-BE49-F238E27FC236}">
+                <a16:creationId xmlns:a16="http://schemas.microsoft.com/office/drawing/2014/main" id="{9665FCB0-D692-6A47-B505-16A4684BCE19}"/>
+              </a:ext>
+            </a:extLst>
+          </p:cNvPr>
+          <p:cNvSpPr txBox="1"/>
+          <p:nvPr/>
+        </p:nvSpPr>
+        <p:spPr>
+          <a:xfrm>
+            <a:off x="1018209" y="6263145"/>
+            <a:ext cx="3060966" cy="369332"/>
+          </a:xfrm>
+          <a:prstGeom prst="rect">
+            <a:avLst/>
+          </a:prstGeom>
+          <a:noFill/>
+        </p:spPr>
+        <p:txBody>
+          <a:bodyPr wrap="none" rtlCol="0">
+            <a:spAutoFit/>
+          </a:bodyPr>
+          <a:lstStyle/>
+          <a:p>
+            <a:r>
+              <a:rPr lang="en-US" dirty="0"/>
+              <a:t>Subpixel Smoothing Eliminates</a:t>
+            </a:r>
+          </a:p>
+        </p:txBody>
+      </p:sp>
+      <p:pic>
+        <p:nvPicPr>
+          <p:cNvPr id="9" name="Picture 8" descr="Chart&#10;&#10;Description automatically generated">
+            <a:extLst>
+              <a:ext uri="{FF2B5EF4-FFF2-40B4-BE49-F238E27FC236}">
+                <a16:creationId xmlns:a16="http://schemas.microsoft.com/office/drawing/2014/main" id="{B77FEC95-8A56-D140-8510-3C41852695AE}"/>
+              </a:ext>
+            </a:extLst>
+          </p:cNvPr>
+          <p:cNvPicPr>
+            <a:picLocks noChangeAspect="1"/>
+          </p:cNvPicPr>
+          <p:nvPr/>
+        </p:nvPicPr>
+        <p:blipFill>
+          <a:blip r:embed="rId5"/>
+          <a:stretch>
+            <a:fillRect/>
+          </a:stretch>
+        </p:blipFill>
+        <p:spPr>
+          <a:xfrm>
+            <a:off x="5097384" y="4066183"/>
+            <a:ext cx="2404009" cy="2243177"/>
+          </a:xfrm>
+          <a:prstGeom prst="rect">
+            <a:avLst/>
+          </a:prstGeom>
+        </p:spPr>
+      </p:pic>
+      <p:sp>
+        <p:nvSpPr>
+          <p:cNvPr id="11" name="TextBox 10">
+            <a:extLst>
+              <a:ext uri="{FF2B5EF4-FFF2-40B4-BE49-F238E27FC236}">
+                <a16:creationId xmlns:a16="http://schemas.microsoft.com/office/drawing/2014/main" id="{6CB3C9FC-F937-D944-B663-AE2215297F43}"/>
+              </a:ext>
+            </a:extLst>
+          </p:cNvPr>
+          <p:cNvSpPr txBox="1"/>
+          <p:nvPr/>
+        </p:nvSpPr>
+        <p:spPr>
+          <a:xfrm>
+            <a:off x="5053841" y="6227277"/>
+            <a:ext cx="2402068" cy="369332"/>
+          </a:xfrm>
+          <a:prstGeom prst="rect">
+            <a:avLst/>
+          </a:prstGeom>
+          <a:noFill/>
+        </p:spPr>
+        <p:txBody>
+          <a:bodyPr wrap="none" rtlCol="0">
+            <a:spAutoFit/>
+          </a:bodyPr>
+          <a:lstStyle/>
+          <a:p>
+            <a:r>
+              <a:rPr lang="en-US" dirty="0"/>
+              <a:t>Explicit Level Set Allows</a:t>
+            </a:r>
+          </a:p>
+        </p:txBody>
+      </p:sp>
+      <p:pic>
+        <p:nvPicPr>
+          <p:cNvPr id="3074" name="Picture 2" descr="Fast icon Royalty Free Vector Image - VectorStock">
+            <a:extLst>
+              <a:ext uri="{FF2B5EF4-FFF2-40B4-BE49-F238E27FC236}">
+                <a16:creationId xmlns:a16="http://schemas.microsoft.com/office/drawing/2014/main" id="{39B0FDD9-3997-8049-854B-AD8085C50193}"/>
+              </a:ext>
+            </a:extLst>
+          </p:cNvPr>
+          <p:cNvPicPr>
+            <a:picLocks noChangeAspect="1" noChangeArrowheads="1"/>
+          </p:cNvPicPr>
+          <p:nvPr/>
+        </p:nvPicPr>
+        <p:blipFill rotWithShape="1">
+          <a:blip r:embed="rId6">
+            <a:extLst>
+              <a:ext uri="{28A0092B-C50C-407E-A947-70E740481C1C}">
+                <a14:useLocalDpi xmlns:a14="http://schemas.microsoft.com/office/drawing/2010/main" val="0"/>
+              </a:ext>
+            </a:extLst>
+          </a:blip>
+          <a:srcRect t="20396" b="26692"/>
+          <a:stretch/>
+        </p:blipFill>
+        <p:spPr bwMode="auto">
+          <a:xfrm>
+            <a:off x="8628611" y="4291581"/>
+            <a:ext cx="3093415" cy="1764209"/>
+          </a:xfrm>
+          <a:prstGeom prst="rect">
+            <a:avLst/>
+          </a:prstGeom>
+          <a:noFill/>
+          <a:extLst>
+            <a:ext uri="{909E8E84-426E-40DD-AFC4-6F175D3DCCD1}">
+              <a14:hiddenFill xmlns:a14="http://schemas.microsoft.com/office/drawing/2010/main">
+                <a:solidFill>
+                  <a:srgbClr val="FFFFFF"/>
+                </a:solidFill>
+              </a14:hiddenFill>
+            </a:ext>
+          </a:extLst>
+        </p:spPr>
+      </p:pic>
+      <p:sp>
+        <p:nvSpPr>
+          <p:cNvPr id="15" name="TextBox 14">
+            <a:extLst>
+              <a:ext uri="{FF2B5EF4-FFF2-40B4-BE49-F238E27FC236}">
+                <a16:creationId xmlns:a16="http://schemas.microsoft.com/office/drawing/2014/main" id="{A7A71B88-56C7-3C47-8A8D-1AF95A04DD30}"/>
+              </a:ext>
+            </a:extLst>
+          </p:cNvPr>
+          <p:cNvSpPr txBox="1"/>
+          <p:nvPr/>
+        </p:nvSpPr>
+        <p:spPr>
+          <a:xfrm>
+            <a:off x="9382793" y="6186997"/>
+            <a:ext cx="1649362" cy="369332"/>
+          </a:xfrm>
+          <a:prstGeom prst="rect">
+            <a:avLst/>
+          </a:prstGeom>
+          <a:noFill/>
+        </p:spPr>
+        <p:txBody>
+          <a:bodyPr wrap="none" rtlCol="0">
+            <a:spAutoFit/>
+          </a:bodyPr>
+          <a:lstStyle/>
+          <a:p>
+            <a:r>
+              <a:rPr lang="en-US" dirty="0"/>
+              <a:t>Adjoint Routine</a:t>
+            </a:r>
+          </a:p>
+        </p:txBody>
+      </p:sp>
+      <p:sp>
+        <p:nvSpPr>
+          <p:cNvPr id="16" name="TextBox 15">
+            <a:extLst>
+              <a:ext uri="{FF2B5EF4-FFF2-40B4-BE49-F238E27FC236}">
+                <a16:creationId xmlns:a16="http://schemas.microsoft.com/office/drawing/2014/main" id="{4500B54F-836D-BF44-BE45-BF1228BADE4F}"/>
+              </a:ext>
+            </a:extLst>
+          </p:cNvPr>
+          <p:cNvSpPr txBox="1"/>
+          <p:nvPr/>
+        </p:nvSpPr>
+        <p:spPr>
+          <a:xfrm>
+            <a:off x="9318480" y="3975708"/>
+            <a:ext cx="1713675" cy="338554"/>
+          </a:xfrm>
+          <a:prstGeom prst="rect">
+            <a:avLst/>
+          </a:prstGeom>
+          <a:noFill/>
+        </p:spPr>
+        <p:txBody>
+          <a:bodyPr wrap="none" rtlCol="0">
+            <a:spAutoFit/>
+          </a:bodyPr>
+          <a:lstStyle/>
+          <a:p>
+            <a:pPr algn="ctr"/>
+            <a:r>
+              <a:rPr lang="en-US" sz="1600" b="1" dirty="0">
+                <a:latin typeface="American Typewriter" panose="02090604020004020304" pitchFamily="18" charset="77"/>
+                <a:cs typeface="Angsana New" panose="02020603050405020304" pitchFamily="18" charset="-34"/>
+              </a:rPr>
+              <a:t>Fast Gradients</a:t>
+            </a:r>
+          </a:p>
+        </p:txBody>
+      </p:sp>
+    </p:spTree>
+    <p:extLst>
+      <p:ext uri="{BB962C8B-B14F-4D97-AF65-F5344CB8AC3E}">
+        <p14:creationId xmlns:p14="http://schemas.microsoft.com/office/powerpoint/2010/main" val="2306876595"/>
       </p:ext>
     </p:extLst>
   </p:cSld>
@@ -4489,6 +7511,65 @@
           </a:prstGeom>
         </p:spPr>
       </p:pic>
+      <p:sp>
+        <p:nvSpPr>
+          <p:cNvPr id="4" name="TextBox 3">
+            <a:extLst>
+              <a:ext uri="{FF2B5EF4-FFF2-40B4-BE49-F238E27FC236}">
+                <a16:creationId xmlns:a16="http://schemas.microsoft.com/office/drawing/2014/main" id="{1F5232CB-23CE-8E4A-9797-294D2846D195}"/>
+              </a:ext>
+            </a:extLst>
+          </p:cNvPr>
+          <p:cNvSpPr txBox="1"/>
+          <p:nvPr/>
+        </p:nvSpPr>
+        <p:spPr>
+          <a:xfrm>
+            <a:off x="5650109" y="5759464"/>
+            <a:ext cx="3601628" cy="923330"/>
+          </a:xfrm>
+          <a:prstGeom prst="rect">
+            <a:avLst/>
+          </a:prstGeom>
+          <a:noFill/>
+        </p:spPr>
+        <p:txBody>
+          <a:bodyPr wrap="none" rtlCol="0">
+            <a:spAutoFit/>
+          </a:bodyPr>
+          <a:lstStyle/>
+          <a:p>
+            <a:pPr algn="ctr"/>
+            <a:r>
+              <a:rPr lang="en-US" dirty="0">
+                <a:hlinkClick r:id="rId6"/>
+              </a:rPr>
+              <a:t>Photonic Crystal EME with PML</a:t>
+            </a:r>
+            <a:endParaRPr lang="en-US" dirty="0"/>
+          </a:p>
+          <a:p>
+            <a:pPr algn="ctr"/>
+            <a:r>
+              <a:rPr lang="en-US" dirty="0">
+                <a:hlinkClick r:id="rId7"/>
+              </a:rPr>
+              <a:t>Dielectric Waveguide EME</a:t>
+            </a:r>
+            <a:endParaRPr lang="en-US" dirty="0"/>
+          </a:p>
+          <a:p>
+            <a:pPr algn="ctr"/>
+            <a:r>
+              <a:rPr lang="en-US" dirty="0">
+                <a:hlinkClick r:id="rId8"/>
+              </a:rPr>
+              <a:t>EME Advanced Boundary Conditions</a:t>
+            </a:r>
+            <a:endParaRPr lang="en-US" dirty="0"/>
+          </a:p>
+        </p:txBody>
+      </p:sp>
     </p:spTree>
     <p:extLst>
       <p:ext uri="{BB962C8B-B14F-4D97-AF65-F5344CB8AC3E}">
@@ -4781,7 +7862,7 @@
           <p:cNvPr id="2" name="Title 1">
             <a:extLst>
               <a:ext uri="{FF2B5EF4-FFF2-40B4-BE49-F238E27FC236}">
-                <a16:creationId xmlns:a16="http://schemas.microsoft.com/office/drawing/2014/main" id="{D9C38E07-FABB-044A-919D-33E773823B77}"/>
+                <a16:creationId xmlns:a16="http://schemas.microsoft.com/office/drawing/2014/main" id="{1DD5DCF3-C89C-8746-819B-D4371E64D810}"/>
               </a:ext>
             </a:extLst>
           </p:cNvPr>
@@ -4806,7 +7887,7 @@
           <a:p>
             <a:r>
               <a:rPr lang="en-US" sz="4000" dirty="0"/>
-              <a:t>EMEPy Overview</a:t>
+              <a:t>Finite Difference Overview</a:t>
             </a:r>
           </a:p>
         </p:txBody>
@@ -4881,177 +7962,119 @@
       </p:sp>
       <p:pic>
         <p:nvPicPr>
-          <p:cNvPr id="9" name="Content Placeholder 4">
-            <a:extLst>
-              <a:ext uri="{FF2B5EF4-FFF2-40B4-BE49-F238E27FC236}">
-                <a16:creationId xmlns:a16="http://schemas.microsoft.com/office/drawing/2014/main" id="{58A89E94-B15C-6640-8B33-B7098F7A04E3}"/>
+          <p:cNvPr id="1026" name="Picture 2">
+            <a:extLst>
+              <a:ext uri="{FF2B5EF4-FFF2-40B4-BE49-F238E27FC236}">
+                <a16:creationId xmlns:a16="http://schemas.microsoft.com/office/drawing/2014/main" id="{E3D107EB-4E1D-354E-BCB7-957BB6C8EA90}"/>
               </a:ext>
             </a:extLst>
           </p:cNvPr>
           <p:cNvPicPr>
-            <a:picLocks noGrp="1" noChangeAspect="1"/>
+            <a:picLocks noChangeAspect="1" noChangeArrowheads="1"/>
           </p:cNvPicPr>
-          <p:nvPr>
-            <p:ph idx="1"/>
-          </p:nvPr>
+          <p:nvPr/>
         </p:nvPicPr>
         <p:blipFill>
-          <a:blip r:embed="rId2"/>
+          <a:blip r:embed="rId2">
+            <a:extLst>
+              <a:ext uri="{28A0092B-C50C-407E-A947-70E740481C1C}">
+                <a14:useLocalDpi xmlns:a14="http://schemas.microsoft.com/office/drawing/2010/main" val="0"/>
+              </a:ext>
+            </a:extLst>
+          </a:blip>
+          <a:srcRect/>
           <a:stretch>
             <a:fillRect/>
           </a:stretch>
         </p:blipFill>
-        <p:spPr>
-          <a:xfrm>
-            <a:off x="558209" y="3762491"/>
-            <a:ext cx="6994385" cy="1326409"/>
-          </a:xfrm>
-        </p:spPr>
-      </p:pic>
-      <p:sp>
-        <p:nvSpPr>
-          <p:cNvPr id="4" name="TextBox 3">
-            <a:extLst>
-              <a:ext uri="{FF2B5EF4-FFF2-40B4-BE49-F238E27FC236}">
-                <a16:creationId xmlns:a16="http://schemas.microsoft.com/office/drawing/2014/main" id="{8CF70855-A80C-FE4E-9BC2-4C300903AB08}"/>
-              </a:ext>
-            </a:extLst>
-          </p:cNvPr>
-          <p:cNvSpPr txBox="1"/>
-          <p:nvPr/>
-        </p:nvSpPr>
-        <p:spPr>
-          <a:xfrm>
-            <a:off x="566928" y="2375654"/>
-            <a:ext cx="7350410" cy="369332"/>
+        <p:spPr bwMode="auto">
+          <a:xfrm>
+            <a:off x="845458" y="2423197"/>
+            <a:ext cx="4603848" cy="3204029"/>
           </a:xfrm>
           <a:prstGeom prst="rect">
             <a:avLst/>
           </a:prstGeom>
           <a:noFill/>
-        </p:spPr>
-        <p:txBody>
-          <a:bodyPr wrap="none" rtlCol="0">
-            <a:spAutoFit/>
-          </a:bodyPr>
-          <a:lstStyle/>
-          <a:p>
-            <a:r>
-              <a:rPr lang="en-US" dirty="0"/>
-              <a:t>• Convolutional Neural Networks (CNN) replace Finite Difference (FD) solver </a:t>
-            </a:r>
-          </a:p>
-        </p:txBody>
-      </p:sp>
-      <p:pic>
-        <p:nvPicPr>
-          <p:cNvPr id="11" name="Picture 10">
-            <a:extLst>
-              <a:ext uri="{FF2B5EF4-FFF2-40B4-BE49-F238E27FC236}">
-                <a16:creationId xmlns:a16="http://schemas.microsoft.com/office/drawing/2014/main" id="{11FAFFAA-0335-D048-B7DA-D56A78F21603}"/>
-              </a:ext>
-            </a:extLst>
-          </p:cNvPr>
-          <p:cNvPicPr>
-            <a:picLocks noChangeAspect="1"/>
-          </p:cNvPicPr>
-          <p:nvPr/>
-        </p:nvPicPr>
-        <p:blipFill rotWithShape="1">
-          <a:blip r:embed="rId3"/>
-          <a:srcRect l="7284" r="15152"/>
-          <a:stretch/>
-        </p:blipFill>
-        <p:spPr>
-          <a:xfrm>
-            <a:off x="8605610" y="2440179"/>
-            <a:ext cx="1379095" cy="914400"/>
-          </a:xfrm>
-          <a:prstGeom prst="rect">
-            <a:avLst/>
-          </a:prstGeom>
+          <a:extLst>
+            <a:ext uri="{909E8E84-426E-40DD-AFC4-6F175D3DCCD1}">
+              <a14:hiddenFill xmlns:a14="http://schemas.microsoft.com/office/drawing/2010/main">
+                <a:solidFill>
+                  <a:srgbClr val="FFFFFF"/>
+                </a:solidFill>
+              </a14:hiddenFill>
+            </a:ext>
+          </a:extLst>
         </p:spPr>
       </p:pic>
       <p:pic>
         <p:nvPicPr>
-          <p:cNvPr id="13" name="Picture 12">
-            <a:extLst>
-              <a:ext uri="{FF2B5EF4-FFF2-40B4-BE49-F238E27FC236}">
-                <a16:creationId xmlns:a16="http://schemas.microsoft.com/office/drawing/2014/main" id="{757659BA-6D7F-5444-B0E3-191A94769802}"/>
+          <p:cNvPr id="1028" name="Picture 4" descr="Maxwell's Equations. A gentle introduction | by Panda the Red | Cantor's  Paradise">
+            <a:extLst>
+              <a:ext uri="{FF2B5EF4-FFF2-40B4-BE49-F238E27FC236}">
+                <a16:creationId xmlns:a16="http://schemas.microsoft.com/office/drawing/2014/main" id="{72566A57-B924-5944-9E6F-CAE982E0DE93}"/>
               </a:ext>
             </a:extLst>
           </p:cNvPr>
           <p:cNvPicPr>
-            <a:picLocks noChangeAspect="1"/>
+            <a:picLocks noChangeAspect="1" noChangeArrowheads="1"/>
           </p:cNvPicPr>
           <p:nvPr/>
         </p:nvPicPr>
         <p:blipFill>
-          <a:blip r:embed="rId4"/>
+          <a:blip r:embed="rId3">
+            <a:extLst>
+              <a:ext uri="{28A0092B-C50C-407E-A947-70E740481C1C}">
+                <a14:useLocalDpi xmlns:a14="http://schemas.microsoft.com/office/drawing/2010/main" val="0"/>
+              </a:ext>
+            </a:extLst>
+          </a:blip>
+          <a:srcRect/>
           <a:stretch>
             <a:fillRect/>
           </a:stretch>
         </p:blipFill>
-        <p:spPr>
-          <a:xfrm>
-            <a:off x="10219654" y="2567446"/>
-            <a:ext cx="1379095" cy="682289"/>
-          </a:xfrm>
-          <a:prstGeom prst="rect">
-            <a:avLst/>
-          </a:prstGeom>
-        </p:spPr>
-      </p:pic>
-      <p:pic>
-        <p:nvPicPr>
-          <p:cNvPr id="15" name="Picture 14" descr="Chart&#10;&#10;Description automatically generated">
-            <a:extLst>
-              <a:ext uri="{FF2B5EF4-FFF2-40B4-BE49-F238E27FC236}">
-                <a16:creationId xmlns:a16="http://schemas.microsoft.com/office/drawing/2014/main" id="{5C1D3AAF-E13A-F648-8E52-6852D3B03EEA}"/>
-              </a:ext>
-            </a:extLst>
-          </p:cNvPr>
-          <p:cNvPicPr>
-            <a:picLocks noChangeAspect="1"/>
-          </p:cNvPicPr>
-          <p:nvPr/>
-        </p:nvPicPr>
-        <p:blipFill rotWithShape="1">
-          <a:blip r:embed="rId5"/>
-          <a:srcRect l="5433"/>
-          <a:stretch/>
-        </p:blipFill>
-        <p:spPr>
-          <a:xfrm>
-            <a:off x="7980136" y="3303129"/>
-            <a:ext cx="3784322" cy="3072131"/>
-          </a:xfrm>
-          <a:prstGeom prst="rect">
-            <a:avLst/>
-          </a:prstGeom>
-        </p:spPr>
-      </p:pic>
-      <p:sp>
-        <p:nvSpPr>
-          <p:cNvPr id="5" name="TextBox 4">
-            <a:extLst>
-              <a:ext uri="{FF2B5EF4-FFF2-40B4-BE49-F238E27FC236}">
-                <a16:creationId xmlns:a16="http://schemas.microsoft.com/office/drawing/2014/main" id="{0B4FDA4A-43AC-E840-8887-803C6543647F}"/>
-              </a:ext>
-            </a:extLst>
-          </p:cNvPr>
-          <p:cNvSpPr txBox="1"/>
-          <p:nvPr/>
-        </p:nvSpPr>
-        <p:spPr>
-          <a:xfrm>
-            <a:off x="1115568" y="6235700"/>
-            <a:ext cx="4361963" cy="369332"/>
+        <p:spPr bwMode="auto">
+          <a:xfrm>
+            <a:off x="6963732" y="2423197"/>
+            <a:ext cx="2908300" cy="2730500"/>
           </a:xfrm>
           <a:prstGeom prst="rect">
             <a:avLst/>
           </a:prstGeom>
           <a:noFill/>
+          <a:extLst>
+            <a:ext uri="{909E8E84-426E-40DD-AFC4-6F175D3DCCD1}">
+              <a14:hiddenFill xmlns:a14="http://schemas.microsoft.com/office/drawing/2010/main">
+                <a:solidFill>
+                  <a:srgbClr val="FFFFFF"/>
+                </a:solidFill>
+              </a14:hiddenFill>
+            </a:ext>
+          </a:extLst>
+        </p:spPr>
+      </p:pic>
+      <p:sp>
+        <p:nvSpPr>
+          <p:cNvPr id="4" name="TextBox 3">
+            <a:extLst>
+              <a:ext uri="{FF2B5EF4-FFF2-40B4-BE49-F238E27FC236}">
+                <a16:creationId xmlns:a16="http://schemas.microsoft.com/office/drawing/2014/main" id="{7EF969F9-2E31-BD48-B276-A3BB45DBA1ED}"/>
+              </a:ext>
+            </a:extLst>
+          </p:cNvPr>
+          <p:cNvSpPr txBox="1"/>
+          <p:nvPr/>
+        </p:nvSpPr>
+        <p:spPr>
+          <a:xfrm>
+            <a:off x="4056296" y="5476568"/>
+            <a:ext cx="2786019" cy="923330"/>
+          </a:xfrm>
+          <a:prstGeom prst="rect">
+            <a:avLst/>
+          </a:prstGeom>
+          <a:noFill/>
         </p:spPr>
         <p:txBody>
           <a:bodyPr wrap="none" rtlCol="0">
@@ -5059,29 +8082,44 @@
           </a:bodyPr>
           <a:lstStyle/>
           <a:p>
-            <a:r>
-              <a:rPr lang="en-US" dirty="0"/>
-              <a:t>https://</a:t>
-            </a:r>
-            <a:r>
-              <a:rPr lang="en-US" dirty="0" err="1"/>
-              <a:t>github.com</a:t>
-            </a:r>
-            <a:r>
-              <a:rPr lang="en-US" dirty="0"/>
-              <a:t>/</a:t>
-            </a:r>
-            <a:r>
-              <a:rPr lang="en-US" dirty="0" err="1"/>
-              <a:t>BYUCamachoLab</a:t>
-            </a:r>
-            <a:r>
-              <a:rPr lang="en-US" dirty="0"/>
-              <a:t>/</a:t>
-            </a:r>
-            <a:r>
-              <a:rPr lang="en-US" dirty="0" err="1"/>
-              <a:t>emepy</a:t>
+            <a:pPr algn="ctr"/>
+            <a:r>
+              <a:rPr lang="en-US" dirty="0">
+                <a:hlinkClick r:id="rId4"/>
+              </a:rPr>
+              <a:t>MEEP Yee Lattice </a:t>
+            </a:r>
+            <a:endParaRPr lang="en-US" dirty="0"/>
+          </a:p>
+          <a:p>
+            <a:pPr algn="ctr"/>
+            <a:r>
+              <a:rPr lang="en-US" dirty="0">
+                <a:hlinkClick r:id="rId5"/>
+              </a:rPr>
+              <a:t>MEEP FDTD Paper</a:t>
+            </a:r>
+            <a:endParaRPr lang="en-US" dirty="0"/>
+          </a:p>
+          <a:p>
+            <a:pPr algn="ctr"/>
+            <a:r>
+              <a:rPr lang="en-US" dirty="0">
+                <a:hlinkClick r:id="rId6"/>
+              </a:rPr>
+              <a:t>EMpy FD </a:t>
+            </a:r>
+            <a:r>
+              <a:rPr lang="en-US" dirty="0" err="1">
+                <a:hlinkClick r:id="rId6"/>
+              </a:rPr>
+              <a:t>Modesolver</a:t>
+            </a:r>
+            <a:r>
+              <a:rPr lang="en-US" dirty="0">
+                <a:hlinkClick r:id="rId6"/>
+              </a:rPr>
+              <a:t> Paper</a:t>
             </a:r>
             <a:endParaRPr lang="en-US" dirty="0"/>
           </a:p>
@@ -5090,7 +8128,7 @@
     </p:spTree>
     <p:extLst>
       <p:ext uri="{BB962C8B-B14F-4D97-AF65-F5344CB8AC3E}">
-        <p14:creationId xmlns:p14="http://schemas.microsoft.com/office/powerpoint/2010/main" val="1038235075"/>
+        <p14:creationId xmlns:p14="http://schemas.microsoft.com/office/powerpoint/2010/main" val="4269436048"/>
       </p:ext>
     </p:extLst>
   </p:cSld>
@@ -5379,7 +8417,7 @@
           <p:cNvPr id="2" name="Title 1">
             <a:extLst>
               <a:ext uri="{FF2B5EF4-FFF2-40B4-BE49-F238E27FC236}">
-                <a16:creationId xmlns:a16="http://schemas.microsoft.com/office/drawing/2014/main" id="{D9C38E07-FABB-044A-919D-33E773823B77}"/>
+                <a16:creationId xmlns:a16="http://schemas.microsoft.com/office/drawing/2014/main" id="{1DD5DCF3-C89C-8746-819B-D4371E64D810}"/>
               </a:ext>
             </a:extLst>
           </p:cNvPr>
@@ -5404,7 +8442,7 @@
           <a:p>
             <a:r>
               <a:rPr lang="en-US" sz="4000" dirty="0"/>
-              <a:t>EMEPy Recent Updates</a:t>
+              <a:t>Neural Network (Convolutional Autoencoder)</a:t>
             </a:r>
           </a:p>
         </p:txBody>
@@ -5482,7 +8520,7 @@
           <p:cNvPr id="4" name="TextBox 3">
             <a:extLst>
               <a:ext uri="{FF2B5EF4-FFF2-40B4-BE49-F238E27FC236}">
-                <a16:creationId xmlns:a16="http://schemas.microsoft.com/office/drawing/2014/main" id="{8CF70855-A80C-FE4E-9BC2-4C300903AB08}"/>
+                <a16:creationId xmlns:a16="http://schemas.microsoft.com/office/drawing/2014/main" id="{F39FBAF5-2EB0-9745-BCFB-86641D2A6311}"/>
               </a:ext>
             </a:extLst>
           </p:cNvPr>
@@ -5491,8 +8529,8 @@
         </p:nvSpPr>
         <p:spPr>
           <a:xfrm>
-            <a:off x="558209" y="2198114"/>
-            <a:ext cx="3101618" cy="369332"/>
+            <a:off x="4149568" y="5984359"/>
+            <a:ext cx="3892861" cy="646331"/>
           </a:xfrm>
           <a:prstGeom prst="rect">
             <a:avLst/>
@@ -5505,27 +8543,45 @@
           </a:bodyPr>
           <a:lstStyle/>
           <a:p>
-            <a:r>
-              <a:rPr lang="en-US" dirty="0"/>
-              <a:t>• </a:t>
-            </a:r>
-            <a:r>
-              <a:rPr lang="en-US" dirty="0" err="1"/>
-              <a:t>MultiMode</a:t>
-            </a:r>
-            <a:r>
-              <a:rPr lang="en-US" dirty="0"/>
-              <a:t> Field Propagation</a:t>
-            </a:r>
+            <a:pPr algn="ctr"/>
+            <a:r>
+              <a:rPr lang="en-US" dirty="0">
+                <a:hlinkClick r:id="rId2"/>
+              </a:rPr>
+              <a:t>Convolutional Autoencoder</a:t>
+            </a:r>
+            <a:endParaRPr lang="en-US" dirty="0"/>
+          </a:p>
+          <a:p>
+            <a:pPr algn="ctr"/>
+            <a:r>
+              <a:rPr lang="en-US" dirty="0">
+                <a:hlinkClick r:id="rId3"/>
+              </a:rPr>
+              <a:t>MIT </a:t>
+            </a:r>
+            <a:r>
+              <a:rPr lang="en-US" dirty="0" err="1">
+                <a:hlinkClick r:id="rId3"/>
+              </a:rPr>
+              <a:t>OpenCourseWare</a:t>
+            </a:r>
+            <a:r>
+              <a:rPr lang="en-US" dirty="0">
+                <a:hlinkClick r:id="rId3"/>
+              </a:rPr>
+              <a:t> Neural Networks</a:t>
+            </a:r>
+            <a:endParaRPr lang="en-US" dirty="0"/>
           </a:p>
         </p:txBody>
       </p:sp>
       <p:pic>
         <p:nvPicPr>
-          <p:cNvPr id="16" name="Picture 15">
-            <a:extLst>
-              <a:ext uri="{FF2B5EF4-FFF2-40B4-BE49-F238E27FC236}">
-                <a16:creationId xmlns:a16="http://schemas.microsoft.com/office/drawing/2014/main" id="{C63D2EF1-EE44-BE48-B6C6-2A12D14EAFC2}"/>
+          <p:cNvPr id="6" name="Picture 5" descr="Diagram, schematic&#10;&#10;Description automatically generated">
+            <a:extLst>
+              <a:ext uri="{FF2B5EF4-FFF2-40B4-BE49-F238E27FC236}">
+                <a16:creationId xmlns:a16="http://schemas.microsoft.com/office/drawing/2014/main" id="{8223FEF4-60B4-204F-950F-0D77B1C2CDCD}"/>
               </a:ext>
             </a:extLst>
           </p:cNvPr>
@@ -5535,120 +8591,15 @@
           <p:nvPr/>
         </p:nvPicPr>
         <p:blipFill>
-          <a:blip r:embed="rId2"/>
+          <a:blip r:embed="rId4"/>
           <a:stretch>
             <a:fillRect/>
           </a:stretch>
         </p:blipFill>
         <p:spPr>
           <a:xfrm>
-            <a:off x="191155" y="4714154"/>
-            <a:ext cx="5966189" cy="1760211"/>
-          </a:xfrm>
-          <a:prstGeom prst="rect">
-            <a:avLst/>
-          </a:prstGeom>
-        </p:spPr>
-      </p:pic>
-      <p:pic>
-        <p:nvPicPr>
-          <p:cNvPr id="17" name="Picture 16" descr="A screenshot of a computer&#10;&#10;Description automatically generated with low confidence">
-            <a:extLst>
-              <a:ext uri="{FF2B5EF4-FFF2-40B4-BE49-F238E27FC236}">
-                <a16:creationId xmlns:a16="http://schemas.microsoft.com/office/drawing/2014/main" id="{8967C241-874C-9B4A-BE67-37EF600776B5}"/>
-              </a:ext>
-            </a:extLst>
-          </p:cNvPr>
-          <p:cNvPicPr>
-            <a:picLocks noChangeAspect="1"/>
-          </p:cNvPicPr>
-          <p:nvPr/>
-        </p:nvPicPr>
-        <p:blipFill>
-          <a:blip r:embed="rId3"/>
-          <a:stretch>
-            <a:fillRect/>
-          </a:stretch>
-        </p:blipFill>
-        <p:spPr>
-          <a:xfrm>
-            <a:off x="191154" y="2855466"/>
-            <a:ext cx="5798340" cy="1781308"/>
-          </a:xfrm>
-          <a:prstGeom prst="rect">
-            <a:avLst/>
-          </a:prstGeom>
-        </p:spPr>
-      </p:pic>
-      <p:pic>
-        <p:nvPicPr>
-          <p:cNvPr id="1026" name="Picture 2" descr="image">
-            <a:extLst>
-              <a:ext uri="{FF2B5EF4-FFF2-40B4-BE49-F238E27FC236}">
-                <a16:creationId xmlns:a16="http://schemas.microsoft.com/office/drawing/2014/main" id="{4AA22A98-7771-4540-8906-B9AB737AE849}"/>
-              </a:ext>
-            </a:extLst>
-          </p:cNvPr>
-          <p:cNvPicPr>
-            <a:picLocks noChangeAspect="1" noChangeArrowheads="1"/>
-          </p:cNvPicPr>
-          <p:nvPr/>
-        </p:nvPicPr>
-        <p:blipFill rotWithShape="1">
-          <a:blip r:embed="rId4">
-            <a:extLst>
-              <a:ext uri="{28A0092B-C50C-407E-A947-70E740481C1C}">
-                <a14:useLocalDpi xmlns:a14="http://schemas.microsoft.com/office/drawing/2010/main" val="0"/>
-              </a:ext>
-            </a:extLst>
-          </a:blip>
-          <a:srcRect l="35405" r="27230"/>
-          <a:stretch/>
-        </p:blipFill>
-        <p:spPr bwMode="auto">
-          <a:xfrm rot="5400000">
-            <a:off x="8404777" y="732296"/>
-            <a:ext cx="2227092" cy="4965046"/>
-          </a:xfrm>
-          <a:prstGeom prst="rect">
-            <a:avLst/>
-          </a:prstGeom>
-          <a:noFill/>
-          <a:extLst>
-            <a:ext uri="{909E8E84-426E-40DD-AFC4-6F175D3DCCD1}">
-              <a14:hiddenFill xmlns:a14="http://schemas.microsoft.com/office/drawing/2010/main">
-                <a:solidFill>
-                  <a:srgbClr val="FFFFFF"/>
-                </a:solidFill>
-              </a14:hiddenFill>
-            </a:ext>
-          </a:extLst>
-        </p:spPr>
-      </p:pic>
-      <p:pic>
-        <p:nvPicPr>
-          <p:cNvPr id="7" name="Picture 6" descr="A screenshot of a computer&#10;&#10;Description automatically generated with medium confidence">
-            <a:extLst>
-              <a:ext uri="{FF2B5EF4-FFF2-40B4-BE49-F238E27FC236}">
-                <a16:creationId xmlns:a16="http://schemas.microsoft.com/office/drawing/2014/main" id="{D7CF39C3-02CE-2543-8BB0-60D87BF2344B}"/>
-              </a:ext>
-            </a:extLst>
-          </p:cNvPr>
-          <p:cNvPicPr>
-            <a:picLocks noChangeAspect="1"/>
-          </p:cNvPicPr>
-          <p:nvPr/>
-        </p:nvPicPr>
-        <p:blipFill>
-          <a:blip r:embed="rId5"/>
-          <a:stretch>
-            <a:fillRect/>
-          </a:stretch>
-        </p:blipFill>
-        <p:spPr>
-          <a:xfrm>
-            <a:off x="7251700" y="4459396"/>
-            <a:ext cx="4381317" cy="2163878"/>
+            <a:off x="1791324" y="2436058"/>
+            <a:ext cx="8609351" cy="3452616"/>
           </a:xfrm>
           <a:prstGeom prst="rect">
             <a:avLst/>
@@ -5658,7 +8609,7 @@
     </p:spTree>
     <p:extLst>
       <p:ext uri="{BB962C8B-B14F-4D97-AF65-F5344CB8AC3E}">
-        <p14:creationId xmlns:p14="http://schemas.microsoft.com/office/powerpoint/2010/main" val="4011504753"/>
+        <p14:creationId xmlns:p14="http://schemas.microsoft.com/office/powerpoint/2010/main" val="676375180"/>
       </p:ext>
     </p:extLst>
   </p:cSld>
@@ -5972,7 +8923,7 @@
           <a:p>
             <a:r>
               <a:rPr lang="en-US" sz="4000" dirty="0"/>
-              <a:t>EMEPy Inverse Design</a:t>
+              <a:t>EMEPy Overview</a:t>
             </a:r>
           </a:p>
         </p:txBody>
@@ -6045,6 +8996,35 @@
           </a:p>
         </p:txBody>
       </p:sp>
+      <p:pic>
+        <p:nvPicPr>
+          <p:cNvPr id="9" name="Content Placeholder 4">
+            <a:extLst>
+              <a:ext uri="{FF2B5EF4-FFF2-40B4-BE49-F238E27FC236}">
+                <a16:creationId xmlns:a16="http://schemas.microsoft.com/office/drawing/2014/main" id="{58A89E94-B15C-6640-8B33-B7098F7A04E3}"/>
+              </a:ext>
+            </a:extLst>
+          </p:cNvPr>
+          <p:cNvPicPr>
+            <a:picLocks noGrp="1" noChangeAspect="1"/>
+          </p:cNvPicPr>
+          <p:nvPr>
+            <p:ph idx="1"/>
+          </p:nvPr>
+        </p:nvPicPr>
+        <p:blipFill>
+          <a:blip r:embed="rId2"/>
+          <a:stretch>
+            <a:fillRect/>
+          </a:stretch>
+        </p:blipFill>
+        <p:spPr>
+          <a:xfrm>
+            <a:off x="558209" y="3762491"/>
+            <a:ext cx="6994385" cy="1326409"/>
+          </a:xfrm>
+        </p:spPr>
+      </p:pic>
       <p:sp>
         <p:nvSpPr>
           <p:cNvPr id="4" name="TextBox 3">
@@ -6059,8 +9039,8 @@
         </p:nvSpPr>
         <p:spPr>
           <a:xfrm>
-            <a:off x="2157919" y="4654529"/>
-            <a:ext cx="2018117" cy="369332"/>
+            <a:off x="566928" y="2375654"/>
+            <a:ext cx="7350410" cy="369332"/>
           </a:xfrm>
           <a:prstGeom prst="rect">
             <a:avLst/>
@@ -6075,17 +9055,17 @@
           <a:p>
             <a:r>
               <a:rPr lang="en-US" dirty="0"/>
-              <a:t>1) Overlap Integrals</a:t>
+              <a:t>• Convolutional Neural Networks (CNN) replace Finite Difference (FD) solver </a:t>
             </a:r>
           </a:p>
         </p:txBody>
       </p:sp>
       <p:pic>
         <p:nvPicPr>
-          <p:cNvPr id="5" name="Picture 4">
-            <a:extLst>
-              <a:ext uri="{FF2B5EF4-FFF2-40B4-BE49-F238E27FC236}">
-                <a16:creationId xmlns:a16="http://schemas.microsoft.com/office/drawing/2014/main" id="{2DD17BE4-C3B5-F641-88EF-8FF0E65027F4}"/>
+          <p:cNvPr id="11" name="Picture 10">
+            <a:extLst>
+              <a:ext uri="{FF2B5EF4-FFF2-40B4-BE49-F238E27FC236}">
+                <a16:creationId xmlns:a16="http://schemas.microsoft.com/office/drawing/2014/main" id="{11FAFFAA-0335-D048-B7DA-D56A78F21603}"/>
               </a:ext>
             </a:extLst>
           </p:cNvPr>
@@ -6095,14 +9075,14 @@
           <p:nvPr/>
         </p:nvPicPr>
         <p:blipFill rotWithShape="1">
-          <a:blip r:embed="rId2"/>
-          <a:srcRect t="18675" b="18675"/>
+          <a:blip r:embed="rId3"/>
+          <a:srcRect l="7284" r="15152"/>
           <a:stretch/>
         </p:blipFill>
         <p:spPr>
           <a:xfrm>
-            <a:off x="2422431" y="2382715"/>
-            <a:ext cx="1612900" cy="2092571"/>
+            <a:off x="8605610" y="2440179"/>
+            <a:ext cx="1379095" cy="914400"/>
           </a:xfrm>
           <a:prstGeom prst="rect">
             <a:avLst/>
@@ -6111,10 +9091,10 @@
       </p:pic>
       <p:pic>
         <p:nvPicPr>
-          <p:cNvPr id="9" name="Picture 8">
-            <a:extLst>
-              <a:ext uri="{FF2B5EF4-FFF2-40B4-BE49-F238E27FC236}">
-                <a16:creationId xmlns:a16="http://schemas.microsoft.com/office/drawing/2014/main" id="{7000F23A-3643-1C41-B3E6-BBE44263C576}"/>
+          <p:cNvPr id="13" name="Picture 12">
+            <a:extLst>
+              <a:ext uri="{FF2B5EF4-FFF2-40B4-BE49-F238E27FC236}">
+                <a16:creationId xmlns:a16="http://schemas.microsoft.com/office/drawing/2014/main" id="{757659BA-6D7F-5444-B0E3-191A94769802}"/>
               </a:ext>
             </a:extLst>
           </p:cNvPr>
@@ -6124,27 +9104,56 @@
           <p:nvPr/>
         </p:nvPicPr>
         <p:blipFill>
-          <a:blip r:embed="rId3"/>
+          <a:blip r:embed="rId4"/>
           <a:stretch>
             <a:fillRect/>
           </a:stretch>
         </p:blipFill>
         <p:spPr>
           <a:xfrm>
-            <a:off x="5372699" y="2806700"/>
-            <a:ext cx="5283200" cy="1244600"/>
+            <a:off x="10219654" y="2567446"/>
+            <a:ext cx="1379095" cy="682289"/>
           </a:xfrm>
           <a:prstGeom prst="rect">
             <a:avLst/>
           </a:prstGeom>
         </p:spPr>
       </p:pic>
+      <p:pic>
+        <p:nvPicPr>
+          <p:cNvPr id="15" name="Picture 14" descr="Chart&#10;&#10;Description automatically generated">
+            <a:extLst>
+              <a:ext uri="{FF2B5EF4-FFF2-40B4-BE49-F238E27FC236}">
+                <a16:creationId xmlns:a16="http://schemas.microsoft.com/office/drawing/2014/main" id="{5C1D3AAF-E13A-F648-8E52-6852D3B03EEA}"/>
+              </a:ext>
+            </a:extLst>
+          </p:cNvPr>
+          <p:cNvPicPr>
+            <a:picLocks noChangeAspect="1"/>
+          </p:cNvPicPr>
+          <p:nvPr/>
+        </p:nvPicPr>
+        <p:blipFill rotWithShape="1">
+          <a:blip r:embed="rId5"/>
+          <a:srcRect l="5433"/>
+          <a:stretch/>
+        </p:blipFill>
+        <p:spPr>
+          <a:xfrm>
+            <a:off x="7980136" y="3303129"/>
+            <a:ext cx="3784322" cy="3072131"/>
+          </a:xfrm>
+          <a:prstGeom prst="rect">
+            <a:avLst/>
+          </a:prstGeom>
+        </p:spPr>
+      </p:pic>
       <p:sp>
         <p:nvSpPr>
-          <p:cNvPr id="18" name="TextBox 17">
-            <a:extLst>
-              <a:ext uri="{FF2B5EF4-FFF2-40B4-BE49-F238E27FC236}">
-                <a16:creationId xmlns:a16="http://schemas.microsoft.com/office/drawing/2014/main" id="{628B37C0-4217-D341-B27F-C9CE534AD97B}"/>
+          <p:cNvPr id="3" name="TextBox 2">
+            <a:extLst>
+              <a:ext uri="{FF2B5EF4-FFF2-40B4-BE49-F238E27FC236}">
+                <a16:creationId xmlns:a16="http://schemas.microsoft.com/office/drawing/2014/main" id="{DF8B99BD-51D5-A740-BCD5-CC5FDC9E0771}"/>
               </a:ext>
             </a:extLst>
           </p:cNvPr>
@@ -6153,8 +9162,8 @@
         </p:nvSpPr>
         <p:spPr>
           <a:xfrm>
-            <a:off x="7071458" y="4290620"/>
-            <a:ext cx="2170274" cy="369332"/>
+            <a:off x="3333256" y="5565639"/>
+            <a:ext cx="2762744" cy="923330"/>
           </a:xfrm>
           <a:prstGeom prst="rect">
             <a:avLst/>
@@ -6167,9 +9176,30 @@
           </a:bodyPr>
           <a:lstStyle/>
           <a:p>
+            <a:pPr algn="ctr"/>
+            <a:r>
+              <a:rPr lang="en-US" dirty="0">
+                <a:hlinkClick r:id="rId6"/>
+              </a:rPr>
+              <a:t>EMEPy Docs</a:t>
+            </a:r>
+            <a:endParaRPr lang="en-US" dirty="0"/>
+          </a:p>
+          <a:p>
+            <a:pPr algn="ctr"/>
+            <a:r>
+              <a:rPr lang="en-US" dirty="0">
+                <a:hlinkClick r:id="rId7"/>
+              </a:rPr>
+              <a:t>CLEO EMEPy Paper</a:t>
+            </a:r>
+            <a:endParaRPr lang="en-US" dirty="0"/>
+          </a:p>
+          <a:p>
+            <a:pPr algn="ctr"/>
             <a:r>
               <a:rPr lang="en-US" dirty="0"/>
-              <a:t>2) Phase Propagation</a:t>
+              <a:t>Optics Letters EMEPy Paper</a:t>
             </a:r>
           </a:p>
         </p:txBody>
@@ -6177,7 +9207,7 @@
     </p:spTree>
     <p:extLst>
       <p:ext uri="{BB962C8B-B14F-4D97-AF65-F5344CB8AC3E}">
-        <p14:creationId xmlns:p14="http://schemas.microsoft.com/office/powerpoint/2010/main" val="3741293034"/>
+        <p14:creationId xmlns:p14="http://schemas.microsoft.com/office/powerpoint/2010/main" val="1038235075"/>
       </p:ext>
     </p:extLst>
   </p:cSld>
@@ -6491,7 +9521,7 @@
           <a:p>
             <a:r>
               <a:rPr lang="en-US" sz="4000" dirty="0"/>
-              <a:t>Density Based Inverse Design</a:t>
+              <a:t>EMEPy Recent Updates</a:t>
             </a:r>
           </a:p>
         </p:txBody>
@@ -6564,12 +9594,61 @@
           </a:p>
         </p:txBody>
       </p:sp>
+      <p:sp>
+        <p:nvSpPr>
+          <p:cNvPr id="4" name="TextBox 3">
+            <a:extLst>
+              <a:ext uri="{FF2B5EF4-FFF2-40B4-BE49-F238E27FC236}">
+                <a16:creationId xmlns:a16="http://schemas.microsoft.com/office/drawing/2014/main" id="{8CF70855-A80C-FE4E-9BC2-4C300903AB08}"/>
+              </a:ext>
+            </a:extLst>
+          </p:cNvPr>
+          <p:cNvSpPr txBox="1"/>
+          <p:nvPr/>
+        </p:nvSpPr>
+        <p:spPr>
+          <a:xfrm>
+            <a:off x="558209" y="2198114"/>
+            <a:ext cx="3612720" cy="646331"/>
+          </a:xfrm>
+          <a:prstGeom prst="rect">
+            <a:avLst/>
+          </a:prstGeom>
+          <a:noFill/>
+        </p:spPr>
+        <p:txBody>
+          <a:bodyPr wrap="none" rtlCol="0">
+            <a:spAutoFit/>
+          </a:bodyPr>
+          <a:lstStyle/>
+          <a:p>
+            <a:r>
+              <a:rPr lang="en-US" dirty="0"/>
+              <a:t>• </a:t>
+            </a:r>
+            <a:r>
+              <a:rPr lang="en-US" dirty="0" err="1"/>
+              <a:t>MultiMode</a:t>
+            </a:r>
+            <a:r>
+              <a:rPr lang="en-US" dirty="0"/>
+              <a:t> Field Propagation</a:t>
+            </a:r>
+          </a:p>
+          <a:p>
+            <a:r>
+              <a:rPr lang="en-US" dirty="0"/>
+              <a:t>• Recently discovered critical error!*</a:t>
+            </a:r>
+          </a:p>
+        </p:txBody>
+      </p:sp>
       <p:pic>
         <p:nvPicPr>
-          <p:cNvPr id="11" name="Picture 10" descr="Diagram&#10;&#10;Description automatically generated">
-            <a:extLst>
-              <a:ext uri="{FF2B5EF4-FFF2-40B4-BE49-F238E27FC236}">
-                <a16:creationId xmlns:a16="http://schemas.microsoft.com/office/drawing/2014/main" id="{E36ABB4B-5E77-4242-B35E-FFC4BF942036}"/>
+          <p:cNvPr id="16" name="Picture 15">
+            <a:extLst>
+              <a:ext uri="{FF2B5EF4-FFF2-40B4-BE49-F238E27FC236}">
+                <a16:creationId xmlns:a16="http://schemas.microsoft.com/office/drawing/2014/main" id="{C63D2EF1-EE44-BE48-B6C6-2A12D14EAFC2}"/>
               </a:ext>
             </a:extLst>
           </p:cNvPr>
@@ -6578,68 +9657,28 @@
           </p:cNvPicPr>
           <p:nvPr/>
         </p:nvPicPr>
-        <p:blipFill rotWithShape="1">
+        <p:blipFill>
           <a:blip r:embed="rId2"/>
-          <a:srcRect l="17198" t="65766" r="18560"/>
-          <a:stretch/>
+          <a:stretch>
+            <a:fillRect/>
+          </a:stretch>
         </p:blipFill>
         <p:spPr>
           <a:xfrm>
-            <a:off x="855859" y="3906273"/>
-            <a:ext cx="5899783" cy="1865843"/>
+            <a:off x="191155" y="4714154"/>
+            <a:ext cx="5966189" cy="1760211"/>
           </a:xfrm>
           <a:prstGeom prst="rect">
             <a:avLst/>
           </a:prstGeom>
         </p:spPr>
       </p:pic>
-      <p:sp>
-        <p:nvSpPr>
-          <p:cNvPr id="3" name="TextBox 2">
-            <a:extLst>
-              <a:ext uri="{FF2B5EF4-FFF2-40B4-BE49-F238E27FC236}">
-                <a16:creationId xmlns:a16="http://schemas.microsoft.com/office/drawing/2014/main" id="{344323E8-1D70-7D4F-A093-17C038035198}"/>
-              </a:ext>
-            </a:extLst>
-          </p:cNvPr>
-          <p:cNvSpPr txBox="1"/>
-          <p:nvPr/>
-        </p:nvSpPr>
-        <p:spPr>
-          <a:xfrm>
-            <a:off x="1009934" y="2567446"/>
-            <a:ext cx="3007105" cy="646331"/>
-          </a:xfrm>
-          <a:prstGeom prst="rect">
-            <a:avLst/>
-          </a:prstGeom>
-          <a:noFill/>
-        </p:spPr>
-        <p:txBody>
-          <a:bodyPr wrap="none" rtlCol="0">
-            <a:spAutoFit/>
-          </a:bodyPr>
-          <a:lstStyle/>
-          <a:p>
-            <a:r>
-              <a:rPr lang="en-US" dirty="0"/>
-              <a:t>• Pixel Based</a:t>
-            </a:r>
-          </a:p>
-          <a:p>
-            <a:r>
-              <a:rPr lang="en-US" dirty="0"/>
-              <a:t>• Binary material at each pixel</a:t>
-            </a:r>
-          </a:p>
-        </p:txBody>
-      </p:sp>
       <p:pic>
         <p:nvPicPr>
-          <p:cNvPr id="13" name="Picture 12" descr="A picture containing text&#10;&#10;Description automatically generated">
-            <a:extLst>
-              <a:ext uri="{FF2B5EF4-FFF2-40B4-BE49-F238E27FC236}">
-                <a16:creationId xmlns:a16="http://schemas.microsoft.com/office/drawing/2014/main" id="{D261156F-CBE4-7740-9CFB-C7188F102850}"/>
+          <p:cNvPr id="17" name="Picture 16" descr="A screenshot of a computer&#10;&#10;Description automatically generated with low confidence">
+            <a:extLst>
+              <a:ext uri="{FF2B5EF4-FFF2-40B4-BE49-F238E27FC236}">
+                <a16:creationId xmlns:a16="http://schemas.microsoft.com/office/drawing/2014/main" id="{8967C241-874C-9B4A-BE67-37EF600776B5}"/>
               </a:ext>
             </a:extLst>
           </p:cNvPr>
@@ -6656,8 +9695,83 @@
         </p:blipFill>
         <p:spPr>
           <a:xfrm>
-            <a:off x="7142109" y="2276856"/>
-            <a:ext cx="4580499" cy="4195351"/>
+            <a:off x="191154" y="2855466"/>
+            <a:ext cx="5798340" cy="1781308"/>
+          </a:xfrm>
+          <a:prstGeom prst="rect">
+            <a:avLst/>
+          </a:prstGeom>
+        </p:spPr>
+      </p:pic>
+      <p:pic>
+        <p:nvPicPr>
+          <p:cNvPr id="1026" name="Picture 2" descr="image">
+            <a:extLst>
+              <a:ext uri="{FF2B5EF4-FFF2-40B4-BE49-F238E27FC236}">
+                <a16:creationId xmlns:a16="http://schemas.microsoft.com/office/drawing/2014/main" id="{4AA22A98-7771-4540-8906-B9AB737AE849}"/>
+              </a:ext>
+            </a:extLst>
+          </p:cNvPr>
+          <p:cNvPicPr>
+            <a:picLocks noChangeAspect="1" noChangeArrowheads="1"/>
+          </p:cNvPicPr>
+          <p:nvPr/>
+        </p:nvPicPr>
+        <p:blipFill rotWithShape="1">
+          <a:blip r:embed="rId4">
+            <a:extLst>
+              <a:ext uri="{28A0092B-C50C-407E-A947-70E740481C1C}">
+                <a14:useLocalDpi xmlns:a14="http://schemas.microsoft.com/office/drawing/2010/main" val="0"/>
+              </a:ext>
+            </a:extLst>
+          </a:blip>
+          <a:srcRect l="35405" r="27230"/>
+          <a:stretch/>
+        </p:blipFill>
+        <p:spPr bwMode="auto">
+          <a:xfrm rot="5400000">
+            <a:off x="8404777" y="732296"/>
+            <a:ext cx="2227092" cy="4965046"/>
+          </a:xfrm>
+          <a:prstGeom prst="rect">
+            <a:avLst/>
+          </a:prstGeom>
+          <a:noFill/>
+          <a:extLst>
+            <a:ext uri="{909E8E84-426E-40DD-AFC4-6F175D3DCCD1}">
+              <a14:hiddenFill xmlns:a14="http://schemas.microsoft.com/office/drawing/2010/main">
+                <a:solidFill>
+                  <a:srgbClr val="FFFFFF"/>
+                </a:solidFill>
+              </a14:hiddenFill>
+            </a:ext>
+          </a:extLst>
+        </p:spPr>
+      </p:pic>
+      <p:pic>
+        <p:nvPicPr>
+          <p:cNvPr id="7" name="Picture 6" descr="A screenshot of a computer&#10;&#10;Description automatically generated with medium confidence">
+            <a:extLst>
+              <a:ext uri="{FF2B5EF4-FFF2-40B4-BE49-F238E27FC236}">
+                <a16:creationId xmlns:a16="http://schemas.microsoft.com/office/drawing/2014/main" id="{D7CF39C3-02CE-2543-8BB0-60D87BF2344B}"/>
+              </a:ext>
+            </a:extLst>
+          </p:cNvPr>
+          <p:cNvPicPr>
+            <a:picLocks noChangeAspect="1"/>
+          </p:cNvPicPr>
+          <p:nvPr/>
+        </p:nvPicPr>
+        <p:blipFill>
+          <a:blip r:embed="rId5"/>
+          <a:stretch>
+            <a:fillRect/>
+          </a:stretch>
+        </p:blipFill>
+        <p:spPr>
+          <a:xfrm>
+            <a:off x="7251700" y="4459396"/>
+            <a:ext cx="4381317" cy="2163878"/>
           </a:xfrm>
           <a:prstGeom prst="rect">
             <a:avLst/>
@@ -6667,7 +9781,7 @@
     </p:spTree>
     <p:extLst>
       <p:ext uri="{BB962C8B-B14F-4D97-AF65-F5344CB8AC3E}">
-        <p14:creationId xmlns:p14="http://schemas.microsoft.com/office/powerpoint/2010/main" val="4189665955"/>
+        <p14:creationId xmlns:p14="http://schemas.microsoft.com/office/powerpoint/2010/main" val="4011504753"/>
       </p:ext>
     </p:extLst>
   </p:cSld>
@@ -6981,7 +10095,7 @@
           <a:p>
             <a:r>
               <a:rPr lang="en-US" sz="4000" dirty="0"/>
-              <a:t>Density Based Inverse Design Limitations</a:t>
+              <a:t>EMEPy Inverse Design</a:t>
             </a:r>
           </a:p>
         </p:txBody>
@@ -7054,12 +10168,47 @@
           </a:p>
         </p:txBody>
       </p:sp>
+      <p:sp>
+        <p:nvSpPr>
+          <p:cNvPr id="4" name="TextBox 3">
+            <a:extLst>
+              <a:ext uri="{FF2B5EF4-FFF2-40B4-BE49-F238E27FC236}">
+                <a16:creationId xmlns:a16="http://schemas.microsoft.com/office/drawing/2014/main" id="{8CF70855-A80C-FE4E-9BC2-4C300903AB08}"/>
+              </a:ext>
+            </a:extLst>
+          </p:cNvPr>
+          <p:cNvSpPr txBox="1"/>
+          <p:nvPr/>
+        </p:nvSpPr>
+        <p:spPr>
+          <a:xfrm>
+            <a:off x="2157919" y="4654529"/>
+            <a:ext cx="2018117" cy="369332"/>
+          </a:xfrm>
+          <a:prstGeom prst="rect">
+            <a:avLst/>
+          </a:prstGeom>
+          <a:noFill/>
+        </p:spPr>
+        <p:txBody>
+          <a:bodyPr wrap="none" rtlCol="0">
+            <a:spAutoFit/>
+          </a:bodyPr>
+          <a:lstStyle/>
+          <a:p>
+            <a:r>
+              <a:rPr lang="en-US" dirty="0"/>
+              <a:t>1) Overlap Integrals</a:t>
+            </a:r>
+          </a:p>
+        </p:txBody>
+      </p:sp>
       <p:pic>
         <p:nvPicPr>
-          <p:cNvPr id="11" name="Picture 10" descr="Diagram&#10;&#10;Description automatically generated">
-            <a:extLst>
-              <a:ext uri="{FF2B5EF4-FFF2-40B4-BE49-F238E27FC236}">
-                <a16:creationId xmlns:a16="http://schemas.microsoft.com/office/drawing/2014/main" id="{E36ABB4B-5E77-4242-B35E-FFC4BF942036}"/>
+          <p:cNvPr id="5" name="Picture 4">
+            <a:extLst>
+              <a:ext uri="{FF2B5EF4-FFF2-40B4-BE49-F238E27FC236}">
+                <a16:creationId xmlns:a16="http://schemas.microsoft.com/office/drawing/2014/main" id="{2DD17BE4-C3B5-F641-88EF-8FF0E65027F4}"/>
               </a:ext>
             </a:extLst>
           </p:cNvPr>
@@ -7070,25 +10219,55 @@
         </p:nvPicPr>
         <p:blipFill rotWithShape="1">
           <a:blip r:embed="rId2"/>
-          <a:srcRect l="17198" t="65766" r="18560" b="9499"/>
+          <a:srcRect t="18675" b="18675"/>
           <a:stretch/>
         </p:blipFill>
         <p:spPr>
           <a:xfrm>
-            <a:off x="1678531" y="3885792"/>
-            <a:ext cx="8834937" cy="2018805"/>
+            <a:off x="2422431" y="2382715"/>
+            <a:ext cx="1612900" cy="2092571"/>
           </a:xfrm>
           <a:prstGeom prst="rect">
             <a:avLst/>
           </a:prstGeom>
         </p:spPr>
       </p:pic>
+      <p:pic>
+        <p:nvPicPr>
+          <p:cNvPr id="9" name="Picture 8">
+            <a:extLst>
+              <a:ext uri="{FF2B5EF4-FFF2-40B4-BE49-F238E27FC236}">
+                <a16:creationId xmlns:a16="http://schemas.microsoft.com/office/drawing/2014/main" id="{7000F23A-3643-1C41-B3E6-BBE44263C576}"/>
+              </a:ext>
+            </a:extLst>
+          </p:cNvPr>
+          <p:cNvPicPr>
+            <a:picLocks noChangeAspect="1"/>
+          </p:cNvPicPr>
+          <p:nvPr/>
+        </p:nvPicPr>
+        <p:blipFill>
+          <a:blip r:embed="rId3"/>
+          <a:stretch>
+            <a:fillRect/>
+          </a:stretch>
+        </p:blipFill>
+        <p:spPr>
+          <a:xfrm>
+            <a:off x="5372699" y="2806700"/>
+            <a:ext cx="5283200" cy="1244600"/>
+          </a:xfrm>
+          <a:prstGeom prst="rect">
+            <a:avLst/>
+          </a:prstGeom>
+        </p:spPr>
+      </p:pic>
       <p:sp>
         <p:nvSpPr>
-          <p:cNvPr id="3" name="TextBox 2">
-            <a:extLst>
-              <a:ext uri="{FF2B5EF4-FFF2-40B4-BE49-F238E27FC236}">
-                <a16:creationId xmlns:a16="http://schemas.microsoft.com/office/drawing/2014/main" id="{344323E8-1D70-7D4F-A093-17C038035198}"/>
+          <p:cNvPr id="18" name="TextBox 17">
+            <a:extLst>
+              <a:ext uri="{FF2B5EF4-FFF2-40B4-BE49-F238E27FC236}">
+                <a16:creationId xmlns:a16="http://schemas.microsoft.com/office/drawing/2014/main" id="{628B37C0-4217-D341-B27F-C9CE534AD97B}"/>
               </a:ext>
             </a:extLst>
           </p:cNvPr>
@@ -7097,8 +10276,8 @@
         </p:nvSpPr>
         <p:spPr>
           <a:xfrm>
-            <a:off x="1009934" y="2567446"/>
-            <a:ext cx="5266057" cy="923330"/>
+            <a:off x="7071458" y="4290620"/>
+            <a:ext cx="2170274" cy="369332"/>
           </a:xfrm>
           <a:prstGeom prst="rect">
             <a:avLst/>
@@ -7113,19 +10292,7 @@
           <a:p>
             <a:r>
               <a:rPr lang="en-US" dirty="0"/>
-              <a:t>• EME Breaks Down!</a:t>
-            </a:r>
-          </a:p>
-          <a:p>
-            <a:r>
-              <a:rPr lang="en-US" dirty="0"/>
-              <a:t>• EME implies adiabatic structures</a:t>
-            </a:r>
-          </a:p>
-          <a:p>
-            <a:r>
-              <a:rPr lang="en-US" dirty="0"/>
-              <a:t>• Density based needs to be localized to form features</a:t>
+              <a:t>2) Phase Propagation</a:t>
             </a:r>
           </a:p>
         </p:txBody>
@@ -7133,7 +10300,7 @@
     </p:spTree>
     <p:extLst>
       <p:ext uri="{BB962C8B-B14F-4D97-AF65-F5344CB8AC3E}">
-        <p14:creationId xmlns:p14="http://schemas.microsoft.com/office/powerpoint/2010/main" val="348007349"/>
+        <p14:creationId xmlns:p14="http://schemas.microsoft.com/office/powerpoint/2010/main" val="3741293034"/>
       </p:ext>
     </p:extLst>
   </p:cSld>
@@ -7447,7 +10614,7 @@
           <a:p>
             <a:r>
               <a:rPr lang="en-US" sz="4000" dirty="0"/>
-              <a:t>Level Set Based Inverse Design</a:t>
+              <a:t>Density Based Inverse Design</a:t>
             </a:r>
           </a:p>
         </p:txBody>
@@ -7520,10 +10687,648 @@
           </a:p>
         </p:txBody>
       </p:sp>
+      <p:pic>
+        <p:nvPicPr>
+          <p:cNvPr id="11" name="Picture 10" descr="Diagram&#10;&#10;Description automatically generated">
+            <a:extLst>
+              <a:ext uri="{FF2B5EF4-FFF2-40B4-BE49-F238E27FC236}">
+                <a16:creationId xmlns:a16="http://schemas.microsoft.com/office/drawing/2014/main" id="{E36ABB4B-5E77-4242-B35E-FFC4BF942036}"/>
+              </a:ext>
+            </a:extLst>
+          </p:cNvPr>
+          <p:cNvPicPr>
+            <a:picLocks noChangeAspect="1"/>
+          </p:cNvPicPr>
+          <p:nvPr/>
+        </p:nvPicPr>
+        <p:blipFill rotWithShape="1">
+          <a:blip r:embed="rId2"/>
+          <a:srcRect l="17198" t="65766" r="18560"/>
+          <a:stretch/>
+        </p:blipFill>
+        <p:spPr>
+          <a:xfrm>
+            <a:off x="899402" y="3505481"/>
+            <a:ext cx="5899783" cy="1865843"/>
+          </a:xfrm>
+          <a:prstGeom prst="rect">
+            <a:avLst/>
+          </a:prstGeom>
+        </p:spPr>
+      </p:pic>
+      <p:sp>
+        <p:nvSpPr>
+          <p:cNvPr id="3" name="TextBox 2">
+            <a:extLst>
+              <a:ext uri="{FF2B5EF4-FFF2-40B4-BE49-F238E27FC236}">
+                <a16:creationId xmlns:a16="http://schemas.microsoft.com/office/drawing/2014/main" id="{344323E8-1D70-7D4F-A093-17C038035198}"/>
+              </a:ext>
+            </a:extLst>
+          </p:cNvPr>
+          <p:cNvSpPr txBox="1"/>
+          <p:nvPr/>
+        </p:nvSpPr>
+        <p:spPr>
+          <a:xfrm>
+            <a:off x="1009934" y="2567446"/>
+            <a:ext cx="3007105" cy="646331"/>
+          </a:xfrm>
+          <a:prstGeom prst="rect">
+            <a:avLst/>
+          </a:prstGeom>
+          <a:noFill/>
+        </p:spPr>
+        <p:txBody>
+          <a:bodyPr wrap="none" rtlCol="0">
+            <a:spAutoFit/>
+          </a:bodyPr>
+          <a:lstStyle/>
+          <a:p>
+            <a:r>
+              <a:rPr lang="en-US" dirty="0"/>
+              <a:t>• Pixel Based</a:t>
+            </a:r>
+          </a:p>
+          <a:p>
+            <a:r>
+              <a:rPr lang="en-US" dirty="0"/>
+              <a:t>• Binary material at each pixel</a:t>
+            </a:r>
+          </a:p>
+        </p:txBody>
+      </p:sp>
+      <p:pic>
+        <p:nvPicPr>
+          <p:cNvPr id="13" name="Picture 12" descr="A picture containing text&#10;&#10;Description automatically generated">
+            <a:extLst>
+              <a:ext uri="{FF2B5EF4-FFF2-40B4-BE49-F238E27FC236}">
+                <a16:creationId xmlns:a16="http://schemas.microsoft.com/office/drawing/2014/main" id="{D261156F-CBE4-7740-9CFB-C7188F102850}"/>
+              </a:ext>
+            </a:extLst>
+          </p:cNvPr>
+          <p:cNvPicPr>
+            <a:picLocks noChangeAspect="1"/>
+          </p:cNvPicPr>
+          <p:nvPr/>
+        </p:nvPicPr>
+        <p:blipFill>
+          <a:blip r:embed="rId3"/>
+          <a:stretch>
+            <a:fillRect/>
+          </a:stretch>
+        </p:blipFill>
+        <p:spPr>
+          <a:xfrm>
+            <a:off x="7142109" y="2276856"/>
+            <a:ext cx="4580499" cy="4195351"/>
+          </a:xfrm>
+          <a:prstGeom prst="rect">
+            <a:avLst/>
+          </a:prstGeom>
+        </p:spPr>
+      </p:pic>
+      <p:sp>
+        <p:nvSpPr>
+          <p:cNvPr id="4" name="TextBox 3">
+            <a:extLst>
+              <a:ext uri="{FF2B5EF4-FFF2-40B4-BE49-F238E27FC236}">
+                <a16:creationId xmlns:a16="http://schemas.microsoft.com/office/drawing/2014/main" id="{4DEC65A0-BB71-F348-AAFD-9DF3CCC5311B}"/>
+              </a:ext>
+            </a:extLst>
+          </p:cNvPr>
+          <p:cNvSpPr txBox="1"/>
+          <p:nvPr/>
+        </p:nvSpPr>
+        <p:spPr>
+          <a:xfrm>
+            <a:off x="1654934" y="5560664"/>
+            <a:ext cx="4486998" cy="923330"/>
+          </a:xfrm>
+          <a:prstGeom prst="rect">
+            <a:avLst/>
+          </a:prstGeom>
+          <a:noFill/>
+        </p:spPr>
+        <p:txBody>
+          <a:bodyPr wrap="none" rtlCol="0">
+            <a:spAutoFit/>
+          </a:bodyPr>
+          <a:lstStyle/>
+          <a:p>
+            <a:pPr algn="ctr"/>
+            <a:r>
+              <a:rPr lang="en-US" dirty="0">
+                <a:hlinkClick r:id="rId4"/>
+              </a:rPr>
+              <a:t>Quantum Emitter Topology Optimization (FiO)</a:t>
+            </a:r>
+            <a:endParaRPr lang="en-US" dirty="0"/>
+          </a:p>
+          <a:p>
+            <a:pPr algn="ctr"/>
+            <a:r>
+              <a:rPr lang="en-US" dirty="0">
+                <a:hlinkClick r:id="rId5"/>
+              </a:rPr>
+              <a:t>Photonic TopOpt for Foundry Design</a:t>
+            </a:r>
+            <a:endParaRPr lang="en-US" dirty="0"/>
+          </a:p>
+          <a:p>
+            <a:pPr algn="ctr"/>
+            <a:r>
+              <a:rPr lang="en-US" dirty="0">
+                <a:hlinkClick r:id="rId6"/>
+              </a:rPr>
+              <a:t>Hybrid Time/Frequency-Domain TopOpt</a:t>
+            </a:r>
+            <a:endParaRPr lang="en-US" dirty="0"/>
+          </a:p>
+        </p:txBody>
+      </p:sp>
     </p:spTree>
     <p:extLst>
       <p:ext uri="{BB962C8B-B14F-4D97-AF65-F5344CB8AC3E}">
-        <p14:creationId xmlns:p14="http://schemas.microsoft.com/office/powerpoint/2010/main" val="1737778893"/>
+        <p14:creationId xmlns:p14="http://schemas.microsoft.com/office/powerpoint/2010/main" val="4189665955"/>
+      </p:ext>
+    </p:extLst>
+  </p:cSld>
+  <p:clrMapOvr>
+    <a:masterClrMapping/>
+  </p:clrMapOvr>
+</p:sld>
+</file>
+
+<file path=ppt/slides/slide9.xml><?xml version="1.0" encoding="utf-8"?>
+<p:sld xmlns:a="http://schemas.openxmlformats.org/drawingml/2006/main" xmlns:r="http://schemas.openxmlformats.org/officeDocument/2006/relationships" xmlns:p="http://schemas.openxmlformats.org/presentationml/2006/main">
+  <p:cSld>
+    <p:bg>
+      <p:bgPr>
+        <a:solidFill>
+          <a:schemeClr val="bg1"/>
+        </a:solidFill>
+        <a:effectLst/>
+      </p:bgPr>
+    </p:bg>
+    <p:spTree>
+      <p:nvGrpSpPr>
+        <p:cNvPr id="1" name=""/>
+        <p:cNvGrpSpPr/>
+        <p:nvPr/>
+      </p:nvGrpSpPr>
+      <p:grpSpPr>
+        <a:xfrm>
+          <a:off x="0" y="0"/>
+          <a:ext cx="0" cy="0"/>
+          <a:chOff x="0" y="0"/>
+          <a:chExt cx="0" cy="0"/>
+        </a:xfrm>
+      </p:grpSpPr>
+      <p:sp useBgFill="1">
+        <p:nvSpPr>
+          <p:cNvPr id="8" name="Rectangle 7">
+            <a:extLst>
+              <a:ext uri="{FF2B5EF4-FFF2-40B4-BE49-F238E27FC236}">
+                <a16:creationId xmlns:a16="http://schemas.microsoft.com/office/drawing/2014/main" id="{DAF1966E-FD40-4A4A-B61B-C4DF7FA05F06}"/>
+              </a:ext>
+              <a:ext uri="{C183D7F6-B498-43B3-948B-1728B52AA6E4}">
+                <adec:decorative xmlns:adec="http://schemas.microsoft.com/office/drawing/2017/decorative" val="1"/>
+              </a:ext>
+            </a:extLst>
+          </p:cNvPr>
+          <p:cNvSpPr>
+            <a:spLocks noGrp="1" noRot="1" noChangeAspect="1" noMove="1" noResize="1" noEditPoints="1" noAdjustHandles="1" noChangeArrowheads="1" noChangeShapeType="1" noTextEdit="1"/>
+          </p:cNvSpPr>
+          <p:nvPr>
+            <p:extLst>
+              <p:ext uri="{386F3935-93C4-4BCD-93E2-E3B085C9AB24}">
+                <p16:designElem xmlns:p16="http://schemas.microsoft.com/office/powerpoint/2015/main" val="1"/>
+              </p:ext>
+            </p:extLst>
+          </p:nvPr>
+        </p:nvSpPr>
+        <p:spPr>
+          <a:xfrm>
+            <a:off x="0" y="0"/>
+            <a:ext cx="12192000" cy="6858000"/>
+          </a:xfrm>
+          <a:prstGeom prst="rect">
+            <a:avLst/>
+          </a:prstGeom>
+          <a:ln>
+            <a:noFill/>
+          </a:ln>
+        </p:spPr>
+        <p:style>
+          <a:lnRef idx="2">
+            <a:schemeClr val="accent1">
+              <a:shade val="50000"/>
+            </a:schemeClr>
+          </a:lnRef>
+          <a:fillRef idx="1">
+            <a:schemeClr val="accent1"/>
+          </a:fillRef>
+          <a:effectRef idx="0">
+            <a:schemeClr val="accent1"/>
+          </a:effectRef>
+          <a:fontRef idx="minor">
+            <a:schemeClr val="lt1"/>
+          </a:fontRef>
+        </p:style>
+        <p:txBody>
+          <a:bodyPr rtlCol="0" anchor="ctr"/>
+          <a:lstStyle/>
+          <a:p>
+            <a:pPr algn="ctr"/>
+            <a:endParaRPr lang="en-US"/>
+          </a:p>
+        </p:txBody>
+      </p:sp>
+      <p:sp useBgFill="1">
+        <p:nvSpPr>
+          <p:cNvPr id="10" name="Rectangle 9">
+            <a:extLst>
+              <a:ext uri="{FF2B5EF4-FFF2-40B4-BE49-F238E27FC236}">
+                <a16:creationId xmlns:a16="http://schemas.microsoft.com/office/drawing/2014/main" id="{047BFA19-D45E-416B-A404-7AF2F3F27017}"/>
+              </a:ext>
+              <a:ext uri="{C183D7F6-B498-43B3-948B-1728B52AA6E4}">
+                <adec:decorative xmlns:adec="http://schemas.microsoft.com/office/drawing/2017/decorative" val="1"/>
+              </a:ext>
+            </a:extLst>
+          </p:cNvPr>
+          <p:cNvSpPr>
+            <a:spLocks noGrp="1" noRot="1" noChangeAspect="1" noMove="1" noResize="1" noEditPoints="1" noAdjustHandles="1" noChangeArrowheads="1" noChangeShapeType="1" noTextEdit="1"/>
+          </p:cNvSpPr>
+          <p:nvPr>
+            <p:extLst>
+              <p:ext uri="{386F3935-93C4-4BCD-93E2-E3B085C9AB24}">
+                <p16:designElem xmlns:p16="http://schemas.microsoft.com/office/powerpoint/2015/main" val="1"/>
+              </p:ext>
+            </p:extLst>
+          </p:nvPr>
+        </p:nvSpPr>
+        <p:spPr>
+          <a:xfrm>
+            <a:off x="558209" y="0"/>
+            <a:ext cx="11167447" cy="2018806"/>
+          </a:xfrm>
+          <a:prstGeom prst="rect">
+            <a:avLst/>
+          </a:prstGeom>
+          <a:ln w="9525">
+            <a:solidFill>
+              <a:srgbClr val="E1E1E1"/>
+            </a:solidFill>
+          </a:ln>
+          <a:effectLst>
+            <a:outerShdw blurRad="50800" dist="38100" dir="2700000" algn="tl" rotWithShape="0">
+              <a:schemeClr val="bg1">
+                <a:lumMod val="85000"/>
+                <a:alpha val="50000"/>
+              </a:schemeClr>
+            </a:outerShdw>
+          </a:effectLst>
+        </p:spPr>
+        <p:style>
+          <a:lnRef idx="2">
+            <a:schemeClr val="accent1">
+              <a:shade val="50000"/>
+            </a:schemeClr>
+          </a:lnRef>
+          <a:fillRef idx="1">
+            <a:schemeClr val="accent1"/>
+          </a:fillRef>
+          <a:effectRef idx="0">
+            <a:schemeClr val="accent1"/>
+          </a:effectRef>
+          <a:fontRef idx="minor">
+            <a:schemeClr val="lt1"/>
+          </a:fontRef>
+        </p:style>
+        <p:txBody>
+          <a:bodyPr rtlCol="0" anchor="ctr"/>
+          <a:lstStyle/>
+          <a:p>
+            <a:pPr marL="0" marR="0" lvl="0" indent="0" algn="ctr" defTabSz="914400" rtl="0" eaLnBrk="1" fontAlgn="auto" latinLnBrk="0" hangingPunct="1">
+              <a:lnSpc>
+                <a:spcPct val="100000"/>
+              </a:lnSpc>
+              <a:spcBef>
+                <a:spcPts val="0"/>
+              </a:spcBef>
+              <a:spcAft>
+                <a:spcPts val="0"/>
+              </a:spcAft>
+              <a:buClrTx/>
+              <a:buSzTx/>
+              <a:buFontTx/>
+              <a:buNone/>
+              <a:tabLst/>
+              <a:defRPr/>
+            </a:pPr>
+            <a:endParaRPr kumimoji="0" lang="en-US" sz="1800" b="0" i="0" u="none" strike="noStrike" kern="1200" cap="none" spc="0" normalizeH="0" baseline="0" noProof="0">
+              <a:ln>
+                <a:noFill/>
+              </a:ln>
+              <a:solidFill>
+                <a:prstClr val="white"/>
+              </a:solidFill>
+              <a:effectLst/>
+              <a:uLnTx/>
+              <a:uFillTx/>
+              <a:latin typeface="Calibri" panose="020F0502020204030204"/>
+              <a:ea typeface="+mn-ea"/>
+              <a:cs typeface="+mn-cs"/>
+            </a:endParaRPr>
+          </a:p>
+        </p:txBody>
+      </p:sp>
+      <p:sp useBgFill="1">
+        <p:nvSpPr>
+          <p:cNvPr id="12" name="Rectangle 11">
+            <a:extLst>
+              <a:ext uri="{FF2B5EF4-FFF2-40B4-BE49-F238E27FC236}">
+                <a16:creationId xmlns:a16="http://schemas.microsoft.com/office/drawing/2014/main" id="{8E0105E7-23DB-4CF2-8258-FF47C7620F6E}"/>
+              </a:ext>
+              <a:ext uri="{C183D7F6-B498-43B3-948B-1728B52AA6E4}">
+                <adec:decorative xmlns:adec="http://schemas.microsoft.com/office/drawing/2017/decorative" val="1"/>
+              </a:ext>
+            </a:extLst>
+          </p:cNvPr>
+          <p:cNvSpPr>
+            <a:spLocks noGrp="1" noRot="1" noChangeAspect="1" noMove="1" noResize="1" noEditPoints="1" noAdjustHandles="1" noChangeArrowheads="1" noChangeShapeType="1" noTextEdit="1"/>
+          </p:cNvSpPr>
+          <p:nvPr>
+            <p:extLst>
+              <p:ext uri="{386F3935-93C4-4BCD-93E2-E3B085C9AB24}">
+                <p16:designElem xmlns:p16="http://schemas.microsoft.com/office/powerpoint/2015/main" val="1"/>
+              </p:ext>
+            </p:extLst>
+          </p:nvPr>
+        </p:nvSpPr>
+        <p:spPr>
+          <a:xfrm>
+            <a:off x="566928" y="0"/>
+            <a:ext cx="11155680" cy="2011680"/>
+          </a:xfrm>
+          <a:prstGeom prst="rect">
+            <a:avLst/>
+          </a:prstGeom>
+          <a:ln w="9525">
+            <a:noFill/>
+          </a:ln>
+          <a:effectLst/>
+        </p:spPr>
+        <p:style>
+          <a:lnRef idx="2">
+            <a:schemeClr val="accent1">
+              <a:shade val="50000"/>
+            </a:schemeClr>
+          </a:lnRef>
+          <a:fillRef idx="1">
+            <a:schemeClr val="accent1"/>
+          </a:fillRef>
+          <a:effectRef idx="0">
+            <a:schemeClr val="accent1"/>
+          </a:effectRef>
+          <a:fontRef idx="minor">
+            <a:schemeClr val="lt1"/>
+          </a:fontRef>
+        </p:style>
+        <p:txBody>
+          <a:bodyPr rtlCol="0" anchor="ctr"/>
+          <a:lstStyle/>
+          <a:p>
+            <a:pPr marL="0" marR="0" lvl="0" indent="0" algn="ctr" defTabSz="914400" rtl="0" eaLnBrk="1" fontAlgn="auto" latinLnBrk="0" hangingPunct="1">
+              <a:lnSpc>
+                <a:spcPct val="100000"/>
+              </a:lnSpc>
+              <a:spcBef>
+                <a:spcPts val="0"/>
+              </a:spcBef>
+              <a:spcAft>
+                <a:spcPts val="0"/>
+              </a:spcAft>
+              <a:buClrTx/>
+              <a:buSzTx/>
+              <a:buFontTx/>
+              <a:buNone/>
+              <a:tabLst/>
+              <a:defRPr/>
+            </a:pPr>
+            <a:endParaRPr kumimoji="0" lang="en-US" sz="1800" b="0" i="0" u="none" strike="noStrike" kern="1200" cap="none" spc="0" normalizeH="0" baseline="0" noProof="0">
+              <a:ln>
+                <a:noFill/>
+              </a:ln>
+              <a:solidFill>
+                <a:prstClr val="white"/>
+              </a:solidFill>
+              <a:effectLst/>
+              <a:uLnTx/>
+              <a:uFillTx/>
+              <a:latin typeface="Calibri" panose="020F0502020204030204"/>
+              <a:ea typeface="+mn-ea"/>
+              <a:cs typeface="+mn-cs"/>
+            </a:endParaRPr>
+          </a:p>
+        </p:txBody>
+      </p:sp>
+      <p:sp>
+        <p:nvSpPr>
+          <p:cNvPr id="2" name="Title 1">
+            <a:extLst>
+              <a:ext uri="{FF2B5EF4-FFF2-40B4-BE49-F238E27FC236}">
+                <a16:creationId xmlns:a16="http://schemas.microsoft.com/office/drawing/2014/main" id="{D9C38E07-FABB-044A-919D-33E773823B77}"/>
+              </a:ext>
+            </a:extLst>
+          </p:cNvPr>
+          <p:cNvSpPr>
+            <a:spLocks noGrp="1"/>
+          </p:cNvSpPr>
+          <p:nvPr>
+            <p:ph type="title"/>
+          </p:nvPr>
+        </p:nvSpPr>
+        <p:spPr>
+          <a:xfrm>
+            <a:off x="1115568" y="548640"/>
+            <a:ext cx="10168128" cy="1179576"/>
+          </a:xfrm>
+        </p:spPr>
+        <p:txBody>
+          <a:bodyPr>
+            <a:normAutofit/>
+          </a:bodyPr>
+          <a:lstStyle/>
+          <a:p>
+            <a:r>
+              <a:rPr lang="en-US" sz="4000" dirty="0"/>
+              <a:t>Density Based Inverse Design Broadband Robust</a:t>
+            </a:r>
+          </a:p>
+        </p:txBody>
+      </p:sp>
+      <p:sp>
+        <p:nvSpPr>
+          <p:cNvPr id="14" name="Rectangle 13">
+            <a:extLst>
+              <a:ext uri="{FF2B5EF4-FFF2-40B4-BE49-F238E27FC236}">
+                <a16:creationId xmlns:a16="http://schemas.microsoft.com/office/drawing/2014/main" id="{074B4F7D-14B2-478B-8BF5-01E4E0C5D263}"/>
+              </a:ext>
+              <a:ext uri="{C183D7F6-B498-43B3-948B-1728B52AA6E4}">
+                <adec:decorative xmlns:adec="http://schemas.microsoft.com/office/drawing/2017/decorative" val="1"/>
+              </a:ext>
+            </a:extLst>
+          </p:cNvPr>
+          <p:cNvSpPr>
+            <a:spLocks noGrp="1" noRot="1" noChangeAspect="1" noMove="1" noResize="1" noEditPoints="1" noAdjustHandles="1" noChangeArrowheads="1" noChangeShapeType="1" noTextEdit="1"/>
+          </p:cNvSpPr>
+          <p:nvPr>
+            <p:extLst>
+              <p:ext uri="{386F3935-93C4-4BCD-93E2-E3B085C9AB24}">
+                <p16:designElem xmlns:p16="http://schemas.microsoft.com/office/powerpoint/2015/main" val="1"/>
+              </p:ext>
+            </p:extLst>
+          </p:nvPr>
+        </p:nvSpPr>
+        <p:spPr>
+          <a:xfrm>
+            <a:off x="498834" y="758952"/>
+            <a:ext cx="128016" cy="704088"/>
+          </a:xfrm>
+          <a:prstGeom prst="rect">
+            <a:avLst/>
+          </a:prstGeom>
+          <a:solidFill>
+            <a:schemeClr val="accent2"/>
+          </a:solidFill>
+          <a:ln>
+            <a:noFill/>
+          </a:ln>
+        </p:spPr>
+        <p:style>
+          <a:lnRef idx="2">
+            <a:schemeClr val="accent1">
+              <a:shade val="50000"/>
+            </a:schemeClr>
+          </a:lnRef>
+          <a:fillRef idx="1">
+            <a:schemeClr val="accent1"/>
+          </a:fillRef>
+          <a:effectRef idx="0">
+            <a:schemeClr val="accent1"/>
+          </a:effectRef>
+          <a:fontRef idx="minor">
+            <a:schemeClr val="lt1"/>
+          </a:fontRef>
+        </p:style>
+        <p:txBody>
+          <a:bodyPr rtlCol="0" anchor="ctr"/>
+          <a:lstStyle/>
+          <a:p>
+            <a:pPr algn="ctr"/>
+            <a:endParaRPr lang="en-US">
+              <a:solidFill>
+                <a:prstClr val="white"/>
+              </a:solidFill>
+              <a:latin typeface="Calibri" panose="020F0502020204030204"/>
+            </a:endParaRPr>
+          </a:p>
+        </p:txBody>
+      </p:sp>
+      <p:sp>
+        <p:nvSpPr>
+          <p:cNvPr id="4" name="TextBox 3">
+            <a:extLst>
+              <a:ext uri="{FF2B5EF4-FFF2-40B4-BE49-F238E27FC236}">
+                <a16:creationId xmlns:a16="http://schemas.microsoft.com/office/drawing/2014/main" id="{4DEC65A0-BB71-F348-AAFD-9DF3CCC5311B}"/>
+              </a:ext>
+            </a:extLst>
+          </p:cNvPr>
+          <p:cNvSpPr txBox="1"/>
+          <p:nvPr/>
+        </p:nvSpPr>
+        <p:spPr>
+          <a:xfrm>
+            <a:off x="7677068" y="3772007"/>
+            <a:ext cx="4486998" cy="923330"/>
+          </a:xfrm>
+          <a:prstGeom prst="rect">
+            <a:avLst/>
+          </a:prstGeom>
+          <a:noFill/>
+        </p:spPr>
+        <p:txBody>
+          <a:bodyPr wrap="none" rtlCol="0">
+            <a:spAutoFit/>
+          </a:bodyPr>
+          <a:lstStyle/>
+          <a:p>
+            <a:pPr algn="ctr"/>
+            <a:r>
+              <a:rPr lang="en-US" dirty="0">
+                <a:hlinkClick r:id="rId2"/>
+              </a:rPr>
+              <a:t>Quantum Emitter Topology Optimization (FiO)</a:t>
+            </a:r>
+            <a:endParaRPr lang="en-US" dirty="0"/>
+          </a:p>
+          <a:p>
+            <a:pPr algn="ctr"/>
+            <a:r>
+              <a:rPr lang="en-US" dirty="0">
+                <a:hlinkClick r:id="rId3"/>
+              </a:rPr>
+              <a:t>Photonic TopOpt for Foundry Design</a:t>
+            </a:r>
+            <a:endParaRPr lang="en-US" dirty="0"/>
+          </a:p>
+          <a:p>
+            <a:pPr algn="ctr"/>
+            <a:r>
+              <a:rPr lang="en-US" dirty="0">
+                <a:hlinkClick r:id="rId4"/>
+              </a:rPr>
+              <a:t>Hybrid Time/Frequency-Domain TopOpt</a:t>
+            </a:r>
+            <a:endParaRPr lang="en-US" dirty="0"/>
+          </a:p>
+        </p:txBody>
+      </p:sp>
+      <p:pic>
+        <p:nvPicPr>
+          <p:cNvPr id="6" name="Picture 5" descr="Chart&#10;&#10;Description automatically generated">
+            <a:extLst>
+              <a:ext uri="{FF2B5EF4-FFF2-40B4-BE49-F238E27FC236}">
+                <a16:creationId xmlns:a16="http://schemas.microsoft.com/office/drawing/2014/main" id="{8BDD139F-30CB-B24E-B71B-E84E6B68A445}"/>
+              </a:ext>
+            </a:extLst>
+          </p:cNvPr>
+          <p:cNvPicPr>
+            <a:picLocks noChangeAspect="1"/>
+          </p:cNvPicPr>
+          <p:nvPr/>
+        </p:nvPicPr>
+        <p:blipFill>
+          <a:blip r:embed="rId5"/>
+          <a:stretch>
+            <a:fillRect/>
+          </a:stretch>
+        </p:blipFill>
+        <p:spPr>
+          <a:xfrm>
+            <a:off x="85555" y="2221992"/>
+            <a:ext cx="7675316" cy="4087368"/>
+          </a:xfrm>
+          <a:prstGeom prst="rect">
+            <a:avLst/>
+          </a:prstGeom>
+        </p:spPr>
+      </p:pic>
+    </p:spTree>
+    <p:extLst>
+      <p:ext uri="{BB962C8B-B14F-4D97-AF65-F5344CB8AC3E}">
+        <p14:creationId xmlns:p14="http://schemas.microsoft.com/office/powerpoint/2010/main" val="1656368296"/>
       </p:ext>
     </p:extLst>
   </p:cSld>
@@ -7826,4 +11631,299 @@
     </a:ext>
   </a:extLst>
 </a:theme>
+</file>
+
+<file path=ppt/theme/theme2.xml><?xml version="1.0" encoding="utf-8"?>
+<a:theme xmlns:a="http://schemas.openxmlformats.org/drawingml/2006/main" name="Office Theme">
+  <a:themeElements>
+    <a:clrScheme name="Office">
+      <a:dk1>
+        <a:sysClr val="windowText" lastClr="000000"/>
+      </a:dk1>
+      <a:lt1>
+        <a:sysClr val="window" lastClr="FFFFFF"/>
+      </a:lt1>
+      <a:dk2>
+        <a:srgbClr val="44546A"/>
+      </a:dk2>
+      <a:lt2>
+        <a:srgbClr val="E7E6E6"/>
+      </a:lt2>
+      <a:accent1>
+        <a:srgbClr val="4472C4"/>
+      </a:accent1>
+      <a:accent2>
+        <a:srgbClr val="ED7D31"/>
+      </a:accent2>
+      <a:accent3>
+        <a:srgbClr val="A5A5A5"/>
+      </a:accent3>
+      <a:accent4>
+        <a:srgbClr val="FFC000"/>
+      </a:accent4>
+      <a:accent5>
+        <a:srgbClr val="5B9BD5"/>
+      </a:accent5>
+      <a:accent6>
+        <a:srgbClr val="70AD47"/>
+      </a:accent6>
+      <a:hlink>
+        <a:srgbClr val="0563C1"/>
+      </a:hlink>
+      <a:folHlink>
+        <a:srgbClr val="954F72"/>
+      </a:folHlink>
+    </a:clrScheme>
+    <a:fontScheme name="Office">
+      <a:majorFont>
+        <a:latin typeface="Calibri Light" panose="020F0302020204030204"/>
+        <a:ea typeface=""/>
+        <a:cs typeface=""/>
+        <a:font script="Jpan" typeface="游ゴシック Light"/>
+        <a:font script="Hang" typeface="맑은 고딕"/>
+        <a:font script="Hans" typeface="等线 Light"/>
+        <a:font script="Hant" typeface="新細明體"/>
+        <a:font script="Arab" typeface="Times New Roman"/>
+        <a:font script="Hebr" typeface="Times New Roman"/>
+        <a:font script="Thai" typeface="Angsana New"/>
+        <a:font script="Ethi" typeface="Nyala"/>
+        <a:font script="Beng" typeface="Vrinda"/>
+        <a:font script="Gujr" typeface="Shruti"/>
+        <a:font script="Khmr" typeface="MoolBoran"/>
+        <a:font script="Knda" typeface="Tunga"/>
+        <a:font script="Guru" typeface="Raavi"/>
+        <a:font script="Cans" typeface="Euphemia"/>
+        <a:font script="Cher" typeface="Plantagenet Cherokee"/>
+        <a:font script="Yiii" typeface="Microsoft Yi Baiti"/>
+        <a:font script="Tibt" typeface="Microsoft Himalaya"/>
+        <a:font script="Thaa" typeface="MV Boli"/>
+        <a:font script="Deva" typeface="Mangal"/>
+        <a:font script="Telu" typeface="Gautami"/>
+        <a:font script="Taml" typeface="Latha"/>
+        <a:font script="Syrc" typeface="Estrangelo Edessa"/>
+        <a:font script="Orya" typeface="Kalinga"/>
+        <a:font script="Mlym" typeface="Kartika"/>
+        <a:font script="Laoo" typeface="DokChampa"/>
+        <a:font script="Sinh" typeface="Iskoola Pota"/>
+        <a:font script="Mong" typeface="Mongolian Baiti"/>
+        <a:font script="Viet" typeface="Times New Roman"/>
+        <a:font script="Uigh" typeface="Microsoft Uighur"/>
+        <a:font script="Geor" typeface="Sylfaen"/>
+        <a:font script="Armn" typeface="Arial"/>
+        <a:font script="Bugi" typeface="Leelawadee UI"/>
+        <a:font script="Bopo" typeface="Microsoft JhengHei"/>
+        <a:font script="Java" typeface="Javanese Text"/>
+        <a:font script="Lisu" typeface="Segoe UI"/>
+        <a:font script="Mymr" typeface="Myanmar Text"/>
+        <a:font script="Nkoo" typeface="Ebrima"/>
+        <a:font script="Olck" typeface="Nirmala UI"/>
+        <a:font script="Osma" typeface="Ebrima"/>
+        <a:font script="Phag" typeface="Phagspa"/>
+        <a:font script="Syrn" typeface="Estrangelo Edessa"/>
+        <a:font script="Syrj" typeface="Estrangelo Edessa"/>
+        <a:font script="Syre" typeface="Estrangelo Edessa"/>
+        <a:font script="Sora" typeface="Nirmala UI"/>
+        <a:font script="Tale" typeface="Microsoft Tai Le"/>
+        <a:font script="Talu" typeface="Microsoft New Tai Lue"/>
+        <a:font script="Tfng" typeface="Ebrima"/>
+      </a:majorFont>
+      <a:minorFont>
+        <a:latin typeface="Calibri" panose="020F0502020204030204"/>
+        <a:ea typeface=""/>
+        <a:cs typeface=""/>
+        <a:font script="Jpan" typeface="游ゴシック"/>
+        <a:font script="Hang" typeface="맑은 고딕"/>
+        <a:font script="Hans" typeface="等线"/>
+        <a:font script="Hant" typeface="新細明體"/>
+        <a:font script="Arab" typeface="Arial"/>
+        <a:font script="Hebr" typeface="Arial"/>
+        <a:font script="Thai" typeface="Cordia New"/>
+        <a:font script="Ethi" typeface="Nyala"/>
+        <a:font script="Beng" typeface="Vrinda"/>
+        <a:font script="Gujr" typeface="Shruti"/>
+        <a:font script="Khmr" typeface="DaunPenh"/>
+        <a:font script="Knda" typeface="Tunga"/>
+        <a:font script="Guru" typeface="Raavi"/>
+        <a:font script="Cans" typeface="Euphemia"/>
+        <a:font script="Cher" typeface="Plantagenet Cherokee"/>
+        <a:font script="Yiii" typeface="Microsoft Yi Baiti"/>
+        <a:font script="Tibt" typeface="Microsoft Himalaya"/>
+        <a:font script="Thaa" typeface="MV Boli"/>
+        <a:font script="Deva" typeface="Mangal"/>
+        <a:font script="Telu" typeface="Gautami"/>
+        <a:font script="Taml" typeface="Latha"/>
+        <a:font script="Syrc" typeface="Estrangelo Edessa"/>
+        <a:font script="Orya" typeface="Kalinga"/>
+        <a:font script="Mlym" typeface="Kartika"/>
+        <a:font script="Laoo" typeface="DokChampa"/>
+        <a:font script="Sinh" typeface="Iskoola Pota"/>
+        <a:font script="Mong" typeface="Mongolian Baiti"/>
+        <a:font script="Viet" typeface="Arial"/>
+        <a:font script="Uigh" typeface="Microsoft Uighur"/>
+        <a:font script="Geor" typeface="Sylfaen"/>
+        <a:font script="Armn" typeface="Arial"/>
+        <a:font script="Bugi" typeface="Leelawadee UI"/>
+        <a:font script="Bopo" typeface="Microsoft JhengHei"/>
+        <a:font script="Java" typeface="Javanese Text"/>
+        <a:font script="Lisu" typeface="Segoe UI"/>
+        <a:font script="Mymr" typeface="Myanmar Text"/>
+        <a:font script="Nkoo" typeface="Ebrima"/>
+        <a:font script="Olck" typeface="Nirmala UI"/>
+        <a:font script="Osma" typeface="Ebrima"/>
+        <a:font script="Phag" typeface="Phagspa"/>
+        <a:font script="Syrn" typeface="Estrangelo Edessa"/>
+        <a:font script="Syrj" typeface="Estrangelo Edessa"/>
+        <a:font script="Syre" typeface="Estrangelo Edessa"/>
+        <a:font script="Sora" typeface="Nirmala UI"/>
+        <a:font script="Tale" typeface="Microsoft Tai Le"/>
+        <a:font script="Talu" typeface="Microsoft New Tai Lue"/>
+        <a:font script="Tfng" typeface="Ebrima"/>
+      </a:minorFont>
+    </a:fontScheme>
+    <a:fmtScheme name="Office">
+      <a:fillStyleLst>
+        <a:solidFill>
+          <a:schemeClr val="phClr"/>
+        </a:solidFill>
+        <a:gradFill rotWithShape="1">
+          <a:gsLst>
+            <a:gs pos="0">
+              <a:schemeClr val="phClr">
+                <a:lumMod val="110000"/>
+                <a:satMod val="105000"/>
+                <a:tint val="67000"/>
+              </a:schemeClr>
+            </a:gs>
+            <a:gs pos="50000">
+              <a:schemeClr val="phClr">
+                <a:lumMod val="105000"/>
+                <a:satMod val="103000"/>
+                <a:tint val="73000"/>
+              </a:schemeClr>
+            </a:gs>
+            <a:gs pos="100000">
+              <a:schemeClr val="phClr">
+                <a:lumMod val="105000"/>
+                <a:satMod val="109000"/>
+                <a:tint val="81000"/>
+              </a:schemeClr>
+            </a:gs>
+          </a:gsLst>
+          <a:lin ang="5400000" scaled="0"/>
+        </a:gradFill>
+        <a:gradFill rotWithShape="1">
+          <a:gsLst>
+            <a:gs pos="0">
+              <a:schemeClr val="phClr">
+                <a:satMod val="103000"/>
+                <a:lumMod val="102000"/>
+                <a:tint val="94000"/>
+              </a:schemeClr>
+            </a:gs>
+            <a:gs pos="50000">
+              <a:schemeClr val="phClr">
+                <a:satMod val="110000"/>
+                <a:lumMod val="100000"/>
+                <a:shade val="100000"/>
+              </a:schemeClr>
+            </a:gs>
+            <a:gs pos="100000">
+              <a:schemeClr val="phClr">
+                <a:lumMod val="99000"/>
+                <a:satMod val="120000"/>
+                <a:shade val="78000"/>
+              </a:schemeClr>
+            </a:gs>
+          </a:gsLst>
+          <a:lin ang="5400000" scaled="0"/>
+        </a:gradFill>
+      </a:fillStyleLst>
+      <a:lnStyleLst>
+        <a:ln w="6350" cap="flat" cmpd="sng" algn="ctr">
+          <a:solidFill>
+            <a:schemeClr val="phClr"/>
+          </a:solidFill>
+          <a:prstDash val="solid"/>
+          <a:miter lim="800000"/>
+        </a:ln>
+        <a:ln w="12700" cap="flat" cmpd="sng" algn="ctr">
+          <a:solidFill>
+            <a:schemeClr val="phClr"/>
+          </a:solidFill>
+          <a:prstDash val="solid"/>
+          <a:miter lim="800000"/>
+        </a:ln>
+        <a:ln w="19050" cap="flat" cmpd="sng" algn="ctr">
+          <a:solidFill>
+            <a:schemeClr val="phClr"/>
+          </a:solidFill>
+          <a:prstDash val="solid"/>
+          <a:miter lim="800000"/>
+        </a:ln>
+      </a:lnStyleLst>
+      <a:effectStyleLst>
+        <a:effectStyle>
+          <a:effectLst/>
+        </a:effectStyle>
+        <a:effectStyle>
+          <a:effectLst/>
+        </a:effectStyle>
+        <a:effectStyle>
+          <a:effectLst>
+            <a:outerShdw blurRad="57150" dist="19050" dir="5400000" algn="ctr" rotWithShape="0">
+              <a:srgbClr val="000000">
+                <a:alpha val="63000"/>
+              </a:srgbClr>
+            </a:outerShdw>
+          </a:effectLst>
+        </a:effectStyle>
+      </a:effectStyleLst>
+      <a:bgFillStyleLst>
+        <a:solidFill>
+          <a:schemeClr val="phClr"/>
+        </a:solidFill>
+        <a:solidFill>
+          <a:schemeClr val="phClr">
+            <a:tint val="95000"/>
+            <a:satMod val="170000"/>
+          </a:schemeClr>
+        </a:solidFill>
+        <a:gradFill rotWithShape="1">
+          <a:gsLst>
+            <a:gs pos="0">
+              <a:schemeClr val="phClr">
+                <a:tint val="93000"/>
+                <a:satMod val="150000"/>
+                <a:shade val="98000"/>
+                <a:lumMod val="102000"/>
+              </a:schemeClr>
+            </a:gs>
+            <a:gs pos="50000">
+              <a:schemeClr val="phClr">
+                <a:tint val="98000"/>
+                <a:satMod val="130000"/>
+                <a:shade val="90000"/>
+                <a:lumMod val="103000"/>
+              </a:schemeClr>
+            </a:gs>
+            <a:gs pos="100000">
+              <a:schemeClr val="phClr">
+                <a:shade val="63000"/>
+                <a:satMod val="120000"/>
+              </a:schemeClr>
+            </a:gs>
+          </a:gsLst>
+          <a:lin ang="5400000" scaled="0"/>
+        </a:gradFill>
+      </a:bgFillStyleLst>
+    </a:fmtScheme>
+  </a:themeElements>
+  <a:objectDefaults/>
+  <a:extraClrSchemeLst/>
+  <a:extLst>
+    <a:ext uri="{05A4C25C-085E-4340-85A3-A5531E510DB2}">
+      <thm15:themeFamily xmlns:thm15="http://schemas.microsoft.com/office/thememl/2012/main" name="Office Theme" id="{62F939B6-93AF-4DB8-9C6B-D6C7DFDC589F}" vid="{4A3C46E8-61CC-4603-A589-7422A47A8E4A}"/>
+    </a:ext>
+  </a:extLst>
+</a:theme>
 </file>